--- a/images/graphics.pptx
+++ b/images/graphics.pptx
@@ -7,6 +7,7 @@
   <p:sldIdLst>
     <p:sldId id="257" r:id="rId2"/>
     <p:sldId id="258" r:id="rId3"/>
+    <p:sldId id="259" r:id="rId4"/>
   </p:sldIdLst>
   <p:sldSz cx="12192000" cy="6858000"/>
   <p:notesSz cx="6858000" cy="9144000"/>
@@ -5140,6 +5141,588 @@
 </p:sld>
 </file>
 
+<file path=ppt/slides/slide3.xml><?xml version="1.0" encoding="utf-8"?>
+<p:sld xmlns:a="http://schemas.openxmlformats.org/drawingml/2006/main" xmlns:r="http://schemas.openxmlformats.org/officeDocument/2006/relationships" xmlns:p="http://schemas.openxmlformats.org/presentationml/2006/main">
+  <p:cSld>
+    <p:spTree>
+      <p:nvGrpSpPr>
+        <p:cNvPr id="1" name=""/>
+        <p:cNvGrpSpPr/>
+        <p:nvPr/>
+      </p:nvGrpSpPr>
+      <p:grpSpPr>
+        <a:xfrm>
+          <a:off x="0" y="0"/>
+          <a:ext cx="0" cy="0"/>
+          <a:chOff x="0" y="0"/>
+          <a:chExt cx="0" cy="0"/>
+        </a:xfrm>
+      </p:grpSpPr>
+      <p:sp>
+        <p:nvSpPr>
+          <p:cNvPr id="4" name="Rectangle 3">
+            <a:extLst>
+              <a:ext uri="{FF2B5EF4-FFF2-40B4-BE49-F238E27FC236}">
+                <a16:creationId xmlns:a16="http://schemas.microsoft.com/office/drawing/2014/main" id="{C7ECCC9F-944F-25A4-D5FE-8CD9B183443A}"/>
+              </a:ext>
+            </a:extLst>
+          </p:cNvPr>
+          <p:cNvSpPr/>
+          <p:nvPr/>
+        </p:nvSpPr>
+        <p:spPr>
+          <a:xfrm>
+            <a:off x="3043881" y="1124466"/>
+            <a:ext cx="2496065" cy="2496065"/>
+          </a:xfrm>
+          <a:prstGeom prst="rect">
+            <a:avLst/>
+          </a:prstGeom>
+          <a:solidFill>
+            <a:schemeClr val="accent4">
+              <a:lumMod val="20000"/>
+              <a:lumOff val="80000"/>
+            </a:schemeClr>
+          </a:solidFill>
+          <a:ln>
+            <a:noFill/>
+          </a:ln>
+        </p:spPr>
+        <p:style>
+          <a:lnRef idx="2">
+            <a:schemeClr val="accent1"/>
+          </a:lnRef>
+          <a:fillRef idx="1">
+            <a:schemeClr val="lt1"/>
+          </a:fillRef>
+          <a:effectRef idx="0">
+            <a:schemeClr val="accent1"/>
+          </a:effectRef>
+          <a:fontRef idx="minor">
+            <a:schemeClr val="dk1"/>
+          </a:fontRef>
+        </p:style>
+        <p:txBody>
+          <a:bodyPr rtlCol="0" anchor="ctr"/>
+          <a:lstStyle/>
+          <a:p>
+            <a:pPr algn="ctr"/>
+            <a:r>
+              <a:rPr lang="en-US" sz="3200" dirty="0"/>
+              <a:t>Keep </a:t>
+            </a:r>
+          </a:p>
+          <a:p>
+            <a:pPr algn="ctr"/>
+            <a:r>
+              <a:rPr lang="en-US" sz="3200" dirty="0"/>
+              <a:t>satisfied</a:t>
+            </a:r>
+          </a:p>
+        </p:txBody>
+      </p:sp>
+      <p:sp>
+        <p:nvSpPr>
+          <p:cNvPr id="5" name="Rectangle 4">
+            <a:extLst>
+              <a:ext uri="{FF2B5EF4-FFF2-40B4-BE49-F238E27FC236}">
+                <a16:creationId xmlns:a16="http://schemas.microsoft.com/office/drawing/2014/main" id="{E42CA6C5-FA3E-FF9F-2144-857E6D9779DF}"/>
+              </a:ext>
+            </a:extLst>
+          </p:cNvPr>
+          <p:cNvSpPr/>
+          <p:nvPr/>
+        </p:nvSpPr>
+        <p:spPr>
+          <a:xfrm>
+            <a:off x="5539946" y="1124465"/>
+            <a:ext cx="2496065" cy="2496065"/>
+          </a:xfrm>
+          <a:prstGeom prst="rect">
+            <a:avLst/>
+          </a:prstGeom>
+          <a:solidFill>
+            <a:schemeClr val="accent2">
+              <a:lumMod val="20000"/>
+              <a:lumOff val="80000"/>
+            </a:schemeClr>
+          </a:solidFill>
+          <a:ln>
+            <a:noFill/>
+          </a:ln>
+        </p:spPr>
+        <p:style>
+          <a:lnRef idx="2">
+            <a:schemeClr val="accent1"/>
+          </a:lnRef>
+          <a:fillRef idx="1">
+            <a:schemeClr val="lt1"/>
+          </a:fillRef>
+          <a:effectRef idx="0">
+            <a:schemeClr val="accent1"/>
+          </a:effectRef>
+          <a:fontRef idx="minor">
+            <a:schemeClr val="dk1"/>
+          </a:fontRef>
+        </p:style>
+        <p:txBody>
+          <a:bodyPr rtlCol="0" anchor="ctr"/>
+          <a:lstStyle/>
+          <a:p>
+            <a:pPr algn="ctr"/>
+            <a:r>
+              <a:rPr lang="en-US" sz="3200" dirty="0"/>
+              <a:t>Manage closely</a:t>
+            </a:r>
+          </a:p>
+        </p:txBody>
+      </p:sp>
+      <p:sp>
+        <p:nvSpPr>
+          <p:cNvPr id="6" name="Rectangle 5">
+            <a:extLst>
+              <a:ext uri="{FF2B5EF4-FFF2-40B4-BE49-F238E27FC236}">
+                <a16:creationId xmlns:a16="http://schemas.microsoft.com/office/drawing/2014/main" id="{7570EEE8-6DBF-0731-A59C-4C3E2995D4C3}"/>
+              </a:ext>
+            </a:extLst>
+          </p:cNvPr>
+          <p:cNvSpPr/>
+          <p:nvPr/>
+        </p:nvSpPr>
+        <p:spPr>
+          <a:xfrm>
+            <a:off x="3043881" y="3620531"/>
+            <a:ext cx="2496065" cy="2496065"/>
+          </a:xfrm>
+          <a:prstGeom prst="rect">
+            <a:avLst/>
+          </a:prstGeom>
+          <a:solidFill>
+            <a:schemeClr val="accent6">
+              <a:lumMod val="20000"/>
+              <a:lumOff val="80000"/>
+            </a:schemeClr>
+          </a:solidFill>
+          <a:ln>
+            <a:noFill/>
+          </a:ln>
+        </p:spPr>
+        <p:style>
+          <a:lnRef idx="2">
+            <a:schemeClr val="accent1"/>
+          </a:lnRef>
+          <a:fillRef idx="1">
+            <a:schemeClr val="lt1"/>
+          </a:fillRef>
+          <a:effectRef idx="0">
+            <a:schemeClr val="accent1"/>
+          </a:effectRef>
+          <a:fontRef idx="minor">
+            <a:schemeClr val="dk1"/>
+          </a:fontRef>
+        </p:style>
+        <p:txBody>
+          <a:bodyPr rtlCol="0" anchor="ctr"/>
+          <a:lstStyle/>
+          <a:p>
+            <a:pPr algn="ctr"/>
+            <a:r>
+              <a:rPr lang="en-US" sz="3200" dirty="0"/>
+              <a:t>Monitor</a:t>
+            </a:r>
+          </a:p>
+        </p:txBody>
+      </p:sp>
+      <p:sp>
+        <p:nvSpPr>
+          <p:cNvPr id="7" name="Rectangle 6">
+            <a:extLst>
+              <a:ext uri="{FF2B5EF4-FFF2-40B4-BE49-F238E27FC236}">
+                <a16:creationId xmlns:a16="http://schemas.microsoft.com/office/drawing/2014/main" id="{A9B4565E-59C8-B54F-298F-1CEE4E0C6DB5}"/>
+              </a:ext>
+            </a:extLst>
+          </p:cNvPr>
+          <p:cNvSpPr/>
+          <p:nvPr/>
+        </p:nvSpPr>
+        <p:spPr>
+          <a:xfrm>
+            <a:off x="5539946" y="3620530"/>
+            <a:ext cx="2496065" cy="2496065"/>
+          </a:xfrm>
+          <a:prstGeom prst="rect">
+            <a:avLst/>
+          </a:prstGeom>
+          <a:solidFill>
+            <a:schemeClr val="accent4">
+              <a:lumMod val="20000"/>
+              <a:lumOff val="80000"/>
+            </a:schemeClr>
+          </a:solidFill>
+          <a:ln>
+            <a:noFill/>
+          </a:ln>
+        </p:spPr>
+        <p:style>
+          <a:lnRef idx="2">
+            <a:schemeClr val="accent1"/>
+          </a:lnRef>
+          <a:fillRef idx="1">
+            <a:schemeClr val="lt1"/>
+          </a:fillRef>
+          <a:effectRef idx="0">
+            <a:schemeClr val="accent1"/>
+          </a:effectRef>
+          <a:fontRef idx="minor">
+            <a:schemeClr val="dk1"/>
+          </a:fontRef>
+        </p:style>
+        <p:txBody>
+          <a:bodyPr rtlCol="0" anchor="ctr"/>
+          <a:lstStyle/>
+          <a:p>
+            <a:pPr algn="ctr"/>
+            <a:r>
+              <a:rPr lang="en-US" sz="3200" dirty="0"/>
+              <a:t>Keep informed</a:t>
+            </a:r>
+          </a:p>
+        </p:txBody>
+      </p:sp>
+      <p:cxnSp>
+        <p:nvCxnSpPr>
+          <p:cNvPr id="9" name="Straight Arrow Connector 8">
+            <a:extLst>
+              <a:ext uri="{FF2B5EF4-FFF2-40B4-BE49-F238E27FC236}">
+                <a16:creationId xmlns:a16="http://schemas.microsoft.com/office/drawing/2014/main" id="{1003D252-FB1B-7FFB-5559-2933ABE4C8D0}"/>
+              </a:ext>
+            </a:extLst>
+          </p:cNvPr>
+          <p:cNvCxnSpPr/>
+          <p:nvPr/>
+        </p:nvCxnSpPr>
+        <p:spPr>
+          <a:xfrm flipV="1">
+            <a:off x="3043881" y="815546"/>
+            <a:ext cx="0" cy="5301049"/>
+          </a:xfrm>
+          <a:prstGeom prst="straightConnector1">
+            <a:avLst/>
+          </a:prstGeom>
+          <a:ln w="38100">
+            <a:tailEnd type="triangle"/>
+          </a:ln>
+        </p:spPr>
+        <p:style>
+          <a:lnRef idx="1">
+            <a:schemeClr val="accent1"/>
+          </a:lnRef>
+          <a:fillRef idx="0">
+            <a:schemeClr val="accent1"/>
+          </a:fillRef>
+          <a:effectRef idx="0">
+            <a:schemeClr val="accent1"/>
+          </a:effectRef>
+          <a:fontRef idx="minor">
+            <a:schemeClr val="tx1"/>
+          </a:fontRef>
+        </p:style>
+      </p:cxnSp>
+      <p:cxnSp>
+        <p:nvCxnSpPr>
+          <p:cNvPr id="10" name="Straight Arrow Connector 9">
+            <a:extLst>
+              <a:ext uri="{FF2B5EF4-FFF2-40B4-BE49-F238E27FC236}">
+                <a16:creationId xmlns:a16="http://schemas.microsoft.com/office/drawing/2014/main" id="{599EA0B1-45D8-DC17-4C44-4ADC0870CD0A}"/>
+              </a:ext>
+            </a:extLst>
+          </p:cNvPr>
+          <p:cNvCxnSpPr>
+            <a:cxnSpLocks/>
+          </p:cNvCxnSpPr>
+          <p:nvPr/>
+        </p:nvCxnSpPr>
+        <p:spPr>
+          <a:xfrm>
+            <a:off x="3043881" y="6116595"/>
+            <a:ext cx="5276336" cy="0"/>
+          </a:xfrm>
+          <a:prstGeom prst="straightConnector1">
+            <a:avLst/>
+          </a:prstGeom>
+          <a:ln w="38100">
+            <a:tailEnd type="triangle"/>
+          </a:ln>
+        </p:spPr>
+        <p:style>
+          <a:lnRef idx="1">
+            <a:schemeClr val="accent1"/>
+          </a:lnRef>
+          <a:fillRef idx="0">
+            <a:schemeClr val="accent1"/>
+          </a:fillRef>
+          <a:effectRef idx="0">
+            <a:schemeClr val="accent1"/>
+          </a:effectRef>
+          <a:fontRef idx="minor">
+            <a:schemeClr val="tx1"/>
+          </a:fontRef>
+        </p:style>
+      </p:cxnSp>
+      <p:sp>
+        <p:nvSpPr>
+          <p:cNvPr id="15" name="TextBox 14">
+            <a:extLst>
+              <a:ext uri="{FF2B5EF4-FFF2-40B4-BE49-F238E27FC236}">
+                <a16:creationId xmlns:a16="http://schemas.microsoft.com/office/drawing/2014/main" id="{ACDC4A09-BC6C-B9EF-0227-B45C1354BC0A}"/>
+              </a:ext>
+            </a:extLst>
+          </p:cNvPr>
+          <p:cNvSpPr txBox="1"/>
+          <p:nvPr/>
+        </p:nvSpPr>
+        <p:spPr>
+          <a:xfrm>
+            <a:off x="1363363" y="293468"/>
+            <a:ext cx="1383956" cy="830997"/>
+          </a:xfrm>
+          <a:prstGeom prst="rect">
+            <a:avLst/>
+          </a:prstGeom>
+          <a:noFill/>
+          <a:ln>
+            <a:noFill/>
+          </a:ln>
+        </p:spPr>
+        <p:txBody>
+          <a:bodyPr wrap="square" rtlCol="0">
+            <a:spAutoFit/>
+          </a:bodyPr>
+          <a:lstStyle/>
+          <a:p>
+            <a:pPr algn="ctr"/>
+            <a:r>
+              <a:rPr lang="en-US" sz="2400" dirty="0"/>
+              <a:t>Power / influence</a:t>
+            </a:r>
+          </a:p>
+        </p:txBody>
+      </p:sp>
+      <p:sp>
+        <p:nvSpPr>
+          <p:cNvPr id="16" name="TextBox 15">
+            <a:extLst>
+              <a:ext uri="{FF2B5EF4-FFF2-40B4-BE49-F238E27FC236}">
+                <a16:creationId xmlns:a16="http://schemas.microsoft.com/office/drawing/2014/main" id="{449C04E2-717D-DA21-9B3E-77834A5E84EB}"/>
+              </a:ext>
+            </a:extLst>
+          </p:cNvPr>
+          <p:cNvSpPr txBox="1"/>
+          <p:nvPr/>
+        </p:nvSpPr>
+        <p:spPr>
+          <a:xfrm>
+            <a:off x="7572633" y="5935189"/>
+            <a:ext cx="3150971" cy="830997"/>
+          </a:xfrm>
+          <a:prstGeom prst="rect">
+            <a:avLst/>
+          </a:prstGeom>
+          <a:noFill/>
+          <a:ln>
+            <a:noFill/>
+          </a:ln>
+        </p:spPr>
+        <p:txBody>
+          <a:bodyPr wrap="square" rtlCol="0">
+            <a:spAutoFit/>
+          </a:bodyPr>
+          <a:lstStyle/>
+          <a:p>
+            <a:pPr algn="ctr"/>
+            <a:r>
+              <a:rPr lang="en-US" sz="2400" dirty="0"/>
+              <a:t>Interest / </a:t>
+            </a:r>
+          </a:p>
+          <a:p>
+            <a:pPr algn="ctr"/>
+            <a:r>
+              <a:rPr lang="en-US" sz="2400" dirty="0"/>
+              <a:t>importance</a:t>
+            </a:r>
+          </a:p>
+        </p:txBody>
+      </p:sp>
+      <p:sp>
+        <p:nvSpPr>
+          <p:cNvPr id="17" name="TextBox 16">
+            <a:extLst>
+              <a:ext uri="{FF2B5EF4-FFF2-40B4-BE49-F238E27FC236}">
+                <a16:creationId xmlns:a16="http://schemas.microsoft.com/office/drawing/2014/main" id="{3D7AD4C6-0588-BCF8-3312-F213C2370A7B}"/>
+              </a:ext>
+            </a:extLst>
+          </p:cNvPr>
+          <p:cNvSpPr txBox="1"/>
+          <p:nvPr/>
+        </p:nvSpPr>
+        <p:spPr>
+          <a:xfrm>
+            <a:off x="1719651" y="4547286"/>
+            <a:ext cx="1132702" cy="461665"/>
+          </a:xfrm>
+          <a:prstGeom prst="rect">
+            <a:avLst/>
+          </a:prstGeom>
+          <a:noFill/>
+          <a:ln>
+            <a:noFill/>
+          </a:ln>
+        </p:spPr>
+        <p:txBody>
+          <a:bodyPr wrap="square" rtlCol="0">
+            <a:spAutoFit/>
+          </a:bodyPr>
+          <a:lstStyle/>
+          <a:p>
+            <a:pPr algn="ctr"/>
+            <a:r>
+              <a:rPr lang="en-US" sz="2400" dirty="0"/>
+              <a:t>Low</a:t>
+            </a:r>
+          </a:p>
+        </p:txBody>
+      </p:sp>
+      <p:sp>
+        <p:nvSpPr>
+          <p:cNvPr id="18" name="TextBox 17">
+            <a:extLst>
+              <a:ext uri="{FF2B5EF4-FFF2-40B4-BE49-F238E27FC236}">
+                <a16:creationId xmlns:a16="http://schemas.microsoft.com/office/drawing/2014/main" id="{E27E7454-C4A8-9D83-8997-E63D3C697D86}"/>
+              </a:ext>
+            </a:extLst>
+          </p:cNvPr>
+          <p:cNvSpPr txBox="1"/>
+          <p:nvPr/>
+        </p:nvSpPr>
+        <p:spPr>
+          <a:xfrm>
+            <a:off x="3725562" y="6210558"/>
+            <a:ext cx="1132702" cy="461665"/>
+          </a:xfrm>
+          <a:prstGeom prst="rect">
+            <a:avLst/>
+          </a:prstGeom>
+          <a:noFill/>
+          <a:ln>
+            <a:noFill/>
+          </a:ln>
+        </p:spPr>
+        <p:txBody>
+          <a:bodyPr wrap="square" rtlCol="0">
+            <a:spAutoFit/>
+          </a:bodyPr>
+          <a:lstStyle/>
+          <a:p>
+            <a:pPr algn="ctr"/>
+            <a:r>
+              <a:rPr lang="en-US" sz="2400" dirty="0"/>
+              <a:t>Low</a:t>
+            </a:r>
+          </a:p>
+        </p:txBody>
+      </p:sp>
+      <p:sp>
+        <p:nvSpPr>
+          <p:cNvPr id="19" name="TextBox 18">
+            <a:extLst>
+              <a:ext uri="{FF2B5EF4-FFF2-40B4-BE49-F238E27FC236}">
+                <a16:creationId xmlns:a16="http://schemas.microsoft.com/office/drawing/2014/main" id="{A961055F-EC2C-6B26-6C0D-DC5BF101833B}"/>
+              </a:ext>
+            </a:extLst>
+          </p:cNvPr>
+          <p:cNvSpPr txBox="1"/>
+          <p:nvPr/>
+        </p:nvSpPr>
+        <p:spPr>
+          <a:xfrm>
+            <a:off x="1762898" y="2228334"/>
+            <a:ext cx="1132702" cy="461665"/>
+          </a:xfrm>
+          <a:prstGeom prst="rect">
+            <a:avLst/>
+          </a:prstGeom>
+          <a:noFill/>
+          <a:ln>
+            <a:noFill/>
+          </a:ln>
+        </p:spPr>
+        <p:txBody>
+          <a:bodyPr wrap="square" rtlCol="0">
+            <a:spAutoFit/>
+          </a:bodyPr>
+          <a:lstStyle/>
+          <a:p>
+            <a:pPr algn="ctr"/>
+            <a:r>
+              <a:rPr lang="en-US" sz="2400" dirty="0"/>
+              <a:t>High</a:t>
+            </a:r>
+          </a:p>
+        </p:txBody>
+      </p:sp>
+      <p:sp>
+        <p:nvSpPr>
+          <p:cNvPr id="20" name="TextBox 19">
+            <a:extLst>
+              <a:ext uri="{FF2B5EF4-FFF2-40B4-BE49-F238E27FC236}">
+                <a16:creationId xmlns:a16="http://schemas.microsoft.com/office/drawing/2014/main" id="{CC411101-E844-C57F-4B36-B7E32734823B}"/>
+              </a:ext>
+            </a:extLst>
+          </p:cNvPr>
+          <p:cNvSpPr txBox="1"/>
+          <p:nvPr/>
+        </p:nvSpPr>
+        <p:spPr>
+          <a:xfrm>
+            <a:off x="6201036" y="6210557"/>
+            <a:ext cx="1132702" cy="461665"/>
+          </a:xfrm>
+          <a:prstGeom prst="rect">
+            <a:avLst/>
+          </a:prstGeom>
+          <a:noFill/>
+          <a:ln>
+            <a:noFill/>
+          </a:ln>
+        </p:spPr>
+        <p:txBody>
+          <a:bodyPr wrap="square" rtlCol="0">
+            <a:spAutoFit/>
+          </a:bodyPr>
+          <a:lstStyle/>
+          <a:p>
+            <a:pPr algn="ctr"/>
+            <a:r>
+              <a:rPr lang="en-US" sz="2400" dirty="0"/>
+              <a:t>High</a:t>
+            </a:r>
+          </a:p>
+        </p:txBody>
+      </p:sp>
+    </p:spTree>
+    <p:extLst>
+      <p:ext uri="{BB962C8B-B14F-4D97-AF65-F5344CB8AC3E}">
+        <p14:creationId xmlns:p14="http://schemas.microsoft.com/office/powerpoint/2010/main" val="3360722060"/>
+      </p:ext>
+    </p:extLst>
+  </p:cSld>
+  <p:clrMapOvr>
+    <a:masterClrMapping/>
+  </p:clrMapOvr>
+</p:sld>
+</file>
+
 <file path=ppt/theme/theme1.xml><?xml version="1.0" encoding="utf-8"?>
 <a:theme xmlns:a="http://schemas.openxmlformats.org/drawingml/2006/main" name="Office Theme">
   <a:themeElements>

--- a/images/graphics.pptx
+++ b/images/graphics.pptx
@@ -8,6 +8,13 @@
     <p:sldId id="257" r:id="rId2"/>
     <p:sldId id="258" r:id="rId3"/>
     <p:sldId id="259" r:id="rId4"/>
+    <p:sldId id="260" r:id="rId5"/>
+    <p:sldId id="261" r:id="rId6"/>
+    <p:sldId id="265" r:id="rId7"/>
+    <p:sldId id="263" r:id="rId8"/>
+    <p:sldId id="262" r:id="rId9"/>
+    <p:sldId id="264" r:id="rId10"/>
+    <p:sldId id="266" r:id="rId11"/>
   </p:sldIdLst>
   <p:sldSz cx="12192000" cy="6858000"/>
   <p:notesSz cx="6858000" cy="9144000"/>
@@ -263,7 +270,7 @@
           <a:p>
             <a:fld id="{E9175749-BE88-2442-8D84-DEA4B15C26FA}" type="datetimeFigureOut">
               <a:rPr lang="en-US" smtClean="0"/>
-              <a:t>9/5/23</a:t>
+              <a:t>9/21/23</a:t>
             </a:fld>
             <a:endParaRPr lang="en-US"/>
           </a:p>
@@ -463,7 +470,7 @@
           <a:p>
             <a:fld id="{E9175749-BE88-2442-8D84-DEA4B15C26FA}" type="datetimeFigureOut">
               <a:rPr lang="en-US" smtClean="0"/>
-              <a:t>9/5/23</a:t>
+              <a:t>9/21/23</a:t>
             </a:fld>
             <a:endParaRPr lang="en-US"/>
           </a:p>
@@ -673,7 +680,7 @@
           <a:p>
             <a:fld id="{E9175749-BE88-2442-8D84-DEA4B15C26FA}" type="datetimeFigureOut">
               <a:rPr lang="en-US" smtClean="0"/>
-              <a:t>9/5/23</a:t>
+              <a:t>9/21/23</a:t>
             </a:fld>
             <a:endParaRPr lang="en-US"/>
           </a:p>
@@ -873,7 +880,7 @@
           <a:p>
             <a:fld id="{E9175749-BE88-2442-8D84-DEA4B15C26FA}" type="datetimeFigureOut">
               <a:rPr lang="en-US" smtClean="0"/>
-              <a:t>9/5/23</a:t>
+              <a:t>9/21/23</a:t>
             </a:fld>
             <a:endParaRPr lang="en-US"/>
           </a:p>
@@ -1149,7 +1156,7 @@
           <a:p>
             <a:fld id="{E9175749-BE88-2442-8D84-DEA4B15C26FA}" type="datetimeFigureOut">
               <a:rPr lang="en-US" smtClean="0"/>
-              <a:t>9/5/23</a:t>
+              <a:t>9/21/23</a:t>
             </a:fld>
             <a:endParaRPr lang="en-US"/>
           </a:p>
@@ -1417,7 +1424,7 @@
           <a:p>
             <a:fld id="{E9175749-BE88-2442-8D84-DEA4B15C26FA}" type="datetimeFigureOut">
               <a:rPr lang="en-US" smtClean="0"/>
-              <a:t>9/5/23</a:t>
+              <a:t>9/21/23</a:t>
             </a:fld>
             <a:endParaRPr lang="en-US"/>
           </a:p>
@@ -1832,7 +1839,7 @@
           <a:p>
             <a:fld id="{E9175749-BE88-2442-8D84-DEA4B15C26FA}" type="datetimeFigureOut">
               <a:rPr lang="en-US" smtClean="0"/>
-              <a:t>9/5/23</a:t>
+              <a:t>9/21/23</a:t>
             </a:fld>
             <a:endParaRPr lang="en-US"/>
           </a:p>
@@ -1974,7 +1981,7 @@
           <a:p>
             <a:fld id="{E9175749-BE88-2442-8D84-DEA4B15C26FA}" type="datetimeFigureOut">
               <a:rPr lang="en-US" smtClean="0"/>
-              <a:t>9/5/23</a:t>
+              <a:t>9/21/23</a:t>
             </a:fld>
             <a:endParaRPr lang="en-US"/>
           </a:p>
@@ -2087,7 +2094,7 @@
           <a:p>
             <a:fld id="{E9175749-BE88-2442-8D84-DEA4B15C26FA}" type="datetimeFigureOut">
               <a:rPr lang="en-US" smtClean="0"/>
-              <a:t>9/5/23</a:t>
+              <a:t>9/21/23</a:t>
             </a:fld>
             <a:endParaRPr lang="en-US"/>
           </a:p>
@@ -2400,7 +2407,7 @@
           <a:p>
             <a:fld id="{E9175749-BE88-2442-8D84-DEA4B15C26FA}" type="datetimeFigureOut">
               <a:rPr lang="en-US" smtClean="0"/>
-              <a:t>9/5/23</a:t>
+              <a:t>9/21/23</a:t>
             </a:fld>
             <a:endParaRPr lang="en-US"/>
           </a:p>
@@ -2689,7 +2696,7 @@
           <a:p>
             <a:fld id="{E9175749-BE88-2442-8D84-DEA4B15C26FA}" type="datetimeFigureOut">
               <a:rPr lang="en-US" smtClean="0"/>
-              <a:t>9/5/23</a:t>
+              <a:t>9/21/23</a:t>
             </a:fld>
             <a:endParaRPr lang="en-US"/>
           </a:p>
@@ -2932,7 +2939,7 @@
           <a:p>
             <a:fld id="{E9175749-BE88-2442-8D84-DEA4B15C26FA}" type="datetimeFigureOut">
               <a:rPr lang="en-US" smtClean="0"/>
-              <a:t>9/5/23</a:t>
+              <a:t>9/21/23</a:t>
             </a:fld>
             <a:endParaRPr lang="en-US"/>
           </a:p>
@@ -4127,6 +4134,570 @@
 </p:sld>
 </file>
 
+<file path=ppt/slides/slide10.xml><?xml version="1.0" encoding="utf-8"?>
+<p:sld xmlns:a="http://schemas.openxmlformats.org/drawingml/2006/main" xmlns:r="http://schemas.openxmlformats.org/officeDocument/2006/relationships" xmlns:p="http://schemas.openxmlformats.org/presentationml/2006/main">
+  <p:cSld>
+    <p:spTree>
+      <p:nvGrpSpPr>
+        <p:cNvPr id="1" name=""/>
+        <p:cNvGrpSpPr/>
+        <p:nvPr/>
+      </p:nvGrpSpPr>
+      <p:grpSpPr>
+        <a:xfrm>
+          <a:off x="0" y="0"/>
+          <a:ext cx="0" cy="0"/>
+          <a:chOff x="0" y="0"/>
+          <a:chExt cx="0" cy="0"/>
+        </a:xfrm>
+      </p:grpSpPr>
+      <p:pic>
+        <p:nvPicPr>
+          <p:cNvPr id="3" name="Picture 2">
+            <a:extLst>
+              <a:ext uri="{FF2B5EF4-FFF2-40B4-BE49-F238E27FC236}">
+                <a16:creationId xmlns:a16="http://schemas.microsoft.com/office/drawing/2014/main" id="{E43138F3-6155-2821-62A2-F027C7F367DA}"/>
+              </a:ext>
+            </a:extLst>
+          </p:cNvPr>
+          <p:cNvPicPr>
+            <a:picLocks noChangeAspect="1"/>
+          </p:cNvPicPr>
+          <p:nvPr/>
+        </p:nvPicPr>
+        <p:blipFill>
+          <a:blip r:embed="rId2"/>
+          <a:stretch>
+            <a:fillRect/>
+          </a:stretch>
+        </p:blipFill>
+        <p:spPr>
+          <a:xfrm>
+            <a:off x="4216035" y="2603373"/>
+            <a:ext cx="2210109" cy="978245"/>
+          </a:xfrm>
+          <a:prstGeom prst="rect">
+            <a:avLst/>
+          </a:prstGeom>
+        </p:spPr>
+      </p:pic>
+      <p:pic>
+        <p:nvPicPr>
+          <p:cNvPr id="5" name="Picture 4">
+            <a:extLst>
+              <a:ext uri="{FF2B5EF4-FFF2-40B4-BE49-F238E27FC236}">
+                <a16:creationId xmlns:a16="http://schemas.microsoft.com/office/drawing/2014/main" id="{DC29A4AB-FF92-2866-C710-DDCDC7A4FBAF}"/>
+              </a:ext>
+            </a:extLst>
+          </p:cNvPr>
+          <p:cNvPicPr>
+            <a:picLocks noChangeAspect="1"/>
+          </p:cNvPicPr>
+          <p:nvPr/>
+        </p:nvPicPr>
+        <p:blipFill>
+          <a:blip r:embed="rId3"/>
+          <a:stretch>
+            <a:fillRect/>
+          </a:stretch>
+        </p:blipFill>
+        <p:spPr>
+          <a:xfrm>
+            <a:off x="5992549" y="1829917"/>
+            <a:ext cx="1005313" cy="927122"/>
+          </a:xfrm>
+          <a:prstGeom prst="rect">
+            <a:avLst/>
+          </a:prstGeom>
+        </p:spPr>
+      </p:pic>
+      <p:pic>
+        <p:nvPicPr>
+          <p:cNvPr id="7" name="Picture 6">
+            <a:extLst>
+              <a:ext uri="{FF2B5EF4-FFF2-40B4-BE49-F238E27FC236}">
+                <a16:creationId xmlns:a16="http://schemas.microsoft.com/office/drawing/2014/main" id="{6B1A7C88-0672-4F72-421C-5EE1DF190701}"/>
+              </a:ext>
+            </a:extLst>
+          </p:cNvPr>
+          <p:cNvPicPr>
+            <a:picLocks noChangeAspect="1"/>
+          </p:cNvPicPr>
+          <p:nvPr/>
+        </p:nvPicPr>
+        <p:blipFill>
+          <a:blip r:embed="rId4"/>
+          <a:stretch>
+            <a:fillRect/>
+          </a:stretch>
+        </p:blipFill>
+        <p:spPr>
+          <a:xfrm>
+            <a:off x="3548316" y="2172160"/>
+            <a:ext cx="1005313" cy="558507"/>
+          </a:xfrm>
+          <a:prstGeom prst="rect">
+            <a:avLst/>
+          </a:prstGeom>
+        </p:spPr>
+      </p:pic>
+      <p:sp>
+        <p:nvSpPr>
+          <p:cNvPr id="14" name="Rounded Rectangle 13">
+            <a:extLst>
+              <a:ext uri="{FF2B5EF4-FFF2-40B4-BE49-F238E27FC236}">
+                <a16:creationId xmlns:a16="http://schemas.microsoft.com/office/drawing/2014/main" id="{BF80AEB1-60BF-F28D-C30A-F0F5A1214929}"/>
+              </a:ext>
+            </a:extLst>
+          </p:cNvPr>
+          <p:cNvSpPr/>
+          <p:nvPr/>
+        </p:nvSpPr>
+        <p:spPr>
+          <a:xfrm>
+            <a:off x="3319688" y="1698016"/>
+            <a:ext cx="3949209" cy="1997711"/>
+          </a:xfrm>
+          <a:prstGeom prst="roundRect">
+            <a:avLst/>
+          </a:prstGeom>
+          <a:noFill/>
+        </p:spPr>
+        <p:style>
+          <a:lnRef idx="2">
+            <a:schemeClr val="accent5"/>
+          </a:lnRef>
+          <a:fillRef idx="1">
+            <a:schemeClr val="lt1"/>
+          </a:fillRef>
+          <a:effectRef idx="0">
+            <a:schemeClr val="accent5"/>
+          </a:effectRef>
+          <a:fontRef idx="minor">
+            <a:schemeClr val="dk1"/>
+          </a:fontRef>
+        </p:style>
+        <p:txBody>
+          <a:bodyPr rot="0" spcFirstLastPara="0" vert="horz" wrap="square" lIns="91440" tIns="45720" rIns="91440" bIns="45720" numCol="1" spcCol="0" rtlCol="0" fromWordArt="0" anchor="t" anchorCtr="0" forceAA="0" compatLnSpc="1">
+            <a:prstTxWarp prst="textNoShape">
+              <a:avLst/>
+            </a:prstTxWarp>
+            <a:noAutofit/>
+          </a:bodyPr>
+          <a:lstStyle/>
+          <a:p>
+            <a:pPr>
+              <a:lnSpc>
+                <a:spcPct val="107000"/>
+              </a:lnSpc>
+              <a:spcAft>
+                <a:spcPts val="800"/>
+              </a:spcAft>
+            </a:pPr>
+            <a:r>
+              <a:rPr lang="en-GB" sz="1600" b="1">
+                <a:solidFill>
+                  <a:srgbClr val="4472C4"/>
+                </a:solidFill>
+                <a:effectLst/>
+                <a:latin typeface="Arial" panose="020B0604020202020204" pitchFamily="34" charset="0"/>
+                <a:ea typeface="Calibri" panose="020F0502020204030204" pitchFamily="34" charset="0"/>
+                <a:cs typeface="Arial" panose="020B0604020202020204" pitchFamily="34" charset="0"/>
+              </a:rPr>
+              <a:t>System</a:t>
+            </a:r>
+            <a:endParaRPr lang="en-GB" sz="1600">
+              <a:effectLst/>
+              <a:latin typeface="Arial" panose="020B0604020202020204" pitchFamily="34" charset="0"/>
+              <a:ea typeface="Calibri" panose="020F0502020204030204" pitchFamily="34" charset="0"/>
+              <a:cs typeface="Arial" panose="020B0604020202020204" pitchFamily="34" charset="0"/>
+            </a:endParaRPr>
+          </a:p>
+        </p:txBody>
+      </p:sp>
+      <p:sp>
+        <p:nvSpPr>
+          <p:cNvPr id="15" name="Pentagon 14">
+            <a:extLst>
+              <a:ext uri="{FF2B5EF4-FFF2-40B4-BE49-F238E27FC236}">
+                <a16:creationId xmlns:a16="http://schemas.microsoft.com/office/drawing/2014/main" id="{C8BBC3E0-A398-9242-ABD1-27A5B6AF63C2}"/>
+              </a:ext>
+            </a:extLst>
+          </p:cNvPr>
+          <p:cNvSpPr/>
+          <p:nvPr/>
+        </p:nvSpPr>
+        <p:spPr>
+          <a:xfrm>
+            <a:off x="2005599" y="2305597"/>
+            <a:ext cx="1189259" cy="738505"/>
+          </a:xfrm>
+          <a:prstGeom prst="homePlate">
+            <a:avLst/>
+          </a:prstGeom>
+        </p:spPr>
+        <p:style>
+          <a:lnRef idx="2">
+            <a:schemeClr val="accent6"/>
+          </a:lnRef>
+          <a:fillRef idx="1">
+            <a:schemeClr val="lt1"/>
+          </a:fillRef>
+          <a:effectRef idx="0">
+            <a:schemeClr val="accent6"/>
+          </a:effectRef>
+          <a:fontRef idx="minor">
+            <a:schemeClr val="dk1"/>
+          </a:fontRef>
+        </p:style>
+        <p:txBody>
+          <a:bodyPr rot="0" spcFirstLastPara="0" vert="horz" wrap="square" lIns="91440" tIns="45720" rIns="91440" bIns="45720" numCol="1" spcCol="0" rtlCol="0" fromWordArt="0" anchor="ctr" anchorCtr="0" forceAA="0" compatLnSpc="1">
+            <a:prstTxWarp prst="textNoShape">
+              <a:avLst/>
+            </a:prstTxWarp>
+            <a:noAutofit/>
+          </a:bodyPr>
+          <a:lstStyle/>
+          <a:p>
+            <a:pPr algn="ctr">
+              <a:lnSpc>
+                <a:spcPct val="107000"/>
+              </a:lnSpc>
+              <a:spcAft>
+                <a:spcPts val="800"/>
+              </a:spcAft>
+            </a:pPr>
+            <a:r>
+              <a:rPr lang="en-GB" sz="1600" b="1" dirty="0">
+                <a:solidFill>
+                  <a:srgbClr val="70AD47"/>
+                </a:solidFill>
+                <a:effectLst/>
+                <a:latin typeface="Arial" panose="020B0604020202020204" pitchFamily="34" charset="0"/>
+                <a:ea typeface="Calibri" panose="020F0502020204030204" pitchFamily="34" charset="0"/>
+                <a:cs typeface="Arial" panose="020B0604020202020204" pitchFamily="34" charset="0"/>
+              </a:rPr>
+              <a:t>Inputs</a:t>
+            </a:r>
+            <a:endParaRPr lang="en-GB" sz="1600" dirty="0">
+              <a:effectLst/>
+              <a:latin typeface="Arial" panose="020B0604020202020204" pitchFamily="34" charset="0"/>
+              <a:ea typeface="Calibri" panose="020F0502020204030204" pitchFamily="34" charset="0"/>
+              <a:cs typeface="Arial" panose="020B0604020202020204" pitchFamily="34" charset="0"/>
+            </a:endParaRPr>
+          </a:p>
+        </p:txBody>
+      </p:sp>
+      <p:sp>
+        <p:nvSpPr>
+          <p:cNvPr id="16" name="Pentagon 15">
+            <a:extLst>
+              <a:ext uri="{FF2B5EF4-FFF2-40B4-BE49-F238E27FC236}">
+                <a16:creationId xmlns:a16="http://schemas.microsoft.com/office/drawing/2014/main" id="{13699448-4C72-9A8B-4DF9-D21537812CE9}"/>
+              </a:ext>
+            </a:extLst>
+          </p:cNvPr>
+          <p:cNvSpPr/>
+          <p:nvPr/>
+        </p:nvSpPr>
+        <p:spPr>
+          <a:xfrm>
+            <a:off x="7515310" y="2307776"/>
+            <a:ext cx="1188510" cy="737870"/>
+          </a:xfrm>
+          <a:prstGeom prst="homePlate">
+            <a:avLst/>
+          </a:prstGeom>
+        </p:spPr>
+        <p:style>
+          <a:lnRef idx="2">
+            <a:schemeClr val="accent6"/>
+          </a:lnRef>
+          <a:fillRef idx="1">
+            <a:schemeClr val="lt1"/>
+          </a:fillRef>
+          <a:effectRef idx="0">
+            <a:schemeClr val="accent6"/>
+          </a:effectRef>
+          <a:fontRef idx="minor">
+            <a:schemeClr val="dk1"/>
+          </a:fontRef>
+        </p:style>
+        <p:txBody>
+          <a:bodyPr rot="0" spcFirstLastPara="0" vert="horz" wrap="square" lIns="91440" tIns="45720" rIns="91440" bIns="45720" numCol="1" spcCol="0" rtlCol="0" fromWordArt="0" anchor="ctr" anchorCtr="0" forceAA="0" compatLnSpc="1">
+            <a:prstTxWarp prst="textNoShape">
+              <a:avLst/>
+            </a:prstTxWarp>
+            <a:noAutofit/>
+          </a:bodyPr>
+          <a:lstStyle/>
+          <a:p>
+            <a:pPr algn="ctr">
+              <a:lnSpc>
+                <a:spcPct val="107000"/>
+              </a:lnSpc>
+              <a:spcAft>
+                <a:spcPts val="800"/>
+              </a:spcAft>
+            </a:pPr>
+            <a:r>
+              <a:rPr lang="en-GB" sz="1600" b="1" dirty="0">
+                <a:solidFill>
+                  <a:srgbClr val="70AD47"/>
+                </a:solidFill>
+                <a:effectLst/>
+                <a:latin typeface="Arial" panose="020B0604020202020204" pitchFamily="34" charset="0"/>
+                <a:ea typeface="Calibri" panose="020F0502020204030204" pitchFamily="34" charset="0"/>
+                <a:cs typeface="Arial" panose="020B0604020202020204" pitchFamily="34" charset="0"/>
+              </a:rPr>
+              <a:t>Outputs</a:t>
+            </a:r>
+            <a:endParaRPr lang="en-GB" sz="1600" dirty="0">
+              <a:effectLst/>
+              <a:latin typeface="Arial" panose="020B0604020202020204" pitchFamily="34" charset="0"/>
+              <a:ea typeface="Calibri" panose="020F0502020204030204" pitchFamily="34" charset="0"/>
+              <a:cs typeface="Arial" panose="020B0604020202020204" pitchFamily="34" charset="0"/>
+            </a:endParaRPr>
+          </a:p>
+        </p:txBody>
+      </p:sp>
+      <p:sp>
+        <p:nvSpPr>
+          <p:cNvPr id="18" name="Text Box 5">
+            <a:extLst>
+              <a:ext uri="{FF2B5EF4-FFF2-40B4-BE49-F238E27FC236}">
+                <a16:creationId xmlns:a16="http://schemas.microsoft.com/office/drawing/2014/main" id="{BE74657C-9F6F-0AAF-AB68-2C6691A2F2EC}"/>
+              </a:ext>
+            </a:extLst>
+          </p:cNvPr>
+          <p:cNvSpPr txBox="1"/>
+          <p:nvPr/>
+        </p:nvSpPr>
+        <p:spPr>
+          <a:xfrm>
+            <a:off x="3319688" y="1220009"/>
+            <a:ext cx="2141220" cy="256540"/>
+          </a:xfrm>
+          <a:prstGeom prst="rect">
+            <a:avLst/>
+          </a:prstGeom>
+          <a:solidFill>
+            <a:schemeClr val="lt1"/>
+          </a:solidFill>
+          <a:ln w="6350">
+            <a:noFill/>
+          </a:ln>
+        </p:spPr>
+        <p:txBody>
+          <a:bodyPr rot="0" spcFirstLastPara="0" vert="horz" wrap="square" lIns="91440" tIns="45720" rIns="91440" bIns="45720" numCol="1" spcCol="0" rtlCol="0" fromWordArt="0" anchor="t" anchorCtr="0" forceAA="0" compatLnSpc="1">
+            <a:prstTxWarp prst="textNoShape">
+              <a:avLst/>
+            </a:prstTxWarp>
+            <a:noAutofit/>
+          </a:bodyPr>
+          <a:lstStyle/>
+          <a:p>
+            <a:pPr>
+              <a:lnSpc>
+                <a:spcPct val="107000"/>
+              </a:lnSpc>
+              <a:spcAft>
+                <a:spcPts val="800"/>
+              </a:spcAft>
+            </a:pPr>
+            <a:r>
+              <a:rPr lang="en-GB" sz="1600" b="1" dirty="0">
+                <a:solidFill>
+                  <a:srgbClr val="70AD47"/>
+                </a:solidFill>
+                <a:effectLst/>
+                <a:latin typeface="Arial" panose="020B0604020202020204" pitchFamily="34" charset="0"/>
+                <a:ea typeface="Calibri" panose="020F0502020204030204" pitchFamily="34" charset="0"/>
+                <a:cs typeface="Arial" panose="020B0604020202020204" pitchFamily="34" charset="0"/>
+              </a:rPr>
+              <a:t>Environment</a:t>
+            </a:r>
+            <a:endParaRPr lang="en-GB" sz="1600" dirty="0">
+              <a:effectLst/>
+              <a:latin typeface="Arial" panose="020B0604020202020204" pitchFamily="34" charset="0"/>
+              <a:ea typeface="Calibri" panose="020F0502020204030204" pitchFamily="34" charset="0"/>
+              <a:cs typeface="Arial" panose="020B0604020202020204" pitchFamily="34" charset="0"/>
+            </a:endParaRPr>
+          </a:p>
+        </p:txBody>
+      </p:sp>
+      <p:cxnSp>
+        <p:nvCxnSpPr>
+          <p:cNvPr id="19" name="Elbow Connector 18">
+            <a:extLst>
+              <a:ext uri="{FF2B5EF4-FFF2-40B4-BE49-F238E27FC236}">
+                <a16:creationId xmlns:a16="http://schemas.microsoft.com/office/drawing/2014/main" id="{0D328392-AF2C-5707-4BF9-0D6256A335C8}"/>
+              </a:ext>
+            </a:extLst>
+          </p:cNvPr>
+          <p:cNvCxnSpPr>
+            <a:cxnSpLocks/>
+            <a:stCxn id="16" idx="2"/>
+            <a:endCxn id="20" idx="3"/>
+          </p:cNvCxnSpPr>
+          <p:nvPr/>
+        </p:nvCxnSpPr>
+        <p:spPr>
+          <a:xfrm rot="5400000">
+            <a:off x="6304433" y="2500471"/>
+            <a:ext cx="1075490" cy="2165841"/>
+          </a:xfrm>
+          <a:prstGeom prst="bentConnector2">
+            <a:avLst/>
+          </a:prstGeom>
+          <a:ln w="19050">
+            <a:solidFill>
+              <a:srgbClr val="92D050"/>
+            </a:solidFill>
+            <a:prstDash val="dash"/>
+            <a:tailEnd type="triangle"/>
+          </a:ln>
+        </p:spPr>
+        <p:style>
+          <a:lnRef idx="1">
+            <a:schemeClr val="accent1"/>
+          </a:lnRef>
+          <a:fillRef idx="0">
+            <a:schemeClr val="accent1"/>
+          </a:fillRef>
+          <a:effectRef idx="0">
+            <a:schemeClr val="accent1"/>
+          </a:effectRef>
+          <a:fontRef idx="minor">
+            <a:schemeClr val="tx1"/>
+          </a:fontRef>
+        </p:style>
+      </p:cxnSp>
+      <p:sp>
+        <p:nvSpPr>
+          <p:cNvPr id="20" name="Text Box 655">
+            <a:extLst>
+              <a:ext uri="{FF2B5EF4-FFF2-40B4-BE49-F238E27FC236}">
+                <a16:creationId xmlns:a16="http://schemas.microsoft.com/office/drawing/2014/main" id="{7E831B2E-8AEE-C1CD-A16B-448BB4CFEBD0}"/>
+              </a:ext>
+            </a:extLst>
+          </p:cNvPr>
+          <p:cNvSpPr txBox="1"/>
+          <p:nvPr/>
+        </p:nvSpPr>
+        <p:spPr>
+          <a:xfrm>
+            <a:off x="4611755" y="3993183"/>
+            <a:ext cx="1147502" cy="255905"/>
+          </a:xfrm>
+          <a:prstGeom prst="rect">
+            <a:avLst/>
+          </a:prstGeom>
+          <a:solidFill>
+            <a:schemeClr val="lt1"/>
+          </a:solidFill>
+          <a:ln w="6350">
+            <a:noFill/>
+          </a:ln>
+        </p:spPr>
+        <p:txBody>
+          <a:bodyPr rot="0" spcFirstLastPara="0" vert="horz" wrap="square" lIns="91440" tIns="45720" rIns="91440" bIns="45720" numCol="1" spcCol="0" rtlCol="0" fromWordArt="0" anchor="t" anchorCtr="0" forceAA="0" compatLnSpc="1">
+            <a:prstTxWarp prst="textNoShape">
+              <a:avLst/>
+            </a:prstTxWarp>
+            <a:noAutofit/>
+          </a:bodyPr>
+          <a:lstStyle/>
+          <a:p>
+            <a:pPr algn="ctr">
+              <a:lnSpc>
+                <a:spcPct val="106000"/>
+              </a:lnSpc>
+              <a:spcAft>
+                <a:spcPts val="800"/>
+              </a:spcAft>
+            </a:pPr>
+            <a:r>
+              <a:rPr lang="en-GB" sz="1600" b="1" dirty="0">
+                <a:solidFill>
+                  <a:srgbClr val="70AD47"/>
+                </a:solidFill>
+                <a:effectLst/>
+                <a:latin typeface="Arial" panose="020B0604020202020204" pitchFamily="34" charset="0"/>
+                <a:ea typeface="Calibri" panose="020F0502020204030204" pitchFamily="34" charset="0"/>
+                <a:cs typeface="Arial" panose="020B0604020202020204" pitchFamily="34" charset="0"/>
+              </a:rPr>
+              <a:t>Feedback</a:t>
+            </a:r>
+            <a:endParaRPr lang="en-GB" sz="1600" dirty="0">
+              <a:effectLst/>
+              <a:latin typeface="Arial" panose="020B0604020202020204" pitchFamily="34" charset="0"/>
+              <a:ea typeface="Calibri" panose="020F0502020204030204" pitchFamily="34" charset="0"/>
+              <a:cs typeface="Arial" panose="020B0604020202020204" pitchFamily="34" charset="0"/>
+            </a:endParaRPr>
+          </a:p>
+        </p:txBody>
+      </p:sp>
+      <p:cxnSp>
+        <p:nvCxnSpPr>
+          <p:cNvPr id="28" name="Elbow Connector 27">
+            <a:extLst>
+              <a:ext uri="{FF2B5EF4-FFF2-40B4-BE49-F238E27FC236}">
+                <a16:creationId xmlns:a16="http://schemas.microsoft.com/office/drawing/2014/main" id="{EBEE82A8-CB7E-96AA-48B4-864D1281666C}"/>
+              </a:ext>
+            </a:extLst>
+          </p:cNvPr>
+          <p:cNvCxnSpPr>
+            <a:cxnSpLocks/>
+            <a:stCxn id="20" idx="1"/>
+            <a:endCxn id="15" idx="2"/>
+          </p:cNvCxnSpPr>
+          <p:nvPr/>
+        </p:nvCxnSpPr>
+        <p:spPr>
+          <a:xfrm rot="10800000">
+            <a:off x="2415603" y="3044102"/>
+            <a:ext cx="2196153" cy="1077034"/>
+          </a:xfrm>
+          <a:prstGeom prst="bentConnector2">
+            <a:avLst/>
+          </a:prstGeom>
+          <a:ln w="19050">
+            <a:solidFill>
+              <a:srgbClr val="92D050"/>
+            </a:solidFill>
+            <a:prstDash val="dash"/>
+            <a:tailEnd type="triangle"/>
+          </a:ln>
+        </p:spPr>
+        <p:style>
+          <a:lnRef idx="1">
+            <a:schemeClr val="accent1"/>
+          </a:lnRef>
+          <a:fillRef idx="0">
+            <a:schemeClr val="accent1"/>
+          </a:fillRef>
+          <a:effectRef idx="0">
+            <a:schemeClr val="accent1"/>
+          </a:effectRef>
+          <a:fontRef idx="minor">
+            <a:schemeClr val="tx1"/>
+          </a:fontRef>
+        </p:style>
+      </p:cxnSp>
+    </p:spTree>
+    <p:extLst>
+      <p:ext uri="{BB962C8B-B14F-4D97-AF65-F5344CB8AC3E}">
+        <p14:creationId xmlns:p14="http://schemas.microsoft.com/office/powerpoint/2010/main" val="3910307292"/>
+      </p:ext>
+    </p:extLst>
+  </p:cSld>
+  <p:clrMapOvr>
+    <a:masterClrMapping/>
+  </p:clrMapOvr>
+</p:sld>
+</file>
+
 <file path=ppt/slides/slide2.xml><?xml version="1.0" encoding="utf-8"?>
 <p:sld xmlns:a="http://schemas.openxmlformats.org/drawingml/2006/main" xmlns:r="http://schemas.openxmlformats.org/officeDocument/2006/relationships" xmlns:p="http://schemas.openxmlformats.org/presentationml/2006/main">
   <p:cSld>
@@ -5714,6 +6285,4210 @@
     <p:extLst>
       <p:ext uri="{BB962C8B-B14F-4D97-AF65-F5344CB8AC3E}">
         <p14:creationId xmlns:p14="http://schemas.microsoft.com/office/powerpoint/2010/main" val="3360722060"/>
+      </p:ext>
+    </p:extLst>
+  </p:cSld>
+  <p:clrMapOvr>
+    <a:masterClrMapping/>
+  </p:clrMapOvr>
+</p:sld>
+</file>
+
+<file path=ppt/slides/slide4.xml><?xml version="1.0" encoding="utf-8"?>
+<p:sld xmlns:a="http://schemas.openxmlformats.org/drawingml/2006/main" xmlns:r="http://schemas.openxmlformats.org/officeDocument/2006/relationships" xmlns:p="http://schemas.openxmlformats.org/presentationml/2006/main">
+  <p:cSld>
+    <p:spTree>
+      <p:nvGrpSpPr>
+        <p:cNvPr id="1" name=""/>
+        <p:cNvGrpSpPr/>
+        <p:nvPr/>
+      </p:nvGrpSpPr>
+      <p:grpSpPr>
+        <a:xfrm>
+          <a:off x="0" y="0"/>
+          <a:ext cx="0" cy="0"/>
+          <a:chOff x="0" y="0"/>
+          <a:chExt cx="0" cy="0"/>
+        </a:xfrm>
+      </p:grpSpPr>
+      <p:sp>
+        <p:nvSpPr>
+          <p:cNvPr id="45" name="Rounded Rectangle 44">
+            <a:extLst>
+              <a:ext uri="{FF2B5EF4-FFF2-40B4-BE49-F238E27FC236}">
+                <a16:creationId xmlns:a16="http://schemas.microsoft.com/office/drawing/2014/main" id="{A8C6D1F3-F414-FF70-A94C-DB1840FF00D3}"/>
+              </a:ext>
+            </a:extLst>
+          </p:cNvPr>
+          <p:cNvSpPr/>
+          <p:nvPr/>
+        </p:nvSpPr>
+        <p:spPr>
+          <a:xfrm>
+            <a:off x="2213114" y="2779643"/>
+            <a:ext cx="1908312" cy="1919359"/>
+          </a:xfrm>
+          <a:prstGeom prst="roundRect">
+            <a:avLst/>
+          </a:prstGeom>
+        </p:spPr>
+        <p:style>
+          <a:lnRef idx="2">
+            <a:schemeClr val="accent1"/>
+          </a:lnRef>
+          <a:fillRef idx="1">
+            <a:schemeClr val="lt1"/>
+          </a:fillRef>
+          <a:effectRef idx="0">
+            <a:schemeClr val="accent1"/>
+          </a:effectRef>
+          <a:fontRef idx="minor">
+            <a:schemeClr val="dk1"/>
+          </a:fontRef>
+        </p:style>
+        <p:txBody>
+          <a:bodyPr rtlCol="0" anchor="t" anchorCtr="0"/>
+          <a:lstStyle/>
+          <a:p>
+            <a:pPr algn="ctr"/>
+            <a:endParaRPr lang="en-US" dirty="0"/>
+          </a:p>
+        </p:txBody>
+      </p:sp>
+      <p:sp>
+        <p:nvSpPr>
+          <p:cNvPr id="44" name="Rounded Rectangle 43">
+            <a:extLst>
+              <a:ext uri="{FF2B5EF4-FFF2-40B4-BE49-F238E27FC236}">
+                <a16:creationId xmlns:a16="http://schemas.microsoft.com/office/drawing/2014/main" id="{D45AD6F8-1794-DCC3-207E-6BE8BC9C044F}"/>
+              </a:ext>
+            </a:extLst>
+          </p:cNvPr>
+          <p:cNvSpPr/>
+          <p:nvPr/>
+        </p:nvSpPr>
+        <p:spPr>
+          <a:xfrm>
+            <a:off x="2060714" y="2627243"/>
+            <a:ext cx="1908312" cy="1919359"/>
+          </a:xfrm>
+          <a:prstGeom prst="roundRect">
+            <a:avLst/>
+          </a:prstGeom>
+        </p:spPr>
+        <p:style>
+          <a:lnRef idx="2">
+            <a:schemeClr val="accent1"/>
+          </a:lnRef>
+          <a:fillRef idx="1">
+            <a:schemeClr val="lt1"/>
+          </a:fillRef>
+          <a:effectRef idx="0">
+            <a:schemeClr val="accent1"/>
+          </a:effectRef>
+          <a:fontRef idx="minor">
+            <a:schemeClr val="dk1"/>
+          </a:fontRef>
+        </p:style>
+        <p:txBody>
+          <a:bodyPr rtlCol="0" anchor="t" anchorCtr="0"/>
+          <a:lstStyle/>
+          <a:p>
+            <a:pPr algn="ctr"/>
+            <a:endParaRPr lang="en-US" dirty="0"/>
+          </a:p>
+        </p:txBody>
+      </p:sp>
+      <p:sp>
+        <p:nvSpPr>
+          <p:cNvPr id="2" name="Rounded Rectangle 1">
+            <a:extLst>
+              <a:ext uri="{FF2B5EF4-FFF2-40B4-BE49-F238E27FC236}">
+                <a16:creationId xmlns:a16="http://schemas.microsoft.com/office/drawing/2014/main" id="{519B1F83-5C66-F785-9923-DC28F3438FDD}"/>
+              </a:ext>
+            </a:extLst>
+          </p:cNvPr>
+          <p:cNvSpPr/>
+          <p:nvPr/>
+        </p:nvSpPr>
+        <p:spPr>
+          <a:xfrm>
+            <a:off x="1908314" y="2474843"/>
+            <a:ext cx="1908312" cy="1919359"/>
+          </a:xfrm>
+          <a:prstGeom prst="roundRect">
+            <a:avLst/>
+          </a:prstGeom>
+        </p:spPr>
+        <p:style>
+          <a:lnRef idx="2">
+            <a:schemeClr val="accent1"/>
+          </a:lnRef>
+          <a:fillRef idx="1">
+            <a:schemeClr val="lt1"/>
+          </a:fillRef>
+          <a:effectRef idx="0">
+            <a:schemeClr val="accent1"/>
+          </a:effectRef>
+          <a:fontRef idx="minor">
+            <a:schemeClr val="dk1"/>
+          </a:fontRef>
+        </p:style>
+        <p:txBody>
+          <a:bodyPr rtlCol="0" anchor="t" anchorCtr="0"/>
+          <a:lstStyle/>
+          <a:p>
+            <a:pPr algn="ctr"/>
+            <a:r>
+              <a:rPr lang="en-US" dirty="0"/>
+              <a:t>Development</a:t>
+            </a:r>
+          </a:p>
+        </p:txBody>
+      </p:sp>
+      <p:sp>
+        <p:nvSpPr>
+          <p:cNvPr id="3" name="Rounded Rectangle 2">
+            <a:extLst>
+              <a:ext uri="{FF2B5EF4-FFF2-40B4-BE49-F238E27FC236}">
+                <a16:creationId xmlns:a16="http://schemas.microsoft.com/office/drawing/2014/main" id="{725CCB13-6641-7083-4043-46AD920AF459}"/>
+              </a:ext>
+            </a:extLst>
+          </p:cNvPr>
+          <p:cNvSpPr/>
+          <p:nvPr/>
+        </p:nvSpPr>
+        <p:spPr>
+          <a:xfrm>
+            <a:off x="4956314" y="2474842"/>
+            <a:ext cx="1908312" cy="1919359"/>
+          </a:xfrm>
+          <a:prstGeom prst="roundRect">
+            <a:avLst/>
+          </a:prstGeom>
+        </p:spPr>
+        <p:style>
+          <a:lnRef idx="2">
+            <a:schemeClr val="accent2"/>
+          </a:lnRef>
+          <a:fillRef idx="1">
+            <a:schemeClr val="lt1"/>
+          </a:fillRef>
+          <a:effectRef idx="0">
+            <a:schemeClr val="accent2"/>
+          </a:effectRef>
+          <a:fontRef idx="minor">
+            <a:schemeClr val="dk1"/>
+          </a:fontRef>
+        </p:style>
+        <p:txBody>
+          <a:bodyPr rtlCol="0" anchor="t" anchorCtr="0"/>
+          <a:lstStyle/>
+          <a:p>
+            <a:pPr algn="ctr"/>
+            <a:r>
+              <a:rPr lang="en-US" dirty="0"/>
+              <a:t>Test</a:t>
+            </a:r>
+          </a:p>
+        </p:txBody>
+      </p:sp>
+      <p:sp>
+        <p:nvSpPr>
+          <p:cNvPr id="4" name="Rounded Rectangle 3">
+            <a:extLst>
+              <a:ext uri="{FF2B5EF4-FFF2-40B4-BE49-F238E27FC236}">
+                <a16:creationId xmlns:a16="http://schemas.microsoft.com/office/drawing/2014/main" id="{46A8F5CC-2A75-5B12-83D1-FE4CD5F6B5F4}"/>
+              </a:ext>
+            </a:extLst>
+          </p:cNvPr>
+          <p:cNvSpPr/>
+          <p:nvPr/>
+        </p:nvSpPr>
+        <p:spPr>
+          <a:xfrm>
+            <a:off x="8004314" y="2474841"/>
+            <a:ext cx="1908312" cy="1919359"/>
+          </a:xfrm>
+          <a:prstGeom prst="roundRect">
+            <a:avLst/>
+          </a:prstGeom>
+        </p:spPr>
+        <p:style>
+          <a:lnRef idx="2">
+            <a:schemeClr val="accent2"/>
+          </a:lnRef>
+          <a:fillRef idx="1">
+            <a:schemeClr val="lt1"/>
+          </a:fillRef>
+          <a:effectRef idx="0">
+            <a:schemeClr val="accent2"/>
+          </a:effectRef>
+          <a:fontRef idx="minor">
+            <a:schemeClr val="dk1"/>
+          </a:fontRef>
+        </p:style>
+        <p:txBody>
+          <a:bodyPr rtlCol="0" anchor="t" anchorCtr="0"/>
+          <a:lstStyle/>
+          <a:p>
+            <a:pPr algn="ctr"/>
+            <a:r>
+              <a:rPr lang="en-US" dirty="0"/>
+              <a:t>Live</a:t>
+            </a:r>
+          </a:p>
+        </p:txBody>
+      </p:sp>
+      <p:sp>
+        <p:nvSpPr>
+          <p:cNvPr id="6" name="TextBox 5">
+            <a:extLst>
+              <a:ext uri="{FF2B5EF4-FFF2-40B4-BE49-F238E27FC236}">
+                <a16:creationId xmlns:a16="http://schemas.microsoft.com/office/drawing/2014/main" id="{A9D91DE8-82ED-51FE-9948-DAC09AB9FCAE}"/>
+              </a:ext>
+            </a:extLst>
+          </p:cNvPr>
+          <p:cNvSpPr txBox="1"/>
+          <p:nvPr/>
+        </p:nvSpPr>
+        <p:spPr>
+          <a:xfrm>
+            <a:off x="1908314" y="3327400"/>
+            <a:ext cx="1146314" cy="923330"/>
+          </a:xfrm>
+          <a:prstGeom prst="rect">
+            <a:avLst/>
+          </a:prstGeom>
+          <a:noFill/>
+        </p:spPr>
+        <p:txBody>
+          <a:bodyPr wrap="square" rtlCol="0">
+            <a:spAutoFit/>
+          </a:bodyPr>
+          <a:lstStyle/>
+          <a:p>
+            <a:r>
+              <a:rPr lang="en-US" sz="900" dirty="0">
+                <a:latin typeface="Menlo" panose="020B0609030804020204" pitchFamily="49" charset="0"/>
+                <a:ea typeface="Menlo" panose="020B0609030804020204" pitchFamily="49" charset="0"/>
+                <a:cs typeface="Menlo" panose="020B0609030804020204" pitchFamily="49" charset="0"/>
+              </a:rPr>
+              <a:t>Project</a:t>
+            </a:r>
+          </a:p>
+          <a:p>
+            <a:r>
+              <a:rPr lang="en-US" sz="900" dirty="0">
+                <a:latin typeface="Menlo" panose="020B0609030804020204" pitchFamily="49" charset="0"/>
+                <a:ea typeface="Menlo" panose="020B0609030804020204" pitchFamily="49" charset="0"/>
+                <a:cs typeface="Menlo" panose="020B0609030804020204" pitchFamily="49" charset="0"/>
+              </a:rPr>
+              <a:t>  ├ Dir1</a:t>
+            </a:r>
+          </a:p>
+          <a:p>
+            <a:r>
+              <a:rPr lang="en-US" sz="900" dirty="0">
+                <a:latin typeface="Menlo" panose="020B0609030804020204" pitchFamily="49" charset="0"/>
+                <a:ea typeface="Menlo" panose="020B0609030804020204" pitchFamily="49" charset="0"/>
+                <a:cs typeface="Menlo" panose="020B0609030804020204" pitchFamily="49" charset="0"/>
+              </a:rPr>
+              <a:t>  │   └ File1</a:t>
+            </a:r>
+          </a:p>
+          <a:p>
+            <a:r>
+              <a:rPr lang="en-US" sz="900" dirty="0">
+                <a:latin typeface="Menlo" panose="020B0609030804020204" pitchFamily="49" charset="0"/>
+                <a:ea typeface="Menlo" panose="020B0609030804020204" pitchFamily="49" charset="0"/>
+                <a:cs typeface="Menlo" panose="020B0609030804020204" pitchFamily="49" charset="0"/>
+              </a:rPr>
+              <a:t>  ├ File2</a:t>
+            </a:r>
+          </a:p>
+          <a:p>
+            <a:r>
+              <a:rPr lang="en-US" sz="900" dirty="0">
+                <a:latin typeface="Menlo" panose="020B0609030804020204" pitchFamily="49" charset="0"/>
+                <a:ea typeface="Menlo" panose="020B0609030804020204" pitchFamily="49" charset="0"/>
+                <a:cs typeface="Menlo" panose="020B0609030804020204" pitchFamily="49" charset="0"/>
+              </a:rPr>
+              <a:t>  └ File3</a:t>
+            </a:r>
+          </a:p>
+          <a:p>
+            <a:r>
+              <a:rPr lang="en-US" sz="900" dirty="0">
+                <a:latin typeface="Menlo" panose="020B0609030804020204" pitchFamily="49" charset="0"/>
+                <a:ea typeface="Menlo" panose="020B0609030804020204" pitchFamily="49" charset="0"/>
+                <a:cs typeface="Menlo" panose="020B0609030804020204" pitchFamily="49" charset="0"/>
+              </a:rPr>
+              <a:t>   </a:t>
+            </a:r>
+          </a:p>
+        </p:txBody>
+      </p:sp>
+      <p:sp>
+        <p:nvSpPr>
+          <p:cNvPr id="7" name="Can 6">
+            <a:extLst>
+              <a:ext uri="{FF2B5EF4-FFF2-40B4-BE49-F238E27FC236}">
+                <a16:creationId xmlns:a16="http://schemas.microsoft.com/office/drawing/2014/main" id="{A519F360-CB95-CB49-BDB6-8E2DC17C05D3}"/>
+              </a:ext>
+            </a:extLst>
+          </p:cNvPr>
+          <p:cNvSpPr/>
+          <p:nvPr/>
+        </p:nvSpPr>
+        <p:spPr>
+          <a:xfrm>
+            <a:off x="3054628" y="3568145"/>
+            <a:ext cx="628372" cy="482600"/>
+          </a:xfrm>
+          <a:prstGeom prst="can">
+            <a:avLst/>
+          </a:prstGeom>
+        </p:spPr>
+        <p:style>
+          <a:lnRef idx="1">
+            <a:schemeClr val="accent5"/>
+          </a:lnRef>
+          <a:fillRef idx="2">
+            <a:schemeClr val="accent5"/>
+          </a:fillRef>
+          <a:effectRef idx="1">
+            <a:schemeClr val="accent5"/>
+          </a:effectRef>
+          <a:fontRef idx="minor">
+            <a:schemeClr val="dk1"/>
+          </a:fontRef>
+        </p:style>
+        <p:txBody>
+          <a:bodyPr rtlCol="0" anchor="ctr"/>
+          <a:lstStyle/>
+          <a:p>
+            <a:pPr algn="ctr"/>
+            <a:endParaRPr lang="en-US"/>
+          </a:p>
+        </p:txBody>
+      </p:sp>
+      <p:sp>
+        <p:nvSpPr>
+          <p:cNvPr id="8" name="TextBox 7">
+            <a:extLst>
+              <a:ext uri="{FF2B5EF4-FFF2-40B4-BE49-F238E27FC236}">
+                <a16:creationId xmlns:a16="http://schemas.microsoft.com/office/drawing/2014/main" id="{FCF4F91C-55E3-FD13-4EE2-C90AE4675FCB}"/>
+              </a:ext>
+            </a:extLst>
+          </p:cNvPr>
+          <p:cNvSpPr txBox="1"/>
+          <p:nvPr/>
+        </p:nvSpPr>
+        <p:spPr>
+          <a:xfrm>
+            <a:off x="4949686" y="3327400"/>
+            <a:ext cx="1146314" cy="923330"/>
+          </a:xfrm>
+          <a:prstGeom prst="rect">
+            <a:avLst/>
+          </a:prstGeom>
+          <a:noFill/>
+        </p:spPr>
+        <p:txBody>
+          <a:bodyPr wrap="square" rtlCol="0">
+            <a:spAutoFit/>
+          </a:bodyPr>
+          <a:lstStyle/>
+          <a:p>
+            <a:r>
+              <a:rPr lang="en-US" sz="900" dirty="0">
+                <a:latin typeface="Menlo" panose="020B0609030804020204" pitchFamily="49" charset="0"/>
+                <a:ea typeface="Menlo" panose="020B0609030804020204" pitchFamily="49" charset="0"/>
+                <a:cs typeface="Menlo" panose="020B0609030804020204" pitchFamily="49" charset="0"/>
+              </a:rPr>
+              <a:t>Project</a:t>
+            </a:r>
+          </a:p>
+          <a:p>
+            <a:r>
+              <a:rPr lang="en-US" sz="900" dirty="0">
+                <a:latin typeface="Menlo" panose="020B0609030804020204" pitchFamily="49" charset="0"/>
+                <a:ea typeface="Menlo" panose="020B0609030804020204" pitchFamily="49" charset="0"/>
+                <a:cs typeface="Menlo" panose="020B0609030804020204" pitchFamily="49" charset="0"/>
+              </a:rPr>
+              <a:t>  ├ Dir1</a:t>
+            </a:r>
+          </a:p>
+          <a:p>
+            <a:r>
+              <a:rPr lang="en-US" sz="900" dirty="0">
+                <a:latin typeface="Menlo" panose="020B0609030804020204" pitchFamily="49" charset="0"/>
+                <a:ea typeface="Menlo" panose="020B0609030804020204" pitchFamily="49" charset="0"/>
+                <a:cs typeface="Menlo" panose="020B0609030804020204" pitchFamily="49" charset="0"/>
+              </a:rPr>
+              <a:t>  │   └ File1</a:t>
+            </a:r>
+          </a:p>
+          <a:p>
+            <a:r>
+              <a:rPr lang="en-US" sz="900" dirty="0">
+                <a:latin typeface="Menlo" panose="020B0609030804020204" pitchFamily="49" charset="0"/>
+                <a:ea typeface="Menlo" panose="020B0609030804020204" pitchFamily="49" charset="0"/>
+                <a:cs typeface="Menlo" panose="020B0609030804020204" pitchFamily="49" charset="0"/>
+              </a:rPr>
+              <a:t>  ├ File2</a:t>
+            </a:r>
+          </a:p>
+          <a:p>
+            <a:r>
+              <a:rPr lang="en-US" sz="900" dirty="0">
+                <a:latin typeface="Menlo" panose="020B0609030804020204" pitchFamily="49" charset="0"/>
+                <a:ea typeface="Menlo" panose="020B0609030804020204" pitchFamily="49" charset="0"/>
+                <a:cs typeface="Menlo" panose="020B0609030804020204" pitchFamily="49" charset="0"/>
+              </a:rPr>
+              <a:t>  └ File3</a:t>
+            </a:r>
+          </a:p>
+          <a:p>
+            <a:r>
+              <a:rPr lang="en-US" sz="900" dirty="0">
+                <a:latin typeface="Menlo" panose="020B0609030804020204" pitchFamily="49" charset="0"/>
+                <a:ea typeface="Menlo" panose="020B0609030804020204" pitchFamily="49" charset="0"/>
+                <a:cs typeface="Menlo" panose="020B0609030804020204" pitchFamily="49" charset="0"/>
+              </a:rPr>
+              <a:t>   </a:t>
+            </a:r>
+          </a:p>
+        </p:txBody>
+      </p:sp>
+      <p:sp>
+        <p:nvSpPr>
+          <p:cNvPr id="9" name="Can 8">
+            <a:extLst>
+              <a:ext uri="{FF2B5EF4-FFF2-40B4-BE49-F238E27FC236}">
+                <a16:creationId xmlns:a16="http://schemas.microsoft.com/office/drawing/2014/main" id="{0AEF8498-68CC-87D8-99F0-EDBED4FD5DD6}"/>
+              </a:ext>
+            </a:extLst>
+          </p:cNvPr>
+          <p:cNvSpPr/>
+          <p:nvPr/>
+        </p:nvSpPr>
+        <p:spPr>
+          <a:xfrm>
+            <a:off x="6096000" y="3568145"/>
+            <a:ext cx="628372" cy="482600"/>
+          </a:xfrm>
+          <a:prstGeom prst="can">
+            <a:avLst/>
+          </a:prstGeom>
+        </p:spPr>
+        <p:style>
+          <a:lnRef idx="1">
+            <a:schemeClr val="accent5"/>
+          </a:lnRef>
+          <a:fillRef idx="2">
+            <a:schemeClr val="accent5"/>
+          </a:fillRef>
+          <a:effectRef idx="1">
+            <a:schemeClr val="accent5"/>
+          </a:effectRef>
+          <a:fontRef idx="minor">
+            <a:schemeClr val="dk1"/>
+          </a:fontRef>
+        </p:style>
+        <p:txBody>
+          <a:bodyPr rtlCol="0" anchor="ctr"/>
+          <a:lstStyle/>
+          <a:p>
+            <a:pPr algn="ctr"/>
+            <a:endParaRPr lang="en-US"/>
+          </a:p>
+        </p:txBody>
+      </p:sp>
+      <p:sp>
+        <p:nvSpPr>
+          <p:cNvPr id="10" name="TextBox 9">
+            <a:extLst>
+              <a:ext uri="{FF2B5EF4-FFF2-40B4-BE49-F238E27FC236}">
+                <a16:creationId xmlns:a16="http://schemas.microsoft.com/office/drawing/2014/main" id="{63475519-1EA5-99B1-5FA8-59C704CF27B7}"/>
+              </a:ext>
+            </a:extLst>
+          </p:cNvPr>
+          <p:cNvSpPr txBox="1"/>
+          <p:nvPr/>
+        </p:nvSpPr>
+        <p:spPr>
+          <a:xfrm>
+            <a:off x="8029711" y="3327400"/>
+            <a:ext cx="1146314" cy="923330"/>
+          </a:xfrm>
+          <a:prstGeom prst="rect">
+            <a:avLst/>
+          </a:prstGeom>
+          <a:noFill/>
+        </p:spPr>
+        <p:txBody>
+          <a:bodyPr wrap="square" rtlCol="0">
+            <a:spAutoFit/>
+          </a:bodyPr>
+          <a:lstStyle/>
+          <a:p>
+            <a:r>
+              <a:rPr lang="en-US" sz="900" dirty="0">
+                <a:latin typeface="Menlo" panose="020B0609030804020204" pitchFamily="49" charset="0"/>
+                <a:ea typeface="Menlo" panose="020B0609030804020204" pitchFamily="49" charset="0"/>
+                <a:cs typeface="Menlo" panose="020B0609030804020204" pitchFamily="49" charset="0"/>
+              </a:rPr>
+              <a:t>Project</a:t>
+            </a:r>
+          </a:p>
+          <a:p>
+            <a:r>
+              <a:rPr lang="en-US" sz="900" dirty="0">
+                <a:latin typeface="Menlo" panose="020B0609030804020204" pitchFamily="49" charset="0"/>
+                <a:ea typeface="Menlo" panose="020B0609030804020204" pitchFamily="49" charset="0"/>
+                <a:cs typeface="Menlo" panose="020B0609030804020204" pitchFamily="49" charset="0"/>
+              </a:rPr>
+              <a:t>  ├ Dir1</a:t>
+            </a:r>
+          </a:p>
+          <a:p>
+            <a:r>
+              <a:rPr lang="en-US" sz="900" dirty="0">
+                <a:latin typeface="Menlo" panose="020B0609030804020204" pitchFamily="49" charset="0"/>
+                <a:ea typeface="Menlo" panose="020B0609030804020204" pitchFamily="49" charset="0"/>
+                <a:cs typeface="Menlo" panose="020B0609030804020204" pitchFamily="49" charset="0"/>
+              </a:rPr>
+              <a:t>  │   └ File1</a:t>
+            </a:r>
+          </a:p>
+          <a:p>
+            <a:r>
+              <a:rPr lang="en-US" sz="900" dirty="0">
+                <a:latin typeface="Menlo" panose="020B0609030804020204" pitchFamily="49" charset="0"/>
+                <a:ea typeface="Menlo" panose="020B0609030804020204" pitchFamily="49" charset="0"/>
+                <a:cs typeface="Menlo" panose="020B0609030804020204" pitchFamily="49" charset="0"/>
+              </a:rPr>
+              <a:t>  ├ File2</a:t>
+            </a:r>
+          </a:p>
+          <a:p>
+            <a:r>
+              <a:rPr lang="en-US" sz="900" dirty="0">
+                <a:latin typeface="Menlo" panose="020B0609030804020204" pitchFamily="49" charset="0"/>
+                <a:ea typeface="Menlo" panose="020B0609030804020204" pitchFamily="49" charset="0"/>
+                <a:cs typeface="Menlo" panose="020B0609030804020204" pitchFamily="49" charset="0"/>
+              </a:rPr>
+              <a:t>  └ File3</a:t>
+            </a:r>
+          </a:p>
+          <a:p>
+            <a:r>
+              <a:rPr lang="en-US" sz="900" dirty="0">
+                <a:latin typeface="Menlo" panose="020B0609030804020204" pitchFamily="49" charset="0"/>
+                <a:ea typeface="Menlo" panose="020B0609030804020204" pitchFamily="49" charset="0"/>
+                <a:cs typeface="Menlo" panose="020B0609030804020204" pitchFamily="49" charset="0"/>
+              </a:rPr>
+              <a:t>   </a:t>
+            </a:r>
+          </a:p>
+        </p:txBody>
+      </p:sp>
+      <p:sp>
+        <p:nvSpPr>
+          <p:cNvPr id="11" name="Can 10">
+            <a:extLst>
+              <a:ext uri="{FF2B5EF4-FFF2-40B4-BE49-F238E27FC236}">
+                <a16:creationId xmlns:a16="http://schemas.microsoft.com/office/drawing/2014/main" id="{854E7B6F-A2EC-FDAE-00BC-F8C8D8E4B8EE}"/>
+              </a:ext>
+            </a:extLst>
+          </p:cNvPr>
+          <p:cNvSpPr/>
+          <p:nvPr/>
+        </p:nvSpPr>
+        <p:spPr>
+          <a:xfrm>
+            <a:off x="9176025" y="3568145"/>
+            <a:ext cx="628372" cy="482600"/>
+          </a:xfrm>
+          <a:prstGeom prst="can">
+            <a:avLst/>
+          </a:prstGeom>
+        </p:spPr>
+        <p:style>
+          <a:lnRef idx="1">
+            <a:schemeClr val="accent5"/>
+          </a:lnRef>
+          <a:fillRef idx="2">
+            <a:schemeClr val="accent5"/>
+          </a:fillRef>
+          <a:effectRef idx="1">
+            <a:schemeClr val="accent5"/>
+          </a:effectRef>
+          <a:fontRef idx="minor">
+            <a:schemeClr val="dk1"/>
+          </a:fontRef>
+        </p:style>
+        <p:txBody>
+          <a:bodyPr rtlCol="0" anchor="ctr"/>
+          <a:lstStyle/>
+          <a:p>
+            <a:pPr algn="ctr"/>
+            <a:endParaRPr lang="en-US"/>
+          </a:p>
+        </p:txBody>
+      </p:sp>
+      <p:pic>
+        <p:nvPicPr>
+          <p:cNvPr id="14" name="Picture 13" descr="A black text on a black background&#10;&#10;Description automatically generated">
+            <a:extLst>
+              <a:ext uri="{FF2B5EF4-FFF2-40B4-BE49-F238E27FC236}">
+                <a16:creationId xmlns:a16="http://schemas.microsoft.com/office/drawing/2014/main" id="{F460AB76-7311-8A7B-9966-8D3C34E1F339}"/>
+              </a:ext>
+            </a:extLst>
+          </p:cNvPr>
+          <p:cNvPicPr>
+            <a:picLocks noChangeAspect="1"/>
+          </p:cNvPicPr>
+          <p:nvPr/>
+        </p:nvPicPr>
+        <p:blipFill>
+          <a:blip r:embed="rId2"/>
+          <a:stretch>
+            <a:fillRect/>
+          </a:stretch>
+        </p:blipFill>
+        <p:spPr>
+          <a:xfrm>
+            <a:off x="3683000" y="869777"/>
+            <a:ext cx="1266686" cy="519341"/>
+          </a:xfrm>
+          <a:prstGeom prst="rect">
+            <a:avLst/>
+          </a:prstGeom>
+        </p:spPr>
+      </p:pic>
+      <p:cxnSp>
+        <p:nvCxnSpPr>
+          <p:cNvPr id="16" name="Curved Connector 15">
+            <a:extLst>
+              <a:ext uri="{FF2B5EF4-FFF2-40B4-BE49-F238E27FC236}">
+                <a16:creationId xmlns:a16="http://schemas.microsoft.com/office/drawing/2014/main" id="{24A1D8AE-605F-64DA-ABB9-D072360402EF}"/>
+              </a:ext>
+            </a:extLst>
+          </p:cNvPr>
+          <p:cNvCxnSpPr>
+            <a:cxnSpLocks/>
+            <a:endCxn id="14" idx="1"/>
+          </p:cNvCxnSpPr>
+          <p:nvPr/>
+        </p:nvCxnSpPr>
+        <p:spPr>
+          <a:xfrm rot="5400000" flipH="1" flipV="1">
+            <a:off x="2346391" y="1145812"/>
+            <a:ext cx="1352972" cy="1320245"/>
+          </a:xfrm>
+          <a:prstGeom prst="curvedConnector2">
+            <a:avLst/>
+          </a:prstGeom>
+          <a:ln>
+            <a:tailEnd type="triangle"/>
+          </a:ln>
+        </p:spPr>
+        <p:style>
+          <a:lnRef idx="1">
+            <a:schemeClr val="accent1"/>
+          </a:lnRef>
+          <a:fillRef idx="0">
+            <a:schemeClr val="accent1"/>
+          </a:fillRef>
+          <a:effectRef idx="0">
+            <a:schemeClr val="accent1"/>
+          </a:effectRef>
+          <a:fontRef idx="minor">
+            <a:schemeClr val="tx1"/>
+          </a:fontRef>
+        </p:style>
+      </p:cxnSp>
+      <p:cxnSp>
+        <p:nvCxnSpPr>
+          <p:cNvPr id="22" name="Curved Connector 21">
+            <a:extLst>
+              <a:ext uri="{FF2B5EF4-FFF2-40B4-BE49-F238E27FC236}">
+                <a16:creationId xmlns:a16="http://schemas.microsoft.com/office/drawing/2014/main" id="{72382187-C60E-1D83-1E01-5D694EE532ED}"/>
+              </a:ext>
+            </a:extLst>
+          </p:cNvPr>
+          <p:cNvCxnSpPr>
+            <a:cxnSpLocks/>
+            <a:stCxn id="14" idx="2"/>
+            <a:endCxn id="2" idx="0"/>
+          </p:cNvCxnSpPr>
+          <p:nvPr/>
+        </p:nvCxnSpPr>
+        <p:spPr>
+          <a:xfrm rot="5400000">
+            <a:off x="3046545" y="1205044"/>
+            <a:ext cx="1085725" cy="1453873"/>
+          </a:xfrm>
+          <a:prstGeom prst="curvedConnector3">
+            <a:avLst>
+              <a:gd name="adj1" fmla="val 50000"/>
+            </a:avLst>
+          </a:prstGeom>
+          <a:ln>
+            <a:tailEnd type="triangle"/>
+          </a:ln>
+        </p:spPr>
+        <p:style>
+          <a:lnRef idx="1">
+            <a:schemeClr val="accent1"/>
+          </a:lnRef>
+          <a:fillRef idx="0">
+            <a:schemeClr val="accent1"/>
+          </a:fillRef>
+          <a:effectRef idx="0">
+            <a:schemeClr val="accent1"/>
+          </a:effectRef>
+          <a:fontRef idx="minor">
+            <a:schemeClr val="tx1"/>
+          </a:fontRef>
+        </p:style>
+      </p:cxnSp>
+      <p:cxnSp>
+        <p:nvCxnSpPr>
+          <p:cNvPr id="31" name="Curved Connector 30">
+            <a:extLst>
+              <a:ext uri="{FF2B5EF4-FFF2-40B4-BE49-F238E27FC236}">
+                <a16:creationId xmlns:a16="http://schemas.microsoft.com/office/drawing/2014/main" id="{E32335CC-35BB-4A38-7DB6-2C3D99EF176D}"/>
+              </a:ext>
+            </a:extLst>
+          </p:cNvPr>
+          <p:cNvCxnSpPr>
+            <a:cxnSpLocks/>
+            <a:stCxn id="14" idx="3"/>
+            <a:endCxn id="3" idx="0"/>
+          </p:cNvCxnSpPr>
+          <p:nvPr/>
+        </p:nvCxnSpPr>
+        <p:spPr>
+          <a:xfrm>
+            <a:off x="4949686" y="1129448"/>
+            <a:ext cx="960784" cy="1345394"/>
+          </a:xfrm>
+          <a:prstGeom prst="curvedConnector2">
+            <a:avLst/>
+          </a:prstGeom>
+          <a:ln>
+            <a:tailEnd type="triangle"/>
+          </a:ln>
+        </p:spPr>
+        <p:style>
+          <a:lnRef idx="1">
+            <a:schemeClr val="accent1"/>
+          </a:lnRef>
+          <a:fillRef idx="0">
+            <a:schemeClr val="accent1"/>
+          </a:fillRef>
+          <a:effectRef idx="0">
+            <a:schemeClr val="accent1"/>
+          </a:effectRef>
+          <a:fontRef idx="minor">
+            <a:schemeClr val="tx1"/>
+          </a:fontRef>
+        </p:style>
+      </p:cxnSp>
+      <p:cxnSp>
+        <p:nvCxnSpPr>
+          <p:cNvPr id="34" name="Curved Connector 33">
+            <a:extLst>
+              <a:ext uri="{FF2B5EF4-FFF2-40B4-BE49-F238E27FC236}">
+                <a16:creationId xmlns:a16="http://schemas.microsoft.com/office/drawing/2014/main" id="{4523D222-11CE-C8D9-6CE3-D24FC35F1E18}"/>
+              </a:ext>
+            </a:extLst>
+          </p:cNvPr>
+          <p:cNvCxnSpPr>
+            <a:cxnSpLocks/>
+            <a:stCxn id="14" idx="3"/>
+            <a:endCxn id="4" idx="0"/>
+          </p:cNvCxnSpPr>
+          <p:nvPr/>
+        </p:nvCxnSpPr>
+        <p:spPr>
+          <a:xfrm>
+            <a:off x="4949686" y="1129448"/>
+            <a:ext cx="4008784" cy="1345393"/>
+          </a:xfrm>
+          <a:prstGeom prst="curvedConnector2">
+            <a:avLst/>
+          </a:prstGeom>
+          <a:ln>
+            <a:tailEnd type="triangle"/>
+          </a:ln>
+        </p:spPr>
+        <p:style>
+          <a:lnRef idx="1">
+            <a:schemeClr val="accent1"/>
+          </a:lnRef>
+          <a:fillRef idx="0">
+            <a:schemeClr val="accent1"/>
+          </a:fillRef>
+          <a:effectRef idx="0">
+            <a:schemeClr val="accent1"/>
+          </a:effectRef>
+          <a:fontRef idx="minor">
+            <a:schemeClr val="tx1"/>
+          </a:fontRef>
+        </p:style>
+      </p:cxnSp>
+      <p:sp>
+        <p:nvSpPr>
+          <p:cNvPr id="37" name="TextBox 36">
+            <a:extLst>
+              <a:ext uri="{FF2B5EF4-FFF2-40B4-BE49-F238E27FC236}">
+                <a16:creationId xmlns:a16="http://schemas.microsoft.com/office/drawing/2014/main" id="{2B9D529B-9635-796C-9D1E-7149B1177231}"/>
+              </a:ext>
+            </a:extLst>
+          </p:cNvPr>
+          <p:cNvSpPr txBox="1"/>
+          <p:nvPr/>
+        </p:nvSpPr>
+        <p:spPr>
+          <a:xfrm>
+            <a:off x="1926813" y="1181251"/>
+            <a:ext cx="1244600" cy="369332"/>
+          </a:xfrm>
+          <a:prstGeom prst="rect">
+            <a:avLst/>
+          </a:prstGeom>
+          <a:noFill/>
+          <a:ln>
+            <a:noFill/>
+          </a:ln>
+        </p:spPr>
+        <p:txBody>
+          <a:bodyPr wrap="square" rtlCol="0">
+            <a:spAutoFit/>
+          </a:bodyPr>
+          <a:lstStyle/>
+          <a:p>
+            <a:pPr algn="ctr"/>
+            <a:r>
+              <a:rPr lang="en-US" dirty="0"/>
+              <a:t>push</a:t>
+            </a:r>
+          </a:p>
+        </p:txBody>
+      </p:sp>
+      <p:sp>
+        <p:nvSpPr>
+          <p:cNvPr id="38" name="TextBox 37">
+            <a:extLst>
+              <a:ext uri="{FF2B5EF4-FFF2-40B4-BE49-F238E27FC236}">
+                <a16:creationId xmlns:a16="http://schemas.microsoft.com/office/drawing/2014/main" id="{12C07082-46B7-ED3C-3819-39544D7378EB}"/>
+              </a:ext>
+            </a:extLst>
+          </p:cNvPr>
+          <p:cNvSpPr txBox="1"/>
+          <p:nvPr/>
+        </p:nvSpPr>
+        <p:spPr>
+          <a:xfrm>
+            <a:off x="3194326" y="1905526"/>
+            <a:ext cx="1244600" cy="369332"/>
+          </a:xfrm>
+          <a:prstGeom prst="rect">
+            <a:avLst/>
+          </a:prstGeom>
+          <a:noFill/>
+          <a:ln>
+            <a:noFill/>
+          </a:ln>
+        </p:spPr>
+        <p:txBody>
+          <a:bodyPr wrap="square" rtlCol="0">
+            <a:spAutoFit/>
+          </a:bodyPr>
+          <a:lstStyle/>
+          <a:p>
+            <a:pPr algn="ctr"/>
+            <a:r>
+              <a:rPr lang="en-US" dirty="0"/>
+              <a:t>fetch</a:t>
+            </a:r>
+          </a:p>
+        </p:txBody>
+      </p:sp>
+      <p:sp>
+        <p:nvSpPr>
+          <p:cNvPr id="39" name="TextBox 38">
+            <a:extLst>
+              <a:ext uri="{FF2B5EF4-FFF2-40B4-BE49-F238E27FC236}">
+                <a16:creationId xmlns:a16="http://schemas.microsoft.com/office/drawing/2014/main" id="{06087FBB-BD5A-C50F-C8B3-D24CE73849CE}"/>
+              </a:ext>
+            </a:extLst>
+          </p:cNvPr>
+          <p:cNvSpPr txBox="1"/>
+          <p:nvPr/>
+        </p:nvSpPr>
+        <p:spPr>
+          <a:xfrm>
+            <a:off x="4806400" y="1905526"/>
+            <a:ext cx="1244600" cy="369332"/>
+          </a:xfrm>
+          <a:prstGeom prst="rect">
+            <a:avLst/>
+          </a:prstGeom>
+          <a:noFill/>
+          <a:ln>
+            <a:noFill/>
+          </a:ln>
+        </p:spPr>
+        <p:txBody>
+          <a:bodyPr wrap="square" rtlCol="0">
+            <a:spAutoFit/>
+          </a:bodyPr>
+          <a:lstStyle/>
+          <a:p>
+            <a:pPr algn="ctr"/>
+            <a:r>
+              <a:rPr lang="en-US" dirty="0"/>
+              <a:t>deploy</a:t>
+            </a:r>
+          </a:p>
+        </p:txBody>
+      </p:sp>
+      <p:sp>
+        <p:nvSpPr>
+          <p:cNvPr id="40" name="TextBox 39">
+            <a:extLst>
+              <a:ext uri="{FF2B5EF4-FFF2-40B4-BE49-F238E27FC236}">
+                <a16:creationId xmlns:a16="http://schemas.microsoft.com/office/drawing/2014/main" id="{6C756121-9402-69E2-2648-A2CF4D27EE1D}"/>
+              </a:ext>
+            </a:extLst>
+          </p:cNvPr>
+          <p:cNvSpPr txBox="1"/>
+          <p:nvPr/>
+        </p:nvSpPr>
+        <p:spPr>
+          <a:xfrm>
+            <a:off x="7604541" y="1905526"/>
+            <a:ext cx="1244600" cy="369332"/>
+          </a:xfrm>
+          <a:prstGeom prst="rect">
+            <a:avLst/>
+          </a:prstGeom>
+          <a:noFill/>
+          <a:ln>
+            <a:noFill/>
+          </a:ln>
+        </p:spPr>
+        <p:txBody>
+          <a:bodyPr wrap="square" rtlCol="0">
+            <a:spAutoFit/>
+          </a:bodyPr>
+          <a:lstStyle/>
+          <a:p>
+            <a:pPr algn="ctr"/>
+            <a:r>
+              <a:rPr lang="en-US" dirty="0"/>
+              <a:t>deploy</a:t>
+            </a:r>
+          </a:p>
+        </p:txBody>
+      </p:sp>
+      <p:sp>
+        <p:nvSpPr>
+          <p:cNvPr id="41" name="TextBox 40">
+            <a:extLst>
+              <a:ext uri="{FF2B5EF4-FFF2-40B4-BE49-F238E27FC236}">
+                <a16:creationId xmlns:a16="http://schemas.microsoft.com/office/drawing/2014/main" id="{82F85835-9950-D63F-27A8-E6C4E93313B5}"/>
+              </a:ext>
+            </a:extLst>
+          </p:cNvPr>
+          <p:cNvSpPr txBox="1"/>
+          <p:nvPr/>
+        </p:nvSpPr>
+        <p:spPr>
+          <a:xfrm>
+            <a:off x="2074242" y="4712118"/>
+            <a:ext cx="1576456" cy="646331"/>
+          </a:xfrm>
+          <a:prstGeom prst="rect">
+            <a:avLst/>
+          </a:prstGeom>
+          <a:noFill/>
+          <a:ln>
+            <a:noFill/>
+          </a:ln>
+        </p:spPr>
+        <p:txBody>
+          <a:bodyPr wrap="square" rtlCol="0">
+            <a:spAutoFit/>
+          </a:bodyPr>
+          <a:lstStyle/>
+          <a:p>
+            <a:pPr algn="ctr"/>
+            <a:r>
+              <a:rPr lang="en-US" dirty="0"/>
+              <a:t>Workstation / laptop</a:t>
+            </a:r>
+          </a:p>
+        </p:txBody>
+      </p:sp>
+      <p:sp>
+        <p:nvSpPr>
+          <p:cNvPr id="42" name="TextBox 41">
+            <a:extLst>
+              <a:ext uri="{FF2B5EF4-FFF2-40B4-BE49-F238E27FC236}">
+                <a16:creationId xmlns:a16="http://schemas.microsoft.com/office/drawing/2014/main" id="{DA2BFEE8-89C4-E45E-11C8-4F62D8F4F059}"/>
+              </a:ext>
+            </a:extLst>
+          </p:cNvPr>
+          <p:cNvSpPr txBox="1"/>
+          <p:nvPr/>
+        </p:nvSpPr>
+        <p:spPr>
+          <a:xfrm>
+            <a:off x="5122242" y="4719696"/>
+            <a:ext cx="1576456" cy="369332"/>
+          </a:xfrm>
+          <a:prstGeom prst="rect">
+            <a:avLst/>
+          </a:prstGeom>
+          <a:noFill/>
+          <a:ln>
+            <a:noFill/>
+          </a:ln>
+        </p:spPr>
+        <p:txBody>
+          <a:bodyPr wrap="square" rtlCol="0">
+            <a:spAutoFit/>
+          </a:bodyPr>
+          <a:lstStyle/>
+          <a:p>
+            <a:pPr algn="ctr"/>
+            <a:r>
+              <a:rPr lang="en-US" dirty="0"/>
+              <a:t>Server / cloud</a:t>
+            </a:r>
+          </a:p>
+        </p:txBody>
+      </p:sp>
+      <p:sp>
+        <p:nvSpPr>
+          <p:cNvPr id="43" name="TextBox 42">
+            <a:extLst>
+              <a:ext uri="{FF2B5EF4-FFF2-40B4-BE49-F238E27FC236}">
+                <a16:creationId xmlns:a16="http://schemas.microsoft.com/office/drawing/2014/main" id="{A864860E-F2F0-F200-DE71-86F20D824560}"/>
+              </a:ext>
+            </a:extLst>
+          </p:cNvPr>
+          <p:cNvSpPr txBox="1"/>
+          <p:nvPr/>
+        </p:nvSpPr>
+        <p:spPr>
+          <a:xfrm>
+            <a:off x="8170242" y="4719696"/>
+            <a:ext cx="1576456" cy="369332"/>
+          </a:xfrm>
+          <a:prstGeom prst="rect">
+            <a:avLst/>
+          </a:prstGeom>
+          <a:noFill/>
+          <a:ln>
+            <a:noFill/>
+          </a:ln>
+        </p:spPr>
+        <p:txBody>
+          <a:bodyPr wrap="square" rtlCol="0">
+            <a:spAutoFit/>
+          </a:bodyPr>
+          <a:lstStyle/>
+          <a:p>
+            <a:pPr algn="ctr"/>
+            <a:r>
+              <a:rPr lang="en-US" dirty="0"/>
+              <a:t>Server / cloud</a:t>
+            </a:r>
+          </a:p>
+        </p:txBody>
+      </p:sp>
+    </p:spTree>
+    <p:extLst>
+      <p:ext uri="{BB962C8B-B14F-4D97-AF65-F5344CB8AC3E}">
+        <p14:creationId xmlns:p14="http://schemas.microsoft.com/office/powerpoint/2010/main" val="1089313653"/>
+      </p:ext>
+    </p:extLst>
+  </p:cSld>
+  <p:clrMapOvr>
+    <a:masterClrMapping/>
+  </p:clrMapOvr>
+</p:sld>
+</file>
+
+<file path=ppt/slides/slide5.xml><?xml version="1.0" encoding="utf-8"?>
+<p:sld xmlns:a="http://schemas.openxmlformats.org/drawingml/2006/main" xmlns:r="http://schemas.openxmlformats.org/officeDocument/2006/relationships" xmlns:p="http://schemas.openxmlformats.org/presentationml/2006/main">
+  <p:cSld>
+    <p:spTree>
+      <p:nvGrpSpPr>
+        <p:cNvPr id="1" name=""/>
+        <p:cNvGrpSpPr/>
+        <p:nvPr/>
+      </p:nvGrpSpPr>
+      <p:grpSpPr>
+        <a:xfrm>
+          <a:off x="0" y="0"/>
+          <a:ext cx="0" cy="0"/>
+          <a:chOff x="0" y="0"/>
+          <a:chExt cx="0" cy="0"/>
+        </a:xfrm>
+      </p:grpSpPr>
+      <p:sp>
+        <p:nvSpPr>
+          <p:cNvPr id="4" name="Rounded Rectangle 3">
+            <a:extLst>
+              <a:ext uri="{FF2B5EF4-FFF2-40B4-BE49-F238E27FC236}">
+                <a16:creationId xmlns:a16="http://schemas.microsoft.com/office/drawing/2014/main" id="{3544504E-4EAC-1B5F-7841-C82A73B26277}"/>
+              </a:ext>
+            </a:extLst>
+          </p:cNvPr>
+          <p:cNvSpPr/>
+          <p:nvPr/>
+        </p:nvSpPr>
+        <p:spPr>
+          <a:xfrm>
+            <a:off x="2945295" y="1861931"/>
+            <a:ext cx="2385391" cy="506896"/>
+          </a:xfrm>
+          <a:prstGeom prst="roundRect">
+            <a:avLst/>
+          </a:prstGeom>
+        </p:spPr>
+        <p:style>
+          <a:lnRef idx="2">
+            <a:schemeClr val="accent1"/>
+          </a:lnRef>
+          <a:fillRef idx="1">
+            <a:schemeClr val="lt1"/>
+          </a:fillRef>
+          <a:effectRef idx="0">
+            <a:schemeClr val="accent1"/>
+          </a:effectRef>
+          <a:fontRef idx="minor">
+            <a:schemeClr val="dk1"/>
+          </a:fontRef>
+        </p:style>
+        <p:txBody>
+          <a:bodyPr rtlCol="0" anchor="ctr"/>
+          <a:lstStyle/>
+          <a:p>
+            <a:pPr algn="ctr"/>
+            <a:r>
+              <a:rPr lang="en-US" dirty="0"/>
+              <a:t>Analysis</a:t>
+            </a:r>
+          </a:p>
+        </p:txBody>
+      </p:sp>
+      <p:sp>
+        <p:nvSpPr>
+          <p:cNvPr id="5" name="Rounded Rectangle 4">
+            <a:extLst>
+              <a:ext uri="{FF2B5EF4-FFF2-40B4-BE49-F238E27FC236}">
+                <a16:creationId xmlns:a16="http://schemas.microsoft.com/office/drawing/2014/main" id="{01C26B69-E0F9-99CD-66C0-B532A0C9D1D8}"/>
+              </a:ext>
+            </a:extLst>
+          </p:cNvPr>
+          <p:cNvSpPr/>
+          <p:nvPr/>
+        </p:nvSpPr>
+        <p:spPr>
+          <a:xfrm>
+            <a:off x="3766930" y="2637185"/>
+            <a:ext cx="2385391" cy="506896"/>
+          </a:xfrm>
+          <a:prstGeom prst="roundRect">
+            <a:avLst/>
+          </a:prstGeom>
+        </p:spPr>
+        <p:style>
+          <a:lnRef idx="2">
+            <a:schemeClr val="accent1"/>
+          </a:lnRef>
+          <a:fillRef idx="1">
+            <a:schemeClr val="lt1"/>
+          </a:fillRef>
+          <a:effectRef idx="0">
+            <a:schemeClr val="accent1"/>
+          </a:effectRef>
+          <a:fontRef idx="minor">
+            <a:schemeClr val="dk1"/>
+          </a:fontRef>
+        </p:style>
+        <p:txBody>
+          <a:bodyPr rtlCol="0" anchor="ctr"/>
+          <a:lstStyle/>
+          <a:p>
+            <a:pPr algn="ctr"/>
+            <a:r>
+              <a:rPr lang="en-US" dirty="0"/>
+              <a:t>Design</a:t>
+            </a:r>
+          </a:p>
+        </p:txBody>
+      </p:sp>
+      <p:sp>
+        <p:nvSpPr>
+          <p:cNvPr id="6" name="Rounded Rectangle 5">
+            <a:extLst>
+              <a:ext uri="{FF2B5EF4-FFF2-40B4-BE49-F238E27FC236}">
+                <a16:creationId xmlns:a16="http://schemas.microsoft.com/office/drawing/2014/main" id="{BAB2030C-B910-36B1-D88C-D0F57B5333D0}"/>
+              </a:ext>
+            </a:extLst>
+          </p:cNvPr>
+          <p:cNvSpPr/>
+          <p:nvPr/>
+        </p:nvSpPr>
+        <p:spPr>
+          <a:xfrm>
+            <a:off x="4903304" y="3429000"/>
+            <a:ext cx="2385391" cy="506896"/>
+          </a:xfrm>
+          <a:prstGeom prst="roundRect">
+            <a:avLst/>
+          </a:prstGeom>
+        </p:spPr>
+        <p:style>
+          <a:lnRef idx="2">
+            <a:schemeClr val="accent1"/>
+          </a:lnRef>
+          <a:fillRef idx="1">
+            <a:schemeClr val="lt1"/>
+          </a:fillRef>
+          <a:effectRef idx="0">
+            <a:schemeClr val="accent1"/>
+          </a:effectRef>
+          <a:fontRef idx="minor">
+            <a:schemeClr val="dk1"/>
+          </a:fontRef>
+        </p:style>
+        <p:txBody>
+          <a:bodyPr rtlCol="0" anchor="ctr"/>
+          <a:lstStyle/>
+          <a:p>
+            <a:pPr algn="ctr"/>
+            <a:r>
+              <a:rPr lang="en-US" dirty="0"/>
+              <a:t>Implementation</a:t>
+            </a:r>
+          </a:p>
+        </p:txBody>
+      </p:sp>
+      <p:sp>
+        <p:nvSpPr>
+          <p:cNvPr id="7" name="Rounded Rectangle 6">
+            <a:extLst>
+              <a:ext uri="{FF2B5EF4-FFF2-40B4-BE49-F238E27FC236}">
+                <a16:creationId xmlns:a16="http://schemas.microsoft.com/office/drawing/2014/main" id="{5B0A085D-8834-11A4-30F0-66723BB44F4C}"/>
+              </a:ext>
+            </a:extLst>
+          </p:cNvPr>
+          <p:cNvSpPr/>
+          <p:nvPr/>
+        </p:nvSpPr>
+        <p:spPr>
+          <a:xfrm>
+            <a:off x="6095999" y="4220815"/>
+            <a:ext cx="2385391" cy="506896"/>
+          </a:xfrm>
+          <a:prstGeom prst="roundRect">
+            <a:avLst/>
+          </a:prstGeom>
+        </p:spPr>
+        <p:style>
+          <a:lnRef idx="2">
+            <a:schemeClr val="accent1"/>
+          </a:lnRef>
+          <a:fillRef idx="1">
+            <a:schemeClr val="lt1"/>
+          </a:fillRef>
+          <a:effectRef idx="0">
+            <a:schemeClr val="accent1"/>
+          </a:effectRef>
+          <a:fontRef idx="minor">
+            <a:schemeClr val="dk1"/>
+          </a:fontRef>
+        </p:style>
+        <p:txBody>
+          <a:bodyPr rtlCol="0" anchor="ctr"/>
+          <a:lstStyle/>
+          <a:p>
+            <a:pPr algn="ctr"/>
+            <a:r>
+              <a:rPr lang="en-US" dirty="0"/>
+              <a:t>Testing</a:t>
+            </a:r>
+          </a:p>
+        </p:txBody>
+      </p:sp>
+      <p:sp>
+        <p:nvSpPr>
+          <p:cNvPr id="9" name="Bent Arrow 8">
+            <a:extLst>
+              <a:ext uri="{FF2B5EF4-FFF2-40B4-BE49-F238E27FC236}">
+                <a16:creationId xmlns:a16="http://schemas.microsoft.com/office/drawing/2014/main" id="{A1F33874-AF08-7D61-1AC9-4A5B1445DB00}"/>
+              </a:ext>
+            </a:extLst>
+          </p:cNvPr>
+          <p:cNvSpPr/>
+          <p:nvPr/>
+        </p:nvSpPr>
+        <p:spPr>
+          <a:xfrm rot="5400000">
+            <a:off x="5483915" y="2058233"/>
+            <a:ext cx="395908" cy="477078"/>
+          </a:xfrm>
+          <a:prstGeom prst="bentArrow">
+            <a:avLst/>
+          </a:prstGeom>
+        </p:spPr>
+        <p:style>
+          <a:lnRef idx="2">
+            <a:schemeClr val="accent1">
+              <a:shade val="15000"/>
+            </a:schemeClr>
+          </a:lnRef>
+          <a:fillRef idx="1">
+            <a:schemeClr val="accent1"/>
+          </a:fillRef>
+          <a:effectRef idx="0">
+            <a:schemeClr val="accent1"/>
+          </a:effectRef>
+          <a:fontRef idx="minor">
+            <a:schemeClr val="lt1"/>
+          </a:fontRef>
+        </p:style>
+        <p:txBody>
+          <a:bodyPr rtlCol="0" anchor="ctr"/>
+          <a:lstStyle/>
+          <a:p>
+            <a:pPr algn="ctr"/>
+            <a:endParaRPr lang="en-US">
+              <a:solidFill>
+                <a:schemeClr val="tx1"/>
+              </a:solidFill>
+            </a:endParaRPr>
+          </a:p>
+        </p:txBody>
+      </p:sp>
+      <p:sp>
+        <p:nvSpPr>
+          <p:cNvPr id="10" name="Bent Arrow 9">
+            <a:extLst>
+              <a:ext uri="{FF2B5EF4-FFF2-40B4-BE49-F238E27FC236}">
+                <a16:creationId xmlns:a16="http://schemas.microsoft.com/office/drawing/2014/main" id="{B5C7DCA8-7BA0-C769-BDE0-97A0949FC8A9}"/>
+              </a:ext>
+            </a:extLst>
+          </p:cNvPr>
+          <p:cNvSpPr/>
+          <p:nvPr/>
+        </p:nvSpPr>
+        <p:spPr>
+          <a:xfrm rot="5400000">
+            <a:off x="6312176" y="2850048"/>
+            <a:ext cx="395908" cy="477078"/>
+          </a:xfrm>
+          <a:prstGeom prst="bentArrow">
+            <a:avLst/>
+          </a:prstGeom>
+        </p:spPr>
+        <p:style>
+          <a:lnRef idx="2">
+            <a:schemeClr val="accent1">
+              <a:shade val="15000"/>
+            </a:schemeClr>
+          </a:lnRef>
+          <a:fillRef idx="1">
+            <a:schemeClr val="accent1"/>
+          </a:fillRef>
+          <a:effectRef idx="0">
+            <a:schemeClr val="accent1"/>
+          </a:effectRef>
+          <a:fontRef idx="minor">
+            <a:schemeClr val="lt1"/>
+          </a:fontRef>
+        </p:style>
+        <p:txBody>
+          <a:bodyPr rtlCol="0" anchor="ctr"/>
+          <a:lstStyle/>
+          <a:p>
+            <a:pPr algn="ctr"/>
+            <a:endParaRPr lang="en-US">
+              <a:solidFill>
+                <a:schemeClr val="tx1"/>
+              </a:solidFill>
+            </a:endParaRPr>
+          </a:p>
+        </p:txBody>
+      </p:sp>
+      <p:sp>
+        <p:nvSpPr>
+          <p:cNvPr id="11" name="Bent Arrow 10">
+            <a:extLst>
+              <a:ext uri="{FF2B5EF4-FFF2-40B4-BE49-F238E27FC236}">
+                <a16:creationId xmlns:a16="http://schemas.microsoft.com/office/drawing/2014/main" id="{5F383F42-B482-A9EC-733C-FFFD37327246}"/>
+              </a:ext>
+            </a:extLst>
+          </p:cNvPr>
+          <p:cNvSpPr/>
+          <p:nvPr/>
+        </p:nvSpPr>
+        <p:spPr>
+          <a:xfrm rot="5400000">
+            <a:off x="7435298" y="3641863"/>
+            <a:ext cx="395908" cy="477078"/>
+          </a:xfrm>
+          <a:prstGeom prst="bentArrow">
+            <a:avLst/>
+          </a:prstGeom>
+        </p:spPr>
+        <p:style>
+          <a:lnRef idx="2">
+            <a:schemeClr val="accent1">
+              <a:shade val="15000"/>
+            </a:schemeClr>
+          </a:lnRef>
+          <a:fillRef idx="1">
+            <a:schemeClr val="accent1"/>
+          </a:fillRef>
+          <a:effectRef idx="0">
+            <a:schemeClr val="accent1"/>
+          </a:effectRef>
+          <a:fontRef idx="minor">
+            <a:schemeClr val="lt1"/>
+          </a:fontRef>
+        </p:style>
+        <p:txBody>
+          <a:bodyPr rtlCol="0" anchor="ctr"/>
+          <a:lstStyle/>
+          <a:p>
+            <a:pPr algn="ctr"/>
+            <a:endParaRPr lang="en-US">
+              <a:solidFill>
+                <a:schemeClr val="tx1"/>
+              </a:solidFill>
+            </a:endParaRPr>
+          </a:p>
+        </p:txBody>
+      </p:sp>
+      <p:sp>
+        <p:nvSpPr>
+          <p:cNvPr id="12" name="Rounded Rectangle 11">
+            <a:extLst>
+              <a:ext uri="{FF2B5EF4-FFF2-40B4-BE49-F238E27FC236}">
+                <a16:creationId xmlns:a16="http://schemas.microsoft.com/office/drawing/2014/main" id="{B34E4A48-E8E3-1DCA-C3F6-B74822E98719}"/>
+              </a:ext>
+            </a:extLst>
+          </p:cNvPr>
+          <p:cNvSpPr/>
+          <p:nvPr/>
+        </p:nvSpPr>
+        <p:spPr>
+          <a:xfrm>
+            <a:off x="7288695" y="5012630"/>
+            <a:ext cx="2385391" cy="506896"/>
+          </a:xfrm>
+          <a:prstGeom prst="roundRect">
+            <a:avLst/>
+          </a:prstGeom>
+        </p:spPr>
+        <p:style>
+          <a:lnRef idx="2">
+            <a:schemeClr val="accent1"/>
+          </a:lnRef>
+          <a:fillRef idx="1">
+            <a:schemeClr val="lt1"/>
+          </a:fillRef>
+          <a:effectRef idx="0">
+            <a:schemeClr val="accent1"/>
+          </a:effectRef>
+          <a:fontRef idx="minor">
+            <a:schemeClr val="dk1"/>
+          </a:fontRef>
+        </p:style>
+        <p:txBody>
+          <a:bodyPr rtlCol="0" anchor="ctr"/>
+          <a:lstStyle/>
+          <a:p>
+            <a:pPr algn="ctr"/>
+            <a:r>
+              <a:rPr lang="en-US" dirty="0"/>
+              <a:t>Maintenance</a:t>
+            </a:r>
+          </a:p>
+        </p:txBody>
+      </p:sp>
+      <p:sp>
+        <p:nvSpPr>
+          <p:cNvPr id="13" name="Bent Arrow 12">
+            <a:extLst>
+              <a:ext uri="{FF2B5EF4-FFF2-40B4-BE49-F238E27FC236}">
+                <a16:creationId xmlns:a16="http://schemas.microsoft.com/office/drawing/2014/main" id="{9AEB7B52-9884-5109-988F-7D099535CF8A}"/>
+              </a:ext>
+            </a:extLst>
+          </p:cNvPr>
+          <p:cNvSpPr/>
+          <p:nvPr/>
+        </p:nvSpPr>
+        <p:spPr>
+          <a:xfrm rot="5400000">
+            <a:off x="8627994" y="4433678"/>
+            <a:ext cx="395908" cy="477078"/>
+          </a:xfrm>
+          <a:prstGeom prst="bentArrow">
+            <a:avLst/>
+          </a:prstGeom>
+        </p:spPr>
+        <p:style>
+          <a:lnRef idx="2">
+            <a:schemeClr val="accent1">
+              <a:shade val="15000"/>
+            </a:schemeClr>
+          </a:lnRef>
+          <a:fillRef idx="1">
+            <a:schemeClr val="accent1"/>
+          </a:fillRef>
+          <a:effectRef idx="0">
+            <a:schemeClr val="accent1"/>
+          </a:effectRef>
+          <a:fontRef idx="minor">
+            <a:schemeClr val="lt1"/>
+          </a:fontRef>
+        </p:style>
+        <p:txBody>
+          <a:bodyPr rtlCol="0" anchor="ctr"/>
+          <a:lstStyle/>
+          <a:p>
+            <a:pPr algn="ctr"/>
+            <a:endParaRPr lang="en-US">
+              <a:solidFill>
+                <a:schemeClr val="tx1"/>
+              </a:solidFill>
+            </a:endParaRPr>
+          </a:p>
+        </p:txBody>
+      </p:sp>
+    </p:spTree>
+    <p:extLst>
+      <p:ext uri="{BB962C8B-B14F-4D97-AF65-F5344CB8AC3E}">
+        <p14:creationId xmlns:p14="http://schemas.microsoft.com/office/powerpoint/2010/main" val="1128431687"/>
+      </p:ext>
+    </p:extLst>
+  </p:cSld>
+  <p:clrMapOvr>
+    <a:masterClrMapping/>
+  </p:clrMapOvr>
+</p:sld>
+</file>
+
+<file path=ppt/slides/slide6.xml><?xml version="1.0" encoding="utf-8"?>
+<p:sld xmlns:a="http://schemas.openxmlformats.org/drawingml/2006/main" xmlns:r="http://schemas.openxmlformats.org/officeDocument/2006/relationships" xmlns:p="http://schemas.openxmlformats.org/presentationml/2006/main">
+  <p:cSld>
+    <p:spTree>
+      <p:nvGrpSpPr>
+        <p:cNvPr id="1" name=""/>
+        <p:cNvGrpSpPr/>
+        <p:nvPr/>
+      </p:nvGrpSpPr>
+      <p:grpSpPr>
+        <a:xfrm>
+          <a:off x="0" y="0"/>
+          <a:ext cx="0" cy="0"/>
+          <a:chOff x="0" y="0"/>
+          <a:chExt cx="0" cy="0"/>
+        </a:xfrm>
+      </p:grpSpPr>
+      <p:sp>
+        <p:nvSpPr>
+          <p:cNvPr id="4" name="Rounded Rectangle 3">
+            <a:extLst>
+              <a:ext uri="{FF2B5EF4-FFF2-40B4-BE49-F238E27FC236}">
+                <a16:creationId xmlns:a16="http://schemas.microsoft.com/office/drawing/2014/main" id="{3544504E-4EAC-1B5F-7841-C82A73B26277}"/>
+              </a:ext>
+            </a:extLst>
+          </p:cNvPr>
+          <p:cNvSpPr/>
+          <p:nvPr/>
+        </p:nvSpPr>
+        <p:spPr>
+          <a:xfrm>
+            <a:off x="619539" y="599661"/>
+            <a:ext cx="462504" cy="294866"/>
+          </a:xfrm>
+          <a:prstGeom prst="roundRect">
+            <a:avLst/>
+          </a:prstGeom>
+        </p:spPr>
+        <p:style>
+          <a:lnRef idx="2">
+            <a:schemeClr val="accent1"/>
+          </a:lnRef>
+          <a:fillRef idx="1">
+            <a:schemeClr val="lt1"/>
+          </a:fillRef>
+          <a:effectRef idx="0">
+            <a:schemeClr val="accent1"/>
+          </a:effectRef>
+          <a:fontRef idx="minor">
+            <a:schemeClr val="dk1"/>
+          </a:fontRef>
+        </p:style>
+        <p:txBody>
+          <a:bodyPr rtlCol="0" anchor="ctr"/>
+          <a:lstStyle/>
+          <a:p>
+            <a:pPr algn="ctr"/>
+            <a:r>
+              <a:rPr lang="en-US" sz="1400" dirty="0"/>
+              <a:t>1</a:t>
+            </a:r>
+          </a:p>
+        </p:txBody>
+      </p:sp>
+      <p:sp>
+        <p:nvSpPr>
+          <p:cNvPr id="5" name="Rounded Rectangle 4">
+            <a:extLst>
+              <a:ext uri="{FF2B5EF4-FFF2-40B4-BE49-F238E27FC236}">
+                <a16:creationId xmlns:a16="http://schemas.microsoft.com/office/drawing/2014/main" id="{01C26B69-E0F9-99CD-66C0-B532A0C9D1D8}"/>
+              </a:ext>
+            </a:extLst>
+          </p:cNvPr>
+          <p:cNvSpPr/>
+          <p:nvPr/>
+        </p:nvSpPr>
+        <p:spPr>
+          <a:xfrm>
+            <a:off x="1082043" y="773673"/>
+            <a:ext cx="462504" cy="294866"/>
+          </a:xfrm>
+          <a:prstGeom prst="roundRect">
+            <a:avLst/>
+          </a:prstGeom>
+        </p:spPr>
+        <p:style>
+          <a:lnRef idx="2">
+            <a:schemeClr val="accent1"/>
+          </a:lnRef>
+          <a:fillRef idx="1">
+            <a:schemeClr val="lt1"/>
+          </a:fillRef>
+          <a:effectRef idx="0">
+            <a:schemeClr val="accent1"/>
+          </a:effectRef>
+          <a:fontRef idx="minor">
+            <a:schemeClr val="dk1"/>
+          </a:fontRef>
+        </p:style>
+        <p:txBody>
+          <a:bodyPr rtlCol="0" anchor="ctr"/>
+          <a:lstStyle/>
+          <a:p>
+            <a:pPr algn="ctr"/>
+            <a:r>
+              <a:rPr lang="en-US" sz="1400" dirty="0"/>
+              <a:t>2</a:t>
+            </a:r>
+          </a:p>
+        </p:txBody>
+      </p:sp>
+      <p:sp>
+        <p:nvSpPr>
+          <p:cNvPr id="6" name="Rounded Rectangle 5">
+            <a:extLst>
+              <a:ext uri="{FF2B5EF4-FFF2-40B4-BE49-F238E27FC236}">
+                <a16:creationId xmlns:a16="http://schemas.microsoft.com/office/drawing/2014/main" id="{BAB2030C-B910-36B1-D88C-D0F57B5333D0}"/>
+              </a:ext>
+            </a:extLst>
+          </p:cNvPr>
+          <p:cNvSpPr/>
+          <p:nvPr/>
+        </p:nvSpPr>
+        <p:spPr>
+          <a:xfrm>
+            <a:off x="1544547" y="947685"/>
+            <a:ext cx="462504" cy="294866"/>
+          </a:xfrm>
+          <a:prstGeom prst="roundRect">
+            <a:avLst/>
+          </a:prstGeom>
+        </p:spPr>
+        <p:style>
+          <a:lnRef idx="2">
+            <a:schemeClr val="accent1"/>
+          </a:lnRef>
+          <a:fillRef idx="1">
+            <a:schemeClr val="lt1"/>
+          </a:fillRef>
+          <a:effectRef idx="0">
+            <a:schemeClr val="accent1"/>
+          </a:effectRef>
+          <a:fontRef idx="minor">
+            <a:schemeClr val="dk1"/>
+          </a:fontRef>
+        </p:style>
+        <p:txBody>
+          <a:bodyPr rtlCol="0" anchor="ctr"/>
+          <a:lstStyle/>
+          <a:p>
+            <a:pPr algn="ctr"/>
+            <a:r>
+              <a:rPr lang="en-US" sz="1400" dirty="0"/>
+              <a:t>3</a:t>
+            </a:r>
+          </a:p>
+        </p:txBody>
+      </p:sp>
+      <p:sp>
+        <p:nvSpPr>
+          <p:cNvPr id="7" name="Rounded Rectangle 6">
+            <a:extLst>
+              <a:ext uri="{FF2B5EF4-FFF2-40B4-BE49-F238E27FC236}">
+                <a16:creationId xmlns:a16="http://schemas.microsoft.com/office/drawing/2014/main" id="{5B0A085D-8834-11A4-30F0-66723BB44F4C}"/>
+              </a:ext>
+            </a:extLst>
+          </p:cNvPr>
+          <p:cNvSpPr/>
+          <p:nvPr/>
+        </p:nvSpPr>
+        <p:spPr>
+          <a:xfrm>
+            <a:off x="2007051" y="1105142"/>
+            <a:ext cx="462504" cy="294866"/>
+          </a:xfrm>
+          <a:prstGeom prst="roundRect">
+            <a:avLst/>
+          </a:prstGeom>
+        </p:spPr>
+        <p:style>
+          <a:lnRef idx="2">
+            <a:schemeClr val="accent1"/>
+          </a:lnRef>
+          <a:fillRef idx="1">
+            <a:schemeClr val="lt1"/>
+          </a:fillRef>
+          <a:effectRef idx="0">
+            <a:schemeClr val="accent1"/>
+          </a:effectRef>
+          <a:fontRef idx="minor">
+            <a:schemeClr val="dk1"/>
+          </a:fontRef>
+        </p:style>
+        <p:txBody>
+          <a:bodyPr rtlCol="0" anchor="ctr"/>
+          <a:lstStyle/>
+          <a:p>
+            <a:pPr algn="ctr"/>
+            <a:r>
+              <a:rPr lang="en-US" sz="1400" dirty="0"/>
+              <a:t>4</a:t>
+            </a:r>
+          </a:p>
+        </p:txBody>
+      </p:sp>
+      <p:sp>
+        <p:nvSpPr>
+          <p:cNvPr id="12" name="Rounded Rectangle 11">
+            <a:extLst>
+              <a:ext uri="{FF2B5EF4-FFF2-40B4-BE49-F238E27FC236}">
+                <a16:creationId xmlns:a16="http://schemas.microsoft.com/office/drawing/2014/main" id="{B34E4A48-E8E3-1DCA-C3F6-B74822E98719}"/>
+              </a:ext>
+            </a:extLst>
+          </p:cNvPr>
+          <p:cNvSpPr/>
+          <p:nvPr/>
+        </p:nvSpPr>
+        <p:spPr>
+          <a:xfrm>
+            <a:off x="2469555" y="1262599"/>
+            <a:ext cx="462504" cy="294866"/>
+          </a:xfrm>
+          <a:prstGeom prst="roundRect">
+            <a:avLst/>
+          </a:prstGeom>
+        </p:spPr>
+        <p:style>
+          <a:lnRef idx="2">
+            <a:schemeClr val="accent1"/>
+          </a:lnRef>
+          <a:fillRef idx="1">
+            <a:schemeClr val="lt1"/>
+          </a:fillRef>
+          <a:effectRef idx="0">
+            <a:schemeClr val="accent1"/>
+          </a:effectRef>
+          <a:fontRef idx="minor">
+            <a:schemeClr val="dk1"/>
+          </a:fontRef>
+        </p:style>
+        <p:txBody>
+          <a:bodyPr rtlCol="0" anchor="ctr"/>
+          <a:lstStyle/>
+          <a:p>
+            <a:pPr algn="ctr"/>
+            <a:r>
+              <a:rPr lang="en-US" sz="1400" dirty="0"/>
+              <a:t>5</a:t>
+            </a:r>
+          </a:p>
+        </p:txBody>
+      </p:sp>
+      <p:sp>
+        <p:nvSpPr>
+          <p:cNvPr id="16" name="Rounded Rectangle 15">
+            <a:extLst>
+              <a:ext uri="{FF2B5EF4-FFF2-40B4-BE49-F238E27FC236}">
+                <a16:creationId xmlns:a16="http://schemas.microsoft.com/office/drawing/2014/main" id="{F49FBDD9-31C4-E6E4-3608-CB232EAADBA2}"/>
+              </a:ext>
+            </a:extLst>
+          </p:cNvPr>
+          <p:cNvSpPr/>
+          <p:nvPr/>
+        </p:nvSpPr>
+        <p:spPr>
+          <a:xfrm>
+            <a:off x="1785730" y="1702004"/>
+            <a:ext cx="462504" cy="294866"/>
+          </a:xfrm>
+          <a:prstGeom prst="roundRect">
+            <a:avLst/>
+          </a:prstGeom>
+        </p:spPr>
+        <p:style>
+          <a:lnRef idx="2">
+            <a:schemeClr val="accent1"/>
+          </a:lnRef>
+          <a:fillRef idx="1">
+            <a:schemeClr val="lt1"/>
+          </a:fillRef>
+          <a:effectRef idx="0">
+            <a:schemeClr val="accent1"/>
+          </a:effectRef>
+          <a:fontRef idx="minor">
+            <a:schemeClr val="dk1"/>
+          </a:fontRef>
+        </p:style>
+        <p:txBody>
+          <a:bodyPr rtlCol="0" anchor="ctr"/>
+          <a:lstStyle/>
+          <a:p>
+            <a:pPr algn="ctr"/>
+            <a:r>
+              <a:rPr lang="en-US" sz="1400" dirty="0"/>
+              <a:t>1</a:t>
+            </a:r>
+          </a:p>
+        </p:txBody>
+      </p:sp>
+      <p:sp>
+        <p:nvSpPr>
+          <p:cNvPr id="17" name="Rounded Rectangle 16">
+            <a:extLst>
+              <a:ext uri="{FF2B5EF4-FFF2-40B4-BE49-F238E27FC236}">
+                <a16:creationId xmlns:a16="http://schemas.microsoft.com/office/drawing/2014/main" id="{9112591E-4165-595E-D9A1-237B66F2B942}"/>
+              </a:ext>
+            </a:extLst>
+          </p:cNvPr>
+          <p:cNvSpPr/>
+          <p:nvPr/>
+        </p:nvSpPr>
+        <p:spPr>
+          <a:xfrm>
+            <a:off x="2248234" y="1876016"/>
+            <a:ext cx="462504" cy="294866"/>
+          </a:xfrm>
+          <a:prstGeom prst="roundRect">
+            <a:avLst/>
+          </a:prstGeom>
+        </p:spPr>
+        <p:style>
+          <a:lnRef idx="2">
+            <a:schemeClr val="accent1"/>
+          </a:lnRef>
+          <a:fillRef idx="1">
+            <a:schemeClr val="lt1"/>
+          </a:fillRef>
+          <a:effectRef idx="0">
+            <a:schemeClr val="accent1"/>
+          </a:effectRef>
+          <a:fontRef idx="minor">
+            <a:schemeClr val="dk1"/>
+          </a:fontRef>
+        </p:style>
+        <p:txBody>
+          <a:bodyPr rtlCol="0" anchor="ctr"/>
+          <a:lstStyle/>
+          <a:p>
+            <a:pPr algn="ctr"/>
+            <a:r>
+              <a:rPr lang="en-US" sz="1400" dirty="0"/>
+              <a:t>2</a:t>
+            </a:r>
+          </a:p>
+        </p:txBody>
+      </p:sp>
+      <p:sp>
+        <p:nvSpPr>
+          <p:cNvPr id="18" name="Rounded Rectangle 17">
+            <a:extLst>
+              <a:ext uri="{FF2B5EF4-FFF2-40B4-BE49-F238E27FC236}">
+                <a16:creationId xmlns:a16="http://schemas.microsoft.com/office/drawing/2014/main" id="{B5C64BDD-4DB7-4611-8FB9-CFD96845A742}"/>
+              </a:ext>
+            </a:extLst>
+          </p:cNvPr>
+          <p:cNvSpPr/>
+          <p:nvPr/>
+        </p:nvSpPr>
+        <p:spPr>
+          <a:xfrm>
+            <a:off x="2710738" y="2050028"/>
+            <a:ext cx="462504" cy="294866"/>
+          </a:xfrm>
+          <a:prstGeom prst="roundRect">
+            <a:avLst/>
+          </a:prstGeom>
+        </p:spPr>
+        <p:style>
+          <a:lnRef idx="2">
+            <a:schemeClr val="accent1"/>
+          </a:lnRef>
+          <a:fillRef idx="1">
+            <a:schemeClr val="lt1"/>
+          </a:fillRef>
+          <a:effectRef idx="0">
+            <a:schemeClr val="accent1"/>
+          </a:effectRef>
+          <a:fontRef idx="minor">
+            <a:schemeClr val="dk1"/>
+          </a:fontRef>
+        </p:style>
+        <p:txBody>
+          <a:bodyPr rtlCol="0" anchor="ctr"/>
+          <a:lstStyle/>
+          <a:p>
+            <a:pPr algn="ctr"/>
+            <a:r>
+              <a:rPr lang="en-US" sz="1400" dirty="0"/>
+              <a:t>3</a:t>
+            </a:r>
+          </a:p>
+        </p:txBody>
+      </p:sp>
+      <p:sp>
+        <p:nvSpPr>
+          <p:cNvPr id="19" name="Rounded Rectangle 18">
+            <a:extLst>
+              <a:ext uri="{FF2B5EF4-FFF2-40B4-BE49-F238E27FC236}">
+                <a16:creationId xmlns:a16="http://schemas.microsoft.com/office/drawing/2014/main" id="{55979E64-DD58-4249-9D35-6553A71E5CD9}"/>
+              </a:ext>
+            </a:extLst>
+          </p:cNvPr>
+          <p:cNvSpPr/>
+          <p:nvPr/>
+        </p:nvSpPr>
+        <p:spPr>
+          <a:xfrm>
+            <a:off x="3173242" y="2207485"/>
+            <a:ext cx="462504" cy="294866"/>
+          </a:xfrm>
+          <a:prstGeom prst="roundRect">
+            <a:avLst/>
+          </a:prstGeom>
+        </p:spPr>
+        <p:style>
+          <a:lnRef idx="2">
+            <a:schemeClr val="accent1"/>
+          </a:lnRef>
+          <a:fillRef idx="1">
+            <a:schemeClr val="lt1"/>
+          </a:fillRef>
+          <a:effectRef idx="0">
+            <a:schemeClr val="accent1"/>
+          </a:effectRef>
+          <a:fontRef idx="minor">
+            <a:schemeClr val="dk1"/>
+          </a:fontRef>
+        </p:style>
+        <p:txBody>
+          <a:bodyPr rtlCol="0" anchor="ctr"/>
+          <a:lstStyle/>
+          <a:p>
+            <a:pPr algn="ctr"/>
+            <a:r>
+              <a:rPr lang="en-US" sz="1400" dirty="0"/>
+              <a:t>4</a:t>
+            </a:r>
+          </a:p>
+        </p:txBody>
+      </p:sp>
+      <p:sp>
+        <p:nvSpPr>
+          <p:cNvPr id="20" name="Rounded Rectangle 19">
+            <a:extLst>
+              <a:ext uri="{FF2B5EF4-FFF2-40B4-BE49-F238E27FC236}">
+                <a16:creationId xmlns:a16="http://schemas.microsoft.com/office/drawing/2014/main" id="{0525F648-21E1-D0F3-E750-8F6FEF3C4035}"/>
+              </a:ext>
+            </a:extLst>
+          </p:cNvPr>
+          <p:cNvSpPr/>
+          <p:nvPr/>
+        </p:nvSpPr>
+        <p:spPr>
+          <a:xfrm>
+            <a:off x="3635746" y="2364942"/>
+            <a:ext cx="462504" cy="294866"/>
+          </a:xfrm>
+          <a:prstGeom prst="roundRect">
+            <a:avLst/>
+          </a:prstGeom>
+        </p:spPr>
+        <p:style>
+          <a:lnRef idx="2">
+            <a:schemeClr val="accent1"/>
+          </a:lnRef>
+          <a:fillRef idx="1">
+            <a:schemeClr val="lt1"/>
+          </a:fillRef>
+          <a:effectRef idx="0">
+            <a:schemeClr val="accent1"/>
+          </a:effectRef>
+          <a:fontRef idx="minor">
+            <a:schemeClr val="dk1"/>
+          </a:fontRef>
+        </p:style>
+        <p:txBody>
+          <a:bodyPr rtlCol="0" anchor="ctr"/>
+          <a:lstStyle/>
+          <a:p>
+            <a:pPr algn="ctr"/>
+            <a:r>
+              <a:rPr lang="en-US" sz="1400" dirty="0"/>
+              <a:t>5</a:t>
+            </a:r>
+          </a:p>
+        </p:txBody>
+      </p:sp>
+      <p:sp>
+        <p:nvSpPr>
+          <p:cNvPr id="21" name="Rounded Rectangle 20">
+            <a:extLst>
+              <a:ext uri="{FF2B5EF4-FFF2-40B4-BE49-F238E27FC236}">
+                <a16:creationId xmlns:a16="http://schemas.microsoft.com/office/drawing/2014/main" id="{164E22F6-A2EA-3AF6-12D0-0A72AF8C57DD}"/>
+              </a:ext>
+            </a:extLst>
+          </p:cNvPr>
+          <p:cNvSpPr/>
+          <p:nvPr/>
+        </p:nvSpPr>
+        <p:spPr>
+          <a:xfrm>
+            <a:off x="2945326" y="2753752"/>
+            <a:ext cx="462504" cy="294866"/>
+          </a:xfrm>
+          <a:prstGeom prst="roundRect">
+            <a:avLst/>
+          </a:prstGeom>
+        </p:spPr>
+        <p:style>
+          <a:lnRef idx="2">
+            <a:schemeClr val="accent1"/>
+          </a:lnRef>
+          <a:fillRef idx="1">
+            <a:schemeClr val="lt1"/>
+          </a:fillRef>
+          <a:effectRef idx="0">
+            <a:schemeClr val="accent1"/>
+          </a:effectRef>
+          <a:fontRef idx="minor">
+            <a:schemeClr val="dk1"/>
+          </a:fontRef>
+        </p:style>
+        <p:txBody>
+          <a:bodyPr rtlCol="0" anchor="ctr"/>
+          <a:lstStyle/>
+          <a:p>
+            <a:pPr algn="ctr"/>
+            <a:r>
+              <a:rPr lang="en-US" sz="1400" dirty="0"/>
+              <a:t>1</a:t>
+            </a:r>
+          </a:p>
+        </p:txBody>
+      </p:sp>
+      <p:sp>
+        <p:nvSpPr>
+          <p:cNvPr id="22" name="Rounded Rectangle 21">
+            <a:extLst>
+              <a:ext uri="{FF2B5EF4-FFF2-40B4-BE49-F238E27FC236}">
+                <a16:creationId xmlns:a16="http://schemas.microsoft.com/office/drawing/2014/main" id="{853D0D2C-7204-DB44-8DE0-DD7C082B0379}"/>
+              </a:ext>
+            </a:extLst>
+          </p:cNvPr>
+          <p:cNvSpPr/>
+          <p:nvPr/>
+        </p:nvSpPr>
+        <p:spPr>
+          <a:xfrm>
+            <a:off x="3407830" y="2927764"/>
+            <a:ext cx="462504" cy="294866"/>
+          </a:xfrm>
+          <a:prstGeom prst="roundRect">
+            <a:avLst/>
+          </a:prstGeom>
+        </p:spPr>
+        <p:style>
+          <a:lnRef idx="2">
+            <a:schemeClr val="accent1"/>
+          </a:lnRef>
+          <a:fillRef idx="1">
+            <a:schemeClr val="lt1"/>
+          </a:fillRef>
+          <a:effectRef idx="0">
+            <a:schemeClr val="accent1"/>
+          </a:effectRef>
+          <a:fontRef idx="minor">
+            <a:schemeClr val="dk1"/>
+          </a:fontRef>
+        </p:style>
+        <p:txBody>
+          <a:bodyPr rtlCol="0" anchor="ctr"/>
+          <a:lstStyle/>
+          <a:p>
+            <a:pPr algn="ctr"/>
+            <a:r>
+              <a:rPr lang="en-US" sz="1400" dirty="0"/>
+              <a:t>2</a:t>
+            </a:r>
+          </a:p>
+        </p:txBody>
+      </p:sp>
+      <p:sp>
+        <p:nvSpPr>
+          <p:cNvPr id="23" name="Rounded Rectangle 22">
+            <a:extLst>
+              <a:ext uri="{FF2B5EF4-FFF2-40B4-BE49-F238E27FC236}">
+                <a16:creationId xmlns:a16="http://schemas.microsoft.com/office/drawing/2014/main" id="{67EAF9DA-8EB6-346A-65B4-73067AC89EE0}"/>
+              </a:ext>
+            </a:extLst>
+          </p:cNvPr>
+          <p:cNvSpPr/>
+          <p:nvPr/>
+        </p:nvSpPr>
+        <p:spPr>
+          <a:xfrm>
+            <a:off x="3870334" y="3101776"/>
+            <a:ext cx="462504" cy="294866"/>
+          </a:xfrm>
+          <a:prstGeom prst="roundRect">
+            <a:avLst/>
+          </a:prstGeom>
+        </p:spPr>
+        <p:style>
+          <a:lnRef idx="2">
+            <a:schemeClr val="accent1"/>
+          </a:lnRef>
+          <a:fillRef idx="1">
+            <a:schemeClr val="lt1"/>
+          </a:fillRef>
+          <a:effectRef idx="0">
+            <a:schemeClr val="accent1"/>
+          </a:effectRef>
+          <a:fontRef idx="minor">
+            <a:schemeClr val="dk1"/>
+          </a:fontRef>
+        </p:style>
+        <p:txBody>
+          <a:bodyPr rtlCol="0" anchor="ctr"/>
+          <a:lstStyle/>
+          <a:p>
+            <a:pPr algn="ctr"/>
+            <a:r>
+              <a:rPr lang="en-US" sz="1400" dirty="0"/>
+              <a:t>3</a:t>
+            </a:r>
+          </a:p>
+        </p:txBody>
+      </p:sp>
+      <p:sp>
+        <p:nvSpPr>
+          <p:cNvPr id="24" name="Rounded Rectangle 23">
+            <a:extLst>
+              <a:ext uri="{FF2B5EF4-FFF2-40B4-BE49-F238E27FC236}">
+                <a16:creationId xmlns:a16="http://schemas.microsoft.com/office/drawing/2014/main" id="{3DB00920-E8CF-280E-0C3B-8244AC692144}"/>
+              </a:ext>
+            </a:extLst>
+          </p:cNvPr>
+          <p:cNvSpPr/>
+          <p:nvPr/>
+        </p:nvSpPr>
+        <p:spPr>
+          <a:xfrm>
+            <a:off x="4332838" y="3259233"/>
+            <a:ext cx="462504" cy="294866"/>
+          </a:xfrm>
+          <a:prstGeom prst="roundRect">
+            <a:avLst/>
+          </a:prstGeom>
+        </p:spPr>
+        <p:style>
+          <a:lnRef idx="2">
+            <a:schemeClr val="accent1"/>
+          </a:lnRef>
+          <a:fillRef idx="1">
+            <a:schemeClr val="lt1"/>
+          </a:fillRef>
+          <a:effectRef idx="0">
+            <a:schemeClr val="accent1"/>
+          </a:effectRef>
+          <a:fontRef idx="minor">
+            <a:schemeClr val="dk1"/>
+          </a:fontRef>
+        </p:style>
+        <p:txBody>
+          <a:bodyPr rtlCol="0" anchor="ctr"/>
+          <a:lstStyle/>
+          <a:p>
+            <a:pPr algn="ctr"/>
+            <a:r>
+              <a:rPr lang="en-US" sz="1400" dirty="0"/>
+              <a:t>4</a:t>
+            </a:r>
+          </a:p>
+        </p:txBody>
+      </p:sp>
+      <p:sp>
+        <p:nvSpPr>
+          <p:cNvPr id="25" name="Rounded Rectangle 24">
+            <a:extLst>
+              <a:ext uri="{FF2B5EF4-FFF2-40B4-BE49-F238E27FC236}">
+                <a16:creationId xmlns:a16="http://schemas.microsoft.com/office/drawing/2014/main" id="{2A90B545-C104-34F5-1DE5-56D9CE517F68}"/>
+              </a:ext>
+            </a:extLst>
+          </p:cNvPr>
+          <p:cNvSpPr/>
+          <p:nvPr/>
+        </p:nvSpPr>
+        <p:spPr>
+          <a:xfrm>
+            <a:off x="4795342" y="3416690"/>
+            <a:ext cx="462504" cy="294866"/>
+          </a:xfrm>
+          <a:prstGeom prst="roundRect">
+            <a:avLst/>
+          </a:prstGeom>
+        </p:spPr>
+        <p:style>
+          <a:lnRef idx="2">
+            <a:schemeClr val="accent1"/>
+          </a:lnRef>
+          <a:fillRef idx="1">
+            <a:schemeClr val="lt1"/>
+          </a:fillRef>
+          <a:effectRef idx="0">
+            <a:schemeClr val="accent1"/>
+          </a:effectRef>
+          <a:fontRef idx="minor">
+            <a:schemeClr val="dk1"/>
+          </a:fontRef>
+        </p:style>
+        <p:txBody>
+          <a:bodyPr rtlCol="0" anchor="ctr"/>
+          <a:lstStyle/>
+          <a:p>
+            <a:pPr algn="ctr"/>
+            <a:r>
+              <a:rPr lang="en-US" sz="1400" dirty="0"/>
+              <a:t>5</a:t>
+            </a:r>
+          </a:p>
+        </p:txBody>
+      </p:sp>
+      <p:cxnSp>
+        <p:nvCxnSpPr>
+          <p:cNvPr id="27" name="Straight Arrow Connector 26">
+            <a:extLst>
+              <a:ext uri="{FF2B5EF4-FFF2-40B4-BE49-F238E27FC236}">
+                <a16:creationId xmlns:a16="http://schemas.microsoft.com/office/drawing/2014/main" id="{E9CB0D4A-7042-62AC-0AAA-3B46B0018C39}"/>
+              </a:ext>
+            </a:extLst>
+          </p:cNvPr>
+          <p:cNvCxnSpPr/>
+          <p:nvPr/>
+        </p:nvCxnSpPr>
+        <p:spPr>
+          <a:xfrm>
+            <a:off x="347870" y="3906078"/>
+            <a:ext cx="5009321" cy="0"/>
+          </a:xfrm>
+          <a:prstGeom prst="straightConnector1">
+            <a:avLst/>
+          </a:prstGeom>
+          <a:ln w="12700">
+            <a:tailEnd type="triangle"/>
+          </a:ln>
+        </p:spPr>
+        <p:style>
+          <a:lnRef idx="1">
+            <a:schemeClr val="accent1"/>
+          </a:lnRef>
+          <a:fillRef idx="0">
+            <a:schemeClr val="accent1"/>
+          </a:fillRef>
+          <a:effectRef idx="0">
+            <a:schemeClr val="accent1"/>
+          </a:effectRef>
+          <a:fontRef idx="minor">
+            <a:schemeClr val="tx1"/>
+          </a:fontRef>
+        </p:style>
+      </p:cxnSp>
+      <p:sp>
+        <p:nvSpPr>
+          <p:cNvPr id="28" name="TextBox 27">
+            <a:extLst>
+              <a:ext uri="{FF2B5EF4-FFF2-40B4-BE49-F238E27FC236}">
+                <a16:creationId xmlns:a16="http://schemas.microsoft.com/office/drawing/2014/main" id="{3F1D2239-8C1C-4FA7-523C-29B98C2AC98D}"/>
+              </a:ext>
+            </a:extLst>
+          </p:cNvPr>
+          <p:cNvSpPr txBox="1"/>
+          <p:nvPr/>
+        </p:nvSpPr>
+        <p:spPr>
+          <a:xfrm>
+            <a:off x="510877" y="3628118"/>
+            <a:ext cx="1043609" cy="307777"/>
+          </a:xfrm>
+          <a:prstGeom prst="rect">
+            <a:avLst/>
+          </a:prstGeom>
+          <a:noFill/>
+          <a:ln>
+            <a:noFill/>
+          </a:ln>
+        </p:spPr>
+        <p:txBody>
+          <a:bodyPr wrap="square" rtlCol="0">
+            <a:spAutoFit/>
+          </a:bodyPr>
+          <a:lstStyle/>
+          <a:p>
+            <a:r>
+              <a:rPr lang="en-US" sz="1400" dirty="0"/>
+              <a:t>Time</a:t>
+            </a:r>
+          </a:p>
+        </p:txBody>
+      </p:sp>
+      <p:sp>
+        <p:nvSpPr>
+          <p:cNvPr id="29" name="TextBox 28">
+            <a:extLst>
+              <a:ext uri="{FF2B5EF4-FFF2-40B4-BE49-F238E27FC236}">
+                <a16:creationId xmlns:a16="http://schemas.microsoft.com/office/drawing/2014/main" id="{024CE1A6-451F-89F1-03A3-8EAB674CBF0A}"/>
+              </a:ext>
+            </a:extLst>
+          </p:cNvPr>
+          <p:cNvSpPr txBox="1"/>
+          <p:nvPr/>
+        </p:nvSpPr>
+        <p:spPr>
+          <a:xfrm>
+            <a:off x="2016982" y="619784"/>
+            <a:ext cx="1908314" cy="307777"/>
+          </a:xfrm>
+          <a:prstGeom prst="rect">
+            <a:avLst/>
+          </a:prstGeom>
+          <a:noFill/>
+          <a:ln>
+            <a:noFill/>
+          </a:ln>
+        </p:spPr>
+        <p:txBody>
+          <a:bodyPr wrap="square" rtlCol="0">
+            <a:spAutoFit/>
+          </a:bodyPr>
+          <a:lstStyle/>
+          <a:p>
+            <a:r>
+              <a:rPr lang="en-US" sz="1400" dirty="0"/>
+              <a:t>Increment 1</a:t>
+            </a:r>
+          </a:p>
+        </p:txBody>
+      </p:sp>
+      <p:sp>
+        <p:nvSpPr>
+          <p:cNvPr id="30" name="TextBox 29">
+            <a:extLst>
+              <a:ext uri="{FF2B5EF4-FFF2-40B4-BE49-F238E27FC236}">
+                <a16:creationId xmlns:a16="http://schemas.microsoft.com/office/drawing/2014/main" id="{E61AAC3C-3107-23F4-E72F-C8890AFC9B83}"/>
+              </a:ext>
+            </a:extLst>
+          </p:cNvPr>
+          <p:cNvSpPr txBox="1"/>
+          <p:nvPr/>
+        </p:nvSpPr>
+        <p:spPr>
+          <a:xfrm>
+            <a:off x="3120957" y="1725696"/>
+            <a:ext cx="1908314" cy="307777"/>
+          </a:xfrm>
+          <a:prstGeom prst="rect">
+            <a:avLst/>
+          </a:prstGeom>
+          <a:noFill/>
+          <a:ln>
+            <a:noFill/>
+          </a:ln>
+        </p:spPr>
+        <p:txBody>
+          <a:bodyPr wrap="square" rtlCol="0">
+            <a:spAutoFit/>
+          </a:bodyPr>
+          <a:lstStyle/>
+          <a:p>
+            <a:r>
+              <a:rPr lang="en-US" sz="1400" dirty="0"/>
+              <a:t>Increment 2</a:t>
+            </a:r>
+          </a:p>
+        </p:txBody>
+      </p:sp>
+      <p:sp>
+        <p:nvSpPr>
+          <p:cNvPr id="31" name="TextBox 30">
+            <a:extLst>
+              <a:ext uri="{FF2B5EF4-FFF2-40B4-BE49-F238E27FC236}">
+                <a16:creationId xmlns:a16="http://schemas.microsoft.com/office/drawing/2014/main" id="{A6D86CF8-3D16-309F-7C7A-27AC6E4B44D2}"/>
+              </a:ext>
+            </a:extLst>
+          </p:cNvPr>
+          <p:cNvSpPr txBox="1"/>
+          <p:nvPr/>
+        </p:nvSpPr>
+        <p:spPr>
+          <a:xfrm>
+            <a:off x="4227442" y="2761624"/>
+            <a:ext cx="1908314" cy="307777"/>
+          </a:xfrm>
+          <a:prstGeom prst="rect">
+            <a:avLst/>
+          </a:prstGeom>
+          <a:noFill/>
+          <a:ln>
+            <a:noFill/>
+          </a:ln>
+        </p:spPr>
+        <p:txBody>
+          <a:bodyPr wrap="square" rtlCol="0">
+            <a:spAutoFit/>
+          </a:bodyPr>
+          <a:lstStyle/>
+          <a:p>
+            <a:r>
+              <a:rPr lang="en-US" sz="1400" dirty="0"/>
+              <a:t>Increment 3</a:t>
+            </a:r>
+          </a:p>
+        </p:txBody>
+      </p:sp>
+    </p:spTree>
+    <p:extLst>
+      <p:ext uri="{BB962C8B-B14F-4D97-AF65-F5344CB8AC3E}">
+        <p14:creationId xmlns:p14="http://schemas.microsoft.com/office/powerpoint/2010/main" val="3707713307"/>
+      </p:ext>
+    </p:extLst>
+  </p:cSld>
+  <p:clrMapOvr>
+    <a:masterClrMapping/>
+  </p:clrMapOvr>
+</p:sld>
+</file>
+
+<file path=ppt/slides/slide7.xml><?xml version="1.0" encoding="utf-8"?>
+<p:sld xmlns:a="http://schemas.openxmlformats.org/drawingml/2006/main" xmlns:r="http://schemas.openxmlformats.org/officeDocument/2006/relationships" xmlns:p="http://schemas.openxmlformats.org/presentationml/2006/main">
+  <p:cSld>
+    <p:spTree>
+      <p:nvGrpSpPr>
+        <p:cNvPr id="1" name=""/>
+        <p:cNvGrpSpPr/>
+        <p:nvPr/>
+      </p:nvGrpSpPr>
+      <p:grpSpPr>
+        <a:xfrm>
+          <a:off x="0" y="0"/>
+          <a:ext cx="0" cy="0"/>
+          <a:chOff x="0" y="0"/>
+          <a:chExt cx="0" cy="0"/>
+        </a:xfrm>
+      </p:grpSpPr>
+      <p:sp>
+        <p:nvSpPr>
+          <p:cNvPr id="4" name="Rounded Rectangle 3">
+            <a:extLst>
+              <a:ext uri="{FF2B5EF4-FFF2-40B4-BE49-F238E27FC236}">
+                <a16:creationId xmlns:a16="http://schemas.microsoft.com/office/drawing/2014/main" id="{3544504E-4EAC-1B5F-7841-C82A73B26277}"/>
+              </a:ext>
+            </a:extLst>
+          </p:cNvPr>
+          <p:cNvSpPr/>
+          <p:nvPr/>
+        </p:nvSpPr>
+        <p:spPr>
+          <a:xfrm>
+            <a:off x="2945295" y="1861931"/>
+            <a:ext cx="2385391" cy="506896"/>
+          </a:xfrm>
+          <a:prstGeom prst="roundRect">
+            <a:avLst/>
+          </a:prstGeom>
+        </p:spPr>
+        <p:style>
+          <a:lnRef idx="2">
+            <a:schemeClr val="accent1"/>
+          </a:lnRef>
+          <a:fillRef idx="1">
+            <a:schemeClr val="lt1"/>
+          </a:fillRef>
+          <a:effectRef idx="0">
+            <a:schemeClr val="accent1"/>
+          </a:effectRef>
+          <a:fontRef idx="minor">
+            <a:schemeClr val="dk1"/>
+          </a:fontRef>
+        </p:style>
+        <p:txBody>
+          <a:bodyPr rtlCol="0" anchor="ctr"/>
+          <a:lstStyle/>
+          <a:p>
+            <a:pPr algn="ctr"/>
+            <a:r>
+              <a:rPr lang="en-US" dirty="0"/>
+              <a:t>Analysis</a:t>
+            </a:r>
+          </a:p>
+        </p:txBody>
+      </p:sp>
+      <p:sp>
+        <p:nvSpPr>
+          <p:cNvPr id="5" name="Rounded Rectangle 4">
+            <a:extLst>
+              <a:ext uri="{FF2B5EF4-FFF2-40B4-BE49-F238E27FC236}">
+                <a16:creationId xmlns:a16="http://schemas.microsoft.com/office/drawing/2014/main" id="{01C26B69-E0F9-99CD-66C0-B532A0C9D1D8}"/>
+              </a:ext>
+            </a:extLst>
+          </p:cNvPr>
+          <p:cNvSpPr/>
+          <p:nvPr/>
+        </p:nvSpPr>
+        <p:spPr>
+          <a:xfrm>
+            <a:off x="3766930" y="2637185"/>
+            <a:ext cx="2385391" cy="506896"/>
+          </a:xfrm>
+          <a:prstGeom prst="roundRect">
+            <a:avLst/>
+          </a:prstGeom>
+        </p:spPr>
+        <p:style>
+          <a:lnRef idx="2">
+            <a:schemeClr val="accent1"/>
+          </a:lnRef>
+          <a:fillRef idx="1">
+            <a:schemeClr val="lt1"/>
+          </a:fillRef>
+          <a:effectRef idx="0">
+            <a:schemeClr val="accent1"/>
+          </a:effectRef>
+          <a:fontRef idx="minor">
+            <a:schemeClr val="dk1"/>
+          </a:fontRef>
+        </p:style>
+        <p:txBody>
+          <a:bodyPr rtlCol="0" anchor="ctr"/>
+          <a:lstStyle/>
+          <a:p>
+            <a:pPr algn="ctr"/>
+            <a:r>
+              <a:rPr lang="en-US" dirty="0"/>
+              <a:t>Design</a:t>
+            </a:r>
+          </a:p>
+        </p:txBody>
+      </p:sp>
+      <p:sp>
+        <p:nvSpPr>
+          <p:cNvPr id="6" name="Rounded Rectangle 5">
+            <a:extLst>
+              <a:ext uri="{FF2B5EF4-FFF2-40B4-BE49-F238E27FC236}">
+                <a16:creationId xmlns:a16="http://schemas.microsoft.com/office/drawing/2014/main" id="{BAB2030C-B910-36B1-D88C-D0F57B5333D0}"/>
+              </a:ext>
+            </a:extLst>
+          </p:cNvPr>
+          <p:cNvSpPr/>
+          <p:nvPr/>
+        </p:nvSpPr>
+        <p:spPr>
+          <a:xfrm>
+            <a:off x="4903304" y="3429000"/>
+            <a:ext cx="2385391" cy="506896"/>
+          </a:xfrm>
+          <a:prstGeom prst="roundRect">
+            <a:avLst/>
+          </a:prstGeom>
+        </p:spPr>
+        <p:style>
+          <a:lnRef idx="2">
+            <a:schemeClr val="accent1"/>
+          </a:lnRef>
+          <a:fillRef idx="1">
+            <a:schemeClr val="lt1"/>
+          </a:fillRef>
+          <a:effectRef idx="0">
+            <a:schemeClr val="accent1"/>
+          </a:effectRef>
+          <a:fontRef idx="minor">
+            <a:schemeClr val="dk1"/>
+          </a:fontRef>
+        </p:style>
+        <p:txBody>
+          <a:bodyPr rtlCol="0" anchor="ctr"/>
+          <a:lstStyle/>
+          <a:p>
+            <a:pPr algn="ctr"/>
+            <a:r>
+              <a:rPr lang="en-US" dirty="0"/>
+              <a:t>Implementation</a:t>
+            </a:r>
+          </a:p>
+        </p:txBody>
+      </p:sp>
+      <p:sp>
+        <p:nvSpPr>
+          <p:cNvPr id="7" name="Rounded Rectangle 6">
+            <a:extLst>
+              <a:ext uri="{FF2B5EF4-FFF2-40B4-BE49-F238E27FC236}">
+                <a16:creationId xmlns:a16="http://schemas.microsoft.com/office/drawing/2014/main" id="{5B0A085D-8834-11A4-30F0-66723BB44F4C}"/>
+              </a:ext>
+            </a:extLst>
+          </p:cNvPr>
+          <p:cNvSpPr/>
+          <p:nvPr/>
+        </p:nvSpPr>
+        <p:spPr>
+          <a:xfrm>
+            <a:off x="6095999" y="4220815"/>
+            <a:ext cx="2385391" cy="506896"/>
+          </a:xfrm>
+          <a:prstGeom prst="roundRect">
+            <a:avLst/>
+          </a:prstGeom>
+        </p:spPr>
+        <p:style>
+          <a:lnRef idx="2">
+            <a:schemeClr val="accent1"/>
+          </a:lnRef>
+          <a:fillRef idx="1">
+            <a:schemeClr val="lt1"/>
+          </a:fillRef>
+          <a:effectRef idx="0">
+            <a:schemeClr val="accent1"/>
+          </a:effectRef>
+          <a:fontRef idx="minor">
+            <a:schemeClr val="dk1"/>
+          </a:fontRef>
+        </p:style>
+        <p:txBody>
+          <a:bodyPr rtlCol="0" anchor="ctr"/>
+          <a:lstStyle/>
+          <a:p>
+            <a:pPr algn="ctr"/>
+            <a:r>
+              <a:rPr lang="en-US" dirty="0"/>
+              <a:t>Testing</a:t>
+            </a:r>
+          </a:p>
+        </p:txBody>
+      </p:sp>
+      <p:sp>
+        <p:nvSpPr>
+          <p:cNvPr id="9" name="Bent Arrow 8">
+            <a:extLst>
+              <a:ext uri="{FF2B5EF4-FFF2-40B4-BE49-F238E27FC236}">
+                <a16:creationId xmlns:a16="http://schemas.microsoft.com/office/drawing/2014/main" id="{A1F33874-AF08-7D61-1AC9-4A5B1445DB00}"/>
+              </a:ext>
+            </a:extLst>
+          </p:cNvPr>
+          <p:cNvSpPr/>
+          <p:nvPr/>
+        </p:nvSpPr>
+        <p:spPr>
+          <a:xfrm rot="5400000">
+            <a:off x="5483915" y="2058233"/>
+            <a:ext cx="395908" cy="477078"/>
+          </a:xfrm>
+          <a:prstGeom prst="bentArrow">
+            <a:avLst/>
+          </a:prstGeom>
+        </p:spPr>
+        <p:style>
+          <a:lnRef idx="2">
+            <a:schemeClr val="accent1">
+              <a:shade val="15000"/>
+            </a:schemeClr>
+          </a:lnRef>
+          <a:fillRef idx="1">
+            <a:schemeClr val="accent1"/>
+          </a:fillRef>
+          <a:effectRef idx="0">
+            <a:schemeClr val="accent1"/>
+          </a:effectRef>
+          <a:fontRef idx="minor">
+            <a:schemeClr val="lt1"/>
+          </a:fontRef>
+        </p:style>
+        <p:txBody>
+          <a:bodyPr rtlCol="0" anchor="ctr"/>
+          <a:lstStyle/>
+          <a:p>
+            <a:pPr algn="ctr"/>
+            <a:endParaRPr lang="en-US">
+              <a:solidFill>
+                <a:schemeClr val="tx1"/>
+              </a:solidFill>
+            </a:endParaRPr>
+          </a:p>
+        </p:txBody>
+      </p:sp>
+      <p:sp>
+        <p:nvSpPr>
+          <p:cNvPr id="10" name="Bent Arrow 9">
+            <a:extLst>
+              <a:ext uri="{FF2B5EF4-FFF2-40B4-BE49-F238E27FC236}">
+                <a16:creationId xmlns:a16="http://schemas.microsoft.com/office/drawing/2014/main" id="{B5C7DCA8-7BA0-C769-BDE0-97A0949FC8A9}"/>
+              </a:ext>
+            </a:extLst>
+          </p:cNvPr>
+          <p:cNvSpPr/>
+          <p:nvPr/>
+        </p:nvSpPr>
+        <p:spPr>
+          <a:xfrm rot="5400000">
+            <a:off x="6312176" y="2850048"/>
+            <a:ext cx="395908" cy="477078"/>
+          </a:xfrm>
+          <a:prstGeom prst="bentArrow">
+            <a:avLst/>
+          </a:prstGeom>
+        </p:spPr>
+        <p:style>
+          <a:lnRef idx="2">
+            <a:schemeClr val="accent1">
+              <a:shade val="15000"/>
+            </a:schemeClr>
+          </a:lnRef>
+          <a:fillRef idx="1">
+            <a:schemeClr val="accent1"/>
+          </a:fillRef>
+          <a:effectRef idx="0">
+            <a:schemeClr val="accent1"/>
+          </a:effectRef>
+          <a:fontRef idx="minor">
+            <a:schemeClr val="lt1"/>
+          </a:fontRef>
+        </p:style>
+        <p:txBody>
+          <a:bodyPr rtlCol="0" anchor="ctr"/>
+          <a:lstStyle/>
+          <a:p>
+            <a:pPr algn="ctr"/>
+            <a:endParaRPr lang="en-US">
+              <a:solidFill>
+                <a:schemeClr val="tx1"/>
+              </a:solidFill>
+            </a:endParaRPr>
+          </a:p>
+        </p:txBody>
+      </p:sp>
+      <p:sp>
+        <p:nvSpPr>
+          <p:cNvPr id="11" name="Bent Arrow 10">
+            <a:extLst>
+              <a:ext uri="{FF2B5EF4-FFF2-40B4-BE49-F238E27FC236}">
+                <a16:creationId xmlns:a16="http://schemas.microsoft.com/office/drawing/2014/main" id="{5F383F42-B482-A9EC-733C-FFFD37327246}"/>
+              </a:ext>
+            </a:extLst>
+          </p:cNvPr>
+          <p:cNvSpPr/>
+          <p:nvPr/>
+        </p:nvSpPr>
+        <p:spPr>
+          <a:xfrm rot="5400000">
+            <a:off x="7435298" y="3641863"/>
+            <a:ext cx="395908" cy="477078"/>
+          </a:xfrm>
+          <a:prstGeom prst="bentArrow">
+            <a:avLst/>
+          </a:prstGeom>
+        </p:spPr>
+        <p:style>
+          <a:lnRef idx="2">
+            <a:schemeClr val="accent1">
+              <a:shade val="15000"/>
+            </a:schemeClr>
+          </a:lnRef>
+          <a:fillRef idx="1">
+            <a:schemeClr val="accent1"/>
+          </a:fillRef>
+          <a:effectRef idx="0">
+            <a:schemeClr val="accent1"/>
+          </a:effectRef>
+          <a:fontRef idx="minor">
+            <a:schemeClr val="lt1"/>
+          </a:fontRef>
+        </p:style>
+        <p:txBody>
+          <a:bodyPr rtlCol="0" anchor="ctr"/>
+          <a:lstStyle/>
+          <a:p>
+            <a:pPr algn="ctr"/>
+            <a:endParaRPr lang="en-US">
+              <a:solidFill>
+                <a:schemeClr val="tx1"/>
+              </a:solidFill>
+            </a:endParaRPr>
+          </a:p>
+        </p:txBody>
+      </p:sp>
+      <p:sp>
+        <p:nvSpPr>
+          <p:cNvPr id="12" name="Rounded Rectangle 11">
+            <a:extLst>
+              <a:ext uri="{FF2B5EF4-FFF2-40B4-BE49-F238E27FC236}">
+                <a16:creationId xmlns:a16="http://schemas.microsoft.com/office/drawing/2014/main" id="{B34E4A48-E8E3-1DCA-C3F6-B74822E98719}"/>
+              </a:ext>
+            </a:extLst>
+          </p:cNvPr>
+          <p:cNvSpPr/>
+          <p:nvPr/>
+        </p:nvSpPr>
+        <p:spPr>
+          <a:xfrm>
+            <a:off x="7288695" y="5012630"/>
+            <a:ext cx="2385391" cy="506896"/>
+          </a:xfrm>
+          <a:prstGeom prst="roundRect">
+            <a:avLst/>
+          </a:prstGeom>
+        </p:spPr>
+        <p:style>
+          <a:lnRef idx="2">
+            <a:schemeClr val="accent1"/>
+          </a:lnRef>
+          <a:fillRef idx="1">
+            <a:schemeClr val="lt1"/>
+          </a:fillRef>
+          <a:effectRef idx="0">
+            <a:schemeClr val="accent1"/>
+          </a:effectRef>
+          <a:fontRef idx="minor">
+            <a:schemeClr val="dk1"/>
+          </a:fontRef>
+        </p:style>
+        <p:txBody>
+          <a:bodyPr rtlCol="0" anchor="ctr"/>
+          <a:lstStyle/>
+          <a:p>
+            <a:pPr algn="ctr"/>
+            <a:r>
+              <a:rPr lang="en-US" dirty="0"/>
+              <a:t>Maintenance</a:t>
+            </a:r>
+          </a:p>
+        </p:txBody>
+      </p:sp>
+      <p:sp>
+        <p:nvSpPr>
+          <p:cNvPr id="13" name="Bent Arrow 12">
+            <a:extLst>
+              <a:ext uri="{FF2B5EF4-FFF2-40B4-BE49-F238E27FC236}">
+                <a16:creationId xmlns:a16="http://schemas.microsoft.com/office/drawing/2014/main" id="{9AEB7B52-9884-5109-988F-7D099535CF8A}"/>
+              </a:ext>
+            </a:extLst>
+          </p:cNvPr>
+          <p:cNvSpPr/>
+          <p:nvPr/>
+        </p:nvSpPr>
+        <p:spPr>
+          <a:xfrm rot="5400000">
+            <a:off x="8627994" y="4433678"/>
+            <a:ext cx="395908" cy="477078"/>
+          </a:xfrm>
+          <a:prstGeom prst="bentArrow">
+            <a:avLst/>
+          </a:prstGeom>
+        </p:spPr>
+        <p:style>
+          <a:lnRef idx="2">
+            <a:schemeClr val="accent1">
+              <a:shade val="15000"/>
+            </a:schemeClr>
+          </a:lnRef>
+          <a:fillRef idx="1">
+            <a:schemeClr val="accent1"/>
+          </a:fillRef>
+          <a:effectRef idx="0">
+            <a:schemeClr val="accent1"/>
+          </a:effectRef>
+          <a:fontRef idx="minor">
+            <a:schemeClr val="lt1"/>
+          </a:fontRef>
+        </p:style>
+        <p:txBody>
+          <a:bodyPr rtlCol="0" anchor="ctr"/>
+          <a:lstStyle/>
+          <a:p>
+            <a:pPr algn="ctr"/>
+            <a:endParaRPr lang="en-US">
+              <a:solidFill>
+                <a:schemeClr val="tx1"/>
+              </a:solidFill>
+            </a:endParaRPr>
+          </a:p>
+        </p:txBody>
+      </p:sp>
+      <p:cxnSp>
+        <p:nvCxnSpPr>
+          <p:cNvPr id="3" name="Straight Connector 2">
+            <a:extLst>
+              <a:ext uri="{FF2B5EF4-FFF2-40B4-BE49-F238E27FC236}">
+                <a16:creationId xmlns:a16="http://schemas.microsoft.com/office/drawing/2014/main" id="{9AE2D2EE-4C54-7C81-379A-F76764E37B88}"/>
+              </a:ext>
+            </a:extLst>
+          </p:cNvPr>
+          <p:cNvCxnSpPr>
+            <a:stCxn id="12" idx="1"/>
+          </p:cNvCxnSpPr>
+          <p:nvPr/>
+        </p:nvCxnSpPr>
+        <p:spPr>
+          <a:xfrm flipH="1">
+            <a:off x="2945295" y="5266078"/>
+            <a:ext cx="4343400" cy="1661"/>
+          </a:xfrm>
+          <a:prstGeom prst="line">
+            <a:avLst/>
+          </a:prstGeom>
+          <a:ln w="12700">
+            <a:prstDash val="dash"/>
+          </a:ln>
+        </p:spPr>
+        <p:style>
+          <a:lnRef idx="1">
+            <a:schemeClr val="accent1"/>
+          </a:lnRef>
+          <a:fillRef idx="0">
+            <a:schemeClr val="accent1"/>
+          </a:fillRef>
+          <a:effectRef idx="0">
+            <a:schemeClr val="accent1"/>
+          </a:effectRef>
+          <a:fontRef idx="minor">
+            <a:schemeClr val="tx1"/>
+          </a:fontRef>
+        </p:style>
+      </p:cxnSp>
+      <p:cxnSp>
+        <p:nvCxnSpPr>
+          <p:cNvPr id="14" name="Straight Arrow Connector 13">
+            <a:extLst>
+              <a:ext uri="{FF2B5EF4-FFF2-40B4-BE49-F238E27FC236}">
+                <a16:creationId xmlns:a16="http://schemas.microsoft.com/office/drawing/2014/main" id="{C9F4E4AE-7084-9742-6B0B-1C7C57739A04}"/>
+              </a:ext>
+            </a:extLst>
+          </p:cNvPr>
+          <p:cNvCxnSpPr/>
+          <p:nvPr/>
+        </p:nvCxnSpPr>
+        <p:spPr>
+          <a:xfrm>
+            <a:off x="3369365" y="2368827"/>
+            <a:ext cx="0" cy="2908851"/>
+          </a:xfrm>
+          <a:prstGeom prst="straightConnector1">
+            <a:avLst/>
+          </a:prstGeom>
+          <a:ln w="12700">
+            <a:prstDash val="dash"/>
+            <a:headEnd type="triangle"/>
+            <a:tailEnd type="triangle"/>
+          </a:ln>
+        </p:spPr>
+        <p:style>
+          <a:lnRef idx="1">
+            <a:schemeClr val="accent1"/>
+          </a:lnRef>
+          <a:fillRef idx="0">
+            <a:schemeClr val="accent1"/>
+          </a:fillRef>
+          <a:effectRef idx="0">
+            <a:schemeClr val="accent1"/>
+          </a:effectRef>
+          <a:fontRef idx="minor">
+            <a:schemeClr val="tx1"/>
+          </a:fontRef>
+        </p:style>
+      </p:cxnSp>
+      <p:cxnSp>
+        <p:nvCxnSpPr>
+          <p:cNvPr id="15" name="Straight Arrow Connector 14">
+            <a:extLst>
+              <a:ext uri="{FF2B5EF4-FFF2-40B4-BE49-F238E27FC236}">
+                <a16:creationId xmlns:a16="http://schemas.microsoft.com/office/drawing/2014/main" id="{7F9DED8A-C215-8BF9-608F-C248C09E55EA}"/>
+              </a:ext>
+            </a:extLst>
+          </p:cNvPr>
+          <p:cNvCxnSpPr>
+            <a:cxnSpLocks/>
+          </p:cNvCxnSpPr>
+          <p:nvPr/>
+        </p:nvCxnSpPr>
+        <p:spPr>
+          <a:xfrm>
+            <a:off x="4346713" y="3157332"/>
+            <a:ext cx="0" cy="2120346"/>
+          </a:xfrm>
+          <a:prstGeom prst="straightConnector1">
+            <a:avLst/>
+          </a:prstGeom>
+          <a:ln w="12700">
+            <a:prstDash val="dash"/>
+            <a:headEnd type="triangle"/>
+            <a:tailEnd type="triangle"/>
+          </a:ln>
+        </p:spPr>
+        <p:style>
+          <a:lnRef idx="1">
+            <a:schemeClr val="accent1"/>
+          </a:lnRef>
+          <a:fillRef idx="0">
+            <a:schemeClr val="accent1"/>
+          </a:fillRef>
+          <a:effectRef idx="0">
+            <a:schemeClr val="accent1"/>
+          </a:effectRef>
+          <a:fontRef idx="minor">
+            <a:schemeClr val="tx1"/>
+          </a:fontRef>
+        </p:style>
+      </p:cxnSp>
+      <p:cxnSp>
+        <p:nvCxnSpPr>
+          <p:cNvPr id="17" name="Straight Arrow Connector 16">
+            <a:extLst>
+              <a:ext uri="{FF2B5EF4-FFF2-40B4-BE49-F238E27FC236}">
+                <a16:creationId xmlns:a16="http://schemas.microsoft.com/office/drawing/2014/main" id="{F937409C-010C-CBDE-D6DD-9EF8D313525A}"/>
+              </a:ext>
+            </a:extLst>
+          </p:cNvPr>
+          <p:cNvCxnSpPr>
+            <a:cxnSpLocks/>
+          </p:cNvCxnSpPr>
+          <p:nvPr/>
+        </p:nvCxnSpPr>
+        <p:spPr>
+          <a:xfrm>
+            <a:off x="5443330" y="3952457"/>
+            <a:ext cx="0" cy="1313621"/>
+          </a:xfrm>
+          <a:prstGeom prst="straightConnector1">
+            <a:avLst/>
+          </a:prstGeom>
+          <a:ln w="12700">
+            <a:prstDash val="dash"/>
+            <a:headEnd type="triangle"/>
+            <a:tailEnd type="triangle"/>
+          </a:ln>
+        </p:spPr>
+        <p:style>
+          <a:lnRef idx="1">
+            <a:schemeClr val="accent1"/>
+          </a:lnRef>
+          <a:fillRef idx="0">
+            <a:schemeClr val="accent1"/>
+          </a:fillRef>
+          <a:effectRef idx="0">
+            <a:schemeClr val="accent1"/>
+          </a:effectRef>
+          <a:fontRef idx="minor">
+            <a:schemeClr val="tx1"/>
+          </a:fontRef>
+        </p:style>
+      </p:cxnSp>
+      <p:cxnSp>
+        <p:nvCxnSpPr>
+          <p:cNvPr id="19" name="Straight Arrow Connector 18">
+            <a:extLst>
+              <a:ext uri="{FF2B5EF4-FFF2-40B4-BE49-F238E27FC236}">
+                <a16:creationId xmlns:a16="http://schemas.microsoft.com/office/drawing/2014/main" id="{944F6647-DBEF-7B39-2DA8-22DBA2E4571F}"/>
+              </a:ext>
+            </a:extLst>
+          </p:cNvPr>
+          <p:cNvCxnSpPr>
+            <a:cxnSpLocks/>
+          </p:cNvCxnSpPr>
+          <p:nvPr/>
+        </p:nvCxnSpPr>
+        <p:spPr>
+          <a:xfrm>
+            <a:off x="6619461" y="4711144"/>
+            <a:ext cx="0" cy="566534"/>
+          </a:xfrm>
+          <a:prstGeom prst="straightConnector1">
+            <a:avLst/>
+          </a:prstGeom>
+          <a:ln w="12700">
+            <a:prstDash val="dash"/>
+            <a:headEnd type="triangle"/>
+            <a:tailEnd type="triangle"/>
+          </a:ln>
+        </p:spPr>
+        <p:style>
+          <a:lnRef idx="1">
+            <a:schemeClr val="accent1"/>
+          </a:lnRef>
+          <a:fillRef idx="0">
+            <a:schemeClr val="accent1"/>
+          </a:fillRef>
+          <a:effectRef idx="0">
+            <a:schemeClr val="accent1"/>
+          </a:effectRef>
+          <a:fontRef idx="minor">
+            <a:schemeClr val="tx1"/>
+          </a:fontRef>
+        </p:style>
+      </p:cxnSp>
+    </p:spTree>
+    <p:extLst>
+      <p:ext uri="{BB962C8B-B14F-4D97-AF65-F5344CB8AC3E}">
+        <p14:creationId xmlns:p14="http://schemas.microsoft.com/office/powerpoint/2010/main" val="2977848450"/>
+      </p:ext>
+    </p:extLst>
+  </p:cSld>
+  <p:clrMapOvr>
+    <a:masterClrMapping/>
+  </p:clrMapOvr>
+</p:sld>
+</file>
+
+<file path=ppt/slides/slide8.xml><?xml version="1.0" encoding="utf-8"?>
+<p:sld xmlns:a="http://schemas.openxmlformats.org/drawingml/2006/main" xmlns:r="http://schemas.openxmlformats.org/officeDocument/2006/relationships" xmlns:p="http://schemas.openxmlformats.org/presentationml/2006/main">
+  <p:cSld>
+    <p:spTree>
+      <p:nvGrpSpPr>
+        <p:cNvPr id="1" name=""/>
+        <p:cNvGrpSpPr/>
+        <p:nvPr/>
+      </p:nvGrpSpPr>
+      <p:grpSpPr>
+        <a:xfrm>
+          <a:off x="0" y="0"/>
+          <a:ext cx="0" cy="0"/>
+          <a:chOff x="0" y="0"/>
+          <a:chExt cx="0" cy="0"/>
+        </a:xfrm>
+      </p:grpSpPr>
+      <p:cxnSp>
+        <p:nvCxnSpPr>
+          <p:cNvPr id="18" name="Straight Arrow Connector 17">
+            <a:extLst>
+              <a:ext uri="{FF2B5EF4-FFF2-40B4-BE49-F238E27FC236}">
+                <a16:creationId xmlns:a16="http://schemas.microsoft.com/office/drawing/2014/main" id="{48A3A99E-B755-ACC7-B814-4EA29AF46B2F}"/>
+              </a:ext>
+            </a:extLst>
+          </p:cNvPr>
+          <p:cNvCxnSpPr>
+            <a:cxnSpLocks/>
+            <a:stCxn id="29" idx="0"/>
+          </p:cNvCxnSpPr>
+          <p:nvPr/>
+        </p:nvCxnSpPr>
+        <p:spPr>
+          <a:xfrm flipV="1">
+            <a:off x="5274365" y="1590261"/>
+            <a:ext cx="3392557" cy="3399172"/>
+          </a:xfrm>
+          <a:prstGeom prst="straightConnector1">
+            <a:avLst/>
+          </a:prstGeom>
+          <a:ln w="57150">
+            <a:tailEnd type="triangle"/>
+          </a:ln>
+        </p:spPr>
+        <p:style>
+          <a:lnRef idx="1">
+            <a:schemeClr val="accent1"/>
+          </a:lnRef>
+          <a:fillRef idx="0">
+            <a:schemeClr val="accent1"/>
+          </a:fillRef>
+          <a:effectRef idx="0">
+            <a:schemeClr val="accent1"/>
+          </a:effectRef>
+          <a:fontRef idx="minor">
+            <a:schemeClr val="tx1"/>
+          </a:fontRef>
+        </p:style>
+      </p:cxnSp>
+      <p:cxnSp>
+        <p:nvCxnSpPr>
+          <p:cNvPr id="16" name="Straight Arrow Connector 15">
+            <a:extLst>
+              <a:ext uri="{FF2B5EF4-FFF2-40B4-BE49-F238E27FC236}">
+                <a16:creationId xmlns:a16="http://schemas.microsoft.com/office/drawing/2014/main" id="{9C649956-3553-63BA-77D1-B74B68A1911B}"/>
+              </a:ext>
+            </a:extLst>
+          </p:cNvPr>
+          <p:cNvCxnSpPr>
+            <a:cxnSpLocks/>
+            <a:endCxn id="29" idx="0"/>
+          </p:cNvCxnSpPr>
+          <p:nvPr/>
+        </p:nvCxnSpPr>
+        <p:spPr>
+          <a:xfrm>
+            <a:off x="1765851" y="1590261"/>
+            <a:ext cx="3508514" cy="3399172"/>
+          </a:xfrm>
+          <a:prstGeom prst="straightConnector1">
+            <a:avLst/>
+          </a:prstGeom>
+          <a:ln w="57150">
+            <a:tailEnd type="triangle"/>
+          </a:ln>
+        </p:spPr>
+        <p:style>
+          <a:lnRef idx="1">
+            <a:schemeClr val="accent1"/>
+          </a:lnRef>
+          <a:fillRef idx="0">
+            <a:schemeClr val="accent1"/>
+          </a:fillRef>
+          <a:effectRef idx="0">
+            <a:schemeClr val="accent1"/>
+          </a:effectRef>
+          <a:fontRef idx="minor">
+            <a:schemeClr val="tx1"/>
+          </a:fontRef>
+        </p:style>
+      </p:cxnSp>
+      <p:sp>
+        <p:nvSpPr>
+          <p:cNvPr id="3" name="Rounded Rectangle 2">
+            <a:extLst>
+              <a:ext uri="{FF2B5EF4-FFF2-40B4-BE49-F238E27FC236}">
+                <a16:creationId xmlns:a16="http://schemas.microsoft.com/office/drawing/2014/main" id="{E5105A9F-1955-6583-4250-AA8993B93FB8}"/>
+              </a:ext>
+            </a:extLst>
+          </p:cNvPr>
+          <p:cNvSpPr/>
+          <p:nvPr/>
+        </p:nvSpPr>
+        <p:spPr>
+          <a:xfrm>
+            <a:off x="1073424" y="1825490"/>
+            <a:ext cx="2020954" cy="506896"/>
+          </a:xfrm>
+          <a:prstGeom prst="roundRect">
+            <a:avLst/>
+          </a:prstGeom>
+        </p:spPr>
+        <p:style>
+          <a:lnRef idx="2">
+            <a:schemeClr val="accent1"/>
+          </a:lnRef>
+          <a:fillRef idx="1">
+            <a:schemeClr val="lt1"/>
+          </a:fillRef>
+          <a:effectRef idx="0">
+            <a:schemeClr val="accent1"/>
+          </a:effectRef>
+          <a:fontRef idx="minor">
+            <a:schemeClr val="dk1"/>
+          </a:fontRef>
+        </p:style>
+        <p:txBody>
+          <a:bodyPr rtlCol="0" anchor="ctr"/>
+          <a:lstStyle/>
+          <a:p>
+            <a:pPr algn="ctr"/>
+            <a:r>
+              <a:rPr lang="en-US" dirty="0"/>
+              <a:t>Requirements</a:t>
+            </a:r>
+          </a:p>
+        </p:txBody>
+      </p:sp>
+      <p:sp>
+        <p:nvSpPr>
+          <p:cNvPr id="4" name="Rounded Rectangle 3">
+            <a:extLst>
+              <a:ext uri="{FF2B5EF4-FFF2-40B4-BE49-F238E27FC236}">
+                <a16:creationId xmlns:a16="http://schemas.microsoft.com/office/drawing/2014/main" id="{3544504E-4EAC-1B5F-7841-C82A73B26277}"/>
+              </a:ext>
+            </a:extLst>
+          </p:cNvPr>
+          <p:cNvSpPr/>
+          <p:nvPr/>
+        </p:nvSpPr>
+        <p:spPr>
+          <a:xfrm>
+            <a:off x="1765851" y="2600744"/>
+            <a:ext cx="2020954" cy="506896"/>
+          </a:xfrm>
+          <a:prstGeom prst="roundRect">
+            <a:avLst/>
+          </a:prstGeom>
+        </p:spPr>
+        <p:style>
+          <a:lnRef idx="2">
+            <a:schemeClr val="accent1"/>
+          </a:lnRef>
+          <a:fillRef idx="1">
+            <a:schemeClr val="lt1"/>
+          </a:fillRef>
+          <a:effectRef idx="0">
+            <a:schemeClr val="accent1"/>
+          </a:effectRef>
+          <a:fontRef idx="minor">
+            <a:schemeClr val="dk1"/>
+          </a:fontRef>
+        </p:style>
+        <p:txBody>
+          <a:bodyPr rtlCol="0" anchor="ctr"/>
+          <a:lstStyle/>
+          <a:p>
+            <a:pPr algn="ctr"/>
+            <a:r>
+              <a:rPr lang="en-US" dirty="0"/>
+              <a:t>Analysis</a:t>
+            </a:r>
+          </a:p>
+        </p:txBody>
+      </p:sp>
+      <p:sp>
+        <p:nvSpPr>
+          <p:cNvPr id="5" name="Rounded Rectangle 4">
+            <a:extLst>
+              <a:ext uri="{FF2B5EF4-FFF2-40B4-BE49-F238E27FC236}">
+                <a16:creationId xmlns:a16="http://schemas.microsoft.com/office/drawing/2014/main" id="{01C26B69-E0F9-99CD-66C0-B532A0C9D1D8}"/>
+              </a:ext>
+            </a:extLst>
+          </p:cNvPr>
+          <p:cNvSpPr/>
+          <p:nvPr/>
+        </p:nvSpPr>
+        <p:spPr>
+          <a:xfrm>
+            <a:off x="2458278" y="3379314"/>
+            <a:ext cx="2020954" cy="506896"/>
+          </a:xfrm>
+          <a:prstGeom prst="roundRect">
+            <a:avLst/>
+          </a:prstGeom>
+        </p:spPr>
+        <p:style>
+          <a:lnRef idx="2">
+            <a:schemeClr val="accent1"/>
+          </a:lnRef>
+          <a:fillRef idx="1">
+            <a:schemeClr val="lt1"/>
+          </a:fillRef>
+          <a:effectRef idx="0">
+            <a:schemeClr val="accent1"/>
+          </a:effectRef>
+          <a:fontRef idx="minor">
+            <a:schemeClr val="dk1"/>
+          </a:fontRef>
+        </p:style>
+        <p:txBody>
+          <a:bodyPr rtlCol="0" anchor="ctr"/>
+          <a:lstStyle/>
+          <a:p>
+            <a:pPr algn="ctr"/>
+            <a:r>
+              <a:rPr lang="en-US" dirty="0"/>
+              <a:t>High-level design</a:t>
+            </a:r>
+          </a:p>
+        </p:txBody>
+      </p:sp>
+      <p:sp>
+        <p:nvSpPr>
+          <p:cNvPr id="6" name="Rounded Rectangle 5">
+            <a:extLst>
+              <a:ext uri="{FF2B5EF4-FFF2-40B4-BE49-F238E27FC236}">
+                <a16:creationId xmlns:a16="http://schemas.microsoft.com/office/drawing/2014/main" id="{BAB2030C-B910-36B1-D88C-D0F57B5333D0}"/>
+              </a:ext>
+            </a:extLst>
+          </p:cNvPr>
+          <p:cNvSpPr/>
+          <p:nvPr/>
+        </p:nvSpPr>
+        <p:spPr>
+          <a:xfrm>
+            <a:off x="3150705" y="4184374"/>
+            <a:ext cx="2020954" cy="506896"/>
+          </a:xfrm>
+          <a:prstGeom prst="roundRect">
+            <a:avLst/>
+          </a:prstGeom>
+        </p:spPr>
+        <p:style>
+          <a:lnRef idx="2">
+            <a:schemeClr val="accent1"/>
+          </a:lnRef>
+          <a:fillRef idx="1">
+            <a:schemeClr val="lt1"/>
+          </a:fillRef>
+          <a:effectRef idx="0">
+            <a:schemeClr val="accent1"/>
+          </a:effectRef>
+          <a:fontRef idx="minor">
+            <a:schemeClr val="dk1"/>
+          </a:fontRef>
+        </p:style>
+        <p:txBody>
+          <a:bodyPr rtlCol="0" anchor="ctr"/>
+          <a:lstStyle/>
+          <a:p>
+            <a:pPr algn="ctr"/>
+            <a:r>
+              <a:rPr lang="en-US" dirty="0"/>
+              <a:t>Low-level design</a:t>
+            </a:r>
+          </a:p>
+        </p:txBody>
+      </p:sp>
+      <p:sp>
+        <p:nvSpPr>
+          <p:cNvPr id="7" name="Rounded Rectangle 6">
+            <a:extLst>
+              <a:ext uri="{FF2B5EF4-FFF2-40B4-BE49-F238E27FC236}">
+                <a16:creationId xmlns:a16="http://schemas.microsoft.com/office/drawing/2014/main" id="{5B0A085D-8834-11A4-30F0-66723BB44F4C}"/>
+              </a:ext>
+            </a:extLst>
+          </p:cNvPr>
+          <p:cNvSpPr/>
+          <p:nvPr/>
+        </p:nvSpPr>
+        <p:spPr>
+          <a:xfrm>
+            <a:off x="5377071" y="4184374"/>
+            <a:ext cx="2020954" cy="506896"/>
+          </a:xfrm>
+          <a:prstGeom prst="roundRect">
+            <a:avLst/>
+          </a:prstGeom>
+        </p:spPr>
+        <p:style>
+          <a:lnRef idx="2">
+            <a:schemeClr val="accent1"/>
+          </a:lnRef>
+          <a:fillRef idx="1">
+            <a:schemeClr val="lt1"/>
+          </a:fillRef>
+          <a:effectRef idx="0">
+            <a:schemeClr val="accent1"/>
+          </a:effectRef>
+          <a:fontRef idx="minor">
+            <a:schemeClr val="dk1"/>
+          </a:fontRef>
+        </p:style>
+        <p:txBody>
+          <a:bodyPr rtlCol="0" anchor="ctr"/>
+          <a:lstStyle/>
+          <a:p>
+            <a:pPr algn="ctr"/>
+            <a:r>
+              <a:rPr lang="en-US" dirty="0"/>
+              <a:t>Unit testing</a:t>
+            </a:r>
+          </a:p>
+        </p:txBody>
+      </p:sp>
+      <p:sp>
+        <p:nvSpPr>
+          <p:cNvPr id="2" name="Rounded Rectangle 1">
+            <a:extLst>
+              <a:ext uri="{FF2B5EF4-FFF2-40B4-BE49-F238E27FC236}">
+                <a16:creationId xmlns:a16="http://schemas.microsoft.com/office/drawing/2014/main" id="{590FE152-5F5C-19D0-A57C-5333A74118F8}"/>
+              </a:ext>
+            </a:extLst>
+          </p:cNvPr>
+          <p:cNvSpPr/>
+          <p:nvPr/>
+        </p:nvSpPr>
+        <p:spPr>
+          <a:xfrm>
+            <a:off x="6069498" y="3379314"/>
+            <a:ext cx="2020954" cy="506896"/>
+          </a:xfrm>
+          <a:prstGeom prst="roundRect">
+            <a:avLst/>
+          </a:prstGeom>
+        </p:spPr>
+        <p:style>
+          <a:lnRef idx="2">
+            <a:schemeClr val="accent1"/>
+          </a:lnRef>
+          <a:fillRef idx="1">
+            <a:schemeClr val="lt1"/>
+          </a:fillRef>
+          <a:effectRef idx="0">
+            <a:schemeClr val="accent1"/>
+          </a:effectRef>
+          <a:fontRef idx="minor">
+            <a:schemeClr val="dk1"/>
+          </a:fontRef>
+        </p:style>
+        <p:txBody>
+          <a:bodyPr rtlCol="0" anchor="ctr"/>
+          <a:lstStyle/>
+          <a:p>
+            <a:pPr algn="ctr"/>
+            <a:r>
+              <a:rPr lang="en-US" dirty="0"/>
+              <a:t>Integration testing</a:t>
+            </a:r>
+          </a:p>
+        </p:txBody>
+      </p:sp>
+      <p:sp>
+        <p:nvSpPr>
+          <p:cNvPr id="12" name="Rounded Rectangle 11">
+            <a:extLst>
+              <a:ext uri="{FF2B5EF4-FFF2-40B4-BE49-F238E27FC236}">
+                <a16:creationId xmlns:a16="http://schemas.microsoft.com/office/drawing/2014/main" id="{15CBAA26-52C5-7C60-6425-51805F9D6A4A}"/>
+              </a:ext>
+            </a:extLst>
+          </p:cNvPr>
+          <p:cNvSpPr/>
+          <p:nvPr/>
+        </p:nvSpPr>
+        <p:spPr>
+          <a:xfrm>
+            <a:off x="6761925" y="2574254"/>
+            <a:ext cx="2020954" cy="506896"/>
+          </a:xfrm>
+          <a:prstGeom prst="roundRect">
+            <a:avLst/>
+          </a:prstGeom>
+        </p:spPr>
+        <p:style>
+          <a:lnRef idx="2">
+            <a:schemeClr val="accent1"/>
+          </a:lnRef>
+          <a:fillRef idx="1">
+            <a:schemeClr val="lt1"/>
+          </a:fillRef>
+          <a:effectRef idx="0">
+            <a:schemeClr val="accent1"/>
+          </a:effectRef>
+          <a:fontRef idx="minor">
+            <a:schemeClr val="dk1"/>
+          </a:fontRef>
+        </p:style>
+        <p:txBody>
+          <a:bodyPr rtlCol="0" anchor="ctr"/>
+          <a:lstStyle/>
+          <a:p>
+            <a:pPr algn="ctr"/>
+            <a:r>
+              <a:rPr lang="en-US" dirty="0"/>
+              <a:t>System testing</a:t>
+            </a:r>
+          </a:p>
+        </p:txBody>
+      </p:sp>
+      <p:sp>
+        <p:nvSpPr>
+          <p:cNvPr id="14" name="Rounded Rectangle 13">
+            <a:extLst>
+              <a:ext uri="{FF2B5EF4-FFF2-40B4-BE49-F238E27FC236}">
+                <a16:creationId xmlns:a16="http://schemas.microsoft.com/office/drawing/2014/main" id="{687CD7CF-92FD-A581-11C2-0350CC7CB1A4}"/>
+              </a:ext>
+            </a:extLst>
+          </p:cNvPr>
+          <p:cNvSpPr/>
+          <p:nvPr/>
+        </p:nvSpPr>
+        <p:spPr>
+          <a:xfrm>
+            <a:off x="7454352" y="1825490"/>
+            <a:ext cx="2020954" cy="506896"/>
+          </a:xfrm>
+          <a:prstGeom prst="roundRect">
+            <a:avLst/>
+          </a:prstGeom>
+        </p:spPr>
+        <p:style>
+          <a:lnRef idx="2">
+            <a:schemeClr val="accent1"/>
+          </a:lnRef>
+          <a:fillRef idx="1">
+            <a:schemeClr val="lt1"/>
+          </a:fillRef>
+          <a:effectRef idx="0">
+            <a:schemeClr val="accent1"/>
+          </a:effectRef>
+          <a:fontRef idx="minor">
+            <a:schemeClr val="dk1"/>
+          </a:fontRef>
+        </p:style>
+        <p:txBody>
+          <a:bodyPr rtlCol="0" anchor="ctr"/>
+          <a:lstStyle/>
+          <a:p>
+            <a:pPr algn="ctr"/>
+            <a:r>
+              <a:rPr lang="en-US" dirty="0"/>
+              <a:t>Acceptance testing</a:t>
+            </a:r>
+          </a:p>
+        </p:txBody>
+      </p:sp>
+      <p:cxnSp>
+        <p:nvCxnSpPr>
+          <p:cNvPr id="22" name="Straight Arrow Connector 21">
+            <a:extLst>
+              <a:ext uri="{FF2B5EF4-FFF2-40B4-BE49-F238E27FC236}">
+                <a16:creationId xmlns:a16="http://schemas.microsoft.com/office/drawing/2014/main" id="{82BF6193-2081-2791-46F4-CE8B2A0E4B12}"/>
+              </a:ext>
+            </a:extLst>
+          </p:cNvPr>
+          <p:cNvCxnSpPr>
+            <a:stCxn id="3" idx="3"/>
+            <a:endCxn id="14" idx="1"/>
+          </p:cNvCxnSpPr>
+          <p:nvPr/>
+        </p:nvCxnSpPr>
+        <p:spPr>
+          <a:xfrm>
+            <a:off x="3094378" y="2078938"/>
+            <a:ext cx="4359974" cy="0"/>
+          </a:xfrm>
+          <a:prstGeom prst="straightConnector1">
+            <a:avLst/>
+          </a:prstGeom>
+          <a:ln w="12700">
+            <a:prstDash val="dash"/>
+            <a:tailEnd type="triangle"/>
+          </a:ln>
+        </p:spPr>
+        <p:style>
+          <a:lnRef idx="1">
+            <a:schemeClr val="accent1"/>
+          </a:lnRef>
+          <a:fillRef idx="0">
+            <a:schemeClr val="accent1"/>
+          </a:fillRef>
+          <a:effectRef idx="0">
+            <a:schemeClr val="accent1"/>
+          </a:effectRef>
+          <a:fontRef idx="minor">
+            <a:schemeClr val="tx1"/>
+          </a:fontRef>
+        </p:style>
+      </p:cxnSp>
+      <p:cxnSp>
+        <p:nvCxnSpPr>
+          <p:cNvPr id="23" name="Straight Arrow Connector 22">
+            <a:extLst>
+              <a:ext uri="{FF2B5EF4-FFF2-40B4-BE49-F238E27FC236}">
+                <a16:creationId xmlns:a16="http://schemas.microsoft.com/office/drawing/2014/main" id="{63F8B912-1B79-E31A-6AD3-DE54E8633265}"/>
+              </a:ext>
+            </a:extLst>
+          </p:cNvPr>
+          <p:cNvCxnSpPr>
+            <a:cxnSpLocks/>
+            <a:stCxn id="4" idx="3"/>
+            <a:endCxn id="12" idx="1"/>
+          </p:cNvCxnSpPr>
+          <p:nvPr/>
+        </p:nvCxnSpPr>
+        <p:spPr>
+          <a:xfrm flipV="1">
+            <a:off x="3786805" y="2827702"/>
+            <a:ext cx="2975120" cy="26490"/>
+          </a:xfrm>
+          <a:prstGeom prst="straightConnector1">
+            <a:avLst/>
+          </a:prstGeom>
+          <a:ln w="12700">
+            <a:prstDash val="dash"/>
+            <a:tailEnd type="triangle"/>
+          </a:ln>
+        </p:spPr>
+        <p:style>
+          <a:lnRef idx="1">
+            <a:schemeClr val="accent1"/>
+          </a:lnRef>
+          <a:fillRef idx="0">
+            <a:schemeClr val="accent1"/>
+          </a:fillRef>
+          <a:effectRef idx="0">
+            <a:schemeClr val="accent1"/>
+          </a:effectRef>
+          <a:fontRef idx="minor">
+            <a:schemeClr val="tx1"/>
+          </a:fontRef>
+        </p:style>
+      </p:cxnSp>
+      <p:cxnSp>
+        <p:nvCxnSpPr>
+          <p:cNvPr id="26" name="Straight Arrow Connector 25">
+            <a:extLst>
+              <a:ext uri="{FF2B5EF4-FFF2-40B4-BE49-F238E27FC236}">
+                <a16:creationId xmlns:a16="http://schemas.microsoft.com/office/drawing/2014/main" id="{46FA9FD9-F291-EC70-0B27-A31B70A0CDC6}"/>
+              </a:ext>
+            </a:extLst>
+          </p:cNvPr>
+          <p:cNvCxnSpPr>
+            <a:cxnSpLocks/>
+            <a:stCxn id="5" idx="3"/>
+            <a:endCxn id="2" idx="1"/>
+          </p:cNvCxnSpPr>
+          <p:nvPr/>
+        </p:nvCxnSpPr>
+        <p:spPr>
+          <a:xfrm>
+            <a:off x="4479232" y="3632762"/>
+            <a:ext cx="1590266" cy="0"/>
+          </a:xfrm>
+          <a:prstGeom prst="straightConnector1">
+            <a:avLst/>
+          </a:prstGeom>
+          <a:ln w="12700">
+            <a:prstDash val="dash"/>
+            <a:tailEnd type="triangle"/>
+          </a:ln>
+        </p:spPr>
+        <p:style>
+          <a:lnRef idx="1">
+            <a:schemeClr val="accent1"/>
+          </a:lnRef>
+          <a:fillRef idx="0">
+            <a:schemeClr val="accent1"/>
+          </a:fillRef>
+          <a:effectRef idx="0">
+            <a:schemeClr val="accent1"/>
+          </a:effectRef>
+          <a:fontRef idx="minor">
+            <a:schemeClr val="tx1"/>
+          </a:fontRef>
+        </p:style>
+      </p:cxnSp>
+      <p:sp>
+        <p:nvSpPr>
+          <p:cNvPr id="29" name="Rounded Rectangle 28">
+            <a:extLst>
+              <a:ext uri="{FF2B5EF4-FFF2-40B4-BE49-F238E27FC236}">
+                <a16:creationId xmlns:a16="http://schemas.microsoft.com/office/drawing/2014/main" id="{048B1BAB-D18C-3428-11D1-A472CB1FC4C7}"/>
+              </a:ext>
+            </a:extLst>
+          </p:cNvPr>
+          <p:cNvSpPr/>
+          <p:nvPr/>
+        </p:nvSpPr>
+        <p:spPr>
+          <a:xfrm>
+            <a:off x="4263888" y="4989433"/>
+            <a:ext cx="2020954" cy="506896"/>
+          </a:xfrm>
+          <a:prstGeom prst="roundRect">
+            <a:avLst/>
+          </a:prstGeom>
+        </p:spPr>
+        <p:style>
+          <a:lnRef idx="2">
+            <a:schemeClr val="accent1"/>
+          </a:lnRef>
+          <a:fillRef idx="1">
+            <a:schemeClr val="lt1"/>
+          </a:fillRef>
+          <a:effectRef idx="0">
+            <a:schemeClr val="accent1"/>
+          </a:effectRef>
+          <a:fontRef idx="minor">
+            <a:schemeClr val="dk1"/>
+          </a:fontRef>
+        </p:style>
+        <p:txBody>
+          <a:bodyPr rtlCol="0" anchor="ctr"/>
+          <a:lstStyle/>
+          <a:p>
+            <a:pPr algn="ctr"/>
+            <a:r>
+              <a:rPr lang="en-US" dirty="0"/>
+              <a:t>Coding</a:t>
+            </a:r>
+          </a:p>
+        </p:txBody>
+      </p:sp>
+      <p:cxnSp>
+        <p:nvCxnSpPr>
+          <p:cNvPr id="32" name="Straight Arrow Connector 31">
+            <a:extLst>
+              <a:ext uri="{FF2B5EF4-FFF2-40B4-BE49-F238E27FC236}">
+                <a16:creationId xmlns:a16="http://schemas.microsoft.com/office/drawing/2014/main" id="{A65F15BB-F848-CE00-4486-9A835166DE2F}"/>
+              </a:ext>
+            </a:extLst>
+          </p:cNvPr>
+          <p:cNvCxnSpPr>
+            <a:cxnSpLocks/>
+            <a:stCxn id="6" idx="3"/>
+            <a:endCxn id="7" idx="1"/>
+          </p:cNvCxnSpPr>
+          <p:nvPr/>
+        </p:nvCxnSpPr>
+        <p:spPr>
+          <a:xfrm>
+            <a:off x="5171659" y="4437822"/>
+            <a:ext cx="205412" cy="0"/>
+          </a:xfrm>
+          <a:prstGeom prst="straightConnector1">
+            <a:avLst/>
+          </a:prstGeom>
+          <a:ln w="12700">
+            <a:prstDash val="dash"/>
+            <a:tailEnd type="triangle"/>
+          </a:ln>
+        </p:spPr>
+        <p:style>
+          <a:lnRef idx="1">
+            <a:schemeClr val="accent1"/>
+          </a:lnRef>
+          <a:fillRef idx="0">
+            <a:schemeClr val="accent1"/>
+          </a:fillRef>
+          <a:effectRef idx="0">
+            <a:schemeClr val="accent1"/>
+          </a:effectRef>
+          <a:fontRef idx="minor">
+            <a:schemeClr val="tx1"/>
+          </a:fontRef>
+        </p:style>
+      </p:cxnSp>
+    </p:spTree>
+    <p:extLst>
+      <p:ext uri="{BB962C8B-B14F-4D97-AF65-F5344CB8AC3E}">
+        <p14:creationId xmlns:p14="http://schemas.microsoft.com/office/powerpoint/2010/main" val="1524304392"/>
+      </p:ext>
+    </p:extLst>
+  </p:cSld>
+  <p:clrMapOvr>
+    <a:masterClrMapping/>
+  </p:clrMapOvr>
+</p:sld>
+</file>
+
+<file path=ppt/slides/slide9.xml><?xml version="1.0" encoding="utf-8"?>
+<p:sld xmlns:a="http://schemas.openxmlformats.org/drawingml/2006/main" xmlns:r="http://schemas.openxmlformats.org/officeDocument/2006/relationships" xmlns:p="http://schemas.openxmlformats.org/presentationml/2006/main">
+  <p:cSld>
+    <p:spTree>
+      <p:nvGrpSpPr>
+        <p:cNvPr id="1" name=""/>
+        <p:cNvGrpSpPr/>
+        <p:nvPr/>
+      </p:nvGrpSpPr>
+      <p:grpSpPr>
+        <a:xfrm>
+          <a:off x="0" y="0"/>
+          <a:ext cx="0" cy="0"/>
+          <a:chOff x="0" y="0"/>
+          <a:chExt cx="0" cy="0"/>
+        </a:xfrm>
+      </p:grpSpPr>
+      <p:sp>
+        <p:nvSpPr>
+          <p:cNvPr id="7" name="Rectangle 6">
+            <a:extLst>
+              <a:ext uri="{FF2B5EF4-FFF2-40B4-BE49-F238E27FC236}">
+                <a16:creationId xmlns:a16="http://schemas.microsoft.com/office/drawing/2014/main" id="{CDF9BFA2-0CC4-D1C0-E766-94621BCC8BC4}"/>
+              </a:ext>
+            </a:extLst>
+          </p:cNvPr>
+          <p:cNvSpPr/>
+          <p:nvPr/>
+        </p:nvSpPr>
+        <p:spPr>
+          <a:xfrm>
+            <a:off x="3511826" y="5973417"/>
+            <a:ext cx="1169504" cy="331304"/>
+          </a:xfrm>
+          <a:prstGeom prst="rect">
+            <a:avLst/>
+          </a:prstGeom>
+          <a:solidFill>
+            <a:schemeClr val="accent4">
+              <a:lumMod val="20000"/>
+              <a:lumOff val="80000"/>
+            </a:schemeClr>
+          </a:solidFill>
+          <a:ln>
+            <a:noFill/>
+          </a:ln>
+        </p:spPr>
+        <p:style>
+          <a:lnRef idx="2">
+            <a:schemeClr val="accent1">
+              <a:shade val="15000"/>
+            </a:schemeClr>
+          </a:lnRef>
+          <a:fillRef idx="1">
+            <a:schemeClr val="accent1"/>
+          </a:fillRef>
+          <a:effectRef idx="0">
+            <a:schemeClr val="accent1"/>
+          </a:effectRef>
+          <a:fontRef idx="minor">
+            <a:schemeClr val="lt1"/>
+          </a:fontRef>
+        </p:style>
+        <p:txBody>
+          <a:bodyPr rtlCol="0" anchor="ctr"/>
+          <a:lstStyle/>
+          <a:p>
+            <a:pPr algn="ctr"/>
+            <a:endParaRPr lang="en-US"/>
+          </a:p>
+        </p:txBody>
+      </p:sp>
+      <p:sp>
+        <p:nvSpPr>
+          <p:cNvPr id="6" name="Rectangle 5">
+            <a:extLst>
+              <a:ext uri="{FF2B5EF4-FFF2-40B4-BE49-F238E27FC236}">
+                <a16:creationId xmlns:a16="http://schemas.microsoft.com/office/drawing/2014/main" id="{C9D9D6F9-8600-4E50-8314-26CE5986378C}"/>
+              </a:ext>
+            </a:extLst>
+          </p:cNvPr>
+          <p:cNvSpPr/>
+          <p:nvPr/>
+        </p:nvSpPr>
+        <p:spPr>
+          <a:xfrm>
+            <a:off x="6682408" y="6470374"/>
+            <a:ext cx="1169505" cy="387625"/>
+          </a:xfrm>
+          <a:prstGeom prst="rect">
+            <a:avLst/>
+          </a:prstGeom>
+          <a:solidFill>
+            <a:schemeClr val="accent4">
+              <a:lumMod val="20000"/>
+              <a:lumOff val="80000"/>
+            </a:schemeClr>
+          </a:solidFill>
+          <a:ln>
+            <a:noFill/>
+          </a:ln>
+        </p:spPr>
+        <p:style>
+          <a:lnRef idx="2">
+            <a:schemeClr val="accent1">
+              <a:shade val="15000"/>
+            </a:schemeClr>
+          </a:lnRef>
+          <a:fillRef idx="1">
+            <a:schemeClr val="accent1"/>
+          </a:fillRef>
+          <a:effectRef idx="0">
+            <a:schemeClr val="accent1"/>
+          </a:effectRef>
+          <a:fontRef idx="minor">
+            <a:schemeClr val="lt1"/>
+          </a:fontRef>
+        </p:style>
+        <p:txBody>
+          <a:bodyPr rtlCol="0" anchor="ctr"/>
+          <a:lstStyle/>
+          <a:p>
+            <a:pPr algn="ctr"/>
+            <a:endParaRPr lang="en-US"/>
+          </a:p>
+        </p:txBody>
+      </p:sp>
+      <p:sp>
+        <p:nvSpPr>
+          <p:cNvPr id="5" name="Rectangle 4">
+            <a:extLst>
+              <a:ext uri="{FF2B5EF4-FFF2-40B4-BE49-F238E27FC236}">
+                <a16:creationId xmlns:a16="http://schemas.microsoft.com/office/drawing/2014/main" id="{4B8F76D4-F852-F006-8CA7-7FA52F11F6C6}"/>
+              </a:ext>
+            </a:extLst>
+          </p:cNvPr>
+          <p:cNvSpPr/>
+          <p:nvPr/>
+        </p:nvSpPr>
+        <p:spPr>
+          <a:xfrm>
+            <a:off x="7414591" y="1550503"/>
+            <a:ext cx="1540566" cy="457201"/>
+          </a:xfrm>
+          <a:prstGeom prst="rect">
+            <a:avLst/>
+          </a:prstGeom>
+          <a:solidFill>
+            <a:schemeClr val="accent4">
+              <a:lumMod val="20000"/>
+              <a:lumOff val="80000"/>
+            </a:schemeClr>
+          </a:solidFill>
+          <a:ln>
+            <a:noFill/>
+          </a:ln>
+        </p:spPr>
+        <p:style>
+          <a:lnRef idx="2">
+            <a:schemeClr val="accent1">
+              <a:shade val="15000"/>
+            </a:schemeClr>
+          </a:lnRef>
+          <a:fillRef idx="1">
+            <a:schemeClr val="accent1"/>
+          </a:fillRef>
+          <a:effectRef idx="0">
+            <a:schemeClr val="accent1"/>
+          </a:effectRef>
+          <a:fontRef idx="minor">
+            <a:schemeClr val="lt1"/>
+          </a:fontRef>
+        </p:style>
+        <p:txBody>
+          <a:bodyPr rtlCol="0" anchor="ctr"/>
+          <a:lstStyle/>
+          <a:p>
+            <a:pPr algn="ctr"/>
+            <a:endParaRPr lang="en-US"/>
+          </a:p>
+        </p:txBody>
+      </p:sp>
+      <p:sp>
+        <p:nvSpPr>
+          <p:cNvPr id="4" name="Rectangle 3">
+            <a:extLst>
+              <a:ext uri="{FF2B5EF4-FFF2-40B4-BE49-F238E27FC236}">
+                <a16:creationId xmlns:a16="http://schemas.microsoft.com/office/drawing/2014/main" id="{264BB33B-FFA7-8253-E8D8-F735870C6820}"/>
+              </a:ext>
+            </a:extLst>
+          </p:cNvPr>
+          <p:cNvSpPr/>
+          <p:nvPr/>
+        </p:nvSpPr>
+        <p:spPr>
+          <a:xfrm>
+            <a:off x="2981739" y="1729409"/>
+            <a:ext cx="914400" cy="745434"/>
+          </a:xfrm>
+          <a:prstGeom prst="rect">
+            <a:avLst/>
+          </a:prstGeom>
+          <a:solidFill>
+            <a:schemeClr val="accent4">
+              <a:lumMod val="20000"/>
+              <a:lumOff val="80000"/>
+            </a:schemeClr>
+          </a:solidFill>
+          <a:ln>
+            <a:noFill/>
+          </a:ln>
+        </p:spPr>
+        <p:style>
+          <a:lnRef idx="2">
+            <a:schemeClr val="accent1">
+              <a:shade val="15000"/>
+            </a:schemeClr>
+          </a:lnRef>
+          <a:fillRef idx="1">
+            <a:schemeClr val="accent1"/>
+          </a:fillRef>
+          <a:effectRef idx="0">
+            <a:schemeClr val="accent1"/>
+          </a:effectRef>
+          <a:fontRef idx="minor">
+            <a:schemeClr val="lt1"/>
+          </a:fontRef>
+        </p:style>
+        <p:txBody>
+          <a:bodyPr rtlCol="0" anchor="ctr"/>
+          <a:lstStyle/>
+          <a:p>
+            <a:pPr algn="ctr"/>
+            <a:endParaRPr lang="en-US"/>
+          </a:p>
+        </p:txBody>
+      </p:sp>
+      <p:pic>
+        <p:nvPicPr>
+          <p:cNvPr id="3" name="Picture 2" descr="A diagram of a process&#10;&#10;Description automatically generated">
+            <a:extLst>
+              <a:ext uri="{FF2B5EF4-FFF2-40B4-BE49-F238E27FC236}">
+                <a16:creationId xmlns:a16="http://schemas.microsoft.com/office/drawing/2014/main" id="{2D2327C5-9C5C-AF59-56FF-1BBADD6246A7}"/>
+              </a:ext>
+            </a:extLst>
+          </p:cNvPr>
+          <p:cNvPicPr>
+            <a:picLocks noChangeAspect="1"/>
+          </p:cNvPicPr>
+          <p:nvPr/>
+        </p:nvPicPr>
+        <p:blipFill>
+          <a:blip r:embed="rId2">
+            <a:clrChange>
+              <a:clrFrom>
+                <a:srgbClr val="FFFFFF"/>
+              </a:clrFrom>
+              <a:clrTo>
+                <a:srgbClr val="FFFFFF">
+                  <a:alpha val="0"/>
+                </a:srgbClr>
+              </a:clrTo>
+            </a:clrChange>
+          </a:blip>
+          <a:stretch>
+            <a:fillRect/>
+          </a:stretch>
+        </p:blipFill>
+        <p:spPr>
+          <a:xfrm>
+            <a:off x="1946434" y="0"/>
+            <a:ext cx="7484123" cy="6858000"/>
+          </a:xfrm>
+          <a:prstGeom prst="rect">
+            <a:avLst/>
+          </a:prstGeom>
+        </p:spPr>
+      </p:pic>
+    </p:spTree>
+    <p:extLst>
+      <p:ext uri="{BB962C8B-B14F-4D97-AF65-F5344CB8AC3E}">
+        <p14:creationId xmlns:p14="http://schemas.microsoft.com/office/powerpoint/2010/main" val="727168858"/>
       </p:ext>
     </p:extLst>
   </p:cSld>

--- a/images/graphics.pptx
+++ b/images/graphics.pptx
@@ -15,6 +15,7 @@
     <p:sldId id="262" r:id="rId9"/>
     <p:sldId id="264" r:id="rId10"/>
     <p:sldId id="266" r:id="rId11"/>
+    <p:sldId id="267" r:id="rId12"/>
   </p:sldIdLst>
   <p:sldSz cx="12192000" cy="6858000"/>
   <p:notesSz cx="6858000" cy="9144000"/>
@@ -270,7 +271,7 @@
           <a:p>
             <a:fld id="{E9175749-BE88-2442-8D84-DEA4B15C26FA}" type="datetimeFigureOut">
               <a:rPr lang="en-US" smtClean="0"/>
-              <a:t>9/21/23</a:t>
+              <a:t>9/25/23</a:t>
             </a:fld>
             <a:endParaRPr lang="en-US"/>
           </a:p>
@@ -470,7 +471,7 @@
           <a:p>
             <a:fld id="{E9175749-BE88-2442-8D84-DEA4B15C26FA}" type="datetimeFigureOut">
               <a:rPr lang="en-US" smtClean="0"/>
-              <a:t>9/21/23</a:t>
+              <a:t>9/25/23</a:t>
             </a:fld>
             <a:endParaRPr lang="en-US"/>
           </a:p>
@@ -680,7 +681,7 @@
           <a:p>
             <a:fld id="{E9175749-BE88-2442-8D84-DEA4B15C26FA}" type="datetimeFigureOut">
               <a:rPr lang="en-US" smtClean="0"/>
-              <a:t>9/21/23</a:t>
+              <a:t>9/25/23</a:t>
             </a:fld>
             <a:endParaRPr lang="en-US"/>
           </a:p>
@@ -880,7 +881,7 @@
           <a:p>
             <a:fld id="{E9175749-BE88-2442-8D84-DEA4B15C26FA}" type="datetimeFigureOut">
               <a:rPr lang="en-US" smtClean="0"/>
-              <a:t>9/21/23</a:t>
+              <a:t>9/25/23</a:t>
             </a:fld>
             <a:endParaRPr lang="en-US"/>
           </a:p>
@@ -1156,7 +1157,7 @@
           <a:p>
             <a:fld id="{E9175749-BE88-2442-8D84-DEA4B15C26FA}" type="datetimeFigureOut">
               <a:rPr lang="en-US" smtClean="0"/>
-              <a:t>9/21/23</a:t>
+              <a:t>9/25/23</a:t>
             </a:fld>
             <a:endParaRPr lang="en-US"/>
           </a:p>
@@ -1424,7 +1425,7 @@
           <a:p>
             <a:fld id="{E9175749-BE88-2442-8D84-DEA4B15C26FA}" type="datetimeFigureOut">
               <a:rPr lang="en-US" smtClean="0"/>
-              <a:t>9/21/23</a:t>
+              <a:t>9/25/23</a:t>
             </a:fld>
             <a:endParaRPr lang="en-US"/>
           </a:p>
@@ -1839,7 +1840,7 @@
           <a:p>
             <a:fld id="{E9175749-BE88-2442-8D84-DEA4B15C26FA}" type="datetimeFigureOut">
               <a:rPr lang="en-US" smtClean="0"/>
-              <a:t>9/21/23</a:t>
+              <a:t>9/25/23</a:t>
             </a:fld>
             <a:endParaRPr lang="en-US"/>
           </a:p>
@@ -1981,7 +1982,7 @@
           <a:p>
             <a:fld id="{E9175749-BE88-2442-8D84-DEA4B15C26FA}" type="datetimeFigureOut">
               <a:rPr lang="en-US" smtClean="0"/>
-              <a:t>9/21/23</a:t>
+              <a:t>9/25/23</a:t>
             </a:fld>
             <a:endParaRPr lang="en-US"/>
           </a:p>
@@ -2094,7 +2095,7 @@
           <a:p>
             <a:fld id="{E9175749-BE88-2442-8D84-DEA4B15C26FA}" type="datetimeFigureOut">
               <a:rPr lang="en-US" smtClean="0"/>
-              <a:t>9/21/23</a:t>
+              <a:t>9/25/23</a:t>
             </a:fld>
             <a:endParaRPr lang="en-US"/>
           </a:p>
@@ -2407,7 +2408,7 @@
           <a:p>
             <a:fld id="{E9175749-BE88-2442-8D84-DEA4B15C26FA}" type="datetimeFigureOut">
               <a:rPr lang="en-US" smtClean="0"/>
-              <a:t>9/21/23</a:t>
+              <a:t>9/25/23</a:t>
             </a:fld>
             <a:endParaRPr lang="en-US"/>
           </a:p>
@@ -2696,7 +2697,7 @@
           <a:p>
             <a:fld id="{E9175749-BE88-2442-8D84-DEA4B15C26FA}" type="datetimeFigureOut">
               <a:rPr lang="en-US" smtClean="0"/>
-              <a:t>9/21/23</a:t>
+              <a:t>9/25/23</a:t>
             </a:fld>
             <a:endParaRPr lang="en-US"/>
           </a:p>
@@ -2939,7 +2940,7 @@
           <a:p>
             <a:fld id="{E9175749-BE88-2442-8D84-DEA4B15C26FA}" type="datetimeFigureOut">
               <a:rPr lang="en-US" smtClean="0"/>
-              <a:t>9/21/23</a:t>
+              <a:t>9/25/23</a:t>
             </a:fld>
             <a:endParaRPr lang="en-US"/>
           </a:p>
@@ -4153,10 +4154,10 @@
       </p:grpSpPr>
       <p:pic>
         <p:nvPicPr>
-          <p:cNvPr id="3" name="Picture 2">
-            <a:extLst>
-              <a:ext uri="{FF2B5EF4-FFF2-40B4-BE49-F238E27FC236}">
-                <a16:creationId xmlns:a16="http://schemas.microsoft.com/office/drawing/2014/main" id="{E43138F3-6155-2821-62A2-F027C7F367DA}"/>
+          <p:cNvPr id="5" name="Picture 4">
+            <a:extLst>
+              <a:ext uri="{FF2B5EF4-FFF2-40B4-BE49-F238E27FC236}">
+                <a16:creationId xmlns:a16="http://schemas.microsoft.com/office/drawing/2014/main" id="{DC29A4AB-FF92-2866-C710-DDCDC7A4FBAF}"/>
               </a:ext>
             </a:extLst>
           </p:cNvPr>
@@ -4173,8 +4174,8 @@
         </p:blipFill>
         <p:spPr>
           <a:xfrm>
-            <a:off x="4216035" y="2603373"/>
-            <a:ext cx="2210109" cy="978245"/>
+            <a:off x="5967528" y="2506356"/>
+            <a:ext cx="1166195" cy="1075491"/>
           </a:xfrm>
           <a:prstGeom prst="rect">
             <a:avLst/>
@@ -4183,10 +4184,10 @@
       </p:pic>
       <p:pic>
         <p:nvPicPr>
-          <p:cNvPr id="5" name="Picture 4">
-            <a:extLst>
-              <a:ext uri="{FF2B5EF4-FFF2-40B4-BE49-F238E27FC236}">
-                <a16:creationId xmlns:a16="http://schemas.microsoft.com/office/drawing/2014/main" id="{DC29A4AB-FF92-2866-C710-DDCDC7A4FBAF}"/>
+          <p:cNvPr id="7" name="Picture 6">
+            <a:extLst>
+              <a:ext uri="{FF2B5EF4-FFF2-40B4-BE49-F238E27FC236}">
+                <a16:creationId xmlns:a16="http://schemas.microsoft.com/office/drawing/2014/main" id="{6B1A7C88-0672-4F72-421C-5EE1DF190701}"/>
               </a:ext>
             </a:extLst>
           </p:cNvPr>
@@ -4203,8 +4204,8 @@
         </p:blipFill>
         <p:spPr>
           <a:xfrm>
-            <a:off x="5992549" y="1829917"/>
-            <a:ext cx="1005313" cy="927122"/>
+            <a:off x="3361681" y="2638189"/>
+            <a:ext cx="1650794" cy="917108"/>
           </a:xfrm>
           <a:prstGeom prst="rect">
             <a:avLst/>
@@ -4213,10 +4214,10 @@
       </p:pic>
       <p:pic>
         <p:nvPicPr>
-          <p:cNvPr id="7" name="Picture 6">
-            <a:extLst>
-              <a:ext uri="{FF2B5EF4-FFF2-40B4-BE49-F238E27FC236}">
-                <a16:creationId xmlns:a16="http://schemas.microsoft.com/office/drawing/2014/main" id="{6B1A7C88-0672-4F72-421C-5EE1DF190701}"/>
+          <p:cNvPr id="3" name="Picture 2">
+            <a:extLst>
+              <a:ext uri="{FF2B5EF4-FFF2-40B4-BE49-F238E27FC236}">
+                <a16:creationId xmlns:a16="http://schemas.microsoft.com/office/drawing/2014/main" id="{E43138F3-6155-2821-62A2-F027C7F367DA}"/>
               </a:ext>
             </a:extLst>
           </p:cNvPr>
@@ -4233,8 +4234,8 @@
         </p:blipFill>
         <p:spPr>
           <a:xfrm>
-            <a:off x="3548316" y="2172160"/>
-            <a:ext cx="1005313" cy="558507"/>
+            <a:off x="4303643" y="1999043"/>
+            <a:ext cx="1918253" cy="849063"/>
           </a:xfrm>
           <a:prstGeom prst="rect">
             <a:avLst/>
@@ -4685,10 +4686,1858 @@
           </a:fontRef>
         </p:style>
       </p:cxnSp>
+      <p:sp>
+        <p:nvSpPr>
+          <p:cNvPr id="29" name="Rounded Rectangle 28">
+            <a:extLst>
+              <a:ext uri="{FF2B5EF4-FFF2-40B4-BE49-F238E27FC236}">
+                <a16:creationId xmlns:a16="http://schemas.microsoft.com/office/drawing/2014/main" id="{4073153A-C918-3926-90E6-2BA57385A025}"/>
+              </a:ext>
+            </a:extLst>
+          </p:cNvPr>
+          <p:cNvSpPr/>
+          <p:nvPr/>
+        </p:nvSpPr>
+        <p:spPr>
+          <a:xfrm>
+            <a:off x="3927661" y="405719"/>
+            <a:ext cx="2733261" cy="516834"/>
+          </a:xfrm>
+          <a:prstGeom prst="roundRect">
+            <a:avLst/>
+          </a:prstGeom>
+        </p:spPr>
+        <p:style>
+          <a:lnRef idx="2">
+            <a:schemeClr val="accent1">
+              <a:shade val="15000"/>
+            </a:schemeClr>
+          </a:lnRef>
+          <a:fillRef idx="1">
+            <a:schemeClr val="accent1"/>
+          </a:fillRef>
+          <a:effectRef idx="0">
+            <a:schemeClr val="accent1"/>
+          </a:effectRef>
+          <a:fontRef idx="minor">
+            <a:schemeClr val="lt1"/>
+          </a:fontRef>
+        </p:style>
+        <p:txBody>
+          <a:bodyPr rtlCol="0" anchor="ctr"/>
+          <a:lstStyle/>
+          <a:p>
+            <a:pPr algn="ctr"/>
+            <a:r>
+              <a:rPr lang="en-GB" dirty="0">
+                <a:effectLst/>
+                <a:latin typeface="Helvetica" pitchFamily="2" charset="0"/>
+              </a:rPr>
+              <a:t>BS ISO/IEC 25000:2014</a:t>
+            </a:r>
+          </a:p>
+        </p:txBody>
+      </p:sp>
+      <p:cxnSp>
+        <p:nvCxnSpPr>
+          <p:cNvPr id="31" name="Elbow Connector 30">
+            <a:extLst>
+              <a:ext uri="{FF2B5EF4-FFF2-40B4-BE49-F238E27FC236}">
+                <a16:creationId xmlns:a16="http://schemas.microsoft.com/office/drawing/2014/main" id="{019E173F-6136-2110-1422-5EAB3007C72E}"/>
+              </a:ext>
+            </a:extLst>
+          </p:cNvPr>
+          <p:cNvCxnSpPr>
+            <a:stCxn id="29" idx="1"/>
+            <a:endCxn id="15" idx="0"/>
+          </p:cNvCxnSpPr>
+          <p:nvPr/>
+        </p:nvCxnSpPr>
+        <p:spPr>
+          <a:xfrm rot="10800000" flipV="1">
+            <a:off x="2415603" y="664135"/>
+            <a:ext cx="1512059" cy="1641461"/>
+          </a:xfrm>
+          <a:prstGeom prst="bentConnector2">
+            <a:avLst/>
+          </a:prstGeom>
+          <a:ln w="19050">
+            <a:tailEnd type="triangle"/>
+          </a:ln>
+        </p:spPr>
+        <p:style>
+          <a:lnRef idx="1">
+            <a:schemeClr val="accent1"/>
+          </a:lnRef>
+          <a:fillRef idx="0">
+            <a:schemeClr val="accent1"/>
+          </a:fillRef>
+          <a:effectRef idx="0">
+            <a:schemeClr val="accent1"/>
+          </a:effectRef>
+          <a:fontRef idx="minor">
+            <a:schemeClr val="tx1"/>
+          </a:fontRef>
+        </p:style>
+      </p:cxnSp>
+      <p:cxnSp>
+        <p:nvCxnSpPr>
+          <p:cNvPr id="32" name="Elbow Connector 31">
+            <a:extLst>
+              <a:ext uri="{FF2B5EF4-FFF2-40B4-BE49-F238E27FC236}">
+                <a16:creationId xmlns:a16="http://schemas.microsoft.com/office/drawing/2014/main" id="{49348697-A0ED-9E95-6860-510CCEF3E270}"/>
+              </a:ext>
+            </a:extLst>
+          </p:cNvPr>
+          <p:cNvCxnSpPr>
+            <a:cxnSpLocks/>
+            <a:stCxn id="29" idx="3"/>
+            <a:endCxn id="16" idx="0"/>
+          </p:cNvCxnSpPr>
+          <p:nvPr/>
+        </p:nvCxnSpPr>
+        <p:spPr>
+          <a:xfrm>
+            <a:off x="6660922" y="664136"/>
+            <a:ext cx="1264176" cy="1643640"/>
+          </a:xfrm>
+          <a:prstGeom prst="bentConnector2">
+            <a:avLst/>
+          </a:prstGeom>
+          <a:ln w="19050">
+            <a:tailEnd type="triangle"/>
+          </a:ln>
+        </p:spPr>
+        <p:style>
+          <a:lnRef idx="1">
+            <a:schemeClr val="accent1"/>
+          </a:lnRef>
+          <a:fillRef idx="0">
+            <a:schemeClr val="accent1"/>
+          </a:fillRef>
+          <a:effectRef idx="0">
+            <a:schemeClr val="accent1"/>
+          </a:effectRef>
+          <a:fontRef idx="minor">
+            <a:schemeClr val="tx1"/>
+          </a:fontRef>
+        </p:style>
+      </p:cxnSp>
     </p:spTree>
     <p:extLst>
       <p:ext uri="{BB962C8B-B14F-4D97-AF65-F5344CB8AC3E}">
         <p14:creationId xmlns:p14="http://schemas.microsoft.com/office/powerpoint/2010/main" val="3910307292"/>
+      </p:ext>
+    </p:extLst>
+  </p:cSld>
+  <p:clrMapOvr>
+    <a:masterClrMapping/>
+  </p:clrMapOvr>
+</p:sld>
+</file>
+
+<file path=ppt/slides/slide11.xml><?xml version="1.0" encoding="utf-8"?>
+<p:sld xmlns:a="http://schemas.openxmlformats.org/drawingml/2006/main" xmlns:r="http://schemas.openxmlformats.org/officeDocument/2006/relationships" xmlns:p="http://schemas.openxmlformats.org/presentationml/2006/main">
+  <p:cSld>
+    <p:spTree>
+      <p:nvGrpSpPr>
+        <p:cNvPr id="1" name=""/>
+        <p:cNvGrpSpPr/>
+        <p:nvPr/>
+      </p:nvGrpSpPr>
+      <p:grpSpPr>
+        <a:xfrm>
+          <a:off x="0" y="0"/>
+          <a:ext cx="0" cy="0"/>
+          <a:chOff x="0" y="0"/>
+          <a:chExt cx="0" cy="0"/>
+        </a:xfrm>
+      </p:grpSpPr>
+      <p:sp>
+        <p:nvSpPr>
+          <p:cNvPr id="78" name="Rectangle 77">
+            <a:extLst>
+              <a:ext uri="{FF2B5EF4-FFF2-40B4-BE49-F238E27FC236}">
+                <a16:creationId xmlns:a16="http://schemas.microsoft.com/office/drawing/2014/main" id="{9DB11210-5F9E-9B23-51AF-1B8BFC4A3D05}"/>
+              </a:ext>
+            </a:extLst>
+          </p:cNvPr>
+          <p:cNvSpPr/>
+          <p:nvPr/>
+        </p:nvSpPr>
+        <p:spPr>
+          <a:xfrm>
+            <a:off x="7139090" y="1172817"/>
+            <a:ext cx="2245925" cy="4979505"/>
+          </a:xfrm>
+          <a:prstGeom prst="rect">
+            <a:avLst/>
+          </a:prstGeom>
+          <a:solidFill>
+            <a:schemeClr val="bg1">
+              <a:lumMod val="95000"/>
+            </a:schemeClr>
+          </a:solidFill>
+          <a:ln>
+            <a:noFill/>
+          </a:ln>
+        </p:spPr>
+        <p:style>
+          <a:lnRef idx="2">
+            <a:schemeClr val="accent1">
+              <a:shade val="15000"/>
+            </a:schemeClr>
+          </a:lnRef>
+          <a:fillRef idx="1">
+            <a:schemeClr val="accent1"/>
+          </a:fillRef>
+          <a:effectRef idx="0">
+            <a:schemeClr val="accent1"/>
+          </a:effectRef>
+          <a:fontRef idx="minor">
+            <a:schemeClr val="lt1"/>
+          </a:fontRef>
+        </p:style>
+        <p:txBody>
+          <a:bodyPr rtlCol="0" anchor="ctr"/>
+          <a:lstStyle/>
+          <a:p>
+            <a:pPr algn="ctr"/>
+            <a:endParaRPr lang="en-US"/>
+          </a:p>
+        </p:txBody>
+      </p:sp>
+      <p:sp>
+        <p:nvSpPr>
+          <p:cNvPr id="77" name="Rectangle 76">
+            <a:extLst>
+              <a:ext uri="{FF2B5EF4-FFF2-40B4-BE49-F238E27FC236}">
+                <a16:creationId xmlns:a16="http://schemas.microsoft.com/office/drawing/2014/main" id="{D7E918B5-21C5-1774-53EC-912E8941070C}"/>
+              </a:ext>
+            </a:extLst>
+          </p:cNvPr>
+          <p:cNvSpPr/>
+          <p:nvPr/>
+        </p:nvSpPr>
+        <p:spPr>
+          <a:xfrm>
+            <a:off x="3262831" y="1172817"/>
+            <a:ext cx="3876259" cy="4979505"/>
+          </a:xfrm>
+          <a:prstGeom prst="rect">
+            <a:avLst/>
+          </a:prstGeom>
+          <a:solidFill>
+            <a:schemeClr val="accent3">
+              <a:lumMod val="20000"/>
+              <a:lumOff val="80000"/>
+            </a:schemeClr>
+          </a:solidFill>
+          <a:ln>
+            <a:noFill/>
+          </a:ln>
+        </p:spPr>
+        <p:style>
+          <a:lnRef idx="2">
+            <a:schemeClr val="accent1">
+              <a:shade val="15000"/>
+            </a:schemeClr>
+          </a:lnRef>
+          <a:fillRef idx="1">
+            <a:schemeClr val="accent1"/>
+          </a:fillRef>
+          <a:effectRef idx="0">
+            <a:schemeClr val="accent1"/>
+          </a:effectRef>
+          <a:fontRef idx="minor">
+            <a:schemeClr val="lt1"/>
+          </a:fontRef>
+        </p:style>
+        <p:txBody>
+          <a:bodyPr rtlCol="0" anchor="ctr"/>
+          <a:lstStyle/>
+          <a:p>
+            <a:pPr algn="ctr"/>
+            <a:endParaRPr lang="en-US"/>
+          </a:p>
+        </p:txBody>
+      </p:sp>
+      <p:sp>
+        <p:nvSpPr>
+          <p:cNvPr id="76" name="Rectangle 75">
+            <a:extLst>
+              <a:ext uri="{FF2B5EF4-FFF2-40B4-BE49-F238E27FC236}">
+                <a16:creationId xmlns:a16="http://schemas.microsoft.com/office/drawing/2014/main" id="{B1CB0BE8-02FC-9585-5695-CC7107E73726}"/>
+              </a:ext>
+            </a:extLst>
+          </p:cNvPr>
+          <p:cNvSpPr/>
+          <p:nvPr/>
+        </p:nvSpPr>
+        <p:spPr>
+          <a:xfrm>
+            <a:off x="1133061" y="1172817"/>
+            <a:ext cx="2135257" cy="4979505"/>
+          </a:xfrm>
+          <a:prstGeom prst="rect">
+            <a:avLst/>
+          </a:prstGeom>
+          <a:solidFill>
+            <a:schemeClr val="bg1">
+              <a:lumMod val="95000"/>
+            </a:schemeClr>
+          </a:solidFill>
+          <a:ln>
+            <a:noFill/>
+          </a:ln>
+        </p:spPr>
+        <p:style>
+          <a:lnRef idx="2">
+            <a:schemeClr val="accent1">
+              <a:shade val="15000"/>
+            </a:schemeClr>
+          </a:lnRef>
+          <a:fillRef idx="1">
+            <a:schemeClr val="accent1"/>
+          </a:fillRef>
+          <a:effectRef idx="0">
+            <a:schemeClr val="accent1"/>
+          </a:effectRef>
+          <a:fontRef idx="minor">
+            <a:schemeClr val="lt1"/>
+          </a:fontRef>
+        </p:style>
+        <p:txBody>
+          <a:bodyPr rtlCol="0" anchor="ctr"/>
+          <a:lstStyle/>
+          <a:p>
+            <a:pPr algn="ctr"/>
+            <a:endParaRPr lang="en-US"/>
+          </a:p>
+        </p:txBody>
+      </p:sp>
+      <p:sp>
+        <p:nvSpPr>
+          <p:cNvPr id="7" name="Oval 6">
+            <a:extLst>
+              <a:ext uri="{FF2B5EF4-FFF2-40B4-BE49-F238E27FC236}">
+                <a16:creationId xmlns:a16="http://schemas.microsoft.com/office/drawing/2014/main" id="{7AF42CD0-98EB-3A8C-D5B2-2A08777D8CAF}"/>
+              </a:ext>
+            </a:extLst>
+          </p:cNvPr>
+          <p:cNvSpPr/>
+          <p:nvPr/>
+        </p:nvSpPr>
+        <p:spPr>
+          <a:xfrm>
+            <a:off x="7560365" y="2282690"/>
+            <a:ext cx="1689652" cy="1689652"/>
+          </a:xfrm>
+          <a:prstGeom prst="ellipse">
+            <a:avLst/>
+          </a:prstGeom>
+          <a:solidFill>
+            <a:schemeClr val="accent6">
+              <a:lumMod val="75000"/>
+            </a:schemeClr>
+          </a:solidFill>
+          <a:ln/>
+        </p:spPr>
+        <p:style>
+          <a:lnRef idx="1">
+            <a:schemeClr val="accent6"/>
+          </a:lnRef>
+          <a:fillRef idx="2">
+            <a:schemeClr val="accent6"/>
+          </a:fillRef>
+          <a:effectRef idx="1">
+            <a:schemeClr val="accent6"/>
+          </a:effectRef>
+          <a:fontRef idx="minor">
+            <a:schemeClr val="dk1"/>
+          </a:fontRef>
+        </p:style>
+        <p:txBody>
+          <a:bodyPr rtlCol="0" anchor="ctr"/>
+          <a:lstStyle/>
+          <a:p>
+            <a:pPr algn="ctr"/>
+            <a:r>
+              <a:rPr lang="en-US" dirty="0"/>
+              <a:t>Quality in use</a:t>
+            </a:r>
+          </a:p>
+        </p:txBody>
+      </p:sp>
+      <p:sp>
+        <p:nvSpPr>
+          <p:cNvPr id="6" name="Oval 5">
+            <a:extLst>
+              <a:ext uri="{FF2B5EF4-FFF2-40B4-BE49-F238E27FC236}">
+                <a16:creationId xmlns:a16="http://schemas.microsoft.com/office/drawing/2014/main" id="{E2407BD9-50F9-F682-FD28-2ED196241B91}"/>
+              </a:ext>
+            </a:extLst>
+          </p:cNvPr>
+          <p:cNvSpPr/>
+          <p:nvPr/>
+        </p:nvSpPr>
+        <p:spPr>
+          <a:xfrm>
+            <a:off x="7407965" y="2348948"/>
+            <a:ext cx="1689652" cy="1689652"/>
+          </a:xfrm>
+          <a:prstGeom prst="ellipse">
+            <a:avLst/>
+          </a:prstGeom>
+          <a:solidFill>
+            <a:schemeClr val="accent6"/>
+          </a:solidFill>
+          <a:ln/>
+        </p:spPr>
+        <p:style>
+          <a:lnRef idx="1">
+            <a:schemeClr val="accent6"/>
+          </a:lnRef>
+          <a:fillRef idx="2">
+            <a:schemeClr val="accent6"/>
+          </a:fillRef>
+          <a:effectRef idx="1">
+            <a:schemeClr val="accent6"/>
+          </a:effectRef>
+          <a:fontRef idx="minor">
+            <a:schemeClr val="dk1"/>
+          </a:fontRef>
+        </p:style>
+        <p:txBody>
+          <a:bodyPr rtlCol="0" anchor="ctr"/>
+          <a:lstStyle/>
+          <a:p>
+            <a:pPr algn="ctr"/>
+            <a:r>
+              <a:rPr lang="en-US" dirty="0"/>
+              <a:t>Quality in use</a:t>
+            </a:r>
+          </a:p>
+        </p:txBody>
+      </p:sp>
+      <p:sp>
+        <p:nvSpPr>
+          <p:cNvPr id="2" name="Oval 1">
+            <a:extLst>
+              <a:ext uri="{FF2B5EF4-FFF2-40B4-BE49-F238E27FC236}">
+                <a16:creationId xmlns:a16="http://schemas.microsoft.com/office/drawing/2014/main" id="{8B67805D-F4F9-A211-A4A0-62A965F4CCE3}"/>
+              </a:ext>
+            </a:extLst>
+          </p:cNvPr>
+          <p:cNvSpPr/>
+          <p:nvPr/>
+        </p:nvSpPr>
+        <p:spPr>
+          <a:xfrm>
+            <a:off x="1461053" y="2395332"/>
+            <a:ext cx="1689652" cy="1689652"/>
+          </a:xfrm>
+          <a:prstGeom prst="ellipse">
+            <a:avLst/>
+          </a:prstGeom>
+          <a:ln/>
+        </p:spPr>
+        <p:style>
+          <a:lnRef idx="1">
+            <a:schemeClr val="accent6"/>
+          </a:lnRef>
+          <a:fillRef idx="2">
+            <a:schemeClr val="accent6"/>
+          </a:fillRef>
+          <a:effectRef idx="1">
+            <a:schemeClr val="accent6"/>
+          </a:effectRef>
+          <a:fontRef idx="minor">
+            <a:schemeClr val="dk1"/>
+          </a:fontRef>
+        </p:style>
+        <p:txBody>
+          <a:bodyPr rtlCol="0" anchor="ctr"/>
+          <a:lstStyle/>
+          <a:p>
+            <a:pPr algn="ctr"/>
+            <a:r>
+              <a:rPr lang="en-US" dirty="0"/>
+              <a:t>Process quality</a:t>
+            </a:r>
+          </a:p>
+        </p:txBody>
+      </p:sp>
+      <p:sp>
+        <p:nvSpPr>
+          <p:cNvPr id="3" name="Oval 2">
+            <a:extLst>
+              <a:ext uri="{FF2B5EF4-FFF2-40B4-BE49-F238E27FC236}">
+                <a16:creationId xmlns:a16="http://schemas.microsoft.com/office/drawing/2014/main" id="{8BC782CA-2B85-8110-066C-428550602D9C}"/>
+              </a:ext>
+            </a:extLst>
+          </p:cNvPr>
+          <p:cNvSpPr/>
+          <p:nvPr/>
+        </p:nvSpPr>
+        <p:spPr>
+          <a:xfrm>
+            <a:off x="7255565" y="2395329"/>
+            <a:ext cx="1689652" cy="1689652"/>
+          </a:xfrm>
+          <a:prstGeom prst="ellipse">
+            <a:avLst/>
+          </a:prstGeom>
+          <a:ln/>
+        </p:spPr>
+        <p:style>
+          <a:lnRef idx="1">
+            <a:schemeClr val="accent6"/>
+          </a:lnRef>
+          <a:fillRef idx="2">
+            <a:schemeClr val="accent6"/>
+          </a:fillRef>
+          <a:effectRef idx="1">
+            <a:schemeClr val="accent6"/>
+          </a:effectRef>
+          <a:fontRef idx="minor">
+            <a:schemeClr val="dk1"/>
+          </a:fontRef>
+        </p:style>
+        <p:txBody>
+          <a:bodyPr rtlCol="0" anchor="ctr"/>
+          <a:lstStyle/>
+          <a:p>
+            <a:pPr algn="ctr"/>
+            <a:r>
+              <a:rPr lang="en-US" dirty="0"/>
+              <a:t>Quality in use</a:t>
+            </a:r>
+          </a:p>
+        </p:txBody>
+      </p:sp>
+      <p:sp>
+        <p:nvSpPr>
+          <p:cNvPr id="4" name="Oval 3">
+            <a:extLst>
+              <a:ext uri="{FF2B5EF4-FFF2-40B4-BE49-F238E27FC236}">
+                <a16:creationId xmlns:a16="http://schemas.microsoft.com/office/drawing/2014/main" id="{D36C5F33-D27D-4FF7-3A3C-84755E4A1496}"/>
+              </a:ext>
+            </a:extLst>
+          </p:cNvPr>
+          <p:cNvSpPr/>
+          <p:nvPr/>
+        </p:nvSpPr>
+        <p:spPr>
+          <a:xfrm>
+            <a:off x="5320748" y="2395329"/>
+            <a:ext cx="1689652" cy="1689652"/>
+          </a:xfrm>
+          <a:prstGeom prst="ellipse">
+            <a:avLst/>
+          </a:prstGeom>
+          <a:ln/>
+        </p:spPr>
+        <p:style>
+          <a:lnRef idx="1">
+            <a:schemeClr val="accent6"/>
+          </a:lnRef>
+          <a:fillRef idx="2">
+            <a:schemeClr val="accent6"/>
+          </a:fillRef>
+          <a:effectRef idx="1">
+            <a:schemeClr val="accent6"/>
+          </a:effectRef>
+          <a:fontRef idx="minor">
+            <a:schemeClr val="dk1"/>
+          </a:fontRef>
+        </p:style>
+        <p:txBody>
+          <a:bodyPr rtlCol="0" anchor="ctr"/>
+          <a:lstStyle/>
+          <a:p>
+            <a:pPr algn="ctr"/>
+            <a:r>
+              <a:rPr lang="en-US" dirty="0"/>
+              <a:t>External properties</a:t>
+            </a:r>
+          </a:p>
+        </p:txBody>
+      </p:sp>
+      <p:sp>
+        <p:nvSpPr>
+          <p:cNvPr id="5" name="Oval 4">
+            <a:extLst>
+              <a:ext uri="{FF2B5EF4-FFF2-40B4-BE49-F238E27FC236}">
+                <a16:creationId xmlns:a16="http://schemas.microsoft.com/office/drawing/2014/main" id="{8B7A6ECD-0400-D4BC-EEAD-878673C22B89}"/>
+              </a:ext>
+            </a:extLst>
+          </p:cNvPr>
+          <p:cNvSpPr/>
+          <p:nvPr/>
+        </p:nvSpPr>
+        <p:spPr>
+          <a:xfrm>
+            <a:off x="3385931" y="2395331"/>
+            <a:ext cx="1689652" cy="1689652"/>
+          </a:xfrm>
+          <a:prstGeom prst="ellipse">
+            <a:avLst/>
+          </a:prstGeom>
+          <a:ln/>
+        </p:spPr>
+        <p:style>
+          <a:lnRef idx="1">
+            <a:schemeClr val="accent6"/>
+          </a:lnRef>
+          <a:fillRef idx="2">
+            <a:schemeClr val="accent6"/>
+          </a:fillRef>
+          <a:effectRef idx="1">
+            <a:schemeClr val="accent6"/>
+          </a:effectRef>
+          <a:fontRef idx="minor">
+            <a:schemeClr val="dk1"/>
+          </a:fontRef>
+        </p:style>
+        <p:txBody>
+          <a:bodyPr rtlCol="0" anchor="ctr"/>
+          <a:lstStyle/>
+          <a:p>
+            <a:pPr algn="ctr"/>
+            <a:r>
+              <a:rPr lang="en-US" dirty="0"/>
+              <a:t>Internal properties</a:t>
+            </a:r>
+          </a:p>
+        </p:txBody>
+      </p:sp>
+      <p:cxnSp>
+        <p:nvCxnSpPr>
+          <p:cNvPr id="9" name="Curved Connector 8">
+            <a:extLst>
+              <a:ext uri="{FF2B5EF4-FFF2-40B4-BE49-F238E27FC236}">
+                <a16:creationId xmlns:a16="http://schemas.microsoft.com/office/drawing/2014/main" id="{FD64CDC0-D4B8-42FA-E601-403139365414}"/>
+              </a:ext>
+            </a:extLst>
+          </p:cNvPr>
+          <p:cNvCxnSpPr>
+            <a:stCxn id="2" idx="7"/>
+            <a:endCxn id="5" idx="1"/>
+          </p:cNvCxnSpPr>
+          <p:nvPr/>
+        </p:nvCxnSpPr>
+        <p:spPr>
+          <a:xfrm rot="5400000" flipH="1" flipV="1">
+            <a:off x="3268318" y="2277719"/>
+            <a:ext cx="1" cy="730114"/>
+          </a:xfrm>
+          <a:prstGeom prst="curvedConnector3">
+            <a:avLst>
+              <a:gd name="adj1" fmla="val 47604500000"/>
+            </a:avLst>
+          </a:prstGeom>
+          <a:ln w="28575">
+            <a:solidFill>
+              <a:schemeClr val="tx1">
+                <a:lumMod val="65000"/>
+                <a:lumOff val="35000"/>
+              </a:schemeClr>
+            </a:solidFill>
+            <a:tailEnd type="triangle"/>
+          </a:ln>
+        </p:spPr>
+        <p:style>
+          <a:lnRef idx="1">
+            <a:schemeClr val="accent1"/>
+          </a:lnRef>
+          <a:fillRef idx="0">
+            <a:schemeClr val="accent1"/>
+          </a:fillRef>
+          <a:effectRef idx="0">
+            <a:schemeClr val="accent1"/>
+          </a:effectRef>
+          <a:fontRef idx="minor">
+            <a:schemeClr val="tx1"/>
+          </a:fontRef>
+        </p:style>
+      </p:cxnSp>
+      <p:cxnSp>
+        <p:nvCxnSpPr>
+          <p:cNvPr id="10" name="Curved Connector 9">
+            <a:extLst>
+              <a:ext uri="{FF2B5EF4-FFF2-40B4-BE49-F238E27FC236}">
+                <a16:creationId xmlns:a16="http://schemas.microsoft.com/office/drawing/2014/main" id="{70CB7C17-7CE9-51A4-276E-048448BA7759}"/>
+              </a:ext>
+            </a:extLst>
+          </p:cNvPr>
+          <p:cNvCxnSpPr>
+            <a:cxnSpLocks/>
+            <a:stCxn id="5" idx="7"/>
+            <a:endCxn id="4" idx="1"/>
+          </p:cNvCxnSpPr>
+          <p:nvPr/>
+        </p:nvCxnSpPr>
+        <p:spPr>
+          <a:xfrm rot="5400000" flipH="1" flipV="1">
+            <a:off x="5198164" y="2272748"/>
+            <a:ext cx="2" cy="740053"/>
+          </a:xfrm>
+          <a:prstGeom prst="curvedConnector3">
+            <a:avLst>
+              <a:gd name="adj1" fmla="val 23802300000"/>
+            </a:avLst>
+          </a:prstGeom>
+          <a:ln w="28575">
+            <a:solidFill>
+              <a:schemeClr val="tx1">
+                <a:lumMod val="65000"/>
+                <a:lumOff val="35000"/>
+              </a:schemeClr>
+            </a:solidFill>
+            <a:tailEnd type="triangle"/>
+          </a:ln>
+        </p:spPr>
+        <p:style>
+          <a:lnRef idx="1">
+            <a:schemeClr val="accent1"/>
+          </a:lnRef>
+          <a:fillRef idx="0">
+            <a:schemeClr val="accent1"/>
+          </a:fillRef>
+          <a:effectRef idx="0">
+            <a:schemeClr val="accent1"/>
+          </a:effectRef>
+          <a:fontRef idx="minor">
+            <a:schemeClr val="tx1"/>
+          </a:fontRef>
+        </p:style>
+      </p:cxnSp>
+      <p:cxnSp>
+        <p:nvCxnSpPr>
+          <p:cNvPr id="13" name="Curved Connector 12">
+            <a:extLst>
+              <a:ext uri="{FF2B5EF4-FFF2-40B4-BE49-F238E27FC236}">
+                <a16:creationId xmlns:a16="http://schemas.microsoft.com/office/drawing/2014/main" id="{01CDB0DA-AA83-6414-080E-891038CC8EBA}"/>
+              </a:ext>
+            </a:extLst>
+          </p:cNvPr>
+          <p:cNvCxnSpPr>
+            <a:cxnSpLocks/>
+            <a:stCxn id="4" idx="7"/>
+            <a:endCxn id="3" idx="1"/>
+          </p:cNvCxnSpPr>
+          <p:nvPr/>
+        </p:nvCxnSpPr>
+        <p:spPr>
+          <a:xfrm rot="5400000" flipH="1" flipV="1">
+            <a:off x="7132982" y="2272747"/>
+            <a:ext cx="12700" cy="740053"/>
+          </a:xfrm>
+          <a:prstGeom prst="curvedConnector3">
+            <a:avLst>
+              <a:gd name="adj1" fmla="val 3748378"/>
+            </a:avLst>
+          </a:prstGeom>
+          <a:ln w="28575">
+            <a:solidFill>
+              <a:schemeClr val="tx1">
+                <a:lumMod val="65000"/>
+                <a:lumOff val="35000"/>
+              </a:schemeClr>
+            </a:solidFill>
+            <a:tailEnd type="triangle"/>
+          </a:ln>
+        </p:spPr>
+        <p:style>
+          <a:lnRef idx="1">
+            <a:schemeClr val="accent1"/>
+          </a:lnRef>
+          <a:fillRef idx="0">
+            <a:schemeClr val="accent1"/>
+          </a:fillRef>
+          <a:effectRef idx="0">
+            <a:schemeClr val="accent1"/>
+          </a:effectRef>
+          <a:fontRef idx="minor">
+            <a:schemeClr val="tx1"/>
+          </a:fontRef>
+        </p:style>
+      </p:cxnSp>
+      <p:cxnSp>
+        <p:nvCxnSpPr>
+          <p:cNvPr id="16" name="Curved Connector 15">
+            <a:extLst>
+              <a:ext uri="{FF2B5EF4-FFF2-40B4-BE49-F238E27FC236}">
+                <a16:creationId xmlns:a16="http://schemas.microsoft.com/office/drawing/2014/main" id="{AB3D7F82-089C-D998-D327-87F16F7A82A3}"/>
+              </a:ext>
+            </a:extLst>
+          </p:cNvPr>
+          <p:cNvCxnSpPr>
+            <a:cxnSpLocks/>
+            <a:stCxn id="3" idx="3"/>
+            <a:endCxn id="4" idx="5"/>
+          </p:cNvCxnSpPr>
+          <p:nvPr/>
+        </p:nvCxnSpPr>
+        <p:spPr>
+          <a:xfrm rot="5400000">
+            <a:off x="7132983" y="3467511"/>
+            <a:ext cx="12700" cy="740053"/>
+          </a:xfrm>
+          <a:prstGeom prst="curvedConnector3">
+            <a:avLst>
+              <a:gd name="adj1" fmla="val 3748378"/>
+            </a:avLst>
+          </a:prstGeom>
+          <a:ln w="28575">
+            <a:solidFill>
+              <a:schemeClr val="tx1">
+                <a:lumMod val="65000"/>
+                <a:lumOff val="35000"/>
+              </a:schemeClr>
+            </a:solidFill>
+            <a:prstDash val="dash"/>
+            <a:tailEnd type="triangle"/>
+          </a:ln>
+        </p:spPr>
+        <p:style>
+          <a:lnRef idx="1">
+            <a:schemeClr val="accent1"/>
+          </a:lnRef>
+          <a:fillRef idx="0">
+            <a:schemeClr val="accent1"/>
+          </a:fillRef>
+          <a:effectRef idx="0">
+            <a:schemeClr val="accent1"/>
+          </a:effectRef>
+          <a:fontRef idx="minor">
+            <a:schemeClr val="tx1"/>
+          </a:fontRef>
+        </p:style>
+      </p:cxnSp>
+      <p:cxnSp>
+        <p:nvCxnSpPr>
+          <p:cNvPr id="19" name="Curved Connector 18">
+            <a:extLst>
+              <a:ext uri="{FF2B5EF4-FFF2-40B4-BE49-F238E27FC236}">
+                <a16:creationId xmlns:a16="http://schemas.microsoft.com/office/drawing/2014/main" id="{633DC10B-583B-9DC1-7799-73AB4934343D}"/>
+              </a:ext>
+            </a:extLst>
+          </p:cNvPr>
+          <p:cNvCxnSpPr>
+            <a:cxnSpLocks/>
+            <a:stCxn id="4" idx="3"/>
+            <a:endCxn id="5" idx="5"/>
+          </p:cNvCxnSpPr>
+          <p:nvPr/>
+        </p:nvCxnSpPr>
+        <p:spPr>
+          <a:xfrm rot="5400000">
+            <a:off x="5198165" y="3467512"/>
+            <a:ext cx="2" cy="740053"/>
+          </a:xfrm>
+          <a:prstGeom prst="curvedConnector3">
+            <a:avLst>
+              <a:gd name="adj1" fmla="val 23802300000"/>
+            </a:avLst>
+          </a:prstGeom>
+          <a:ln w="28575">
+            <a:solidFill>
+              <a:schemeClr val="tx1">
+                <a:lumMod val="65000"/>
+                <a:lumOff val="35000"/>
+              </a:schemeClr>
+            </a:solidFill>
+            <a:prstDash val="dash"/>
+            <a:tailEnd type="triangle"/>
+          </a:ln>
+        </p:spPr>
+        <p:style>
+          <a:lnRef idx="1">
+            <a:schemeClr val="accent1"/>
+          </a:lnRef>
+          <a:fillRef idx="0">
+            <a:schemeClr val="accent1"/>
+          </a:fillRef>
+          <a:effectRef idx="0">
+            <a:schemeClr val="accent1"/>
+          </a:effectRef>
+          <a:fontRef idx="minor">
+            <a:schemeClr val="tx1"/>
+          </a:fontRef>
+        </p:style>
+      </p:cxnSp>
+      <p:cxnSp>
+        <p:nvCxnSpPr>
+          <p:cNvPr id="22" name="Curved Connector 21">
+            <a:extLst>
+              <a:ext uri="{FF2B5EF4-FFF2-40B4-BE49-F238E27FC236}">
+                <a16:creationId xmlns:a16="http://schemas.microsoft.com/office/drawing/2014/main" id="{8BE96A55-5C3C-5D5B-AA69-F731F0AA3A08}"/>
+              </a:ext>
+            </a:extLst>
+          </p:cNvPr>
+          <p:cNvCxnSpPr>
+            <a:cxnSpLocks/>
+            <a:stCxn id="5" idx="3"/>
+            <a:endCxn id="2" idx="5"/>
+          </p:cNvCxnSpPr>
+          <p:nvPr/>
+        </p:nvCxnSpPr>
+        <p:spPr>
+          <a:xfrm rot="5400000">
+            <a:off x="3268318" y="3472482"/>
+            <a:ext cx="1" cy="730114"/>
+          </a:xfrm>
+          <a:prstGeom prst="curvedConnector3">
+            <a:avLst>
+              <a:gd name="adj1" fmla="val 47604500000"/>
+            </a:avLst>
+          </a:prstGeom>
+          <a:ln w="28575">
+            <a:solidFill>
+              <a:schemeClr val="tx1">
+                <a:lumMod val="65000"/>
+                <a:lumOff val="35000"/>
+              </a:schemeClr>
+            </a:solidFill>
+            <a:prstDash val="dash"/>
+            <a:tailEnd type="triangle"/>
+          </a:ln>
+        </p:spPr>
+        <p:style>
+          <a:lnRef idx="1">
+            <a:schemeClr val="accent1"/>
+          </a:lnRef>
+          <a:fillRef idx="0">
+            <a:schemeClr val="accent1"/>
+          </a:fillRef>
+          <a:effectRef idx="0">
+            <a:schemeClr val="accent1"/>
+          </a:effectRef>
+          <a:fontRef idx="minor">
+            <a:schemeClr val="tx1"/>
+          </a:fontRef>
+        </p:style>
+      </p:cxnSp>
+      <p:sp>
+        <p:nvSpPr>
+          <p:cNvPr id="26" name="TextBox 25">
+            <a:extLst>
+              <a:ext uri="{FF2B5EF4-FFF2-40B4-BE49-F238E27FC236}">
+                <a16:creationId xmlns:a16="http://schemas.microsoft.com/office/drawing/2014/main" id="{F5E21B2A-EEFE-D1AB-84DE-F43EC231159D}"/>
+              </a:ext>
+            </a:extLst>
+          </p:cNvPr>
+          <p:cNvSpPr txBox="1"/>
+          <p:nvPr/>
+        </p:nvSpPr>
+        <p:spPr>
+          <a:xfrm>
+            <a:off x="1496979" y="1527353"/>
+            <a:ext cx="1617800" cy="369332"/>
+          </a:xfrm>
+          <a:prstGeom prst="rect">
+            <a:avLst/>
+          </a:prstGeom>
+          <a:noFill/>
+          <a:ln>
+            <a:noFill/>
+          </a:ln>
+        </p:spPr>
+        <p:txBody>
+          <a:bodyPr wrap="square" rtlCol="0">
+            <a:spAutoFit/>
+          </a:bodyPr>
+          <a:lstStyle/>
+          <a:p>
+            <a:pPr algn="ctr"/>
+            <a:r>
+              <a:rPr lang="en-US" dirty="0"/>
+              <a:t>Process</a:t>
+            </a:r>
+          </a:p>
+        </p:txBody>
+      </p:sp>
+      <p:sp>
+        <p:nvSpPr>
+          <p:cNvPr id="27" name="TextBox 26">
+            <a:extLst>
+              <a:ext uri="{FF2B5EF4-FFF2-40B4-BE49-F238E27FC236}">
+                <a16:creationId xmlns:a16="http://schemas.microsoft.com/office/drawing/2014/main" id="{7A519ED3-7378-D573-C3F4-B716BD6D4468}"/>
+              </a:ext>
+            </a:extLst>
+          </p:cNvPr>
+          <p:cNvSpPr txBox="1"/>
+          <p:nvPr/>
+        </p:nvSpPr>
+        <p:spPr>
+          <a:xfrm>
+            <a:off x="3457783" y="1516760"/>
+            <a:ext cx="3430034" cy="369332"/>
+          </a:xfrm>
+          <a:prstGeom prst="rect">
+            <a:avLst/>
+          </a:prstGeom>
+          <a:noFill/>
+          <a:ln>
+            <a:noFill/>
+          </a:ln>
+        </p:spPr>
+        <p:txBody>
+          <a:bodyPr wrap="square" rtlCol="0">
+            <a:spAutoFit/>
+          </a:bodyPr>
+          <a:lstStyle/>
+          <a:p>
+            <a:pPr algn="ctr"/>
+            <a:r>
+              <a:rPr lang="en-US" dirty="0"/>
+              <a:t>Software product</a:t>
+            </a:r>
+          </a:p>
+        </p:txBody>
+      </p:sp>
+      <p:sp>
+        <p:nvSpPr>
+          <p:cNvPr id="28" name="TextBox 27">
+            <a:extLst>
+              <a:ext uri="{FF2B5EF4-FFF2-40B4-BE49-F238E27FC236}">
+                <a16:creationId xmlns:a16="http://schemas.microsoft.com/office/drawing/2014/main" id="{24461A13-C3BC-0ACE-AECB-CAE6FB083980}"/>
+              </a:ext>
+            </a:extLst>
+          </p:cNvPr>
+          <p:cNvSpPr txBox="1"/>
+          <p:nvPr/>
+        </p:nvSpPr>
+        <p:spPr>
+          <a:xfrm>
+            <a:off x="6385374" y="1235836"/>
+            <a:ext cx="3430034" cy="646331"/>
+          </a:xfrm>
+          <a:prstGeom prst="rect">
+            <a:avLst/>
+          </a:prstGeom>
+          <a:noFill/>
+          <a:ln>
+            <a:noFill/>
+          </a:ln>
+        </p:spPr>
+        <p:txBody>
+          <a:bodyPr wrap="square" rtlCol="0">
+            <a:spAutoFit/>
+          </a:bodyPr>
+          <a:lstStyle/>
+          <a:p>
+            <a:pPr algn="ctr"/>
+            <a:r>
+              <a:rPr lang="en-US" dirty="0"/>
+              <a:t>Effect of</a:t>
+            </a:r>
+          </a:p>
+          <a:p>
+            <a:pPr algn="ctr"/>
+            <a:r>
+              <a:rPr lang="en-US" dirty="0"/>
+              <a:t>software product</a:t>
+            </a:r>
+          </a:p>
+        </p:txBody>
+      </p:sp>
+      <p:sp>
+        <p:nvSpPr>
+          <p:cNvPr id="57" name="TextBox 56">
+            <a:extLst>
+              <a:ext uri="{FF2B5EF4-FFF2-40B4-BE49-F238E27FC236}">
+                <a16:creationId xmlns:a16="http://schemas.microsoft.com/office/drawing/2014/main" id="{40E59BA2-67DA-8BD6-D825-C409920B9ABC}"/>
+              </a:ext>
+            </a:extLst>
+          </p:cNvPr>
+          <p:cNvSpPr txBox="1"/>
+          <p:nvPr/>
+        </p:nvSpPr>
+        <p:spPr>
+          <a:xfrm>
+            <a:off x="1496979" y="5277816"/>
+            <a:ext cx="1617800" cy="600164"/>
+          </a:xfrm>
+          <a:prstGeom prst="rect">
+            <a:avLst/>
+          </a:prstGeom>
+          <a:noFill/>
+          <a:ln>
+            <a:noFill/>
+          </a:ln>
+        </p:spPr>
+        <p:txBody>
+          <a:bodyPr wrap="square" tIns="0" rtlCol="0">
+            <a:spAutoFit/>
+          </a:bodyPr>
+          <a:lstStyle/>
+          <a:p>
+            <a:pPr algn="ctr"/>
+            <a:r>
+              <a:rPr lang="en-US" dirty="0"/>
+              <a:t>Process</a:t>
+            </a:r>
+          </a:p>
+          <a:p>
+            <a:pPr algn="ctr"/>
+            <a:r>
+              <a:rPr lang="en-US" dirty="0"/>
+              <a:t>measures</a:t>
+            </a:r>
+          </a:p>
+        </p:txBody>
+      </p:sp>
+      <p:sp>
+        <p:nvSpPr>
+          <p:cNvPr id="58" name="TextBox 57">
+            <a:extLst>
+              <a:ext uri="{FF2B5EF4-FFF2-40B4-BE49-F238E27FC236}">
+                <a16:creationId xmlns:a16="http://schemas.microsoft.com/office/drawing/2014/main" id="{34A4E28A-E0A6-EE74-B413-18877BFD9FBF}"/>
+              </a:ext>
+            </a:extLst>
+          </p:cNvPr>
+          <p:cNvSpPr txBox="1"/>
+          <p:nvPr/>
+        </p:nvSpPr>
+        <p:spPr>
+          <a:xfrm>
+            <a:off x="3421857" y="5277816"/>
+            <a:ext cx="1617800" cy="600164"/>
+          </a:xfrm>
+          <a:prstGeom prst="rect">
+            <a:avLst/>
+          </a:prstGeom>
+          <a:noFill/>
+          <a:ln>
+            <a:noFill/>
+          </a:ln>
+        </p:spPr>
+        <p:txBody>
+          <a:bodyPr wrap="square" tIns="0" rtlCol="0">
+            <a:spAutoFit/>
+          </a:bodyPr>
+          <a:lstStyle/>
+          <a:p>
+            <a:pPr algn="ctr"/>
+            <a:r>
+              <a:rPr lang="en-US" dirty="0"/>
+              <a:t>Internal</a:t>
+            </a:r>
+          </a:p>
+          <a:p>
+            <a:pPr algn="ctr"/>
+            <a:r>
+              <a:rPr lang="en-US" dirty="0"/>
+              <a:t>measures</a:t>
+            </a:r>
+          </a:p>
+        </p:txBody>
+      </p:sp>
+      <p:sp>
+        <p:nvSpPr>
+          <p:cNvPr id="59" name="TextBox 58">
+            <a:extLst>
+              <a:ext uri="{FF2B5EF4-FFF2-40B4-BE49-F238E27FC236}">
+                <a16:creationId xmlns:a16="http://schemas.microsoft.com/office/drawing/2014/main" id="{CC6507F8-83A0-AFE3-6B46-E49B22540E2B}"/>
+              </a:ext>
+            </a:extLst>
+          </p:cNvPr>
+          <p:cNvSpPr txBox="1"/>
+          <p:nvPr/>
+        </p:nvSpPr>
+        <p:spPr>
+          <a:xfrm>
+            <a:off x="5356674" y="5277815"/>
+            <a:ext cx="1617800" cy="600164"/>
+          </a:xfrm>
+          <a:prstGeom prst="rect">
+            <a:avLst/>
+          </a:prstGeom>
+          <a:noFill/>
+          <a:ln>
+            <a:noFill/>
+          </a:ln>
+        </p:spPr>
+        <p:txBody>
+          <a:bodyPr wrap="square" tIns="0" rtlCol="0">
+            <a:spAutoFit/>
+          </a:bodyPr>
+          <a:lstStyle/>
+          <a:p>
+            <a:pPr algn="ctr"/>
+            <a:r>
+              <a:rPr lang="en-US" dirty="0"/>
+              <a:t>External</a:t>
+            </a:r>
+          </a:p>
+          <a:p>
+            <a:pPr algn="ctr"/>
+            <a:r>
+              <a:rPr lang="en-US" dirty="0"/>
+              <a:t>measures</a:t>
+            </a:r>
+          </a:p>
+        </p:txBody>
+      </p:sp>
+      <p:sp>
+        <p:nvSpPr>
+          <p:cNvPr id="60" name="TextBox 59">
+            <a:extLst>
+              <a:ext uri="{FF2B5EF4-FFF2-40B4-BE49-F238E27FC236}">
+                <a16:creationId xmlns:a16="http://schemas.microsoft.com/office/drawing/2014/main" id="{A9BE552B-EEAA-2D09-2CD9-F69BD94DDBC1}"/>
+              </a:ext>
+            </a:extLst>
+          </p:cNvPr>
+          <p:cNvSpPr txBox="1"/>
+          <p:nvPr/>
+        </p:nvSpPr>
+        <p:spPr>
+          <a:xfrm>
+            <a:off x="7291491" y="5277814"/>
+            <a:ext cx="1617800" cy="600164"/>
+          </a:xfrm>
+          <a:prstGeom prst="rect">
+            <a:avLst/>
+          </a:prstGeom>
+          <a:noFill/>
+          <a:ln>
+            <a:noFill/>
+          </a:ln>
+        </p:spPr>
+        <p:txBody>
+          <a:bodyPr wrap="square" tIns="0" rtlCol="0">
+            <a:spAutoFit/>
+          </a:bodyPr>
+          <a:lstStyle/>
+          <a:p>
+            <a:pPr algn="ctr"/>
+            <a:r>
+              <a:rPr lang="en-US" dirty="0"/>
+              <a:t>Quality in use</a:t>
+            </a:r>
+          </a:p>
+          <a:p>
+            <a:pPr algn="ctr"/>
+            <a:r>
+              <a:rPr lang="en-US" dirty="0"/>
+              <a:t>measures</a:t>
+            </a:r>
+          </a:p>
+        </p:txBody>
+      </p:sp>
+      <p:cxnSp>
+        <p:nvCxnSpPr>
+          <p:cNvPr id="61" name="Straight Arrow Connector 60">
+            <a:extLst>
+              <a:ext uri="{FF2B5EF4-FFF2-40B4-BE49-F238E27FC236}">
+                <a16:creationId xmlns:a16="http://schemas.microsoft.com/office/drawing/2014/main" id="{62820398-F815-3A8F-1661-77ECE581565B}"/>
+              </a:ext>
+            </a:extLst>
+          </p:cNvPr>
+          <p:cNvCxnSpPr>
+            <a:cxnSpLocks/>
+            <a:stCxn id="57" idx="0"/>
+          </p:cNvCxnSpPr>
+          <p:nvPr/>
+        </p:nvCxnSpPr>
+        <p:spPr>
+          <a:xfrm flipV="1">
+            <a:off x="2305879" y="4351684"/>
+            <a:ext cx="0" cy="926132"/>
+          </a:xfrm>
+          <a:prstGeom prst="straightConnector1">
+            <a:avLst/>
+          </a:prstGeom>
+          <a:ln w="28575">
+            <a:solidFill>
+              <a:schemeClr val="tx1">
+                <a:lumMod val="50000"/>
+                <a:lumOff val="50000"/>
+              </a:schemeClr>
+            </a:solidFill>
+            <a:tailEnd type="triangle"/>
+          </a:ln>
+        </p:spPr>
+        <p:style>
+          <a:lnRef idx="1">
+            <a:schemeClr val="dk1"/>
+          </a:lnRef>
+          <a:fillRef idx="0">
+            <a:schemeClr val="dk1"/>
+          </a:fillRef>
+          <a:effectRef idx="0">
+            <a:schemeClr val="dk1"/>
+          </a:effectRef>
+          <a:fontRef idx="minor">
+            <a:schemeClr val="tx1"/>
+          </a:fontRef>
+        </p:style>
+      </p:cxnSp>
+      <p:cxnSp>
+        <p:nvCxnSpPr>
+          <p:cNvPr id="62" name="Straight Arrow Connector 61">
+            <a:extLst>
+              <a:ext uri="{FF2B5EF4-FFF2-40B4-BE49-F238E27FC236}">
+                <a16:creationId xmlns:a16="http://schemas.microsoft.com/office/drawing/2014/main" id="{A6F736BC-8BC0-C69F-DAA5-26D272B500E1}"/>
+              </a:ext>
+            </a:extLst>
+          </p:cNvPr>
+          <p:cNvCxnSpPr>
+            <a:cxnSpLocks/>
+            <a:stCxn id="58" idx="0"/>
+          </p:cNvCxnSpPr>
+          <p:nvPr/>
+        </p:nvCxnSpPr>
+        <p:spPr>
+          <a:xfrm flipV="1">
+            <a:off x="4230757" y="4351683"/>
+            <a:ext cx="0" cy="926133"/>
+          </a:xfrm>
+          <a:prstGeom prst="straightConnector1">
+            <a:avLst/>
+          </a:prstGeom>
+          <a:ln w="28575">
+            <a:solidFill>
+              <a:schemeClr val="tx1">
+                <a:lumMod val="50000"/>
+                <a:lumOff val="50000"/>
+              </a:schemeClr>
+            </a:solidFill>
+            <a:tailEnd type="triangle"/>
+          </a:ln>
+        </p:spPr>
+        <p:style>
+          <a:lnRef idx="1">
+            <a:schemeClr val="dk1"/>
+          </a:lnRef>
+          <a:fillRef idx="0">
+            <a:schemeClr val="dk1"/>
+          </a:fillRef>
+          <a:effectRef idx="0">
+            <a:schemeClr val="dk1"/>
+          </a:effectRef>
+          <a:fontRef idx="minor">
+            <a:schemeClr val="tx1"/>
+          </a:fontRef>
+        </p:style>
+      </p:cxnSp>
+      <p:cxnSp>
+        <p:nvCxnSpPr>
+          <p:cNvPr id="63" name="Straight Arrow Connector 62">
+            <a:extLst>
+              <a:ext uri="{FF2B5EF4-FFF2-40B4-BE49-F238E27FC236}">
+                <a16:creationId xmlns:a16="http://schemas.microsoft.com/office/drawing/2014/main" id="{7BF8E275-6F13-BFFA-3CCA-8A0BDAF8ABFD}"/>
+              </a:ext>
+            </a:extLst>
+          </p:cNvPr>
+          <p:cNvCxnSpPr>
+            <a:cxnSpLocks/>
+            <a:stCxn id="59" idx="0"/>
+          </p:cNvCxnSpPr>
+          <p:nvPr/>
+        </p:nvCxnSpPr>
+        <p:spPr>
+          <a:xfrm flipV="1">
+            <a:off x="6165574" y="4351681"/>
+            <a:ext cx="0" cy="926134"/>
+          </a:xfrm>
+          <a:prstGeom prst="straightConnector1">
+            <a:avLst/>
+          </a:prstGeom>
+          <a:ln w="28575">
+            <a:solidFill>
+              <a:schemeClr val="tx1">
+                <a:lumMod val="50000"/>
+                <a:lumOff val="50000"/>
+              </a:schemeClr>
+            </a:solidFill>
+            <a:tailEnd type="triangle"/>
+          </a:ln>
+        </p:spPr>
+        <p:style>
+          <a:lnRef idx="1">
+            <a:schemeClr val="dk1"/>
+          </a:lnRef>
+          <a:fillRef idx="0">
+            <a:schemeClr val="dk1"/>
+          </a:fillRef>
+          <a:effectRef idx="0">
+            <a:schemeClr val="dk1"/>
+          </a:effectRef>
+          <a:fontRef idx="minor">
+            <a:schemeClr val="tx1"/>
+          </a:fontRef>
+        </p:style>
+      </p:cxnSp>
+      <p:cxnSp>
+        <p:nvCxnSpPr>
+          <p:cNvPr id="64" name="Straight Arrow Connector 63">
+            <a:extLst>
+              <a:ext uri="{FF2B5EF4-FFF2-40B4-BE49-F238E27FC236}">
+                <a16:creationId xmlns:a16="http://schemas.microsoft.com/office/drawing/2014/main" id="{CF90C89A-EE9F-8225-ADF6-E7992BA83043}"/>
+              </a:ext>
+            </a:extLst>
+          </p:cNvPr>
+          <p:cNvCxnSpPr>
+            <a:cxnSpLocks/>
+            <a:stCxn id="60" idx="0"/>
+          </p:cNvCxnSpPr>
+          <p:nvPr/>
+        </p:nvCxnSpPr>
+        <p:spPr>
+          <a:xfrm flipV="1">
+            <a:off x="8100391" y="4351681"/>
+            <a:ext cx="0" cy="926133"/>
+          </a:xfrm>
+          <a:prstGeom prst="straightConnector1">
+            <a:avLst/>
+          </a:prstGeom>
+          <a:ln w="28575">
+            <a:solidFill>
+              <a:schemeClr val="tx1">
+                <a:lumMod val="50000"/>
+                <a:lumOff val="50000"/>
+              </a:schemeClr>
+            </a:solidFill>
+            <a:tailEnd type="triangle"/>
+          </a:ln>
+        </p:spPr>
+        <p:style>
+          <a:lnRef idx="1">
+            <a:schemeClr val="dk1"/>
+          </a:lnRef>
+          <a:fillRef idx="0">
+            <a:schemeClr val="dk1"/>
+          </a:fillRef>
+          <a:effectRef idx="0">
+            <a:schemeClr val="dk1"/>
+          </a:effectRef>
+          <a:fontRef idx="minor">
+            <a:schemeClr val="tx1"/>
+          </a:fontRef>
+        </p:style>
+      </p:cxnSp>
+      <p:sp>
+        <p:nvSpPr>
+          <p:cNvPr id="65" name="TextBox 64">
+            <a:extLst>
+              <a:ext uri="{FF2B5EF4-FFF2-40B4-BE49-F238E27FC236}">
+                <a16:creationId xmlns:a16="http://schemas.microsoft.com/office/drawing/2014/main" id="{08BF5A28-3690-040E-2895-9E03FB055135}"/>
+              </a:ext>
+            </a:extLst>
+          </p:cNvPr>
+          <p:cNvSpPr txBox="1"/>
+          <p:nvPr/>
+        </p:nvSpPr>
+        <p:spPr>
+          <a:xfrm>
+            <a:off x="9467764" y="2564007"/>
+            <a:ext cx="1134889" cy="646331"/>
+          </a:xfrm>
+          <a:prstGeom prst="rect">
+            <a:avLst/>
+          </a:prstGeom>
+          <a:noFill/>
+          <a:ln>
+            <a:noFill/>
+          </a:ln>
+        </p:spPr>
+        <p:txBody>
+          <a:bodyPr wrap="square" rtlCol="0">
+            <a:spAutoFit/>
+          </a:bodyPr>
+          <a:lstStyle/>
+          <a:p>
+            <a:pPr algn="ctr"/>
+            <a:r>
+              <a:rPr lang="en-US" dirty="0"/>
+              <a:t>Contexts of use</a:t>
+            </a:r>
+          </a:p>
+        </p:txBody>
+      </p:sp>
+      <p:cxnSp>
+        <p:nvCxnSpPr>
+          <p:cNvPr id="66" name="Straight Arrow Connector 65">
+            <a:extLst>
+              <a:ext uri="{FF2B5EF4-FFF2-40B4-BE49-F238E27FC236}">
+                <a16:creationId xmlns:a16="http://schemas.microsoft.com/office/drawing/2014/main" id="{2E734EFD-06EA-8BBD-519C-9521DCFBA7D7}"/>
+              </a:ext>
+            </a:extLst>
+          </p:cNvPr>
+          <p:cNvCxnSpPr>
+            <a:cxnSpLocks/>
+          </p:cNvCxnSpPr>
+          <p:nvPr/>
+        </p:nvCxnSpPr>
+        <p:spPr>
+          <a:xfrm flipH="1" flipV="1">
+            <a:off x="8497957" y="2636423"/>
+            <a:ext cx="1022073" cy="14356"/>
+          </a:xfrm>
+          <a:prstGeom prst="straightConnector1">
+            <a:avLst/>
+          </a:prstGeom>
+          <a:ln w="28575">
+            <a:solidFill>
+              <a:schemeClr val="tx1">
+                <a:lumMod val="50000"/>
+                <a:lumOff val="50000"/>
+              </a:schemeClr>
+            </a:solidFill>
+            <a:tailEnd type="triangle"/>
+          </a:ln>
+        </p:spPr>
+        <p:style>
+          <a:lnRef idx="1">
+            <a:schemeClr val="dk1"/>
+          </a:lnRef>
+          <a:fillRef idx="0">
+            <a:schemeClr val="dk1"/>
+          </a:fillRef>
+          <a:effectRef idx="0">
+            <a:schemeClr val="dk1"/>
+          </a:effectRef>
+          <a:fontRef idx="minor">
+            <a:schemeClr val="tx1"/>
+          </a:fontRef>
+        </p:style>
+      </p:cxnSp>
+      <p:cxnSp>
+        <p:nvCxnSpPr>
+          <p:cNvPr id="69" name="Straight Arrow Connector 68">
+            <a:extLst>
+              <a:ext uri="{FF2B5EF4-FFF2-40B4-BE49-F238E27FC236}">
+                <a16:creationId xmlns:a16="http://schemas.microsoft.com/office/drawing/2014/main" id="{CE6E49EF-154B-E4DB-DB0A-7F27E8858685}"/>
+              </a:ext>
+            </a:extLst>
+          </p:cNvPr>
+          <p:cNvCxnSpPr>
+            <a:cxnSpLocks/>
+          </p:cNvCxnSpPr>
+          <p:nvPr/>
+        </p:nvCxnSpPr>
+        <p:spPr>
+          <a:xfrm flipH="1">
+            <a:off x="8905461" y="2882692"/>
+            <a:ext cx="614568" cy="0"/>
+          </a:xfrm>
+          <a:prstGeom prst="straightConnector1">
+            <a:avLst/>
+          </a:prstGeom>
+          <a:ln w="28575">
+            <a:solidFill>
+              <a:schemeClr val="tx1">
+                <a:lumMod val="50000"/>
+                <a:lumOff val="50000"/>
+              </a:schemeClr>
+            </a:solidFill>
+            <a:tailEnd type="triangle"/>
+          </a:ln>
+        </p:spPr>
+        <p:style>
+          <a:lnRef idx="1">
+            <a:schemeClr val="dk1"/>
+          </a:lnRef>
+          <a:fillRef idx="0">
+            <a:schemeClr val="dk1"/>
+          </a:fillRef>
+          <a:effectRef idx="0">
+            <a:schemeClr val="dk1"/>
+          </a:effectRef>
+          <a:fontRef idx="minor">
+            <a:schemeClr val="tx1"/>
+          </a:fontRef>
+        </p:style>
+      </p:cxnSp>
+      <p:cxnSp>
+        <p:nvCxnSpPr>
+          <p:cNvPr id="71" name="Straight Arrow Connector 70">
+            <a:extLst>
+              <a:ext uri="{FF2B5EF4-FFF2-40B4-BE49-F238E27FC236}">
+                <a16:creationId xmlns:a16="http://schemas.microsoft.com/office/drawing/2014/main" id="{C49CDF53-2EDA-BE1F-9D8C-11F8C33420CF}"/>
+              </a:ext>
+            </a:extLst>
+          </p:cNvPr>
+          <p:cNvCxnSpPr>
+            <a:cxnSpLocks/>
+          </p:cNvCxnSpPr>
+          <p:nvPr/>
+        </p:nvCxnSpPr>
+        <p:spPr>
+          <a:xfrm flipH="1">
+            <a:off x="9250017" y="3088106"/>
+            <a:ext cx="270012" cy="0"/>
+          </a:xfrm>
+          <a:prstGeom prst="straightConnector1">
+            <a:avLst/>
+          </a:prstGeom>
+          <a:ln w="28575">
+            <a:solidFill>
+              <a:schemeClr val="tx1">
+                <a:lumMod val="50000"/>
+                <a:lumOff val="50000"/>
+              </a:schemeClr>
+            </a:solidFill>
+            <a:tailEnd type="triangle"/>
+          </a:ln>
+        </p:spPr>
+        <p:style>
+          <a:lnRef idx="1">
+            <a:schemeClr val="dk1"/>
+          </a:lnRef>
+          <a:fillRef idx="0">
+            <a:schemeClr val="dk1"/>
+          </a:fillRef>
+          <a:effectRef idx="0">
+            <a:schemeClr val="dk1"/>
+          </a:effectRef>
+          <a:fontRef idx="minor">
+            <a:schemeClr val="tx1"/>
+          </a:fontRef>
+        </p:style>
+      </p:cxnSp>
+      <p:sp>
+        <p:nvSpPr>
+          <p:cNvPr id="79" name="TextBox 78">
+            <a:extLst>
+              <a:ext uri="{FF2B5EF4-FFF2-40B4-BE49-F238E27FC236}">
+                <a16:creationId xmlns:a16="http://schemas.microsoft.com/office/drawing/2014/main" id="{C40C33D1-99C0-61B3-F615-4D0470C23613}"/>
+              </a:ext>
+            </a:extLst>
+          </p:cNvPr>
+          <p:cNvSpPr txBox="1"/>
+          <p:nvPr/>
+        </p:nvSpPr>
+        <p:spPr>
+          <a:xfrm>
+            <a:off x="1815134" y="2025820"/>
+            <a:ext cx="1617800" cy="307777"/>
+          </a:xfrm>
+          <a:prstGeom prst="rect">
+            <a:avLst/>
+          </a:prstGeom>
+          <a:noFill/>
+          <a:ln>
+            <a:noFill/>
+          </a:ln>
+        </p:spPr>
+        <p:txBody>
+          <a:bodyPr wrap="square" rtlCol="0">
+            <a:spAutoFit/>
+          </a:bodyPr>
+          <a:lstStyle/>
+          <a:p>
+            <a:pPr algn="ctr"/>
+            <a:r>
+              <a:rPr lang="en-US" sz="1400" dirty="0"/>
+              <a:t>Influences</a:t>
+            </a:r>
+          </a:p>
+        </p:txBody>
+      </p:sp>
+      <p:sp>
+        <p:nvSpPr>
+          <p:cNvPr id="80" name="TextBox 79">
+            <a:extLst>
+              <a:ext uri="{FF2B5EF4-FFF2-40B4-BE49-F238E27FC236}">
+                <a16:creationId xmlns:a16="http://schemas.microsoft.com/office/drawing/2014/main" id="{56EB2C21-E5B9-39AB-381D-E74351A8A8D4}"/>
+              </a:ext>
+            </a:extLst>
+          </p:cNvPr>
+          <p:cNvSpPr txBox="1"/>
+          <p:nvPr/>
+        </p:nvSpPr>
+        <p:spPr>
+          <a:xfrm>
+            <a:off x="3633376" y="2040873"/>
+            <a:ext cx="1617800" cy="307777"/>
+          </a:xfrm>
+          <a:prstGeom prst="rect">
+            <a:avLst/>
+          </a:prstGeom>
+          <a:noFill/>
+          <a:ln>
+            <a:noFill/>
+          </a:ln>
+        </p:spPr>
+        <p:txBody>
+          <a:bodyPr wrap="square" rtlCol="0">
+            <a:spAutoFit/>
+          </a:bodyPr>
+          <a:lstStyle/>
+          <a:p>
+            <a:pPr algn="ctr"/>
+            <a:r>
+              <a:rPr lang="en-US" sz="1400" dirty="0"/>
+              <a:t>Influences</a:t>
+            </a:r>
+          </a:p>
+        </p:txBody>
+      </p:sp>
+      <p:sp>
+        <p:nvSpPr>
+          <p:cNvPr id="81" name="TextBox 80">
+            <a:extLst>
+              <a:ext uri="{FF2B5EF4-FFF2-40B4-BE49-F238E27FC236}">
+                <a16:creationId xmlns:a16="http://schemas.microsoft.com/office/drawing/2014/main" id="{095BE16D-8485-462F-7BEB-CC4DCB5E3382}"/>
+              </a:ext>
+            </a:extLst>
+          </p:cNvPr>
+          <p:cNvSpPr txBox="1"/>
+          <p:nvPr/>
+        </p:nvSpPr>
+        <p:spPr>
+          <a:xfrm>
+            <a:off x="5616234" y="2054211"/>
+            <a:ext cx="1617800" cy="307777"/>
+          </a:xfrm>
+          <a:prstGeom prst="rect">
+            <a:avLst/>
+          </a:prstGeom>
+          <a:noFill/>
+          <a:ln>
+            <a:noFill/>
+          </a:ln>
+        </p:spPr>
+        <p:txBody>
+          <a:bodyPr wrap="square" rtlCol="0">
+            <a:spAutoFit/>
+          </a:bodyPr>
+          <a:lstStyle/>
+          <a:p>
+            <a:pPr algn="ctr"/>
+            <a:r>
+              <a:rPr lang="en-US" sz="1400" dirty="0"/>
+              <a:t>Influences</a:t>
+            </a:r>
+          </a:p>
+        </p:txBody>
+      </p:sp>
+      <p:sp>
+        <p:nvSpPr>
+          <p:cNvPr id="82" name="TextBox 81">
+            <a:extLst>
+              <a:ext uri="{FF2B5EF4-FFF2-40B4-BE49-F238E27FC236}">
+                <a16:creationId xmlns:a16="http://schemas.microsoft.com/office/drawing/2014/main" id="{DB5E8797-2EB5-C58A-8656-B7B47EFC7A44}"/>
+              </a:ext>
+            </a:extLst>
+          </p:cNvPr>
+          <p:cNvSpPr txBox="1"/>
+          <p:nvPr/>
+        </p:nvSpPr>
+        <p:spPr>
+          <a:xfrm>
+            <a:off x="6624503" y="4351681"/>
+            <a:ext cx="1029174" cy="523220"/>
+          </a:xfrm>
+          <a:prstGeom prst="rect">
+            <a:avLst/>
+          </a:prstGeom>
+          <a:noFill/>
+          <a:ln>
+            <a:noFill/>
+          </a:ln>
+        </p:spPr>
+        <p:txBody>
+          <a:bodyPr wrap="square" rtlCol="0">
+            <a:spAutoFit/>
+          </a:bodyPr>
+          <a:lstStyle/>
+          <a:p>
+            <a:pPr algn="ctr"/>
+            <a:r>
+              <a:rPr lang="en-US" sz="1400" dirty="0"/>
+              <a:t>Depends on</a:t>
+            </a:r>
+          </a:p>
+        </p:txBody>
+      </p:sp>
+      <p:sp>
+        <p:nvSpPr>
+          <p:cNvPr id="83" name="TextBox 82">
+            <a:extLst>
+              <a:ext uri="{FF2B5EF4-FFF2-40B4-BE49-F238E27FC236}">
+                <a16:creationId xmlns:a16="http://schemas.microsoft.com/office/drawing/2014/main" id="{D795A632-73DE-38D1-C696-1CA7F854DA24}"/>
+              </a:ext>
+            </a:extLst>
+          </p:cNvPr>
+          <p:cNvSpPr txBox="1"/>
+          <p:nvPr/>
+        </p:nvSpPr>
+        <p:spPr>
+          <a:xfrm>
+            <a:off x="4707030" y="4351681"/>
+            <a:ext cx="1029174" cy="523220"/>
+          </a:xfrm>
+          <a:prstGeom prst="rect">
+            <a:avLst/>
+          </a:prstGeom>
+          <a:noFill/>
+          <a:ln>
+            <a:noFill/>
+          </a:ln>
+        </p:spPr>
+        <p:txBody>
+          <a:bodyPr wrap="square" rtlCol="0">
+            <a:spAutoFit/>
+          </a:bodyPr>
+          <a:lstStyle/>
+          <a:p>
+            <a:pPr algn="ctr"/>
+            <a:r>
+              <a:rPr lang="en-US" sz="1400" dirty="0"/>
+              <a:t>Depends on</a:t>
+            </a:r>
+          </a:p>
+        </p:txBody>
+      </p:sp>
+      <p:sp>
+        <p:nvSpPr>
+          <p:cNvPr id="84" name="TextBox 83">
+            <a:extLst>
+              <a:ext uri="{FF2B5EF4-FFF2-40B4-BE49-F238E27FC236}">
+                <a16:creationId xmlns:a16="http://schemas.microsoft.com/office/drawing/2014/main" id="{BE7A6612-15A1-B2EA-4F29-D709F8E97B9C}"/>
+              </a:ext>
+            </a:extLst>
+          </p:cNvPr>
+          <p:cNvSpPr txBox="1"/>
+          <p:nvPr/>
+        </p:nvSpPr>
+        <p:spPr>
+          <a:xfrm>
+            <a:off x="2752091" y="4351681"/>
+            <a:ext cx="1029174" cy="523220"/>
+          </a:xfrm>
+          <a:prstGeom prst="rect">
+            <a:avLst/>
+          </a:prstGeom>
+          <a:noFill/>
+          <a:ln>
+            <a:noFill/>
+          </a:ln>
+        </p:spPr>
+        <p:txBody>
+          <a:bodyPr wrap="square" rtlCol="0">
+            <a:spAutoFit/>
+          </a:bodyPr>
+          <a:lstStyle/>
+          <a:p>
+            <a:pPr algn="ctr"/>
+            <a:r>
+              <a:rPr lang="en-US" sz="1400" dirty="0"/>
+              <a:t>Depends on</a:t>
+            </a:r>
+          </a:p>
+        </p:txBody>
+      </p:sp>
+    </p:spTree>
+    <p:extLst>
+      <p:ext uri="{BB962C8B-B14F-4D97-AF65-F5344CB8AC3E}">
+        <p14:creationId xmlns:p14="http://schemas.microsoft.com/office/powerpoint/2010/main" val="2364602121"/>
       </p:ext>
     </p:extLst>
   </p:cSld>

--- a/images/graphics.pptx
+++ b/images/graphics.pptx
@@ -16,6 +16,9 @@
     <p:sldId id="264" r:id="rId10"/>
     <p:sldId id="266" r:id="rId11"/>
     <p:sldId id="267" r:id="rId12"/>
+    <p:sldId id="269" r:id="rId13"/>
+    <p:sldId id="270" r:id="rId14"/>
+    <p:sldId id="271" r:id="rId15"/>
   </p:sldIdLst>
   <p:sldSz cx="12192000" cy="6858000"/>
   <p:notesSz cx="6858000" cy="9144000"/>
@@ -271,7 +274,7 @@
           <a:p>
             <a:fld id="{E9175749-BE88-2442-8D84-DEA4B15C26FA}" type="datetimeFigureOut">
               <a:rPr lang="en-US" smtClean="0"/>
-              <a:t>9/25/23</a:t>
+              <a:t>11/2/23</a:t>
             </a:fld>
             <a:endParaRPr lang="en-US"/>
           </a:p>
@@ -471,7 +474,7 @@
           <a:p>
             <a:fld id="{E9175749-BE88-2442-8D84-DEA4B15C26FA}" type="datetimeFigureOut">
               <a:rPr lang="en-US" smtClean="0"/>
-              <a:t>9/25/23</a:t>
+              <a:t>11/2/23</a:t>
             </a:fld>
             <a:endParaRPr lang="en-US"/>
           </a:p>
@@ -681,7 +684,7 @@
           <a:p>
             <a:fld id="{E9175749-BE88-2442-8D84-DEA4B15C26FA}" type="datetimeFigureOut">
               <a:rPr lang="en-US" smtClean="0"/>
-              <a:t>9/25/23</a:t>
+              <a:t>11/2/23</a:t>
             </a:fld>
             <a:endParaRPr lang="en-US"/>
           </a:p>
@@ -881,7 +884,7 @@
           <a:p>
             <a:fld id="{E9175749-BE88-2442-8D84-DEA4B15C26FA}" type="datetimeFigureOut">
               <a:rPr lang="en-US" smtClean="0"/>
-              <a:t>9/25/23</a:t>
+              <a:t>11/2/23</a:t>
             </a:fld>
             <a:endParaRPr lang="en-US"/>
           </a:p>
@@ -1157,7 +1160,7 @@
           <a:p>
             <a:fld id="{E9175749-BE88-2442-8D84-DEA4B15C26FA}" type="datetimeFigureOut">
               <a:rPr lang="en-US" smtClean="0"/>
-              <a:t>9/25/23</a:t>
+              <a:t>11/2/23</a:t>
             </a:fld>
             <a:endParaRPr lang="en-US"/>
           </a:p>
@@ -1425,7 +1428,7 @@
           <a:p>
             <a:fld id="{E9175749-BE88-2442-8D84-DEA4B15C26FA}" type="datetimeFigureOut">
               <a:rPr lang="en-US" smtClean="0"/>
-              <a:t>9/25/23</a:t>
+              <a:t>11/2/23</a:t>
             </a:fld>
             <a:endParaRPr lang="en-US"/>
           </a:p>
@@ -1840,7 +1843,7 @@
           <a:p>
             <a:fld id="{E9175749-BE88-2442-8D84-DEA4B15C26FA}" type="datetimeFigureOut">
               <a:rPr lang="en-US" smtClean="0"/>
-              <a:t>9/25/23</a:t>
+              <a:t>11/2/23</a:t>
             </a:fld>
             <a:endParaRPr lang="en-US"/>
           </a:p>
@@ -1982,7 +1985,7 @@
           <a:p>
             <a:fld id="{E9175749-BE88-2442-8D84-DEA4B15C26FA}" type="datetimeFigureOut">
               <a:rPr lang="en-US" smtClean="0"/>
-              <a:t>9/25/23</a:t>
+              <a:t>11/2/23</a:t>
             </a:fld>
             <a:endParaRPr lang="en-US"/>
           </a:p>
@@ -2095,7 +2098,7 @@
           <a:p>
             <a:fld id="{E9175749-BE88-2442-8D84-DEA4B15C26FA}" type="datetimeFigureOut">
               <a:rPr lang="en-US" smtClean="0"/>
-              <a:t>9/25/23</a:t>
+              <a:t>11/2/23</a:t>
             </a:fld>
             <a:endParaRPr lang="en-US"/>
           </a:p>
@@ -2408,7 +2411,7 @@
           <a:p>
             <a:fld id="{E9175749-BE88-2442-8D84-DEA4B15C26FA}" type="datetimeFigureOut">
               <a:rPr lang="en-US" smtClean="0"/>
-              <a:t>9/25/23</a:t>
+              <a:t>11/2/23</a:t>
             </a:fld>
             <a:endParaRPr lang="en-US"/>
           </a:p>
@@ -2697,7 +2700,7 @@
           <a:p>
             <a:fld id="{E9175749-BE88-2442-8D84-DEA4B15C26FA}" type="datetimeFigureOut">
               <a:rPr lang="en-US" smtClean="0"/>
-              <a:t>9/25/23</a:t>
+              <a:t>11/2/23</a:t>
             </a:fld>
             <a:endParaRPr lang="en-US"/>
           </a:p>
@@ -2940,7 +2943,7 @@
           <a:p>
             <a:fld id="{E9175749-BE88-2442-8D84-DEA4B15C26FA}" type="datetimeFigureOut">
               <a:rPr lang="en-US" smtClean="0"/>
-              <a:t>9/25/23</a:t>
+              <a:t>11/2/23</a:t>
             </a:fld>
             <a:endParaRPr lang="en-US"/>
           </a:p>
@@ -6547,6 +6550,3119 @@
 </p:sld>
 </file>
 
+<file path=ppt/slides/slide12.xml><?xml version="1.0" encoding="utf-8"?>
+<p:sld xmlns:a="http://schemas.openxmlformats.org/drawingml/2006/main" xmlns:r="http://schemas.openxmlformats.org/officeDocument/2006/relationships" xmlns:p="http://schemas.openxmlformats.org/presentationml/2006/main">
+  <p:cSld>
+    <p:spTree>
+      <p:nvGrpSpPr>
+        <p:cNvPr id="1" name=""/>
+        <p:cNvGrpSpPr/>
+        <p:nvPr/>
+      </p:nvGrpSpPr>
+      <p:grpSpPr>
+        <a:xfrm>
+          <a:off x="0" y="0"/>
+          <a:ext cx="0" cy="0"/>
+          <a:chOff x="0" y="0"/>
+          <a:chExt cx="0" cy="0"/>
+        </a:xfrm>
+      </p:grpSpPr>
+      <p:sp>
+        <p:nvSpPr>
+          <p:cNvPr id="22" name="Can 21">
+            <a:extLst>
+              <a:ext uri="{FF2B5EF4-FFF2-40B4-BE49-F238E27FC236}">
+                <a16:creationId xmlns:a16="http://schemas.microsoft.com/office/drawing/2014/main" id="{C70D7D0C-EE50-A03C-DB88-7E54C3468EFB}"/>
+              </a:ext>
+            </a:extLst>
+          </p:cNvPr>
+          <p:cNvSpPr/>
+          <p:nvPr/>
+        </p:nvSpPr>
+        <p:spPr>
+          <a:xfrm>
+            <a:off x="6756400" y="1039364"/>
+            <a:ext cx="4991100" cy="4805870"/>
+          </a:xfrm>
+          <a:prstGeom prst="can">
+            <a:avLst>
+              <a:gd name="adj" fmla="val 12580"/>
+            </a:avLst>
+          </a:prstGeom>
+          <a:ln w="28575"/>
+        </p:spPr>
+        <p:style>
+          <a:lnRef idx="2">
+            <a:schemeClr val="accent6"/>
+          </a:lnRef>
+          <a:fillRef idx="1">
+            <a:schemeClr val="lt1"/>
+          </a:fillRef>
+          <a:effectRef idx="0">
+            <a:schemeClr val="accent6"/>
+          </a:effectRef>
+          <a:fontRef idx="minor">
+            <a:schemeClr val="dk1"/>
+          </a:fontRef>
+        </p:style>
+        <p:txBody>
+          <a:bodyPr rtlCol="0" anchor="ctr"/>
+          <a:lstStyle/>
+          <a:p>
+            <a:pPr algn="ctr"/>
+            <a:endParaRPr lang="en-US"/>
+          </a:p>
+        </p:txBody>
+      </p:sp>
+      <p:sp>
+        <p:nvSpPr>
+          <p:cNvPr id="52" name="Rectangle 51">
+            <a:extLst>
+              <a:ext uri="{FF2B5EF4-FFF2-40B4-BE49-F238E27FC236}">
+                <a16:creationId xmlns:a16="http://schemas.microsoft.com/office/drawing/2014/main" id="{98B7CC86-221D-1B16-358B-E463003391FF}"/>
+              </a:ext>
+            </a:extLst>
+          </p:cNvPr>
+          <p:cNvSpPr/>
+          <p:nvPr/>
+        </p:nvSpPr>
+        <p:spPr>
+          <a:xfrm>
+            <a:off x="7279159" y="4903587"/>
+            <a:ext cx="3952303" cy="594355"/>
+          </a:xfrm>
+          <a:prstGeom prst="rect">
+            <a:avLst/>
+          </a:prstGeom>
+          <a:solidFill>
+            <a:schemeClr val="accent4">
+              <a:lumMod val="20000"/>
+              <a:lumOff val="80000"/>
+            </a:schemeClr>
+          </a:solidFill>
+          <a:ln>
+            <a:noFill/>
+          </a:ln>
+        </p:spPr>
+        <p:style>
+          <a:lnRef idx="2">
+            <a:schemeClr val="accent1">
+              <a:shade val="15000"/>
+            </a:schemeClr>
+          </a:lnRef>
+          <a:fillRef idx="1">
+            <a:schemeClr val="accent1"/>
+          </a:fillRef>
+          <a:effectRef idx="0">
+            <a:schemeClr val="accent1"/>
+          </a:effectRef>
+          <a:fontRef idx="minor">
+            <a:schemeClr val="lt1"/>
+          </a:fontRef>
+        </p:style>
+        <p:txBody>
+          <a:bodyPr rtlCol="0" anchor="ctr"/>
+          <a:lstStyle/>
+          <a:p>
+            <a:pPr algn="ctr"/>
+            <a:endParaRPr lang="en-US"/>
+          </a:p>
+        </p:txBody>
+      </p:sp>
+      <p:sp>
+        <p:nvSpPr>
+          <p:cNvPr id="51" name="Rectangle 50">
+            <a:extLst>
+              <a:ext uri="{FF2B5EF4-FFF2-40B4-BE49-F238E27FC236}">
+                <a16:creationId xmlns:a16="http://schemas.microsoft.com/office/drawing/2014/main" id="{5641C629-1E91-9659-FC18-1FE94FADB729}"/>
+              </a:ext>
+            </a:extLst>
+          </p:cNvPr>
+          <p:cNvSpPr/>
+          <p:nvPr/>
+        </p:nvSpPr>
+        <p:spPr>
+          <a:xfrm>
+            <a:off x="7272437" y="3671047"/>
+            <a:ext cx="3955469" cy="1207255"/>
+          </a:xfrm>
+          <a:prstGeom prst="rect">
+            <a:avLst/>
+          </a:prstGeom>
+          <a:solidFill>
+            <a:schemeClr val="accent4">
+              <a:lumMod val="40000"/>
+              <a:lumOff val="60000"/>
+            </a:schemeClr>
+          </a:solidFill>
+          <a:ln>
+            <a:noFill/>
+          </a:ln>
+        </p:spPr>
+        <p:style>
+          <a:lnRef idx="2">
+            <a:schemeClr val="accent1">
+              <a:shade val="15000"/>
+            </a:schemeClr>
+          </a:lnRef>
+          <a:fillRef idx="1">
+            <a:schemeClr val="accent1"/>
+          </a:fillRef>
+          <a:effectRef idx="0">
+            <a:schemeClr val="accent1"/>
+          </a:effectRef>
+          <a:fontRef idx="minor">
+            <a:schemeClr val="lt1"/>
+          </a:fontRef>
+        </p:style>
+        <p:txBody>
+          <a:bodyPr rtlCol="0" anchor="ctr"/>
+          <a:lstStyle/>
+          <a:p>
+            <a:pPr algn="ctr"/>
+            <a:endParaRPr lang="en-US"/>
+          </a:p>
+        </p:txBody>
+      </p:sp>
+      <p:sp>
+        <p:nvSpPr>
+          <p:cNvPr id="28" name="Rectangle 27">
+            <a:extLst>
+              <a:ext uri="{FF2B5EF4-FFF2-40B4-BE49-F238E27FC236}">
+                <a16:creationId xmlns:a16="http://schemas.microsoft.com/office/drawing/2014/main" id="{F38A4E1C-355A-052E-39B7-C4678E13A8EC}"/>
+              </a:ext>
+            </a:extLst>
+          </p:cNvPr>
+          <p:cNvSpPr/>
+          <p:nvPr/>
+        </p:nvSpPr>
+        <p:spPr>
+          <a:xfrm>
+            <a:off x="7774037" y="2571756"/>
+            <a:ext cx="2962547" cy="297329"/>
+          </a:xfrm>
+          <a:prstGeom prst="rect">
+            <a:avLst/>
+          </a:prstGeom>
+          <a:solidFill>
+            <a:schemeClr val="accent4">
+              <a:lumMod val="20000"/>
+              <a:lumOff val="80000"/>
+            </a:schemeClr>
+          </a:solidFill>
+          <a:ln/>
+        </p:spPr>
+        <p:style>
+          <a:lnRef idx="1">
+            <a:schemeClr val="accent4"/>
+          </a:lnRef>
+          <a:fillRef idx="2">
+            <a:schemeClr val="accent4"/>
+          </a:fillRef>
+          <a:effectRef idx="1">
+            <a:schemeClr val="accent4"/>
+          </a:effectRef>
+          <a:fontRef idx="minor">
+            <a:schemeClr val="dk1"/>
+          </a:fontRef>
+        </p:style>
+        <p:txBody>
+          <a:bodyPr rtlCol="0" anchor="ctr"/>
+          <a:lstStyle/>
+          <a:p>
+            <a:pPr algn="ctr"/>
+            <a:endParaRPr lang="en-US"/>
+          </a:p>
+        </p:txBody>
+      </p:sp>
+      <p:sp>
+        <p:nvSpPr>
+          <p:cNvPr id="27" name="Rectangle 26">
+            <a:extLst>
+              <a:ext uri="{FF2B5EF4-FFF2-40B4-BE49-F238E27FC236}">
+                <a16:creationId xmlns:a16="http://schemas.microsoft.com/office/drawing/2014/main" id="{660EDAFF-FB8F-6D92-6E72-8B068CFE17CE}"/>
+              </a:ext>
+            </a:extLst>
+          </p:cNvPr>
+          <p:cNvSpPr/>
+          <p:nvPr/>
+        </p:nvSpPr>
+        <p:spPr>
+          <a:xfrm>
+            <a:off x="7767316" y="2259124"/>
+            <a:ext cx="2969268" cy="297329"/>
+          </a:xfrm>
+          <a:prstGeom prst="rect">
+            <a:avLst/>
+          </a:prstGeom>
+          <a:solidFill>
+            <a:schemeClr val="accent4">
+              <a:lumMod val="40000"/>
+              <a:lumOff val="60000"/>
+            </a:schemeClr>
+          </a:solidFill>
+          <a:ln>
+            <a:noFill/>
+          </a:ln>
+        </p:spPr>
+        <p:style>
+          <a:lnRef idx="2">
+            <a:schemeClr val="accent1">
+              <a:shade val="15000"/>
+            </a:schemeClr>
+          </a:lnRef>
+          <a:fillRef idx="1">
+            <a:schemeClr val="accent1"/>
+          </a:fillRef>
+          <a:effectRef idx="0">
+            <a:schemeClr val="accent1"/>
+          </a:effectRef>
+          <a:fontRef idx="minor">
+            <a:schemeClr val="lt1"/>
+          </a:fontRef>
+        </p:style>
+        <p:txBody>
+          <a:bodyPr rtlCol="0" anchor="ctr"/>
+          <a:lstStyle/>
+          <a:p>
+            <a:pPr algn="ctr"/>
+            <a:endParaRPr lang="en-US"/>
+          </a:p>
+        </p:txBody>
+      </p:sp>
+      <p:sp>
+        <p:nvSpPr>
+          <p:cNvPr id="2" name="Rectangle 1">
+            <a:extLst>
+              <a:ext uri="{FF2B5EF4-FFF2-40B4-BE49-F238E27FC236}">
+                <a16:creationId xmlns:a16="http://schemas.microsoft.com/office/drawing/2014/main" id="{F5357A41-50D2-F87C-89B4-6627AE062116}"/>
+              </a:ext>
+            </a:extLst>
+          </p:cNvPr>
+          <p:cNvSpPr/>
+          <p:nvPr/>
+        </p:nvSpPr>
+        <p:spPr>
+          <a:xfrm>
+            <a:off x="710390" y="603115"/>
+            <a:ext cx="3677056" cy="5885234"/>
+          </a:xfrm>
+          <a:prstGeom prst="rect">
+            <a:avLst/>
+          </a:prstGeom>
+          <a:ln w="28575"/>
+        </p:spPr>
+        <p:style>
+          <a:lnRef idx="2">
+            <a:schemeClr val="accent1"/>
+          </a:lnRef>
+          <a:fillRef idx="1">
+            <a:schemeClr val="lt1"/>
+          </a:fillRef>
+          <a:effectRef idx="0">
+            <a:schemeClr val="accent1"/>
+          </a:effectRef>
+          <a:fontRef idx="minor">
+            <a:schemeClr val="dk1"/>
+          </a:fontRef>
+        </p:style>
+        <p:txBody>
+          <a:bodyPr rtlCol="0" anchor="t" anchorCtr="0"/>
+          <a:lstStyle/>
+          <a:p>
+            <a:pPr algn="ctr"/>
+            <a:r>
+              <a:rPr lang="en-US" dirty="0"/>
+              <a:t>Class A</a:t>
+            </a:r>
+          </a:p>
+        </p:txBody>
+      </p:sp>
+      <p:sp>
+        <p:nvSpPr>
+          <p:cNvPr id="3" name="Rounded Rectangle 2">
+            <a:extLst>
+              <a:ext uri="{FF2B5EF4-FFF2-40B4-BE49-F238E27FC236}">
+                <a16:creationId xmlns:a16="http://schemas.microsoft.com/office/drawing/2014/main" id="{9CC308CA-1CED-FFBC-BFB3-E2DF03EF71CF}"/>
+              </a:ext>
+            </a:extLst>
+          </p:cNvPr>
+          <p:cNvSpPr/>
+          <p:nvPr/>
+        </p:nvSpPr>
+        <p:spPr>
+          <a:xfrm>
+            <a:off x="1435101" y="1678021"/>
+            <a:ext cx="2227634" cy="1945532"/>
+          </a:xfrm>
+          <a:prstGeom prst="roundRect">
+            <a:avLst/>
+          </a:prstGeom>
+        </p:spPr>
+        <p:style>
+          <a:lnRef idx="1">
+            <a:schemeClr val="accent5"/>
+          </a:lnRef>
+          <a:fillRef idx="2">
+            <a:schemeClr val="accent5"/>
+          </a:fillRef>
+          <a:effectRef idx="1">
+            <a:schemeClr val="accent5"/>
+          </a:effectRef>
+          <a:fontRef idx="minor">
+            <a:schemeClr val="dk1"/>
+          </a:fontRef>
+        </p:style>
+        <p:txBody>
+          <a:bodyPr rtlCol="0" anchor="t" anchorCtr="0"/>
+          <a:lstStyle/>
+          <a:p>
+            <a:pPr algn="ctr"/>
+            <a:r>
+              <a:rPr lang="en-US" dirty="0"/>
+              <a:t>Object 1</a:t>
+            </a:r>
+          </a:p>
+        </p:txBody>
+      </p:sp>
+      <p:sp>
+        <p:nvSpPr>
+          <p:cNvPr id="4" name="Rounded Rectangle 3">
+            <a:extLst>
+              <a:ext uri="{FF2B5EF4-FFF2-40B4-BE49-F238E27FC236}">
+                <a16:creationId xmlns:a16="http://schemas.microsoft.com/office/drawing/2014/main" id="{724409F6-7649-D310-BEE3-CFBBD01314BD}"/>
+              </a:ext>
+            </a:extLst>
+          </p:cNvPr>
+          <p:cNvSpPr/>
+          <p:nvPr/>
+        </p:nvSpPr>
+        <p:spPr>
+          <a:xfrm>
+            <a:off x="1435101" y="4309353"/>
+            <a:ext cx="2227634" cy="1945532"/>
+          </a:xfrm>
+          <a:prstGeom prst="roundRect">
+            <a:avLst/>
+          </a:prstGeom>
+        </p:spPr>
+        <p:style>
+          <a:lnRef idx="1">
+            <a:schemeClr val="accent5"/>
+          </a:lnRef>
+          <a:fillRef idx="2">
+            <a:schemeClr val="accent5"/>
+          </a:fillRef>
+          <a:effectRef idx="1">
+            <a:schemeClr val="accent5"/>
+          </a:effectRef>
+          <a:fontRef idx="minor">
+            <a:schemeClr val="dk1"/>
+          </a:fontRef>
+        </p:style>
+        <p:txBody>
+          <a:bodyPr rtlCol="0" anchor="t" anchorCtr="0"/>
+          <a:lstStyle/>
+          <a:p>
+            <a:pPr algn="ctr"/>
+            <a:r>
+              <a:rPr lang="en-US" dirty="0"/>
+              <a:t>Object 2</a:t>
+            </a:r>
+          </a:p>
+        </p:txBody>
+      </p:sp>
+      <p:sp>
+        <p:nvSpPr>
+          <p:cNvPr id="5" name="Rectangle 4">
+            <a:extLst>
+              <a:ext uri="{FF2B5EF4-FFF2-40B4-BE49-F238E27FC236}">
+                <a16:creationId xmlns:a16="http://schemas.microsoft.com/office/drawing/2014/main" id="{DB915978-85CA-B91F-0118-9376D25373CC}"/>
+              </a:ext>
+            </a:extLst>
+          </p:cNvPr>
+          <p:cNvSpPr/>
+          <p:nvPr/>
+        </p:nvSpPr>
+        <p:spPr>
+          <a:xfrm>
+            <a:off x="710390" y="990599"/>
+            <a:ext cx="3677056" cy="5497749"/>
+          </a:xfrm>
+          <a:prstGeom prst="rect">
+            <a:avLst/>
+          </a:prstGeom>
+          <a:noFill/>
+          <a:ln w="28575"/>
+        </p:spPr>
+        <p:style>
+          <a:lnRef idx="2">
+            <a:schemeClr val="accent1"/>
+          </a:lnRef>
+          <a:fillRef idx="1">
+            <a:schemeClr val="lt1"/>
+          </a:fillRef>
+          <a:effectRef idx="0">
+            <a:schemeClr val="accent1"/>
+          </a:effectRef>
+          <a:fontRef idx="minor">
+            <a:schemeClr val="dk1"/>
+          </a:fontRef>
+        </p:style>
+        <p:txBody>
+          <a:bodyPr rtlCol="0" anchor="ctr"/>
+          <a:lstStyle/>
+          <a:p>
+            <a:pPr algn="ctr"/>
+            <a:endParaRPr lang="en-US"/>
+          </a:p>
+        </p:txBody>
+      </p:sp>
+      <p:sp>
+        <p:nvSpPr>
+          <p:cNvPr id="6" name="Rounded Rectangle 5">
+            <a:extLst>
+              <a:ext uri="{FF2B5EF4-FFF2-40B4-BE49-F238E27FC236}">
+                <a16:creationId xmlns:a16="http://schemas.microsoft.com/office/drawing/2014/main" id="{2F70C551-7877-1096-27F7-0CCC918191F7}"/>
+              </a:ext>
+            </a:extLst>
+          </p:cNvPr>
+          <p:cNvSpPr/>
+          <p:nvPr/>
+        </p:nvSpPr>
+        <p:spPr>
+          <a:xfrm>
+            <a:off x="2374900" y="2920189"/>
+            <a:ext cx="228600" cy="177800"/>
+          </a:xfrm>
+          <a:prstGeom prst="roundRect">
+            <a:avLst/>
+          </a:prstGeom>
+        </p:spPr>
+        <p:style>
+          <a:lnRef idx="2">
+            <a:schemeClr val="accent1">
+              <a:shade val="15000"/>
+            </a:schemeClr>
+          </a:lnRef>
+          <a:fillRef idx="1">
+            <a:schemeClr val="accent1"/>
+          </a:fillRef>
+          <a:effectRef idx="0">
+            <a:schemeClr val="accent1"/>
+          </a:effectRef>
+          <a:fontRef idx="minor">
+            <a:schemeClr val="lt1"/>
+          </a:fontRef>
+        </p:style>
+        <p:txBody>
+          <a:bodyPr rtlCol="0" anchor="ctr"/>
+          <a:lstStyle/>
+          <a:p>
+            <a:pPr algn="ctr"/>
+            <a:endParaRPr lang="en-US"/>
+          </a:p>
+        </p:txBody>
+      </p:sp>
+      <p:sp>
+        <p:nvSpPr>
+          <p:cNvPr id="7" name="Rounded Rectangle 6">
+            <a:extLst>
+              <a:ext uri="{FF2B5EF4-FFF2-40B4-BE49-F238E27FC236}">
+                <a16:creationId xmlns:a16="http://schemas.microsoft.com/office/drawing/2014/main" id="{B349F95B-776B-C9D6-B972-41B108A7B91E}"/>
+              </a:ext>
+            </a:extLst>
+          </p:cNvPr>
+          <p:cNvSpPr/>
+          <p:nvPr/>
+        </p:nvSpPr>
+        <p:spPr>
+          <a:xfrm>
+            <a:off x="2679700" y="2920189"/>
+            <a:ext cx="228600" cy="177800"/>
+          </a:xfrm>
+          <a:prstGeom prst="roundRect">
+            <a:avLst/>
+          </a:prstGeom>
+        </p:spPr>
+        <p:style>
+          <a:lnRef idx="2">
+            <a:schemeClr val="accent1">
+              <a:shade val="15000"/>
+            </a:schemeClr>
+          </a:lnRef>
+          <a:fillRef idx="1">
+            <a:schemeClr val="accent1"/>
+          </a:fillRef>
+          <a:effectRef idx="0">
+            <a:schemeClr val="accent1"/>
+          </a:effectRef>
+          <a:fontRef idx="minor">
+            <a:schemeClr val="lt1"/>
+          </a:fontRef>
+        </p:style>
+        <p:txBody>
+          <a:bodyPr rtlCol="0" anchor="ctr"/>
+          <a:lstStyle/>
+          <a:p>
+            <a:pPr algn="ctr"/>
+            <a:endParaRPr lang="en-US"/>
+          </a:p>
+        </p:txBody>
+      </p:sp>
+      <p:sp>
+        <p:nvSpPr>
+          <p:cNvPr id="8" name="Rounded Rectangle 7">
+            <a:extLst>
+              <a:ext uri="{FF2B5EF4-FFF2-40B4-BE49-F238E27FC236}">
+                <a16:creationId xmlns:a16="http://schemas.microsoft.com/office/drawing/2014/main" id="{0B19666D-9789-2BEA-B2B1-F75E42C52FAE}"/>
+              </a:ext>
+            </a:extLst>
+          </p:cNvPr>
+          <p:cNvSpPr/>
+          <p:nvPr/>
+        </p:nvSpPr>
+        <p:spPr>
+          <a:xfrm>
+            <a:off x="2984500" y="2920189"/>
+            <a:ext cx="228600" cy="177800"/>
+          </a:xfrm>
+          <a:prstGeom prst="roundRect">
+            <a:avLst/>
+          </a:prstGeom>
+        </p:spPr>
+        <p:style>
+          <a:lnRef idx="2">
+            <a:schemeClr val="accent1">
+              <a:shade val="15000"/>
+            </a:schemeClr>
+          </a:lnRef>
+          <a:fillRef idx="1">
+            <a:schemeClr val="accent1"/>
+          </a:fillRef>
+          <a:effectRef idx="0">
+            <a:schemeClr val="accent1"/>
+          </a:effectRef>
+          <a:fontRef idx="minor">
+            <a:schemeClr val="lt1"/>
+          </a:fontRef>
+        </p:style>
+        <p:txBody>
+          <a:bodyPr rtlCol="0" anchor="ctr"/>
+          <a:lstStyle/>
+          <a:p>
+            <a:pPr algn="ctr"/>
+            <a:endParaRPr lang="en-US"/>
+          </a:p>
+        </p:txBody>
+      </p:sp>
+      <p:sp>
+        <p:nvSpPr>
+          <p:cNvPr id="9" name="Rounded Rectangle 8">
+            <a:extLst>
+              <a:ext uri="{FF2B5EF4-FFF2-40B4-BE49-F238E27FC236}">
+                <a16:creationId xmlns:a16="http://schemas.microsoft.com/office/drawing/2014/main" id="{64A32935-F7BF-A7E1-E6B8-EE324ABD7249}"/>
+              </a:ext>
+            </a:extLst>
+          </p:cNvPr>
+          <p:cNvSpPr/>
+          <p:nvPr/>
+        </p:nvSpPr>
+        <p:spPr>
+          <a:xfrm>
+            <a:off x="3289300" y="2920189"/>
+            <a:ext cx="228600" cy="177800"/>
+          </a:xfrm>
+          <a:prstGeom prst="roundRect">
+            <a:avLst/>
+          </a:prstGeom>
+        </p:spPr>
+        <p:style>
+          <a:lnRef idx="2">
+            <a:schemeClr val="accent1">
+              <a:shade val="15000"/>
+            </a:schemeClr>
+          </a:lnRef>
+          <a:fillRef idx="1">
+            <a:schemeClr val="accent1"/>
+          </a:fillRef>
+          <a:effectRef idx="0">
+            <a:schemeClr val="accent1"/>
+          </a:effectRef>
+          <a:fontRef idx="minor">
+            <a:schemeClr val="lt1"/>
+          </a:fontRef>
+        </p:style>
+        <p:txBody>
+          <a:bodyPr rtlCol="0" anchor="ctr"/>
+          <a:lstStyle/>
+          <a:p>
+            <a:pPr algn="ctr"/>
+            <a:endParaRPr lang="en-US"/>
+          </a:p>
+        </p:txBody>
+      </p:sp>
+      <p:sp>
+        <p:nvSpPr>
+          <p:cNvPr id="11" name="Rounded Rectangle 10">
+            <a:extLst>
+              <a:ext uri="{FF2B5EF4-FFF2-40B4-BE49-F238E27FC236}">
+                <a16:creationId xmlns:a16="http://schemas.microsoft.com/office/drawing/2014/main" id="{65B54374-9A04-3C3D-58EF-9659F35BA380}"/>
+              </a:ext>
+            </a:extLst>
+          </p:cNvPr>
+          <p:cNvSpPr/>
+          <p:nvPr/>
+        </p:nvSpPr>
+        <p:spPr>
+          <a:xfrm>
+            <a:off x="2374900" y="5752290"/>
+            <a:ext cx="228600" cy="177800"/>
+          </a:xfrm>
+          <a:prstGeom prst="roundRect">
+            <a:avLst/>
+          </a:prstGeom>
+        </p:spPr>
+        <p:style>
+          <a:lnRef idx="2">
+            <a:schemeClr val="accent1">
+              <a:shade val="15000"/>
+            </a:schemeClr>
+          </a:lnRef>
+          <a:fillRef idx="1">
+            <a:schemeClr val="accent1"/>
+          </a:fillRef>
+          <a:effectRef idx="0">
+            <a:schemeClr val="accent1"/>
+          </a:effectRef>
+          <a:fontRef idx="minor">
+            <a:schemeClr val="lt1"/>
+          </a:fontRef>
+        </p:style>
+        <p:txBody>
+          <a:bodyPr rtlCol="0" anchor="ctr"/>
+          <a:lstStyle/>
+          <a:p>
+            <a:pPr algn="ctr"/>
+            <a:endParaRPr lang="en-US"/>
+          </a:p>
+        </p:txBody>
+      </p:sp>
+      <p:sp>
+        <p:nvSpPr>
+          <p:cNvPr id="12" name="Rounded Rectangle 11">
+            <a:extLst>
+              <a:ext uri="{FF2B5EF4-FFF2-40B4-BE49-F238E27FC236}">
+                <a16:creationId xmlns:a16="http://schemas.microsoft.com/office/drawing/2014/main" id="{D3039095-6E53-4CB2-063E-BCF7CA6DD7AA}"/>
+              </a:ext>
+            </a:extLst>
+          </p:cNvPr>
+          <p:cNvSpPr/>
+          <p:nvPr/>
+        </p:nvSpPr>
+        <p:spPr>
+          <a:xfrm>
+            <a:off x="2679700" y="5752290"/>
+            <a:ext cx="228600" cy="177800"/>
+          </a:xfrm>
+          <a:prstGeom prst="roundRect">
+            <a:avLst/>
+          </a:prstGeom>
+        </p:spPr>
+        <p:style>
+          <a:lnRef idx="2">
+            <a:schemeClr val="accent1">
+              <a:shade val="15000"/>
+            </a:schemeClr>
+          </a:lnRef>
+          <a:fillRef idx="1">
+            <a:schemeClr val="accent1"/>
+          </a:fillRef>
+          <a:effectRef idx="0">
+            <a:schemeClr val="accent1"/>
+          </a:effectRef>
+          <a:fontRef idx="minor">
+            <a:schemeClr val="lt1"/>
+          </a:fontRef>
+        </p:style>
+        <p:txBody>
+          <a:bodyPr rtlCol="0" anchor="ctr"/>
+          <a:lstStyle/>
+          <a:p>
+            <a:pPr algn="ctr"/>
+            <a:endParaRPr lang="en-US"/>
+          </a:p>
+        </p:txBody>
+      </p:sp>
+      <p:sp>
+        <p:nvSpPr>
+          <p:cNvPr id="15" name="TextBox 14">
+            <a:extLst>
+              <a:ext uri="{FF2B5EF4-FFF2-40B4-BE49-F238E27FC236}">
+                <a16:creationId xmlns:a16="http://schemas.microsoft.com/office/drawing/2014/main" id="{2F4E1EB0-C3E1-4233-8B87-4B05CCCAAE90}"/>
+              </a:ext>
+            </a:extLst>
+          </p:cNvPr>
+          <p:cNvSpPr txBox="1"/>
+          <p:nvPr/>
+        </p:nvSpPr>
+        <p:spPr>
+          <a:xfrm>
+            <a:off x="1511301" y="2304923"/>
+            <a:ext cx="2151434" cy="830997"/>
+          </a:xfrm>
+          <a:prstGeom prst="rect">
+            <a:avLst/>
+          </a:prstGeom>
+          <a:noFill/>
+        </p:spPr>
+        <p:txBody>
+          <a:bodyPr wrap="square" rtlCol="0">
+            <a:spAutoFit/>
+          </a:bodyPr>
+          <a:lstStyle/>
+          <a:p>
+            <a:r>
+              <a:rPr lang="en-US" sz="1200" dirty="0"/>
+              <a:t>Id</a:t>
+            </a:r>
+          </a:p>
+          <a:p>
+            <a:r>
+              <a:rPr lang="en-US" sz="1200" dirty="0"/>
+              <a:t>Property a:	“….”</a:t>
+            </a:r>
+          </a:p>
+          <a:p>
+            <a:r>
+              <a:rPr lang="en-US" sz="1200" dirty="0"/>
+              <a:t>Property b:	999</a:t>
+            </a:r>
+          </a:p>
+          <a:p>
+            <a:r>
+              <a:rPr lang="en-US" sz="1200" dirty="0"/>
+              <a:t>Property c:</a:t>
+            </a:r>
+          </a:p>
+        </p:txBody>
+      </p:sp>
+      <p:sp>
+        <p:nvSpPr>
+          <p:cNvPr id="21" name="TextBox 20">
+            <a:extLst>
+              <a:ext uri="{FF2B5EF4-FFF2-40B4-BE49-F238E27FC236}">
+                <a16:creationId xmlns:a16="http://schemas.microsoft.com/office/drawing/2014/main" id="{4B653E23-0BC5-D8F1-A482-8BE2D89F6062}"/>
+              </a:ext>
+            </a:extLst>
+          </p:cNvPr>
+          <p:cNvSpPr txBox="1"/>
+          <p:nvPr/>
+        </p:nvSpPr>
+        <p:spPr>
+          <a:xfrm>
+            <a:off x="1511301" y="5110813"/>
+            <a:ext cx="2151434" cy="830997"/>
+          </a:xfrm>
+          <a:prstGeom prst="rect">
+            <a:avLst/>
+          </a:prstGeom>
+          <a:noFill/>
+        </p:spPr>
+        <p:txBody>
+          <a:bodyPr wrap="square" rtlCol="0">
+            <a:spAutoFit/>
+          </a:bodyPr>
+          <a:lstStyle/>
+          <a:p>
+            <a:r>
+              <a:rPr lang="en-US" sz="1200" dirty="0"/>
+              <a:t>Id</a:t>
+            </a:r>
+          </a:p>
+          <a:p>
+            <a:r>
+              <a:rPr lang="en-US" sz="1200" dirty="0"/>
+              <a:t>Property a:	“….”</a:t>
+            </a:r>
+          </a:p>
+          <a:p>
+            <a:r>
+              <a:rPr lang="en-US" sz="1200" dirty="0"/>
+              <a:t>Property b:	999</a:t>
+            </a:r>
+          </a:p>
+          <a:p>
+            <a:r>
+              <a:rPr lang="en-US" sz="1200" dirty="0"/>
+              <a:t>Property c:</a:t>
+            </a:r>
+          </a:p>
+        </p:txBody>
+      </p:sp>
+      <p:sp>
+        <p:nvSpPr>
+          <p:cNvPr id="25" name="Left-right Arrow 24">
+            <a:extLst>
+              <a:ext uri="{FF2B5EF4-FFF2-40B4-BE49-F238E27FC236}">
+                <a16:creationId xmlns:a16="http://schemas.microsoft.com/office/drawing/2014/main" id="{2D27539C-B2F7-8AC5-81CD-FD45015103A3}"/>
+              </a:ext>
+            </a:extLst>
+          </p:cNvPr>
+          <p:cNvSpPr/>
+          <p:nvPr/>
+        </p:nvSpPr>
+        <p:spPr>
+          <a:xfrm>
+            <a:off x="4463646" y="2983689"/>
+            <a:ext cx="2127654" cy="1325664"/>
+          </a:xfrm>
+          <a:prstGeom prst="leftRightArrow">
+            <a:avLst/>
+          </a:prstGeom>
+        </p:spPr>
+        <p:style>
+          <a:lnRef idx="1">
+            <a:schemeClr val="accent2"/>
+          </a:lnRef>
+          <a:fillRef idx="3">
+            <a:schemeClr val="accent2"/>
+          </a:fillRef>
+          <a:effectRef idx="2">
+            <a:schemeClr val="accent2"/>
+          </a:effectRef>
+          <a:fontRef idx="minor">
+            <a:schemeClr val="lt1"/>
+          </a:fontRef>
+        </p:style>
+        <p:txBody>
+          <a:bodyPr rtlCol="0" anchor="ctr"/>
+          <a:lstStyle/>
+          <a:p>
+            <a:pPr algn="ctr"/>
+            <a:r>
+              <a:rPr lang="en-US" dirty="0"/>
+              <a:t>ORM</a:t>
+            </a:r>
+          </a:p>
+        </p:txBody>
+      </p:sp>
+      <p:graphicFrame>
+        <p:nvGraphicFramePr>
+          <p:cNvPr id="10" name="Table 9">
+            <a:extLst>
+              <a:ext uri="{FF2B5EF4-FFF2-40B4-BE49-F238E27FC236}">
+                <a16:creationId xmlns:a16="http://schemas.microsoft.com/office/drawing/2014/main" id="{A04586BD-F6AA-A69A-B9A4-39B133AB4814}"/>
+              </a:ext>
+            </a:extLst>
+          </p:cNvPr>
+          <p:cNvGraphicFramePr>
+            <a:graphicFrameLocks noGrp="1"/>
+          </p:cNvGraphicFramePr>
+          <p:nvPr>
+            <p:extLst>
+              <p:ext uri="{D42A27DB-BD31-4B8C-83A1-F6EECF244321}">
+                <p14:modId xmlns:p14="http://schemas.microsoft.com/office/powerpoint/2010/main" val="21386547"/>
+              </p:ext>
+            </p:extLst>
+          </p:nvPr>
+        </p:nvGraphicFramePr>
+        <p:xfrm>
+          <a:off x="7767316" y="1950589"/>
+          <a:ext cx="2969268" cy="914400"/>
+        </p:xfrm>
+        <a:graphic>
+          <a:graphicData uri="http://schemas.openxmlformats.org/drawingml/2006/table">
+            <a:tbl>
+              <a:tblPr firstRow="1" bandRow="1">
+                <a:tableStyleId>{5940675A-B579-460E-94D1-54222C63F5DA}</a:tableStyleId>
+              </a:tblPr>
+              <a:tblGrid>
+                <a:gridCol w="989756">
+                  <a:extLst>
+                    <a:ext uri="{9D8B030D-6E8A-4147-A177-3AD203B41FA5}">
+                      <a16:colId xmlns:a16="http://schemas.microsoft.com/office/drawing/2014/main" val="2502717280"/>
+                    </a:ext>
+                  </a:extLst>
+                </a:gridCol>
+                <a:gridCol w="989756">
+                  <a:extLst>
+                    <a:ext uri="{9D8B030D-6E8A-4147-A177-3AD203B41FA5}">
+                      <a16:colId xmlns:a16="http://schemas.microsoft.com/office/drawing/2014/main" val="3436071821"/>
+                    </a:ext>
+                  </a:extLst>
+                </a:gridCol>
+                <a:gridCol w="989756">
+                  <a:extLst>
+                    <a:ext uri="{9D8B030D-6E8A-4147-A177-3AD203B41FA5}">
+                      <a16:colId xmlns:a16="http://schemas.microsoft.com/office/drawing/2014/main" val="2933889760"/>
+                    </a:ext>
+                  </a:extLst>
+                </a:gridCol>
+              </a:tblGrid>
+              <a:tr h="289604">
+                <a:tc>
+                  <a:txBody>
+                    <a:bodyPr/>
+                    <a:lstStyle/>
+                    <a:p>
+                      <a:pPr algn="ctr"/>
+                      <a:r>
+                        <a:rPr lang="en-US" sz="1400" dirty="0"/>
+                        <a:t>id</a:t>
+                      </a:r>
+                    </a:p>
+                  </a:txBody>
+                  <a:tcPr>
+                    <a:noFill/>
+                  </a:tcPr>
+                </a:tc>
+                <a:tc>
+                  <a:txBody>
+                    <a:bodyPr/>
+                    <a:lstStyle/>
+                    <a:p>
+                      <a:pPr algn="ctr"/>
+                      <a:r>
+                        <a:rPr lang="en-US" sz="1400" dirty="0" err="1"/>
+                        <a:t>column_a</a:t>
+                      </a:r>
+                      <a:endParaRPr lang="en-US" sz="1400" dirty="0"/>
+                    </a:p>
+                  </a:txBody>
+                  <a:tcPr>
+                    <a:noFill/>
+                  </a:tcPr>
+                </a:tc>
+                <a:tc>
+                  <a:txBody>
+                    <a:bodyPr/>
+                    <a:lstStyle/>
+                    <a:p>
+                      <a:pPr marL="0" marR="0" lvl="0" indent="0" algn="ctr" defTabSz="914400" rtl="0" eaLnBrk="1" fontAlgn="auto" latinLnBrk="0" hangingPunct="1">
+                        <a:lnSpc>
+                          <a:spcPct val="100000"/>
+                        </a:lnSpc>
+                        <a:spcBef>
+                          <a:spcPts val="0"/>
+                        </a:spcBef>
+                        <a:spcAft>
+                          <a:spcPts val="0"/>
+                        </a:spcAft>
+                        <a:buClrTx/>
+                        <a:buSzTx/>
+                        <a:buFontTx/>
+                        <a:buNone/>
+                        <a:tabLst/>
+                        <a:defRPr/>
+                      </a:pPr>
+                      <a:r>
+                        <a:rPr lang="en-US" sz="1400" dirty="0" err="1"/>
+                        <a:t>column_b</a:t>
+                      </a:r>
+                      <a:endParaRPr lang="en-US" sz="1400" dirty="0"/>
+                    </a:p>
+                  </a:txBody>
+                  <a:tcPr>
+                    <a:noFill/>
+                  </a:tcPr>
+                </a:tc>
+                <a:extLst>
+                  <a:ext uri="{0D108BD9-81ED-4DB2-BD59-A6C34878D82A}">
+                    <a16:rowId xmlns:a16="http://schemas.microsoft.com/office/drawing/2014/main" val="3820346319"/>
+                  </a:ext>
+                </a:extLst>
+              </a:tr>
+              <a:tr h="289604">
+                <a:tc>
+                  <a:txBody>
+                    <a:bodyPr/>
+                    <a:lstStyle/>
+                    <a:p>
+                      <a:pPr algn="ctr"/>
+                      <a:r>
+                        <a:rPr lang="en-US" sz="1400" dirty="0"/>
+                        <a:t>1</a:t>
+                      </a:r>
+                    </a:p>
+                  </a:txBody>
+                  <a:tcPr>
+                    <a:noFill/>
+                  </a:tcPr>
+                </a:tc>
+                <a:tc>
+                  <a:txBody>
+                    <a:bodyPr/>
+                    <a:lstStyle/>
+                    <a:p>
+                      <a:pPr algn="ctr"/>
+                      <a:endParaRPr lang="en-US" sz="1400" dirty="0"/>
+                    </a:p>
+                  </a:txBody>
+                  <a:tcPr>
+                    <a:noFill/>
+                  </a:tcPr>
+                </a:tc>
+                <a:tc>
+                  <a:txBody>
+                    <a:bodyPr/>
+                    <a:lstStyle/>
+                    <a:p>
+                      <a:pPr algn="ctr"/>
+                      <a:endParaRPr lang="en-US" sz="1400"/>
+                    </a:p>
+                  </a:txBody>
+                  <a:tcPr>
+                    <a:noFill/>
+                  </a:tcPr>
+                </a:tc>
+                <a:extLst>
+                  <a:ext uri="{0D108BD9-81ED-4DB2-BD59-A6C34878D82A}">
+                    <a16:rowId xmlns:a16="http://schemas.microsoft.com/office/drawing/2014/main" val="4279173106"/>
+                  </a:ext>
+                </a:extLst>
+              </a:tr>
+              <a:tr h="289604">
+                <a:tc>
+                  <a:txBody>
+                    <a:bodyPr/>
+                    <a:lstStyle/>
+                    <a:p>
+                      <a:pPr algn="ctr"/>
+                      <a:r>
+                        <a:rPr lang="en-US" sz="1400" dirty="0"/>
+                        <a:t>2</a:t>
+                      </a:r>
+                    </a:p>
+                  </a:txBody>
+                  <a:tcPr>
+                    <a:noFill/>
+                  </a:tcPr>
+                </a:tc>
+                <a:tc>
+                  <a:txBody>
+                    <a:bodyPr/>
+                    <a:lstStyle/>
+                    <a:p>
+                      <a:pPr algn="ctr"/>
+                      <a:endParaRPr lang="en-US" sz="1400" dirty="0"/>
+                    </a:p>
+                  </a:txBody>
+                  <a:tcPr>
+                    <a:noFill/>
+                  </a:tcPr>
+                </a:tc>
+                <a:tc>
+                  <a:txBody>
+                    <a:bodyPr/>
+                    <a:lstStyle/>
+                    <a:p>
+                      <a:pPr algn="ctr"/>
+                      <a:endParaRPr lang="en-US" sz="1400" dirty="0"/>
+                    </a:p>
+                  </a:txBody>
+                  <a:tcPr>
+                    <a:noFill/>
+                  </a:tcPr>
+                </a:tc>
+                <a:extLst>
+                  <a:ext uri="{0D108BD9-81ED-4DB2-BD59-A6C34878D82A}">
+                    <a16:rowId xmlns:a16="http://schemas.microsoft.com/office/drawing/2014/main" val="2984412950"/>
+                  </a:ext>
+                </a:extLst>
+              </a:tr>
+            </a:tbl>
+          </a:graphicData>
+        </a:graphic>
+      </p:graphicFrame>
+      <p:graphicFrame>
+        <p:nvGraphicFramePr>
+          <p:cNvPr id="13" name="Table 12">
+            <a:extLst>
+              <a:ext uri="{FF2B5EF4-FFF2-40B4-BE49-F238E27FC236}">
+                <a16:creationId xmlns:a16="http://schemas.microsoft.com/office/drawing/2014/main" id="{155670D4-5593-27F6-755E-F532831B7E7B}"/>
+              </a:ext>
+            </a:extLst>
+          </p:cNvPr>
+          <p:cNvGraphicFramePr>
+            <a:graphicFrameLocks noGrp="1"/>
+          </p:cNvGraphicFramePr>
+          <p:nvPr>
+            <p:extLst>
+              <p:ext uri="{D42A27DB-BD31-4B8C-83A1-F6EECF244321}">
+                <p14:modId xmlns:p14="http://schemas.microsoft.com/office/powerpoint/2010/main" val="3071598787"/>
+              </p:ext>
+            </p:extLst>
+          </p:nvPr>
+        </p:nvGraphicFramePr>
+        <p:xfrm>
+          <a:off x="7272438" y="3364342"/>
+          <a:ext cx="3959024" cy="2133600"/>
+        </p:xfrm>
+        <a:graphic>
+          <a:graphicData uri="http://schemas.openxmlformats.org/drawingml/2006/table">
+            <a:tbl>
+              <a:tblPr firstRow="1" bandRow="1">
+                <a:tableStyleId>{5940675A-B579-460E-94D1-54222C63F5DA}</a:tableStyleId>
+              </a:tblPr>
+              <a:tblGrid>
+                <a:gridCol w="989756">
+                  <a:extLst>
+                    <a:ext uri="{9D8B030D-6E8A-4147-A177-3AD203B41FA5}">
+                      <a16:colId xmlns:a16="http://schemas.microsoft.com/office/drawing/2014/main" val="2502717280"/>
+                    </a:ext>
+                  </a:extLst>
+                </a:gridCol>
+                <a:gridCol w="989756">
+                  <a:extLst>
+                    <a:ext uri="{9D8B030D-6E8A-4147-A177-3AD203B41FA5}">
+                      <a16:colId xmlns:a16="http://schemas.microsoft.com/office/drawing/2014/main" val="3436071821"/>
+                    </a:ext>
+                  </a:extLst>
+                </a:gridCol>
+                <a:gridCol w="989756">
+                  <a:extLst>
+                    <a:ext uri="{9D8B030D-6E8A-4147-A177-3AD203B41FA5}">
+                      <a16:colId xmlns:a16="http://schemas.microsoft.com/office/drawing/2014/main" val="2933889760"/>
+                    </a:ext>
+                  </a:extLst>
+                </a:gridCol>
+                <a:gridCol w="989756">
+                  <a:extLst>
+                    <a:ext uri="{9D8B030D-6E8A-4147-A177-3AD203B41FA5}">
+                      <a16:colId xmlns:a16="http://schemas.microsoft.com/office/drawing/2014/main" val="87066059"/>
+                    </a:ext>
+                  </a:extLst>
+                </a:gridCol>
+              </a:tblGrid>
+              <a:tr h="289604">
+                <a:tc>
+                  <a:txBody>
+                    <a:bodyPr/>
+                    <a:lstStyle/>
+                    <a:p>
+                      <a:pPr algn="ctr"/>
+                      <a:r>
+                        <a:rPr lang="en-US" sz="1400" dirty="0"/>
+                        <a:t>id</a:t>
+                      </a:r>
+                    </a:p>
+                  </a:txBody>
+                  <a:tcPr/>
+                </a:tc>
+                <a:tc>
+                  <a:txBody>
+                    <a:bodyPr/>
+                    <a:lstStyle/>
+                    <a:p>
+                      <a:pPr algn="ctr"/>
+                      <a:r>
+                        <a:rPr lang="en-US" sz="1400" dirty="0" err="1"/>
+                        <a:t>column_x</a:t>
+                      </a:r>
+                      <a:endParaRPr lang="en-US" sz="1400" dirty="0"/>
+                    </a:p>
+                  </a:txBody>
+                  <a:tcPr/>
+                </a:tc>
+                <a:tc>
+                  <a:txBody>
+                    <a:bodyPr/>
+                    <a:lstStyle/>
+                    <a:p>
+                      <a:pPr marL="0" marR="0" lvl="0" indent="0" algn="ctr" defTabSz="914400" rtl="0" eaLnBrk="1" fontAlgn="auto" latinLnBrk="0" hangingPunct="1">
+                        <a:lnSpc>
+                          <a:spcPct val="100000"/>
+                        </a:lnSpc>
+                        <a:spcBef>
+                          <a:spcPts val="0"/>
+                        </a:spcBef>
+                        <a:spcAft>
+                          <a:spcPts val="0"/>
+                        </a:spcAft>
+                        <a:buClrTx/>
+                        <a:buSzTx/>
+                        <a:buFontTx/>
+                        <a:buNone/>
+                        <a:tabLst/>
+                        <a:defRPr/>
+                      </a:pPr>
+                      <a:r>
+                        <a:rPr lang="en-US" sz="1400" dirty="0" err="1"/>
+                        <a:t>column_y</a:t>
+                      </a:r>
+                      <a:endParaRPr lang="en-US" sz="1400" dirty="0"/>
+                    </a:p>
+                  </a:txBody>
+                  <a:tcPr/>
+                </a:tc>
+                <a:tc>
+                  <a:txBody>
+                    <a:bodyPr/>
+                    <a:lstStyle/>
+                    <a:p>
+                      <a:pPr marL="0" marR="0" lvl="0" indent="0" algn="ctr" defTabSz="914400" rtl="0" eaLnBrk="1" fontAlgn="auto" latinLnBrk="0" hangingPunct="1">
+                        <a:lnSpc>
+                          <a:spcPct val="100000"/>
+                        </a:lnSpc>
+                        <a:spcBef>
+                          <a:spcPts val="0"/>
+                        </a:spcBef>
+                        <a:spcAft>
+                          <a:spcPts val="0"/>
+                        </a:spcAft>
+                        <a:buClrTx/>
+                        <a:buSzTx/>
+                        <a:buFontTx/>
+                        <a:buNone/>
+                        <a:tabLst/>
+                        <a:defRPr/>
+                      </a:pPr>
+                      <a:r>
+                        <a:rPr lang="en-US" sz="1400" dirty="0"/>
+                        <a:t>FK</a:t>
+                      </a:r>
+                    </a:p>
+                  </a:txBody>
+                  <a:tcPr/>
+                </a:tc>
+                <a:extLst>
+                  <a:ext uri="{0D108BD9-81ED-4DB2-BD59-A6C34878D82A}">
+                    <a16:rowId xmlns:a16="http://schemas.microsoft.com/office/drawing/2014/main" val="3820346319"/>
+                  </a:ext>
+                </a:extLst>
+              </a:tr>
+              <a:tr h="289604">
+                <a:tc>
+                  <a:txBody>
+                    <a:bodyPr/>
+                    <a:lstStyle/>
+                    <a:p>
+                      <a:pPr algn="ctr"/>
+                      <a:r>
+                        <a:rPr lang="en-US" sz="1400" dirty="0"/>
+                        <a:t>100</a:t>
+                      </a:r>
+                    </a:p>
+                  </a:txBody>
+                  <a:tcPr/>
+                </a:tc>
+                <a:tc>
+                  <a:txBody>
+                    <a:bodyPr/>
+                    <a:lstStyle/>
+                    <a:p>
+                      <a:pPr algn="ctr"/>
+                      <a:endParaRPr lang="en-US" sz="1400" dirty="0"/>
+                    </a:p>
+                  </a:txBody>
+                  <a:tcPr/>
+                </a:tc>
+                <a:tc>
+                  <a:txBody>
+                    <a:bodyPr/>
+                    <a:lstStyle/>
+                    <a:p>
+                      <a:pPr algn="ctr"/>
+                      <a:endParaRPr lang="en-US" sz="1400"/>
+                    </a:p>
+                  </a:txBody>
+                  <a:tcPr/>
+                </a:tc>
+                <a:tc>
+                  <a:txBody>
+                    <a:bodyPr/>
+                    <a:lstStyle/>
+                    <a:p>
+                      <a:pPr algn="ctr"/>
+                      <a:r>
+                        <a:rPr lang="en-US" sz="1400" dirty="0"/>
+                        <a:t>1</a:t>
+                      </a:r>
+                    </a:p>
+                  </a:txBody>
+                  <a:tcPr/>
+                </a:tc>
+                <a:extLst>
+                  <a:ext uri="{0D108BD9-81ED-4DB2-BD59-A6C34878D82A}">
+                    <a16:rowId xmlns:a16="http://schemas.microsoft.com/office/drawing/2014/main" val="4279173106"/>
+                  </a:ext>
+                </a:extLst>
+              </a:tr>
+              <a:tr h="289604">
+                <a:tc>
+                  <a:txBody>
+                    <a:bodyPr/>
+                    <a:lstStyle/>
+                    <a:p>
+                      <a:pPr algn="ctr"/>
+                      <a:r>
+                        <a:rPr lang="en-US" sz="1400" dirty="0"/>
+                        <a:t>101</a:t>
+                      </a:r>
+                    </a:p>
+                  </a:txBody>
+                  <a:tcPr/>
+                </a:tc>
+                <a:tc>
+                  <a:txBody>
+                    <a:bodyPr/>
+                    <a:lstStyle/>
+                    <a:p>
+                      <a:pPr algn="ctr"/>
+                      <a:endParaRPr lang="en-US" sz="1400" dirty="0"/>
+                    </a:p>
+                  </a:txBody>
+                  <a:tcPr/>
+                </a:tc>
+                <a:tc>
+                  <a:txBody>
+                    <a:bodyPr/>
+                    <a:lstStyle/>
+                    <a:p>
+                      <a:pPr algn="ctr"/>
+                      <a:endParaRPr lang="en-US" sz="1400"/>
+                    </a:p>
+                  </a:txBody>
+                  <a:tcPr/>
+                </a:tc>
+                <a:tc>
+                  <a:txBody>
+                    <a:bodyPr/>
+                    <a:lstStyle/>
+                    <a:p>
+                      <a:pPr algn="ctr"/>
+                      <a:r>
+                        <a:rPr lang="en-US" sz="1400" dirty="0"/>
+                        <a:t>1</a:t>
+                      </a:r>
+                    </a:p>
+                  </a:txBody>
+                  <a:tcPr/>
+                </a:tc>
+                <a:extLst>
+                  <a:ext uri="{0D108BD9-81ED-4DB2-BD59-A6C34878D82A}">
+                    <a16:rowId xmlns:a16="http://schemas.microsoft.com/office/drawing/2014/main" val="2984412950"/>
+                  </a:ext>
+                </a:extLst>
+              </a:tr>
+              <a:tr h="289604">
+                <a:tc>
+                  <a:txBody>
+                    <a:bodyPr/>
+                    <a:lstStyle/>
+                    <a:p>
+                      <a:pPr algn="ctr"/>
+                      <a:r>
+                        <a:rPr lang="en-US" sz="1400" dirty="0"/>
+                        <a:t>102</a:t>
+                      </a:r>
+                    </a:p>
+                  </a:txBody>
+                  <a:tcPr/>
+                </a:tc>
+                <a:tc>
+                  <a:txBody>
+                    <a:bodyPr/>
+                    <a:lstStyle/>
+                    <a:p>
+                      <a:pPr algn="ctr"/>
+                      <a:endParaRPr lang="en-US" sz="1400" dirty="0"/>
+                    </a:p>
+                  </a:txBody>
+                  <a:tcPr/>
+                </a:tc>
+                <a:tc>
+                  <a:txBody>
+                    <a:bodyPr/>
+                    <a:lstStyle/>
+                    <a:p>
+                      <a:pPr algn="ctr"/>
+                      <a:endParaRPr lang="en-US" sz="1400" dirty="0"/>
+                    </a:p>
+                  </a:txBody>
+                  <a:tcPr/>
+                </a:tc>
+                <a:tc>
+                  <a:txBody>
+                    <a:bodyPr/>
+                    <a:lstStyle/>
+                    <a:p>
+                      <a:pPr algn="ctr"/>
+                      <a:r>
+                        <a:rPr lang="en-US" sz="1400" dirty="0"/>
+                        <a:t>1</a:t>
+                      </a:r>
+                    </a:p>
+                  </a:txBody>
+                  <a:tcPr/>
+                </a:tc>
+                <a:extLst>
+                  <a:ext uri="{0D108BD9-81ED-4DB2-BD59-A6C34878D82A}">
+                    <a16:rowId xmlns:a16="http://schemas.microsoft.com/office/drawing/2014/main" val="3101077522"/>
+                  </a:ext>
+                </a:extLst>
+              </a:tr>
+              <a:tr h="289604">
+                <a:tc>
+                  <a:txBody>
+                    <a:bodyPr/>
+                    <a:lstStyle/>
+                    <a:p>
+                      <a:pPr algn="ctr"/>
+                      <a:r>
+                        <a:rPr lang="en-US" sz="1400" dirty="0"/>
+                        <a:t>103</a:t>
+                      </a:r>
+                    </a:p>
+                  </a:txBody>
+                  <a:tcPr/>
+                </a:tc>
+                <a:tc>
+                  <a:txBody>
+                    <a:bodyPr/>
+                    <a:lstStyle/>
+                    <a:p>
+                      <a:pPr algn="ctr"/>
+                      <a:endParaRPr lang="en-US" sz="1400" dirty="0"/>
+                    </a:p>
+                  </a:txBody>
+                  <a:tcPr/>
+                </a:tc>
+                <a:tc>
+                  <a:txBody>
+                    <a:bodyPr/>
+                    <a:lstStyle/>
+                    <a:p>
+                      <a:pPr algn="ctr"/>
+                      <a:endParaRPr lang="en-US" sz="1400" dirty="0"/>
+                    </a:p>
+                  </a:txBody>
+                  <a:tcPr/>
+                </a:tc>
+                <a:tc>
+                  <a:txBody>
+                    <a:bodyPr/>
+                    <a:lstStyle/>
+                    <a:p>
+                      <a:pPr algn="ctr"/>
+                      <a:r>
+                        <a:rPr lang="en-US" sz="1400" dirty="0"/>
+                        <a:t>1</a:t>
+                      </a:r>
+                    </a:p>
+                  </a:txBody>
+                  <a:tcPr/>
+                </a:tc>
+                <a:extLst>
+                  <a:ext uri="{0D108BD9-81ED-4DB2-BD59-A6C34878D82A}">
+                    <a16:rowId xmlns:a16="http://schemas.microsoft.com/office/drawing/2014/main" val="3800862099"/>
+                  </a:ext>
+                </a:extLst>
+              </a:tr>
+              <a:tr h="289604">
+                <a:tc>
+                  <a:txBody>
+                    <a:bodyPr/>
+                    <a:lstStyle/>
+                    <a:p>
+                      <a:pPr algn="ctr"/>
+                      <a:r>
+                        <a:rPr lang="en-US" sz="1400" dirty="0"/>
+                        <a:t>104</a:t>
+                      </a:r>
+                    </a:p>
+                  </a:txBody>
+                  <a:tcPr/>
+                </a:tc>
+                <a:tc>
+                  <a:txBody>
+                    <a:bodyPr/>
+                    <a:lstStyle/>
+                    <a:p>
+                      <a:pPr algn="ctr"/>
+                      <a:endParaRPr lang="en-US" sz="1400" dirty="0"/>
+                    </a:p>
+                  </a:txBody>
+                  <a:tcPr/>
+                </a:tc>
+                <a:tc>
+                  <a:txBody>
+                    <a:bodyPr/>
+                    <a:lstStyle/>
+                    <a:p>
+                      <a:pPr algn="ctr"/>
+                      <a:endParaRPr lang="en-US" sz="1400" dirty="0"/>
+                    </a:p>
+                  </a:txBody>
+                  <a:tcPr/>
+                </a:tc>
+                <a:tc>
+                  <a:txBody>
+                    <a:bodyPr/>
+                    <a:lstStyle/>
+                    <a:p>
+                      <a:pPr algn="ctr"/>
+                      <a:r>
+                        <a:rPr lang="en-US" sz="1400" dirty="0"/>
+                        <a:t>2</a:t>
+                      </a:r>
+                    </a:p>
+                  </a:txBody>
+                  <a:tcPr/>
+                </a:tc>
+                <a:extLst>
+                  <a:ext uri="{0D108BD9-81ED-4DB2-BD59-A6C34878D82A}">
+                    <a16:rowId xmlns:a16="http://schemas.microsoft.com/office/drawing/2014/main" val="3999802985"/>
+                  </a:ext>
+                </a:extLst>
+              </a:tr>
+              <a:tr h="289604">
+                <a:tc>
+                  <a:txBody>
+                    <a:bodyPr/>
+                    <a:lstStyle/>
+                    <a:p>
+                      <a:pPr algn="ctr"/>
+                      <a:r>
+                        <a:rPr lang="en-US" sz="1400" dirty="0"/>
+                        <a:t>105</a:t>
+                      </a:r>
+                    </a:p>
+                  </a:txBody>
+                  <a:tcPr/>
+                </a:tc>
+                <a:tc>
+                  <a:txBody>
+                    <a:bodyPr/>
+                    <a:lstStyle/>
+                    <a:p>
+                      <a:pPr algn="ctr"/>
+                      <a:endParaRPr lang="en-US" sz="1400" dirty="0"/>
+                    </a:p>
+                  </a:txBody>
+                  <a:tcPr/>
+                </a:tc>
+                <a:tc>
+                  <a:txBody>
+                    <a:bodyPr/>
+                    <a:lstStyle/>
+                    <a:p>
+                      <a:pPr algn="ctr"/>
+                      <a:endParaRPr lang="en-US" sz="1400" dirty="0"/>
+                    </a:p>
+                  </a:txBody>
+                  <a:tcPr/>
+                </a:tc>
+                <a:tc>
+                  <a:txBody>
+                    <a:bodyPr/>
+                    <a:lstStyle/>
+                    <a:p>
+                      <a:pPr algn="ctr"/>
+                      <a:r>
+                        <a:rPr lang="en-US" sz="1400" dirty="0"/>
+                        <a:t>2</a:t>
+                      </a:r>
+                    </a:p>
+                  </a:txBody>
+                  <a:tcPr/>
+                </a:tc>
+                <a:extLst>
+                  <a:ext uri="{0D108BD9-81ED-4DB2-BD59-A6C34878D82A}">
+                    <a16:rowId xmlns:a16="http://schemas.microsoft.com/office/drawing/2014/main" val="2807656940"/>
+                  </a:ext>
+                </a:extLst>
+              </a:tr>
+            </a:tbl>
+          </a:graphicData>
+        </a:graphic>
+      </p:graphicFrame>
+      <p:cxnSp>
+        <p:nvCxnSpPr>
+          <p:cNvPr id="30" name="Elbow Connector 29">
+            <a:extLst>
+              <a:ext uri="{FF2B5EF4-FFF2-40B4-BE49-F238E27FC236}">
+                <a16:creationId xmlns:a16="http://schemas.microsoft.com/office/drawing/2014/main" id="{AF410E98-64E9-4F51-B9F6-817A5944AD51}"/>
+              </a:ext>
+            </a:extLst>
+          </p:cNvPr>
+          <p:cNvCxnSpPr>
+            <a:cxnSpLocks/>
+          </p:cNvCxnSpPr>
+          <p:nvPr/>
+        </p:nvCxnSpPr>
+        <p:spPr>
+          <a:xfrm rot="5400000">
+            <a:off x="6813915" y="2866311"/>
+            <a:ext cx="1411924" cy="494879"/>
+          </a:xfrm>
+          <a:prstGeom prst="bentConnector4">
+            <a:avLst>
+              <a:gd name="adj1" fmla="val -28"/>
+              <a:gd name="adj2" fmla="val 146193"/>
+            </a:avLst>
+          </a:prstGeom>
+          <a:ln w="28575">
+            <a:tailEnd type="triangle"/>
+          </a:ln>
+        </p:spPr>
+        <p:style>
+          <a:lnRef idx="1">
+            <a:schemeClr val="accent1"/>
+          </a:lnRef>
+          <a:fillRef idx="0">
+            <a:schemeClr val="accent1"/>
+          </a:fillRef>
+          <a:effectRef idx="0">
+            <a:schemeClr val="accent1"/>
+          </a:effectRef>
+          <a:fontRef idx="minor">
+            <a:schemeClr val="tx1"/>
+          </a:fontRef>
+        </p:style>
+      </p:cxnSp>
+      <p:cxnSp>
+        <p:nvCxnSpPr>
+          <p:cNvPr id="32" name="Elbow Connector 31">
+            <a:extLst>
+              <a:ext uri="{FF2B5EF4-FFF2-40B4-BE49-F238E27FC236}">
+                <a16:creationId xmlns:a16="http://schemas.microsoft.com/office/drawing/2014/main" id="{7BC386BA-048E-0916-4FCA-4871353C33BE}"/>
+              </a:ext>
+            </a:extLst>
+          </p:cNvPr>
+          <p:cNvCxnSpPr>
+            <a:cxnSpLocks/>
+            <a:stCxn id="27" idx="1"/>
+          </p:cNvCxnSpPr>
+          <p:nvPr/>
+        </p:nvCxnSpPr>
+        <p:spPr>
+          <a:xfrm rot="10800000" flipV="1">
+            <a:off x="7272438" y="2407788"/>
+            <a:ext cx="494879" cy="1734233"/>
+          </a:xfrm>
+          <a:prstGeom prst="bentConnector3">
+            <a:avLst>
+              <a:gd name="adj1" fmla="val 146193"/>
+            </a:avLst>
+          </a:prstGeom>
+          <a:ln w="28575">
+            <a:tailEnd type="triangle"/>
+          </a:ln>
+        </p:spPr>
+        <p:style>
+          <a:lnRef idx="1">
+            <a:schemeClr val="accent1"/>
+          </a:lnRef>
+          <a:fillRef idx="0">
+            <a:schemeClr val="accent1"/>
+          </a:fillRef>
+          <a:effectRef idx="0">
+            <a:schemeClr val="accent1"/>
+          </a:effectRef>
+          <a:fontRef idx="minor">
+            <a:schemeClr val="tx1"/>
+          </a:fontRef>
+        </p:style>
+      </p:cxnSp>
+      <p:cxnSp>
+        <p:nvCxnSpPr>
+          <p:cNvPr id="35" name="Elbow Connector 34">
+            <a:extLst>
+              <a:ext uri="{FF2B5EF4-FFF2-40B4-BE49-F238E27FC236}">
+                <a16:creationId xmlns:a16="http://schemas.microsoft.com/office/drawing/2014/main" id="{D7AFDFE4-65B7-5610-C329-D1626682178F}"/>
+              </a:ext>
+            </a:extLst>
+          </p:cNvPr>
+          <p:cNvCxnSpPr>
+            <a:cxnSpLocks/>
+            <a:stCxn id="10" idx="1"/>
+            <a:endCxn id="13" idx="1"/>
+          </p:cNvCxnSpPr>
+          <p:nvPr/>
+        </p:nvCxnSpPr>
+        <p:spPr>
+          <a:xfrm rot="10800000" flipV="1">
+            <a:off x="7272438" y="2407788"/>
+            <a:ext cx="494878" cy="2023353"/>
+          </a:xfrm>
+          <a:prstGeom prst="bentConnector3">
+            <a:avLst>
+              <a:gd name="adj1" fmla="val 146193"/>
+            </a:avLst>
+          </a:prstGeom>
+          <a:ln w="28575">
+            <a:tailEnd type="triangle"/>
+          </a:ln>
+        </p:spPr>
+        <p:style>
+          <a:lnRef idx="1">
+            <a:schemeClr val="accent1"/>
+          </a:lnRef>
+          <a:fillRef idx="0">
+            <a:schemeClr val="accent1"/>
+          </a:fillRef>
+          <a:effectRef idx="0">
+            <a:schemeClr val="accent1"/>
+          </a:effectRef>
+          <a:fontRef idx="minor">
+            <a:schemeClr val="tx1"/>
+          </a:fontRef>
+        </p:style>
+      </p:cxnSp>
+      <p:cxnSp>
+        <p:nvCxnSpPr>
+          <p:cNvPr id="38" name="Elbow Connector 37">
+            <a:extLst>
+              <a:ext uri="{FF2B5EF4-FFF2-40B4-BE49-F238E27FC236}">
+                <a16:creationId xmlns:a16="http://schemas.microsoft.com/office/drawing/2014/main" id="{43EC8E8A-ED7B-DADB-542B-8B4B2FCFE4F6}"/>
+              </a:ext>
+            </a:extLst>
+          </p:cNvPr>
+          <p:cNvCxnSpPr>
+            <a:cxnSpLocks/>
+            <a:stCxn id="27" idx="1"/>
+          </p:cNvCxnSpPr>
+          <p:nvPr/>
+        </p:nvCxnSpPr>
+        <p:spPr>
+          <a:xfrm rot="10800000" flipV="1">
+            <a:off x="7279160" y="2407789"/>
+            <a:ext cx="488157" cy="2359020"/>
+          </a:xfrm>
+          <a:prstGeom prst="bentConnector3">
+            <a:avLst>
+              <a:gd name="adj1" fmla="val 146829"/>
+            </a:avLst>
+          </a:prstGeom>
+          <a:ln w="28575">
+            <a:tailEnd type="triangle"/>
+          </a:ln>
+        </p:spPr>
+        <p:style>
+          <a:lnRef idx="1">
+            <a:schemeClr val="accent1"/>
+          </a:lnRef>
+          <a:fillRef idx="0">
+            <a:schemeClr val="accent1"/>
+          </a:fillRef>
+          <a:effectRef idx="0">
+            <a:schemeClr val="accent1"/>
+          </a:effectRef>
+          <a:fontRef idx="minor">
+            <a:schemeClr val="tx1"/>
+          </a:fontRef>
+        </p:style>
+      </p:cxnSp>
+      <p:cxnSp>
+        <p:nvCxnSpPr>
+          <p:cNvPr id="41" name="Elbow Connector 40">
+            <a:extLst>
+              <a:ext uri="{FF2B5EF4-FFF2-40B4-BE49-F238E27FC236}">
+                <a16:creationId xmlns:a16="http://schemas.microsoft.com/office/drawing/2014/main" id="{6B147507-6339-65DF-E2F8-78FE692645C3}"/>
+              </a:ext>
+            </a:extLst>
+          </p:cNvPr>
+          <p:cNvCxnSpPr>
+            <a:cxnSpLocks/>
+            <a:stCxn id="28" idx="3"/>
+          </p:cNvCxnSpPr>
+          <p:nvPr/>
+        </p:nvCxnSpPr>
+        <p:spPr>
+          <a:xfrm>
+            <a:off x="10736584" y="2720421"/>
+            <a:ext cx="494878" cy="2331831"/>
+          </a:xfrm>
+          <a:prstGeom prst="bentConnector3">
+            <a:avLst>
+              <a:gd name="adj1" fmla="val 146193"/>
+            </a:avLst>
+          </a:prstGeom>
+          <a:ln w="28575">
+            <a:tailEnd type="triangle"/>
+          </a:ln>
+        </p:spPr>
+        <p:style>
+          <a:lnRef idx="1">
+            <a:schemeClr val="accent1"/>
+          </a:lnRef>
+          <a:fillRef idx="0">
+            <a:schemeClr val="accent1"/>
+          </a:fillRef>
+          <a:effectRef idx="0">
+            <a:schemeClr val="accent1"/>
+          </a:effectRef>
+          <a:fontRef idx="minor">
+            <a:schemeClr val="tx1"/>
+          </a:fontRef>
+        </p:style>
+      </p:cxnSp>
+      <p:cxnSp>
+        <p:nvCxnSpPr>
+          <p:cNvPr id="44" name="Elbow Connector 43">
+            <a:extLst>
+              <a:ext uri="{FF2B5EF4-FFF2-40B4-BE49-F238E27FC236}">
+                <a16:creationId xmlns:a16="http://schemas.microsoft.com/office/drawing/2014/main" id="{67BE111B-3635-AD34-3688-EF73567FBFE6}"/>
+              </a:ext>
+            </a:extLst>
+          </p:cNvPr>
+          <p:cNvCxnSpPr>
+            <a:cxnSpLocks/>
+            <a:stCxn id="28" idx="3"/>
+          </p:cNvCxnSpPr>
+          <p:nvPr/>
+        </p:nvCxnSpPr>
+        <p:spPr>
+          <a:xfrm>
+            <a:off x="10736584" y="2720421"/>
+            <a:ext cx="491322" cy="2653838"/>
+          </a:xfrm>
+          <a:prstGeom prst="bentConnector3">
+            <a:avLst>
+              <a:gd name="adj1" fmla="val 146528"/>
+            </a:avLst>
+          </a:prstGeom>
+          <a:ln w="28575">
+            <a:tailEnd type="triangle"/>
+          </a:ln>
+        </p:spPr>
+        <p:style>
+          <a:lnRef idx="1">
+            <a:schemeClr val="accent1"/>
+          </a:lnRef>
+          <a:fillRef idx="0">
+            <a:schemeClr val="accent1"/>
+          </a:fillRef>
+          <a:effectRef idx="0">
+            <a:schemeClr val="accent1"/>
+          </a:effectRef>
+          <a:fontRef idx="minor">
+            <a:schemeClr val="tx1"/>
+          </a:fontRef>
+        </p:style>
+      </p:cxnSp>
+    </p:spTree>
+    <p:extLst>
+      <p:ext uri="{BB962C8B-B14F-4D97-AF65-F5344CB8AC3E}">
+        <p14:creationId xmlns:p14="http://schemas.microsoft.com/office/powerpoint/2010/main" val="957304056"/>
+      </p:ext>
+    </p:extLst>
+  </p:cSld>
+  <p:clrMapOvr>
+    <a:masterClrMapping/>
+  </p:clrMapOvr>
+</p:sld>
+</file>
+
+<file path=ppt/slides/slide13.xml><?xml version="1.0" encoding="utf-8"?>
+<p:sld xmlns:a="http://schemas.openxmlformats.org/drawingml/2006/main" xmlns:r="http://schemas.openxmlformats.org/officeDocument/2006/relationships" xmlns:p="http://schemas.openxmlformats.org/presentationml/2006/main">
+  <p:cSld>
+    <p:spTree>
+      <p:nvGrpSpPr>
+        <p:cNvPr id="1" name=""/>
+        <p:cNvGrpSpPr/>
+        <p:nvPr/>
+      </p:nvGrpSpPr>
+      <p:grpSpPr>
+        <a:xfrm>
+          <a:off x="0" y="0"/>
+          <a:ext cx="0" cy="0"/>
+          <a:chOff x="0" y="0"/>
+          <a:chExt cx="0" cy="0"/>
+        </a:xfrm>
+      </p:grpSpPr>
+      <p:sp>
+        <p:nvSpPr>
+          <p:cNvPr id="2" name="Rounded Rectangle 1">
+            <a:extLst>
+              <a:ext uri="{FF2B5EF4-FFF2-40B4-BE49-F238E27FC236}">
+                <a16:creationId xmlns:a16="http://schemas.microsoft.com/office/drawing/2014/main" id="{164408BA-9F70-4CB2-1FB2-4BCF560A803C}"/>
+              </a:ext>
+            </a:extLst>
+          </p:cNvPr>
+          <p:cNvSpPr/>
+          <p:nvPr/>
+        </p:nvSpPr>
+        <p:spPr>
+          <a:xfrm>
+            <a:off x="1758950" y="1384300"/>
+            <a:ext cx="2311400" cy="1155700"/>
+          </a:xfrm>
+          <a:prstGeom prst="roundRect">
+            <a:avLst/>
+          </a:prstGeom>
+        </p:spPr>
+        <p:style>
+          <a:lnRef idx="1">
+            <a:schemeClr val="accent5"/>
+          </a:lnRef>
+          <a:fillRef idx="2">
+            <a:schemeClr val="accent5"/>
+          </a:fillRef>
+          <a:effectRef idx="1">
+            <a:schemeClr val="accent5"/>
+          </a:effectRef>
+          <a:fontRef idx="minor">
+            <a:schemeClr val="dk1"/>
+          </a:fontRef>
+        </p:style>
+        <p:txBody>
+          <a:bodyPr rtlCol="0" anchor="ctr"/>
+          <a:lstStyle/>
+          <a:p>
+            <a:pPr algn="ctr"/>
+            <a:r>
+              <a:rPr lang="en-US"/>
+              <a:t>Make changes to class definitions</a:t>
+            </a:r>
+          </a:p>
+        </p:txBody>
+      </p:sp>
+      <p:sp>
+        <p:nvSpPr>
+          <p:cNvPr id="3" name="Rounded Rectangle 2">
+            <a:extLst>
+              <a:ext uri="{FF2B5EF4-FFF2-40B4-BE49-F238E27FC236}">
+                <a16:creationId xmlns:a16="http://schemas.microsoft.com/office/drawing/2014/main" id="{32107F0E-040B-731D-6A92-36F40BDD9FCA}"/>
+              </a:ext>
+            </a:extLst>
+          </p:cNvPr>
+          <p:cNvSpPr/>
+          <p:nvPr/>
+        </p:nvSpPr>
+        <p:spPr>
+          <a:xfrm>
+            <a:off x="4845050" y="1384300"/>
+            <a:ext cx="2311400" cy="1155700"/>
+          </a:xfrm>
+          <a:prstGeom prst="roundRect">
+            <a:avLst/>
+          </a:prstGeom>
+        </p:spPr>
+        <p:style>
+          <a:lnRef idx="1">
+            <a:schemeClr val="accent5"/>
+          </a:lnRef>
+          <a:fillRef idx="2">
+            <a:schemeClr val="accent5"/>
+          </a:fillRef>
+          <a:effectRef idx="1">
+            <a:schemeClr val="accent5"/>
+          </a:effectRef>
+          <a:fontRef idx="minor">
+            <a:schemeClr val="dk1"/>
+          </a:fontRef>
+        </p:style>
+        <p:txBody>
+          <a:bodyPr rtlCol="0" anchor="ctr"/>
+          <a:lstStyle/>
+          <a:p>
+            <a:pPr algn="ctr"/>
+            <a:r>
+              <a:rPr lang="en-US"/>
+              <a:t>Generate migration scripts</a:t>
+            </a:r>
+          </a:p>
+        </p:txBody>
+      </p:sp>
+      <p:sp>
+        <p:nvSpPr>
+          <p:cNvPr id="4" name="Rounded Rectangle 3">
+            <a:extLst>
+              <a:ext uri="{FF2B5EF4-FFF2-40B4-BE49-F238E27FC236}">
+                <a16:creationId xmlns:a16="http://schemas.microsoft.com/office/drawing/2014/main" id="{E2143D0E-9C9C-EE8A-9F41-B9BE80B3F62E}"/>
+              </a:ext>
+            </a:extLst>
+          </p:cNvPr>
+          <p:cNvSpPr/>
+          <p:nvPr/>
+        </p:nvSpPr>
+        <p:spPr>
+          <a:xfrm>
+            <a:off x="7950200" y="1384300"/>
+            <a:ext cx="2311400" cy="1155700"/>
+          </a:xfrm>
+          <a:prstGeom prst="roundRect">
+            <a:avLst/>
+          </a:prstGeom>
+        </p:spPr>
+        <p:style>
+          <a:lnRef idx="1">
+            <a:schemeClr val="accent5"/>
+          </a:lnRef>
+          <a:fillRef idx="2">
+            <a:schemeClr val="accent5"/>
+          </a:fillRef>
+          <a:effectRef idx="1">
+            <a:schemeClr val="accent5"/>
+          </a:effectRef>
+          <a:fontRef idx="minor">
+            <a:schemeClr val="dk1"/>
+          </a:fontRef>
+        </p:style>
+        <p:txBody>
+          <a:bodyPr rtlCol="0" anchor="ctr"/>
+          <a:lstStyle/>
+          <a:p>
+            <a:pPr algn="ctr"/>
+            <a:r>
+              <a:rPr lang="en-US"/>
+              <a:t>Apply changes to the database</a:t>
+            </a:r>
+          </a:p>
+        </p:txBody>
+      </p:sp>
+      <p:sp>
+        <p:nvSpPr>
+          <p:cNvPr id="5" name="TextBox 4">
+            <a:extLst>
+              <a:ext uri="{FF2B5EF4-FFF2-40B4-BE49-F238E27FC236}">
+                <a16:creationId xmlns:a16="http://schemas.microsoft.com/office/drawing/2014/main" id="{5E05AEEA-8885-016B-ED80-DD3C4C0C17C7}"/>
+              </a:ext>
+            </a:extLst>
+          </p:cNvPr>
+          <p:cNvSpPr txBox="1"/>
+          <p:nvPr/>
+        </p:nvSpPr>
+        <p:spPr>
+          <a:xfrm>
+            <a:off x="1574800" y="3270934"/>
+            <a:ext cx="2679700" cy="646331"/>
+          </a:xfrm>
+          <a:prstGeom prst="rect">
+            <a:avLst/>
+          </a:prstGeom>
+          <a:noFill/>
+        </p:spPr>
+        <p:txBody>
+          <a:bodyPr wrap="square" rtlCol="0">
+            <a:spAutoFit/>
+          </a:bodyPr>
+          <a:lstStyle/>
+          <a:p>
+            <a:pPr algn="ctr"/>
+            <a:r>
+              <a:rPr lang="en-US"/>
+              <a:t>The software engineer updates the code.</a:t>
+            </a:r>
+          </a:p>
+        </p:txBody>
+      </p:sp>
+      <p:sp>
+        <p:nvSpPr>
+          <p:cNvPr id="6" name="TextBox 5">
+            <a:extLst>
+              <a:ext uri="{FF2B5EF4-FFF2-40B4-BE49-F238E27FC236}">
+                <a16:creationId xmlns:a16="http://schemas.microsoft.com/office/drawing/2014/main" id="{76E86610-DC36-57F3-AD9C-B631B45AC164}"/>
+              </a:ext>
+            </a:extLst>
+          </p:cNvPr>
+          <p:cNvSpPr txBox="1"/>
+          <p:nvPr/>
+        </p:nvSpPr>
+        <p:spPr>
+          <a:xfrm>
+            <a:off x="4660900" y="3270934"/>
+            <a:ext cx="2679700" cy="1477328"/>
+          </a:xfrm>
+          <a:prstGeom prst="rect">
+            <a:avLst/>
+          </a:prstGeom>
+          <a:noFill/>
+        </p:spPr>
+        <p:txBody>
+          <a:bodyPr wrap="square" rtlCol="0">
+            <a:spAutoFit/>
+          </a:bodyPr>
+          <a:lstStyle/>
+          <a:p>
+            <a:pPr algn="ctr"/>
+            <a:r>
+              <a:rPr lang="en-US"/>
+              <a:t>The ORM generates uprade and downgrade scripts. Scripts contain data definition statements such as ALTER TABLE.</a:t>
+            </a:r>
+          </a:p>
+        </p:txBody>
+      </p:sp>
+      <p:sp>
+        <p:nvSpPr>
+          <p:cNvPr id="7" name="TextBox 6">
+            <a:extLst>
+              <a:ext uri="{FF2B5EF4-FFF2-40B4-BE49-F238E27FC236}">
+                <a16:creationId xmlns:a16="http://schemas.microsoft.com/office/drawing/2014/main" id="{1ADA0D0F-5A9D-838D-3D42-86AE5640D0B1}"/>
+              </a:ext>
+            </a:extLst>
+          </p:cNvPr>
+          <p:cNvSpPr txBox="1"/>
+          <p:nvPr/>
+        </p:nvSpPr>
+        <p:spPr>
+          <a:xfrm>
+            <a:off x="7766050" y="3270934"/>
+            <a:ext cx="2679700" cy="923330"/>
+          </a:xfrm>
+          <a:prstGeom prst="rect">
+            <a:avLst/>
+          </a:prstGeom>
+          <a:noFill/>
+        </p:spPr>
+        <p:txBody>
+          <a:bodyPr wrap="square" rtlCol="0">
+            <a:spAutoFit/>
+          </a:bodyPr>
+          <a:lstStyle/>
+          <a:p>
+            <a:pPr algn="ctr"/>
+            <a:r>
+              <a:rPr lang="en-US"/>
+              <a:t>The ORM applies the upgrade script to the database.</a:t>
+            </a:r>
+          </a:p>
+        </p:txBody>
+      </p:sp>
+      <p:grpSp>
+        <p:nvGrpSpPr>
+          <p:cNvPr id="13" name="Group 12">
+            <a:extLst>
+              <a:ext uri="{FF2B5EF4-FFF2-40B4-BE49-F238E27FC236}">
+                <a16:creationId xmlns:a16="http://schemas.microsoft.com/office/drawing/2014/main" id="{1D9257C0-1DC7-96CB-43FA-A9C13C003113}"/>
+              </a:ext>
+            </a:extLst>
+          </p:cNvPr>
+          <p:cNvGrpSpPr/>
+          <p:nvPr/>
+        </p:nvGrpSpPr>
+        <p:grpSpPr>
+          <a:xfrm>
+            <a:off x="1758950" y="2705100"/>
+            <a:ext cx="2311400" cy="406400"/>
+            <a:chOff x="1765300" y="2540000"/>
+            <a:chExt cx="2311400" cy="406400"/>
+          </a:xfrm>
+        </p:grpSpPr>
+        <p:cxnSp>
+          <p:nvCxnSpPr>
+            <p:cNvPr id="9" name="Straight Connector 8">
+              <a:extLst>
+                <a:ext uri="{FF2B5EF4-FFF2-40B4-BE49-F238E27FC236}">
+                  <a16:creationId xmlns:a16="http://schemas.microsoft.com/office/drawing/2014/main" id="{57332080-0293-9B49-69D5-FF6B99F53B82}"/>
+                </a:ext>
+              </a:extLst>
+            </p:cNvPr>
+            <p:cNvCxnSpPr/>
+            <p:nvPr/>
+          </p:nvCxnSpPr>
+          <p:spPr>
+            <a:xfrm>
+              <a:off x="1765300" y="2946400"/>
+              <a:ext cx="2311400" cy="0"/>
+            </a:xfrm>
+            <a:prstGeom prst="line">
+              <a:avLst/>
+            </a:prstGeom>
+            <a:ln w="28575"/>
+          </p:spPr>
+          <p:style>
+            <a:lnRef idx="1">
+              <a:schemeClr val="accent1"/>
+            </a:lnRef>
+            <a:fillRef idx="0">
+              <a:schemeClr val="accent1"/>
+            </a:fillRef>
+            <a:effectRef idx="0">
+              <a:schemeClr val="accent1"/>
+            </a:effectRef>
+            <a:fontRef idx="minor">
+              <a:schemeClr val="tx1"/>
+            </a:fontRef>
+          </p:style>
+        </p:cxnSp>
+        <p:cxnSp>
+          <p:nvCxnSpPr>
+            <p:cNvPr id="11" name="Straight Arrow Connector 10">
+              <a:extLst>
+                <a:ext uri="{FF2B5EF4-FFF2-40B4-BE49-F238E27FC236}">
+                  <a16:creationId xmlns:a16="http://schemas.microsoft.com/office/drawing/2014/main" id="{EFCC247B-2424-2529-8CDB-C6FACF7AE16E}"/>
+                </a:ext>
+              </a:extLst>
+            </p:cNvPr>
+            <p:cNvCxnSpPr>
+              <a:cxnSpLocks/>
+            </p:cNvCxnSpPr>
+            <p:nvPr/>
+          </p:nvCxnSpPr>
+          <p:spPr>
+            <a:xfrm flipV="1">
+              <a:off x="2870200" y="2540000"/>
+              <a:ext cx="0" cy="406400"/>
+            </a:xfrm>
+            <a:prstGeom prst="straightConnector1">
+              <a:avLst/>
+            </a:prstGeom>
+            <a:ln w="28575">
+              <a:tailEnd type="triangle"/>
+            </a:ln>
+          </p:spPr>
+          <p:style>
+            <a:lnRef idx="1">
+              <a:schemeClr val="accent1"/>
+            </a:lnRef>
+            <a:fillRef idx="0">
+              <a:schemeClr val="accent1"/>
+            </a:fillRef>
+            <a:effectRef idx="0">
+              <a:schemeClr val="accent1"/>
+            </a:effectRef>
+            <a:fontRef idx="minor">
+              <a:schemeClr val="tx1"/>
+            </a:fontRef>
+          </p:style>
+        </p:cxnSp>
+      </p:grpSp>
+      <p:grpSp>
+        <p:nvGrpSpPr>
+          <p:cNvPr id="14" name="Group 13">
+            <a:extLst>
+              <a:ext uri="{FF2B5EF4-FFF2-40B4-BE49-F238E27FC236}">
+                <a16:creationId xmlns:a16="http://schemas.microsoft.com/office/drawing/2014/main" id="{0BBC9571-E275-4261-BCFD-C2AD26C9FA48}"/>
+              </a:ext>
+            </a:extLst>
+          </p:cNvPr>
+          <p:cNvGrpSpPr/>
+          <p:nvPr/>
+        </p:nvGrpSpPr>
+        <p:grpSpPr>
+          <a:xfrm>
+            <a:off x="4845050" y="2705100"/>
+            <a:ext cx="2311400" cy="406400"/>
+            <a:chOff x="1765300" y="2540000"/>
+            <a:chExt cx="2311400" cy="406400"/>
+          </a:xfrm>
+        </p:grpSpPr>
+        <p:cxnSp>
+          <p:nvCxnSpPr>
+            <p:cNvPr id="15" name="Straight Connector 14">
+              <a:extLst>
+                <a:ext uri="{FF2B5EF4-FFF2-40B4-BE49-F238E27FC236}">
+                  <a16:creationId xmlns:a16="http://schemas.microsoft.com/office/drawing/2014/main" id="{66578F80-0E3D-D9E9-59BF-48A869B1A0FE}"/>
+                </a:ext>
+              </a:extLst>
+            </p:cNvPr>
+            <p:cNvCxnSpPr/>
+            <p:nvPr/>
+          </p:nvCxnSpPr>
+          <p:spPr>
+            <a:xfrm>
+              <a:off x="1765300" y="2946400"/>
+              <a:ext cx="2311400" cy="0"/>
+            </a:xfrm>
+            <a:prstGeom prst="line">
+              <a:avLst/>
+            </a:prstGeom>
+            <a:ln w="28575"/>
+          </p:spPr>
+          <p:style>
+            <a:lnRef idx="1">
+              <a:schemeClr val="accent1"/>
+            </a:lnRef>
+            <a:fillRef idx="0">
+              <a:schemeClr val="accent1"/>
+            </a:fillRef>
+            <a:effectRef idx="0">
+              <a:schemeClr val="accent1"/>
+            </a:effectRef>
+            <a:fontRef idx="minor">
+              <a:schemeClr val="tx1"/>
+            </a:fontRef>
+          </p:style>
+        </p:cxnSp>
+        <p:cxnSp>
+          <p:nvCxnSpPr>
+            <p:cNvPr id="16" name="Straight Arrow Connector 15">
+              <a:extLst>
+                <a:ext uri="{FF2B5EF4-FFF2-40B4-BE49-F238E27FC236}">
+                  <a16:creationId xmlns:a16="http://schemas.microsoft.com/office/drawing/2014/main" id="{AE6B4BFC-5F85-D5B5-83D6-E3D0C68B2DCF}"/>
+                </a:ext>
+              </a:extLst>
+            </p:cNvPr>
+            <p:cNvCxnSpPr>
+              <a:cxnSpLocks/>
+            </p:cNvCxnSpPr>
+            <p:nvPr/>
+          </p:nvCxnSpPr>
+          <p:spPr>
+            <a:xfrm flipV="1">
+              <a:off x="2870200" y="2540000"/>
+              <a:ext cx="0" cy="406400"/>
+            </a:xfrm>
+            <a:prstGeom prst="straightConnector1">
+              <a:avLst/>
+            </a:prstGeom>
+            <a:ln w="28575">
+              <a:tailEnd type="triangle"/>
+            </a:ln>
+          </p:spPr>
+          <p:style>
+            <a:lnRef idx="1">
+              <a:schemeClr val="accent1"/>
+            </a:lnRef>
+            <a:fillRef idx="0">
+              <a:schemeClr val="accent1"/>
+            </a:fillRef>
+            <a:effectRef idx="0">
+              <a:schemeClr val="accent1"/>
+            </a:effectRef>
+            <a:fontRef idx="minor">
+              <a:schemeClr val="tx1"/>
+            </a:fontRef>
+          </p:style>
+        </p:cxnSp>
+      </p:grpSp>
+      <p:grpSp>
+        <p:nvGrpSpPr>
+          <p:cNvPr id="17" name="Group 16">
+            <a:extLst>
+              <a:ext uri="{FF2B5EF4-FFF2-40B4-BE49-F238E27FC236}">
+                <a16:creationId xmlns:a16="http://schemas.microsoft.com/office/drawing/2014/main" id="{05764065-4E7F-FA5F-6453-DC103322F4CA}"/>
+              </a:ext>
+            </a:extLst>
+          </p:cNvPr>
+          <p:cNvGrpSpPr/>
+          <p:nvPr/>
+        </p:nvGrpSpPr>
+        <p:grpSpPr>
+          <a:xfrm>
+            <a:off x="7950200" y="2705100"/>
+            <a:ext cx="2311400" cy="406400"/>
+            <a:chOff x="1765300" y="2540000"/>
+            <a:chExt cx="2311400" cy="406400"/>
+          </a:xfrm>
+        </p:grpSpPr>
+        <p:cxnSp>
+          <p:nvCxnSpPr>
+            <p:cNvPr id="18" name="Straight Connector 17">
+              <a:extLst>
+                <a:ext uri="{FF2B5EF4-FFF2-40B4-BE49-F238E27FC236}">
+                  <a16:creationId xmlns:a16="http://schemas.microsoft.com/office/drawing/2014/main" id="{734CF01C-3324-80D5-926B-AC89CF63AA46}"/>
+                </a:ext>
+              </a:extLst>
+            </p:cNvPr>
+            <p:cNvCxnSpPr/>
+            <p:nvPr/>
+          </p:nvCxnSpPr>
+          <p:spPr>
+            <a:xfrm>
+              <a:off x="1765300" y="2946400"/>
+              <a:ext cx="2311400" cy="0"/>
+            </a:xfrm>
+            <a:prstGeom prst="line">
+              <a:avLst/>
+            </a:prstGeom>
+            <a:ln w="28575"/>
+          </p:spPr>
+          <p:style>
+            <a:lnRef idx="1">
+              <a:schemeClr val="accent1"/>
+            </a:lnRef>
+            <a:fillRef idx="0">
+              <a:schemeClr val="accent1"/>
+            </a:fillRef>
+            <a:effectRef idx="0">
+              <a:schemeClr val="accent1"/>
+            </a:effectRef>
+            <a:fontRef idx="minor">
+              <a:schemeClr val="tx1"/>
+            </a:fontRef>
+          </p:style>
+        </p:cxnSp>
+        <p:cxnSp>
+          <p:nvCxnSpPr>
+            <p:cNvPr id="19" name="Straight Arrow Connector 18">
+              <a:extLst>
+                <a:ext uri="{FF2B5EF4-FFF2-40B4-BE49-F238E27FC236}">
+                  <a16:creationId xmlns:a16="http://schemas.microsoft.com/office/drawing/2014/main" id="{2E378CD2-00CE-64B8-3F50-537F89B572FA}"/>
+                </a:ext>
+              </a:extLst>
+            </p:cNvPr>
+            <p:cNvCxnSpPr>
+              <a:cxnSpLocks/>
+            </p:cNvCxnSpPr>
+            <p:nvPr/>
+          </p:nvCxnSpPr>
+          <p:spPr>
+            <a:xfrm flipV="1">
+              <a:off x="2870200" y="2540000"/>
+              <a:ext cx="0" cy="406400"/>
+            </a:xfrm>
+            <a:prstGeom prst="straightConnector1">
+              <a:avLst/>
+            </a:prstGeom>
+            <a:ln w="28575">
+              <a:tailEnd type="triangle"/>
+            </a:ln>
+          </p:spPr>
+          <p:style>
+            <a:lnRef idx="1">
+              <a:schemeClr val="accent1"/>
+            </a:lnRef>
+            <a:fillRef idx="0">
+              <a:schemeClr val="accent1"/>
+            </a:fillRef>
+            <a:effectRef idx="0">
+              <a:schemeClr val="accent1"/>
+            </a:effectRef>
+            <a:fontRef idx="minor">
+              <a:schemeClr val="tx1"/>
+            </a:fontRef>
+          </p:style>
+        </p:cxnSp>
+      </p:grpSp>
+      <p:cxnSp>
+        <p:nvCxnSpPr>
+          <p:cNvPr id="21" name="Straight Arrow Connector 20">
+            <a:extLst>
+              <a:ext uri="{FF2B5EF4-FFF2-40B4-BE49-F238E27FC236}">
+                <a16:creationId xmlns:a16="http://schemas.microsoft.com/office/drawing/2014/main" id="{2DA74EF5-1BF1-79A0-8E81-109DE552DFB8}"/>
+              </a:ext>
+            </a:extLst>
+          </p:cNvPr>
+          <p:cNvCxnSpPr>
+            <a:stCxn id="2" idx="3"/>
+            <a:endCxn id="3" idx="1"/>
+          </p:cNvCxnSpPr>
+          <p:nvPr/>
+        </p:nvCxnSpPr>
+        <p:spPr>
+          <a:xfrm>
+            <a:off x="4070350" y="1962150"/>
+            <a:ext cx="774700" cy="0"/>
+          </a:xfrm>
+          <a:prstGeom prst="straightConnector1">
+            <a:avLst/>
+          </a:prstGeom>
+          <a:ln w="28575">
+            <a:tailEnd type="triangle"/>
+          </a:ln>
+        </p:spPr>
+        <p:style>
+          <a:lnRef idx="1">
+            <a:schemeClr val="accent1"/>
+          </a:lnRef>
+          <a:fillRef idx="0">
+            <a:schemeClr val="accent1"/>
+          </a:fillRef>
+          <a:effectRef idx="0">
+            <a:schemeClr val="accent1"/>
+          </a:effectRef>
+          <a:fontRef idx="minor">
+            <a:schemeClr val="tx1"/>
+          </a:fontRef>
+        </p:style>
+      </p:cxnSp>
+      <p:cxnSp>
+        <p:nvCxnSpPr>
+          <p:cNvPr id="22" name="Straight Arrow Connector 21">
+            <a:extLst>
+              <a:ext uri="{FF2B5EF4-FFF2-40B4-BE49-F238E27FC236}">
+                <a16:creationId xmlns:a16="http://schemas.microsoft.com/office/drawing/2014/main" id="{42021805-AEA2-168E-8D08-B2F4C37ADD24}"/>
+              </a:ext>
+            </a:extLst>
+          </p:cNvPr>
+          <p:cNvCxnSpPr>
+            <a:cxnSpLocks/>
+            <a:stCxn id="3" idx="3"/>
+            <a:endCxn id="4" idx="1"/>
+          </p:cNvCxnSpPr>
+          <p:nvPr/>
+        </p:nvCxnSpPr>
+        <p:spPr>
+          <a:xfrm>
+            <a:off x="7156450" y="1962150"/>
+            <a:ext cx="793750" cy="0"/>
+          </a:xfrm>
+          <a:prstGeom prst="straightConnector1">
+            <a:avLst/>
+          </a:prstGeom>
+          <a:ln w="28575">
+            <a:tailEnd type="triangle"/>
+          </a:ln>
+        </p:spPr>
+        <p:style>
+          <a:lnRef idx="1">
+            <a:schemeClr val="accent1"/>
+          </a:lnRef>
+          <a:fillRef idx="0">
+            <a:schemeClr val="accent1"/>
+          </a:fillRef>
+          <a:effectRef idx="0">
+            <a:schemeClr val="accent1"/>
+          </a:effectRef>
+          <a:fontRef idx="minor">
+            <a:schemeClr val="tx1"/>
+          </a:fontRef>
+        </p:style>
+      </p:cxnSp>
+    </p:spTree>
+    <p:extLst>
+      <p:ext uri="{BB962C8B-B14F-4D97-AF65-F5344CB8AC3E}">
+        <p14:creationId xmlns:p14="http://schemas.microsoft.com/office/powerpoint/2010/main" val="3007499127"/>
+      </p:ext>
+    </p:extLst>
+  </p:cSld>
+  <p:clrMapOvr>
+    <a:masterClrMapping/>
+  </p:clrMapOvr>
+</p:sld>
+</file>
+
+<file path=ppt/slides/slide14.xml><?xml version="1.0" encoding="utf-8"?>
+<p:sld xmlns:a="http://schemas.openxmlformats.org/drawingml/2006/main" xmlns:r="http://schemas.openxmlformats.org/officeDocument/2006/relationships" xmlns:p="http://schemas.openxmlformats.org/presentationml/2006/main">
+  <p:cSld>
+    <p:spTree>
+      <p:nvGrpSpPr>
+        <p:cNvPr id="1" name=""/>
+        <p:cNvGrpSpPr/>
+        <p:nvPr/>
+      </p:nvGrpSpPr>
+      <p:grpSpPr>
+        <a:xfrm>
+          <a:off x="0" y="0"/>
+          <a:ext cx="0" cy="0"/>
+          <a:chOff x="0" y="0"/>
+          <a:chExt cx="0" cy="0"/>
+        </a:xfrm>
+      </p:grpSpPr>
+      <p:sp>
+        <p:nvSpPr>
+          <p:cNvPr id="3" name="Circular Arrow 2">
+            <a:extLst>
+              <a:ext uri="{FF2B5EF4-FFF2-40B4-BE49-F238E27FC236}">
+                <a16:creationId xmlns:a16="http://schemas.microsoft.com/office/drawing/2014/main" id="{049ADACC-68E0-ADDE-17A5-D9353F61092F}"/>
+              </a:ext>
+            </a:extLst>
+          </p:cNvPr>
+          <p:cNvSpPr/>
+          <p:nvPr/>
+        </p:nvSpPr>
+        <p:spPr>
+          <a:xfrm rot="13870649">
+            <a:off x="2572757" y="2263969"/>
+            <a:ext cx="1782814" cy="1872860"/>
+          </a:xfrm>
+          <a:prstGeom prst="circularArrow">
+            <a:avLst>
+              <a:gd name="adj1" fmla="val 12500"/>
+              <a:gd name="adj2" fmla="val 1142319"/>
+              <a:gd name="adj3" fmla="val 20457681"/>
+              <a:gd name="adj4" fmla="val 265192"/>
+              <a:gd name="adj5" fmla="val 12500"/>
+            </a:avLst>
+          </a:prstGeom>
+        </p:spPr>
+        <p:style>
+          <a:lnRef idx="1">
+            <a:schemeClr val="accent2"/>
+          </a:lnRef>
+          <a:fillRef idx="2">
+            <a:schemeClr val="accent2"/>
+          </a:fillRef>
+          <a:effectRef idx="1">
+            <a:schemeClr val="accent2"/>
+          </a:effectRef>
+          <a:fontRef idx="minor">
+            <a:schemeClr val="dk1"/>
+          </a:fontRef>
+        </p:style>
+        <p:txBody>
+          <a:bodyPr rtlCol="0" anchor="ctr"/>
+          <a:lstStyle/>
+          <a:p>
+            <a:pPr algn="ctr"/>
+            <a:endParaRPr lang="en-US">
+              <a:solidFill>
+                <a:schemeClr val="tx1"/>
+              </a:solidFill>
+            </a:endParaRPr>
+          </a:p>
+        </p:txBody>
+      </p:sp>
+      <p:sp>
+        <p:nvSpPr>
+          <p:cNvPr id="4" name="Circular Arrow 3">
+            <a:extLst>
+              <a:ext uri="{FF2B5EF4-FFF2-40B4-BE49-F238E27FC236}">
+                <a16:creationId xmlns:a16="http://schemas.microsoft.com/office/drawing/2014/main" id="{482A6A3A-0762-0796-77A7-B8C6124A24DD}"/>
+              </a:ext>
+            </a:extLst>
+          </p:cNvPr>
+          <p:cNvSpPr/>
+          <p:nvPr/>
+        </p:nvSpPr>
+        <p:spPr>
+          <a:xfrm rot="13870649">
+            <a:off x="5143500" y="1892300"/>
+            <a:ext cx="2616200" cy="2616200"/>
+          </a:xfrm>
+          <a:prstGeom prst="circularArrow">
+            <a:avLst>
+              <a:gd name="adj1" fmla="val 12500"/>
+              <a:gd name="adj2" fmla="val 1142319"/>
+              <a:gd name="adj3" fmla="val 20457681"/>
+              <a:gd name="adj4" fmla="val 265192"/>
+              <a:gd name="adj5" fmla="val 12500"/>
+            </a:avLst>
+          </a:prstGeom>
+        </p:spPr>
+        <p:style>
+          <a:lnRef idx="1">
+            <a:schemeClr val="accent2"/>
+          </a:lnRef>
+          <a:fillRef idx="2">
+            <a:schemeClr val="accent2"/>
+          </a:fillRef>
+          <a:effectRef idx="1">
+            <a:schemeClr val="accent2"/>
+          </a:effectRef>
+          <a:fontRef idx="minor">
+            <a:schemeClr val="dk1"/>
+          </a:fontRef>
+        </p:style>
+        <p:txBody>
+          <a:bodyPr rtlCol="0" anchor="ctr"/>
+          <a:lstStyle/>
+          <a:p>
+            <a:pPr algn="ctr"/>
+            <a:endParaRPr lang="en-US">
+              <a:solidFill>
+                <a:schemeClr val="tx1"/>
+              </a:solidFill>
+            </a:endParaRPr>
+          </a:p>
+        </p:txBody>
+      </p:sp>
+      <p:sp>
+        <p:nvSpPr>
+          <p:cNvPr id="5" name="TextBox 4">
+            <a:extLst>
+              <a:ext uri="{FF2B5EF4-FFF2-40B4-BE49-F238E27FC236}">
+                <a16:creationId xmlns:a16="http://schemas.microsoft.com/office/drawing/2014/main" id="{91C07842-CB06-716E-FCEE-5E6C18EF4817}"/>
+              </a:ext>
+            </a:extLst>
+          </p:cNvPr>
+          <p:cNvSpPr txBox="1"/>
+          <p:nvPr/>
+        </p:nvSpPr>
+        <p:spPr>
+          <a:xfrm>
+            <a:off x="408045" y="2877234"/>
+            <a:ext cx="1511300" cy="646331"/>
+          </a:xfrm>
+          <a:prstGeom prst="rect">
+            <a:avLst/>
+          </a:prstGeom>
+          <a:noFill/>
+        </p:spPr>
+        <p:txBody>
+          <a:bodyPr wrap="square" rtlCol="0">
+            <a:spAutoFit/>
+          </a:bodyPr>
+          <a:lstStyle/>
+          <a:p>
+            <a:r>
+              <a:rPr lang="en-US" b="1"/>
+              <a:t>Initial project requirements</a:t>
+            </a:r>
+          </a:p>
+        </p:txBody>
+      </p:sp>
+      <p:sp>
+        <p:nvSpPr>
+          <p:cNvPr id="6" name="TextBox 5">
+            <a:extLst>
+              <a:ext uri="{FF2B5EF4-FFF2-40B4-BE49-F238E27FC236}">
+                <a16:creationId xmlns:a16="http://schemas.microsoft.com/office/drawing/2014/main" id="{32D858CF-DB8D-BABD-27AD-EC33D4C7048B}"/>
+              </a:ext>
+            </a:extLst>
+          </p:cNvPr>
+          <p:cNvSpPr txBox="1"/>
+          <p:nvPr/>
+        </p:nvSpPr>
+        <p:spPr>
+          <a:xfrm>
+            <a:off x="2766065" y="2877234"/>
+            <a:ext cx="1511300" cy="646331"/>
+          </a:xfrm>
+          <a:prstGeom prst="rect">
+            <a:avLst/>
+          </a:prstGeom>
+          <a:noFill/>
+        </p:spPr>
+        <p:txBody>
+          <a:bodyPr wrap="square" rtlCol="0">
+            <a:spAutoFit/>
+          </a:bodyPr>
+          <a:lstStyle/>
+          <a:p>
+            <a:pPr algn="ctr"/>
+            <a:r>
+              <a:rPr lang="en-US" b="1"/>
+              <a:t>High level design</a:t>
+            </a:r>
+          </a:p>
+        </p:txBody>
+      </p:sp>
+      <p:sp>
+        <p:nvSpPr>
+          <p:cNvPr id="7" name="TextBox 6">
+            <a:extLst>
+              <a:ext uri="{FF2B5EF4-FFF2-40B4-BE49-F238E27FC236}">
+                <a16:creationId xmlns:a16="http://schemas.microsoft.com/office/drawing/2014/main" id="{2F8D15A0-894E-B3C2-36BE-A721A0994529}"/>
+              </a:ext>
+            </a:extLst>
+          </p:cNvPr>
+          <p:cNvSpPr txBox="1"/>
+          <p:nvPr/>
+        </p:nvSpPr>
+        <p:spPr>
+          <a:xfrm>
+            <a:off x="5695950" y="2877234"/>
+            <a:ext cx="1511300" cy="646331"/>
+          </a:xfrm>
+          <a:prstGeom prst="rect">
+            <a:avLst/>
+          </a:prstGeom>
+          <a:noFill/>
+        </p:spPr>
+        <p:txBody>
+          <a:bodyPr wrap="square" rtlCol="0">
+            <a:spAutoFit/>
+          </a:bodyPr>
+          <a:lstStyle/>
+          <a:p>
+            <a:pPr algn="ctr"/>
+            <a:r>
+              <a:rPr lang="en-US" b="1"/>
+              <a:t>Low level design</a:t>
+            </a:r>
+          </a:p>
+        </p:txBody>
+      </p:sp>
+      <p:sp>
+        <p:nvSpPr>
+          <p:cNvPr id="8" name="TextBox 7">
+            <a:extLst>
+              <a:ext uri="{FF2B5EF4-FFF2-40B4-BE49-F238E27FC236}">
+                <a16:creationId xmlns:a16="http://schemas.microsoft.com/office/drawing/2014/main" id="{C811103C-E297-4F50-A0A9-7914174D1B18}"/>
+              </a:ext>
+            </a:extLst>
+          </p:cNvPr>
+          <p:cNvSpPr txBox="1"/>
+          <p:nvPr/>
+        </p:nvSpPr>
+        <p:spPr>
+          <a:xfrm>
+            <a:off x="2322419" y="4481945"/>
+            <a:ext cx="2765186" cy="1477328"/>
+          </a:xfrm>
+          <a:prstGeom prst="rect">
+            <a:avLst/>
+          </a:prstGeom>
+          <a:noFill/>
+        </p:spPr>
+        <p:txBody>
+          <a:bodyPr wrap="square" rtlCol="0">
+            <a:spAutoFit/>
+          </a:bodyPr>
+          <a:lstStyle/>
+          <a:p>
+            <a:pPr marL="342900" indent="-342900">
+              <a:buFont typeface="+mj-lt"/>
+              <a:buAutoNum type="arabicPeriod"/>
+            </a:pPr>
+            <a:r>
+              <a:rPr lang="en-US"/>
+              <a:t>Generate high level descriptions</a:t>
+            </a:r>
+          </a:p>
+          <a:p>
+            <a:pPr marL="342900" indent="-342900">
+              <a:buFont typeface="+mj-lt"/>
+              <a:buAutoNum type="arabicPeriod"/>
+            </a:pPr>
+            <a:r>
+              <a:rPr lang="en-US"/>
+              <a:t>Evaluate against requirements</a:t>
+            </a:r>
+          </a:p>
+          <a:p>
+            <a:pPr marL="342900" indent="-342900">
+              <a:buFont typeface="+mj-lt"/>
+              <a:buAutoNum type="arabicPeriod"/>
+            </a:pPr>
+            <a:r>
+              <a:rPr lang="en-US"/>
+              <a:t>Repeat</a:t>
+            </a:r>
+          </a:p>
+        </p:txBody>
+      </p:sp>
+      <p:sp>
+        <p:nvSpPr>
+          <p:cNvPr id="9" name="TextBox 8">
+            <a:extLst>
+              <a:ext uri="{FF2B5EF4-FFF2-40B4-BE49-F238E27FC236}">
+                <a16:creationId xmlns:a16="http://schemas.microsoft.com/office/drawing/2014/main" id="{0BE5AEC8-3BA4-74D1-C6C4-FC2F523EC8AD}"/>
+              </a:ext>
+            </a:extLst>
+          </p:cNvPr>
+          <p:cNvSpPr txBox="1"/>
+          <p:nvPr/>
+        </p:nvSpPr>
+        <p:spPr>
+          <a:xfrm>
+            <a:off x="5150000" y="4481945"/>
+            <a:ext cx="2765186" cy="1477328"/>
+          </a:xfrm>
+          <a:prstGeom prst="rect">
+            <a:avLst/>
+          </a:prstGeom>
+          <a:noFill/>
+        </p:spPr>
+        <p:txBody>
+          <a:bodyPr wrap="square" rtlCol="0">
+            <a:spAutoFit/>
+          </a:bodyPr>
+          <a:lstStyle/>
+          <a:p>
+            <a:pPr marL="342900" indent="-342900">
+              <a:buFont typeface="+mj-lt"/>
+              <a:buAutoNum type="arabicPeriod"/>
+            </a:pPr>
+            <a:r>
+              <a:rPr lang="en-US"/>
+              <a:t>Generate module code</a:t>
+            </a:r>
+          </a:p>
+          <a:p>
+            <a:pPr marL="342900" indent="-342900">
+              <a:buFont typeface="+mj-lt"/>
+              <a:buAutoNum type="arabicPeriod"/>
+            </a:pPr>
+            <a:r>
+              <a:rPr lang="en-US"/>
+              <a:t>Apply standards, debug, test, integrate</a:t>
+            </a:r>
+          </a:p>
+          <a:p>
+            <a:pPr marL="342900" indent="-342900">
+              <a:buFont typeface="+mj-lt"/>
+              <a:buAutoNum type="arabicPeriod"/>
+            </a:pPr>
+            <a:r>
+              <a:rPr lang="en-US"/>
+              <a:t>Refactor</a:t>
+            </a:r>
+          </a:p>
+          <a:p>
+            <a:pPr marL="342900" indent="-342900">
+              <a:buFont typeface="+mj-lt"/>
+              <a:buAutoNum type="arabicPeriod"/>
+            </a:pPr>
+            <a:r>
+              <a:rPr lang="en-US"/>
+              <a:t>Repeat</a:t>
+            </a:r>
+          </a:p>
+        </p:txBody>
+      </p:sp>
+      <p:sp>
+        <p:nvSpPr>
+          <p:cNvPr id="10" name="Right Arrow 9">
+            <a:extLst>
+              <a:ext uri="{FF2B5EF4-FFF2-40B4-BE49-F238E27FC236}">
+                <a16:creationId xmlns:a16="http://schemas.microsoft.com/office/drawing/2014/main" id="{02C355BC-4686-ECC0-70EB-154F9A1DAF03}"/>
+              </a:ext>
+            </a:extLst>
+          </p:cNvPr>
+          <p:cNvSpPr/>
+          <p:nvPr/>
+        </p:nvSpPr>
+        <p:spPr>
+          <a:xfrm>
+            <a:off x="1874175" y="3130548"/>
+            <a:ext cx="544455" cy="139701"/>
+          </a:xfrm>
+          <a:prstGeom prst="rightArrow">
+            <a:avLst/>
+          </a:prstGeom>
+        </p:spPr>
+        <p:style>
+          <a:lnRef idx="2">
+            <a:schemeClr val="accent2">
+              <a:shade val="15000"/>
+            </a:schemeClr>
+          </a:lnRef>
+          <a:fillRef idx="1">
+            <a:schemeClr val="accent2"/>
+          </a:fillRef>
+          <a:effectRef idx="0">
+            <a:schemeClr val="accent2"/>
+          </a:effectRef>
+          <a:fontRef idx="minor">
+            <a:schemeClr val="lt1"/>
+          </a:fontRef>
+        </p:style>
+        <p:txBody>
+          <a:bodyPr rtlCol="0" anchor="ctr"/>
+          <a:lstStyle/>
+          <a:p>
+            <a:pPr algn="ctr"/>
+            <a:endParaRPr lang="en-US"/>
+          </a:p>
+        </p:txBody>
+      </p:sp>
+      <p:sp>
+        <p:nvSpPr>
+          <p:cNvPr id="11" name="Right Arrow 10">
+            <a:extLst>
+              <a:ext uri="{FF2B5EF4-FFF2-40B4-BE49-F238E27FC236}">
+                <a16:creationId xmlns:a16="http://schemas.microsoft.com/office/drawing/2014/main" id="{CF83079C-138B-182E-867D-C57256D12EB8}"/>
+              </a:ext>
+            </a:extLst>
+          </p:cNvPr>
+          <p:cNvSpPr/>
+          <p:nvPr/>
+        </p:nvSpPr>
+        <p:spPr>
+          <a:xfrm>
+            <a:off x="4546908" y="3130549"/>
+            <a:ext cx="544455" cy="139701"/>
+          </a:xfrm>
+          <a:prstGeom prst="rightArrow">
+            <a:avLst/>
+          </a:prstGeom>
+        </p:spPr>
+        <p:style>
+          <a:lnRef idx="2">
+            <a:schemeClr val="accent2">
+              <a:shade val="15000"/>
+            </a:schemeClr>
+          </a:lnRef>
+          <a:fillRef idx="1">
+            <a:schemeClr val="accent2"/>
+          </a:fillRef>
+          <a:effectRef idx="0">
+            <a:schemeClr val="accent2"/>
+          </a:effectRef>
+          <a:fontRef idx="minor">
+            <a:schemeClr val="lt1"/>
+          </a:fontRef>
+        </p:style>
+        <p:txBody>
+          <a:bodyPr rtlCol="0" anchor="ctr"/>
+          <a:lstStyle/>
+          <a:p>
+            <a:pPr algn="ctr"/>
+            <a:endParaRPr lang="en-US"/>
+          </a:p>
+        </p:txBody>
+      </p:sp>
+      <p:sp>
+        <p:nvSpPr>
+          <p:cNvPr id="12" name="Right Arrow 11">
+            <a:extLst>
+              <a:ext uri="{FF2B5EF4-FFF2-40B4-BE49-F238E27FC236}">
+                <a16:creationId xmlns:a16="http://schemas.microsoft.com/office/drawing/2014/main" id="{A7581B51-10EE-C6AD-5C52-1211D47C1239}"/>
+              </a:ext>
+            </a:extLst>
+          </p:cNvPr>
+          <p:cNvSpPr/>
+          <p:nvPr/>
+        </p:nvSpPr>
+        <p:spPr>
+          <a:xfrm>
+            <a:off x="7826286" y="3130549"/>
+            <a:ext cx="544455" cy="139701"/>
+          </a:xfrm>
+          <a:prstGeom prst="rightArrow">
+            <a:avLst/>
+          </a:prstGeom>
+        </p:spPr>
+        <p:style>
+          <a:lnRef idx="2">
+            <a:schemeClr val="accent2">
+              <a:shade val="15000"/>
+            </a:schemeClr>
+          </a:lnRef>
+          <a:fillRef idx="1">
+            <a:schemeClr val="accent2"/>
+          </a:fillRef>
+          <a:effectRef idx="0">
+            <a:schemeClr val="accent2"/>
+          </a:effectRef>
+          <a:fontRef idx="minor">
+            <a:schemeClr val="lt1"/>
+          </a:fontRef>
+        </p:style>
+        <p:txBody>
+          <a:bodyPr rtlCol="0" anchor="ctr"/>
+          <a:lstStyle/>
+          <a:p>
+            <a:pPr algn="ctr"/>
+            <a:endParaRPr lang="en-US"/>
+          </a:p>
+        </p:txBody>
+      </p:sp>
+      <p:sp>
+        <p:nvSpPr>
+          <p:cNvPr id="13" name="TextBox 12">
+            <a:extLst>
+              <a:ext uri="{FF2B5EF4-FFF2-40B4-BE49-F238E27FC236}">
+                <a16:creationId xmlns:a16="http://schemas.microsoft.com/office/drawing/2014/main" id="{B82BD961-C433-58DD-BD6D-5A0BFE541C43}"/>
+              </a:ext>
+            </a:extLst>
+          </p:cNvPr>
+          <p:cNvSpPr txBox="1"/>
+          <p:nvPr/>
+        </p:nvSpPr>
+        <p:spPr>
+          <a:xfrm>
+            <a:off x="8479785" y="3015733"/>
+            <a:ext cx="1511300" cy="369332"/>
+          </a:xfrm>
+          <a:prstGeom prst="rect">
+            <a:avLst/>
+          </a:prstGeom>
+          <a:noFill/>
+        </p:spPr>
+        <p:txBody>
+          <a:bodyPr wrap="square" rtlCol="0">
+            <a:spAutoFit/>
+          </a:bodyPr>
+          <a:lstStyle/>
+          <a:p>
+            <a:r>
+              <a:rPr lang="en-US" b="1"/>
+              <a:t>Final product</a:t>
+            </a:r>
+          </a:p>
+        </p:txBody>
+      </p:sp>
+    </p:spTree>
+    <p:extLst>
+      <p:ext uri="{BB962C8B-B14F-4D97-AF65-F5344CB8AC3E}">
+        <p14:creationId xmlns:p14="http://schemas.microsoft.com/office/powerpoint/2010/main" val="2494509389"/>
+      </p:ext>
+    </p:extLst>
+  </p:cSld>
+  <p:clrMapOvr>
+    <a:masterClrMapping/>
+  </p:clrMapOvr>
+</p:sld>
+</file>
+
 <file path=ppt/slides/slide2.xml><?xml version="1.0" encoding="utf-8"?>
 <p:sld xmlns:a="http://schemas.openxmlformats.org/drawingml/2006/main" xmlns:r="http://schemas.openxmlformats.org/officeDocument/2006/relationships" xmlns:p="http://schemas.openxmlformats.org/presentationml/2006/main">
   <p:cSld>

--- a/images/graphics.pptx
+++ b/images/graphics.pptx
@@ -19,6 +19,8 @@
     <p:sldId id="269" r:id="rId13"/>
     <p:sldId id="270" r:id="rId14"/>
     <p:sldId id="271" r:id="rId15"/>
+    <p:sldId id="272" r:id="rId16"/>
+    <p:sldId id="273" r:id="rId17"/>
   </p:sldIdLst>
   <p:sldSz cx="12192000" cy="6858000"/>
   <p:notesSz cx="6858000" cy="9144000"/>
@@ -274,7 +276,7 @@
           <a:p>
             <a:fld id="{E9175749-BE88-2442-8D84-DEA4B15C26FA}" type="datetimeFigureOut">
               <a:rPr lang="en-US" smtClean="0"/>
-              <a:t>11/2/23</a:t>
+              <a:t>11/6/23</a:t>
             </a:fld>
             <a:endParaRPr lang="en-US"/>
           </a:p>
@@ -474,7 +476,7 @@
           <a:p>
             <a:fld id="{E9175749-BE88-2442-8D84-DEA4B15C26FA}" type="datetimeFigureOut">
               <a:rPr lang="en-US" smtClean="0"/>
-              <a:t>11/2/23</a:t>
+              <a:t>11/6/23</a:t>
             </a:fld>
             <a:endParaRPr lang="en-US"/>
           </a:p>
@@ -684,7 +686,7 @@
           <a:p>
             <a:fld id="{E9175749-BE88-2442-8D84-DEA4B15C26FA}" type="datetimeFigureOut">
               <a:rPr lang="en-US" smtClean="0"/>
-              <a:t>11/2/23</a:t>
+              <a:t>11/6/23</a:t>
             </a:fld>
             <a:endParaRPr lang="en-US"/>
           </a:p>
@@ -884,7 +886,7 @@
           <a:p>
             <a:fld id="{E9175749-BE88-2442-8D84-DEA4B15C26FA}" type="datetimeFigureOut">
               <a:rPr lang="en-US" smtClean="0"/>
-              <a:t>11/2/23</a:t>
+              <a:t>11/6/23</a:t>
             </a:fld>
             <a:endParaRPr lang="en-US"/>
           </a:p>
@@ -1160,7 +1162,7 @@
           <a:p>
             <a:fld id="{E9175749-BE88-2442-8D84-DEA4B15C26FA}" type="datetimeFigureOut">
               <a:rPr lang="en-US" smtClean="0"/>
-              <a:t>11/2/23</a:t>
+              <a:t>11/6/23</a:t>
             </a:fld>
             <a:endParaRPr lang="en-US"/>
           </a:p>
@@ -1428,7 +1430,7 @@
           <a:p>
             <a:fld id="{E9175749-BE88-2442-8D84-DEA4B15C26FA}" type="datetimeFigureOut">
               <a:rPr lang="en-US" smtClean="0"/>
-              <a:t>11/2/23</a:t>
+              <a:t>11/6/23</a:t>
             </a:fld>
             <a:endParaRPr lang="en-US"/>
           </a:p>
@@ -1843,7 +1845,7 @@
           <a:p>
             <a:fld id="{E9175749-BE88-2442-8D84-DEA4B15C26FA}" type="datetimeFigureOut">
               <a:rPr lang="en-US" smtClean="0"/>
-              <a:t>11/2/23</a:t>
+              <a:t>11/6/23</a:t>
             </a:fld>
             <a:endParaRPr lang="en-US"/>
           </a:p>
@@ -1985,7 +1987,7 @@
           <a:p>
             <a:fld id="{E9175749-BE88-2442-8D84-DEA4B15C26FA}" type="datetimeFigureOut">
               <a:rPr lang="en-US" smtClean="0"/>
-              <a:t>11/2/23</a:t>
+              <a:t>11/6/23</a:t>
             </a:fld>
             <a:endParaRPr lang="en-US"/>
           </a:p>
@@ -2098,7 +2100,7 @@
           <a:p>
             <a:fld id="{E9175749-BE88-2442-8D84-DEA4B15C26FA}" type="datetimeFigureOut">
               <a:rPr lang="en-US" smtClean="0"/>
-              <a:t>11/2/23</a:t>
+              <a:t>11/6/23</a:t>
             </a:fld>
             <a:endParaRPr lang="en-US"/>
           </a:p>
@@ -2411,7 +2413,7 @@
           <a:p>
             <a:fld id="{E9175749-BE88-2442-8D84-DEA4B15C26FA}" type="datetimeFigureOut">
               <a:rPr lang="en-US" smtClean="0"/>
-              <a:t>11/2/23</a:t>
+              <a:t>11/6/23</a:t>
             </a:fld>
             <a:endParaRPr lang="en-US"/>
           </a:p>
@@ -2700,7 +2702,7 @@
           <a:p>
             <a:fld id="{E9175749-BE88-2442-8D84-DEA4B15C26FA}" type="datetimeFigureOut">
               <a:rPr lang="en-US" smtClean="0"/>
-              <a:t>11/2/23</a:t>
+              <a:t>11/6/23</a:t>
             </a:fld>
             <a:endParaRPr lang="en-US"/>
           </a:p>
@@ -2943,7 +2945,7 @@
           <a:p>
             <a:fld id="{E9175749-BE88-2442-8D84-DEA4B15C26FA}" type="datetimeFigureOut">
               <a:rPr lang="en-US" smtClean="0"/>
-              <a:t>11/2/23</a:t>
+              <a:t>11/6/23</a:t>
             </a:fld>
             <a:endParaRPr lang="en-US"/>
           </a:p>
@@ -9663,6 +9665,1351 @@
 </p:sld>
 </file>
 
+<file path=ppt/slides/slide15.xml><?xml version="1.0" encoding="utf-8"?>
+<p:sld xmlns:a="http://schemas.openxmlformats.org/drawingml/2006/main" xmlns:r="http://schemas.openxmlformats.org/officeDocument/2006/relationships" xmlns:p="http://schemas.openxmlformats.org/presentationml/2006/main">
+  <p:cSld>
+    <p:spTree>
+      <p:nvGrpSpPr>
+        <p:cNvPr id="1" name=""/>
+        <p:cNvGrpSpPr/>
+        <p:nvPr/>
+      </p:nvGrpSpPr>
+      <p:grpSpPr>
+        <a:xfrm>
+          <a:off x="0" y="0"/>
+          <a:ext cx="0" cy="0"/>
+          <a:chOff x="0" y="0"/>
+          <a:chExt cx="0" cy="0"/>
+        </a:xfrm>
+      </p:grpSpPr>
+      <p:sp>
+        <p:nvSpPr>
+          <p:cNvPr id="2" name="TextBox 1">
+            <a:extLst>
+              <a:ext uri="{FF2B5EF4-FFF2-40B4-BE49-F238E27FC236}">
+                <a16:creationId xmlns:a16="http://schemas.microsoft.com/office/drawing/2014/main" id="{F0F1C247-3A23-FA4C-9D7F-2F651DBD7304}"/>
+              </a:ext>
+            </a:extLst>
+          </p:cNvPr>
+          <p:cNvSpPr txBox="1"/>
+          <p:nvPr/>
+        </p:nvSpPr>
+        <p:spPr>
+          <a:xfrm>
+            <a:off x="1152939" y="993913"/>
+            <a:ext cx="3826565" cy="5355312"/>
+          </a:xfrm>
+          <a:prstGeom prst="rect">
+            <a:avLst/>
+          </a:prstGeom>
+          <a:noFill/>
+        </p:spPr>
+        <p:txBody>
+          <a:bodyPr wrap="square" rtlCol="0">
+            <a:spAutoFit/>
+          </a:bodyPr>
+          <a:lstStyle/>
+          <a:p>
+            <a:r>
+              <a:rPr lang="en-US">
+                <a:latin typeface="Menlo" panose="020B0609030804020204" pitchFamily="49" charset="0"/>
+                <a:ea typeface="Menlo" panose="020B0609030804020204" pitchFamily="49" charset="0"/>
+                <a:cs typeface="Menlo" panose="020B0609030804020204" pitchFamily="49" charset="0"/>
+              </a:rPr>
+              <a:t>C:\</a:t>
+            </a:r>
+          </a:p>
+          <a:p>
+            <a:r>
+              <a:rPr lang="en-US">
+                <a:latin typeface="Menlo" panose="020B0609030804020204" pitchFamily="49" charset="0"/>
+                <a:ea typeface="Menlo" panose="020B0609030804020204" pitchFamily="49" charset="0"/>
+                <a:cs typeface="Menlo" panose="020B0609030804020204" pitchFamily="49" charset="0"/>
+              </a:rPr>
+              <a:t>│</a:t>
+            </a:r>
+          </a:p>
+          <a:p>
+            <a:r>
+              <a:rPr lang="en-GB">
+                <a:solidFill>
+                  <a:srgbClr val="202122"/>
+                </a:solidFill>
+                <a:latin typeface="Menlo" panose="020B0609030804020204" pitchFamily="49" charset="0"/>
+                <a:ea typeface="Menlo" panose="020B0609030804020204" pitchFamily="49" charset="0"/>
+                <a:cs typeface="Menlo" panose="020B0609030804020204" pitchFamily="49" charset="0"/>
+              </a:rPr>
+              <a:t>├─ Program Files\</a:t>
+            </a:r>
+          </a:p>
+          <a:p>
+            <a:r>
+              <a:rPr lang="en-GB">
+                <a:solidFill>
+                  <a:srgbClr val="202122"/>
+                </a:solidFill>
+                <a:latin typeface="Menlo" panose="020B0609030804020204" pitchFamily="49" charset="0"/>
+                <a:ea typeface="Menlo" panose="020B0609030804020204" pitchFamily="49" charset="0"/>
+                <a:cs typeface="Menlo" panose="020B0609030804020204" pitchFamily="49" charset="0"/>
+              </a:rPr>
+              <a:t>│  │</a:t>
+            </a:r>
+          </a:p>
+          <a:p>
+            <a:r>
+              <a:rPr lang="en-GB">
+                <a:solidFill>
+                  <a:srgbClr val="202122"/>
+                </a:solidFill>
+                <a:latin typeface="Menlo" panose="020B0609030804020204" pitchFamily="49" charset="0"/>
+                <a:ea typeface="Menlo" panose="020B0609030804020204" pitchFamily="49" charset="0"/>
+                <a:cs typeface="Menlo" panose="020B0609030804020204" pitchFamily="49" charset="0"/>
+              </a:rPr>
+              <a:t>│  ├─ Application\</a:t>
+            </a:r>
+          </a:p>
+          <a:p>
+            <a:r>
+              <a:rPr lang="en-GB">
+                <a:solidFill>
+                  <a:srgbClr val="202122"/>
+                </a:solidFill>
+                <a:latin typeface="Menlo" panose="020B0609030804020204" pitchFamily="49" charset="0"/>
+                <a:ea typeface="Menlo" panose="020B0609030804020204" pitchFamily="49" charset="0"/>
+                <a:cs typeface="Menlo" panose="020B0609030804020204" pitchFamily="49" charset="0"/>
+              </a:rPr>
+              <a:t>│  │  │</a:t>
+            </a:r>
+          </a:p>
+          <a:p>
+            <a:r>
+              <a:rPr lang="en-GB">
+                <a:solidFill>
+                  <a:srgbClr val="202122"/>
+                </a:solidFill>
+                <a:latin typeface="Menlo" panose="020B0609030804020204" pitchFamily="49" charset="0"/>
+                <a:ea typeface="Menlo" panose="020B0609030804020204" pitchFamily="49" charset="0"/>
+                <a:cs typeface="Menlo" panose="020B0609030804020204" pitchFamily="49" charset="0"/>
+              </a:rPr>
+              <a:t>│  │  ├─┄</a:t>
+            </a:r>
+          </a:p>
+          <a:p>
+            <a:r>
+              <a:rPr lang="en-GB">
+                <a:solidFill>
+                  <a:srgbClr val="202122"/>
+                </a:solidFill>
+                <a:latin typeface="Menlo" panose="020B0609030804020204" pitchFamily="49" charset="0"/>
+                <a:ea typeface="Menlo" panose="020B0609030804020204" pitchFamily="49" charset="0"/>
+                <a:cs typeface="Menlo" panose="020B0609030804020204" pitchFamily="49" charset="0"/>
+              </a:rPr>
+              <a:t>│  ╎  ╎ </a:t>
+            </a:r>
+          </a:p>
+          <a:p>
+            <a:r>
+              <a:rPr lang="en-GB">
+                <a:solidFill>
+                  <a:srgbClr val="202122"/>
+                </a:solidFill>
+                <a:latin typeface="Menlo" panose="020B0609030804020204" pitchFamily="49" charset="0"/>
+                <a:ea typeface="Menlo" panose="020B0609030804020204" pitchFamily="49" charset="0"/>
+                <a:cs typeface="Menlo" panose="020B0609030804020204" pitchFamily="49" charset="0"/>
+              </a:rPr>
+              <a:t>│</a:t>
+            </a:r>
+          </a:p>
+          <a:p>
+            <a:r>
+              <a:rPr lang="en-GB">
+                <a:solidFill>
+                  <a:srgbClr val="202122"/>
+                </a:solidFill>
+                <a:latin typeface="Menlo" panose="020B0609030804020204" pitchFamily="49" charset="0"/>
+                <a:ea typeface="Menlo" panose="020B0609030804020204" pitchFamily="49" charset="0"/>
+                <a:cs typeface="Menlo" panose="020B0609030804020204" pitchFamily="49" charset="0"/>
+              </a:rPr>
+              <a:t>├─ Program Files (x86)\</a:t>
+            </a:r>
+          </a:p>
+          <a:p>
+            <a:r>
+              <a:rPr lang="en-GB">
+                <a:solidFill>
+                  <a:srgbClr val="202122"/>
+                </a:solidFill>
+                <a:latin typeface="Menlo" panose="020B0609030804020204" pitchFamily="49" charset="0"/>
+                <a:ea typeface="Menlo" panose="020B0609030804020204" pitchFamily="49" charset="0"/>
+                <a:cs typeface="Menlo" panose="020B0609030804020204" pitchFamily="49" charset="0"/>
+              </a:rPr>
+              <a:t>│</a:t>
+            </a:r>
+          </a:p>
+          <a:p>
+            <a:r>
+              <a:rPr lang="en-GB">
+                <a:solidFill>
+                  <a:srgbClr val="202122"/>
+                </a:solidFill>
+                <a:latin typeface="Menlo" panose="020B0609030804020204" pitchFamily="49" charset="0"/>
+                <a:ea typeface="Menlo" panose="020B0609030804020204" pitchFamily="49" charset="0"/>
+                <a:cs typeface="Menlo" panose="020B0609030804020204" pitchFamily="49" charset="0"/>
+              </a:rPr>
+              <a:t>├─ Windows\</a:t>
+            </a:r>
+          </a:p>
+          <a:p>
+            <a:r>
+              <a:rPr lang="en-GB">
+                <a:solidFill>
+                  <a:srgbClr val="202122"/>
+                </a:solidFill>
+                <a:latin typeface="Menlo" panose="020B0609030804020204" pitchFamily="49" charset="0"/>
+                <a:ea typeface="Menlo" panose="020B0609030804020204" pitchFamily="49" charset="0"/>
+                <a:cs typeface="Menlo" panose="020B0609030804020204" pitchFamily="49" charset="0"/>
+              </a:rPr>
+              <a:t>│  │</a:t>
+            </a:r>
+          </a:p>
+          <a:p>
+            <a:r>
+              <a:rPr lang="en-GB">
+                <a:solidFill>
+                  <a:srgbClr val="202122"/>
+                </a:solidFill>
+                <a:latin typeface="Menlo" panose="020B0609030804020204" pitchFamily="49" charset="0"/>
+                <a:ea typeface="Menlo" panose="020B0609030804020204" pitchFamily="49" charset="0"/>
+                <a:cs typeface="Menlo" panose="020B0609030804020204" pitchFamily="49" charset="0"/>
+              </a:rPr>
+              <a:t>│  ├─ System\</a:t>
+            </a:r>
+          </a:p>
+          <a:p>
+            <a:r>
+              <a:rPr lang="en-GB">
+                <a:solidFill>
+                  <a:srgbClr val="202122"/>
+                </a:solidFill>
+                <a:latin typeface="Menlo" panose="020B0609030804020204" pitchFamily="49" charset="0"/>
+                <a:ea typeface="Menlo" panose="020B0609030804020204" pitchFamily="49" charset="0"/>
+                <a:cs typeface="Menlo" panose="020B0609030804020204" pitchFamily="49" charset="0"/>
+              </a:rPr>
+              <a:t>│  │  ╎ </a:t>
+            </a:r>
+          </a:p>
+          <a:p>
+            <a:r>
+              <a:rPr lang="en-GB">
+                <a:solidFill>
+                  <a:srgbClr val="202122"/>
+                </a:solidFill>
+                <a:latin typeface="Menlo" panose="020B0609030804020204" pitchFamily="49" charset="0"/>
+                <a:ea typeface="Menlo" panose="020B0609030804020204" pitchFamily="49" charset="0"/>
+                <a:cs typeface="Menlo" panose="020B0609030804020204" pitchFamily="49" charset="0"/>
+              </a:rPr>
+              <a:t>│  │</a:t>
+            </a:r>
+          </a:p>
+          <a:p>
+            <a:r>
+              <a:rPr lang="en-GB">
+                <a:solidFill>
+                  <a:srgbClr val="202122"/>
+                </a:solidFill>
+                <a:latin typeface="Menlo" panose="020B0609030804020204" pitchFamily="49" charset="0"/>
+                <a:ea typeface="Menlo" panose="020B0609030804020204" pitchFamily="49" charset="0"/>
+                <a:cs typeface="Menlo" panose="020B0609030804020204" pitchFamily="49" charset="0"/>
+              </a:rPr>
+              <a:t>│  ├─ System32\</a:t>
+            </a:r>
+          </a:p>
+          <a:p>
+            <a:r>
+              <a:rPr lang="en-GB">
+                <a:solidFill>
+                  <a:srgbClr val="202122"/>
+                </a:solidFill>
+                <a:latin typeface="Menlo" panose="020B0609030804020204" pitchFamily="49" charset="0"/>
+                <a:ea typeface="Menlo" panose="020B0609030804020204" pitchFamily="49" charset="0"/>
+                <a:cs typeface="Menlo" panose="020B0609030804020204" pitchFamily="49" charset="0"/>
+              </a:rPr>
+              <a:t>╎  ╎  ╎ </a:t>
+            </a:r>
+          </a:p>
+          <a:p>
+            <a:endParaRPr lang="en-US">
+              <a:latin typeface="Menlo" panose="020B0609030804020204" pitchFamily="49" charset="0"/>
+              <a:ea typeface="Menlo" panose="020B0609030804020204" pitchFamily="49" charset="0"/>
+              <a:cs typeface="Menlo" panose="020B0609030804020204" pitchFamily="49" charset="0"/>
+            </a:endParaRPr>
+          </a:p>
+        </p:txBody>
+      </p:sp>
+      <p:sp>
+        <p:nvSpPr>
+          <p:cNvPr id="3" name="TextBox 2">
+            <a:extLst>
+              <a:ext uri="{FF2B5EF4-FFF2-40B4-BE49-F238E27FC236}">
+                <a16:creationId xmlns:a16="http://schemas.microsoft.com/office/drawing/2014/main" id="{CF790522-6C8E-E64E-7FA6-B0C326B152BE}"/>
+              </a:ext>
+            </a:extLst>
+          </p:cNvPr>
+          <p:cNvSpPr txBox="1"/>
+          <p:nvPr/>
+        </p:nvSpPr>
+        <p:spPr>
+          <a:xfrm>
+            <a:off x="5241236" y="993912"/>
+            <a:ext cx="3826565" cy="6186309"/>
+          </a:xfrm>
+          <a:prstGeom prst="rect">
+            <a:avLst/>
+          </a:prstGeom>
+          <a:noFill/>
+        </p:spPr>
+        <p:txBody>
+          <a:bodyPr wrap="square" rtlCol="0">
+            <a:spAutoFit/>
+          </a:bodyPr>
+          <a:lstStyle/>
+          <a:p>
+            <a:r>
+              <a:rPr lang="en-US">
+                <a:latin typeface="Menlo" panose="020B0609030804020204" pitchFamily="49" charset="0"/>
+                <a:ea typeface="Menlo" panose="020B0609030804020204" pitchFamily="49" charset="0"/>
+                <a:cs typeface="Menlo" panose="020B0609030804020204" pitchFamily="49" charset="0"/>
+              </a:rPr>
+              <a:t>/</a:t>
+            </a:r>
+          </a:p>
+          <a:p>
+            <a:r>
+              <a:rPr lang="en-GB">
+                <a:solidFill>
+                  <a:srgbClr val="202122"/>
+                </a:solidFill>
+                <a:latin typeface="Menlo" panose="020B0609030804020204" pitchFamily="49" charset="0"/>
+                <a:ea typeface="Menlo" panose="020B0609030804020204" pitchFamily="49" charset="0"/>
+                <a:cs typeface="Menlo" panose="020B0609030804020204" pitchFamily="49" charset="0"/>
+              </a:rPr>
+              <a:t>├─ bin/</a:t>
+            </a:r>
+          </a:p>
+          <a:p>
+            <a:r>
+              <a:rPr lang="en-GB">
+                <a:solidFill>
+                  <a:srgbClr val="202122"/>
+                </a:solidFill>
+                <a:latin typeface="Menlo" panose="020B0609030804020204" pitchFamily="49" charset="0"/>
+                <a:ea typeface="Menlo" panose="020B0609030804020204" pitchFamily="49" charset="0"/>
+                <a:cs typeface="Menlo" panose="020B0609030804020204" pitchFamily="49" charset="0"/>
+              </a:rPr>
+              <a:t>│</a:t>
+            </a:r>
+          </a:p>
+          <a:p>
+            <a:r>
+              <a:rPr lang="en-GB">
+                <a:solidFill>
+                  <a:srgbClr val="202122"/>
+                </a:solidFill>
+                <a:latin typeface="Menlo" panose="020B0609030804020204" pitchFamily="49" charset="0"/>
+                <a:ea typeface="Menlo" panose="020B0609030804020204" pitchFamily="49" charset="0"/>
+                <a:cs typeface="Menlo" panose="020B0609030804020204" pitchFamily="49" charset="0"/>
+              </a:rPr>
+              <a:t>├─ etc/</a:t>
+            </a:r>
+          </a:p>
+          <a:p>
+            <a:r>
+              <a:rPr lang="en-GB">
+                <a:solidFill>
+                  <a:srgbClr val="202122"/>
+                </a:solidFill>
+                <a:latin typeface="Menlo" panose="020B0609030804020204" pitchFamily="49" charset="0"/>
+                <a:ea typeface="Menlo" panose="020B0609030804020204" pitchFamily="49" charset="0"/>
+                <a:cs typeface="Menlo" panose="020B0609030804020204" pitchFamily="49" charset="0"/>
+              </a:rPr>
+              <a:t>│</a:t>
+            </a:r>
+          </a:p>
+          <a:p>
+            <a:r>
+              <a:rPr lang="en-GB">
+                <a:solidFill>
+                  <a:srgbClr val="202122"/>
+                </a:solidFill>
+                <a:latin typeface="Menlo" panose="020B0609030804020204" pitchFamily="49" charset="0"/>
+                <a:ea typeface="Menlo" panose="020B0609030804020204" pitchFamily="49" charset="0"/>
+                <a:cs typeface="Menlo" panose="020B0609030804020204" pitchFamily="49" charset="0"/>
+              </a:rPr>
+              <a:t>├─ usr/</a:t>
+            </a:r>
+          </a:p>
+          <a:p>
+            <a:r>
+              <a:rPr lang="en-GB">
+                <a:solidFill>
+                  <a:srgbClr val="202122"/>
+                </a:solidFill>
+                <a:latin typeface="Menlo" panose="020B0609030804020204" pitchFamily="49" charset="0"/>
+                <a:ea typeface="Menlo" panose="020B0609030804020204" pitchFamily="49" charset="0"/>
+                <a:cs typeface="Menlo" panose="020B0609030804020204" pitchFamily="49" charset="0"/>
+              </a:rPr>
+              <a:t>│  │</a:t>
+            </a:r>
+          </a:p>
+          <a:p>
+            <a:r>
+              <a:rPr lang="en-GB">
+                <a:solidFill>
+                  <a:srgbClr val="202122"/>
+                </a:solidFill>
+                <a:latin typeface="Menlo" panose="020B0609030804020204" pitchFamily="49" charset="0"/>
+                <a:ea typeface="Menlo" panose="020B0609030804020204" pitchFamily="49" charset="0"/>
+                <a:cs typeface="Menlo" panose="020B0609030804020204" pitchFamily="49" charset="0"/>
+              </a:rPr>
+              <a:t>│  ├─ bin/</a:t>
+            </a:r>
+          </a:p>
+          <a:p>
+            <a:r>
+              <a:rPr lang="en-GB">
+                <a:solidFill>
+                  <a:srgbClr val="202122"/>
+                </a:solidFill>
+                <a:latin typeface="Menlo" panose="020B0609030804020204" pitchFamily="49" charset="0"/>
+                <a:ea typeface="Menlo" panose="020B0609030804020204" pitchFamily="49" charset="0"/>
+                <a:cs typeface="Menlo" panose="020B0609030804020204" pitchFamily="49" charset="0"/>
+              </a:rPr>
+              <a:t>│  │</a:t>
+            </a:r>
+          </a:p>
+          <a:p>
+            <a:r>
+              <a:rPr lang="en-GB">
+                <a:solidFill>
+                  <a:srgbClr val="202122"/>
+                </a:solidFill>
+                <a:latin typeface="Menlo" panose="020B0609030804020204" pitchFamily="49" charset="0"/>
+                <a:ea typeface="Menlo" panose="020B0609030804020204" pitchFamily="49" charset="0"/>
+                <a:cs typeface="Menlo" panose="020B0609030804020204" pitchFamily="49" charset="0"/>
+              </a:rPr>
+              <a:t>│  ├─ local/</a:t>
+            </a:r>
+          </a:p>
+          <a:p>
+            <a:r>
+              <a:rPr lang="en-GB">
+                <a:solidFill>
+                  <a:srgbClr val="202122"/>
+                </a:solidFill>
+                <a:latin typeface="Menlo" panose="020B0609030804020204" pitchFamily="49" charset="0"/>
+                <a:ea typeface="Menlo" panose="020B0609030804020204" pitchFamily="49" charset="0"/>
+                <a:cs typeface="Menlo" panose="020B0609030804020204" pitchFamily="49" charset="0"/>
+              </a:rPr>
+              <a:t>│  │  │</a:t>
+            </a:r>
+          </a:p>
+          <a:p>
+            <a:r>
+              <a:rPr lang="en-GB">
+                <a:solidFill>
+                  <a:srgbClr val="202122"/>
+                </a:solidFill>
+                <a:latin typeface="Menlo" panose="020B0609030804020204" pitchFamily="49" charset="0"/>
+                <a:ea typeface="Menlo" panose="020B0609030804020204" pitchFamily="49" charset="0"/>
+                <a:cs typeface="Menlo" panose="020B0609030804020204" pitchFamily="49" charset="0"/>
+              </a:rPr>
+              <a:t>│  │  ├─ bin/</a:t>
+            </a:r>
+          </a:p>
+          <a:p>
+            <a:r>
+              <a:rPr lang="en-GB">
+                <a:solidFill>
+                  <a:srgbClr val="202122"/>
+                </a:solidFill>
+                <a:latin typeface="Menlo" panose="020B0609030804020204" pitchFamily="49" charset="0"/>
+                <a:ea typeface="Menlo" panose="020B0609030804020204" pitchFamily="49" charset="0"/>
+                <a:cs typeface="Menlo" panose="020B0609030804020204" pitchFamily="49" charset="0"/>
+              </a:rPr>
+              <a:t>│  ╎  ╎ </a:t>
+            </a:r>
+          </a:p>
+          <a:p>
+            <a:r>
+              <a:rPr lang="en-GB">
+                <a:solidFill>
+                  <a:srgbClr val="202122"/>
+                </a:solidFill>
+                <a:latin typeface="Menlo" panose="020B0609030804020204" pitchFamily="49" charset="0"/>
+                <a:ea typeface="Menlo" panose="020B0609030804020204" pitchFamily="49" charset="0"/>
+                <a:cs typeface="Menlo" panose="020B0609030804020204" pitchFamily="49" charset="0"/>
+              </a:rPr>
+              <a:t>│</a:t>
+            </a:r>
+          </a:p>
+          <a:p>
+            <a:r>
+              <a:rPr lang="en-GB">
+                <a:solidFill>
+                  <a:srgbClr val="202122"/>
+                </a:solidFill>
+                <a:latin typeface="Menlo" panose="020B0609030804020204" pitchFamily="49" charset="0"/>
+                <a:ea typeface="Menlo" panose="020B0609030804020204" pitchFamily="49" charset="0"/>
+                <a:cs typeface="Menlo" panose="020B0609030804020204" pitchFamily="49" charset="0"/>
+              </a:rPr>
+              <a:t>├─ opt/</a:t>
+            </a:r>
+          </a:p>
+          <a:p>
+            <a:r>
+              <a:rPr lang="en-GB">
+                <a:solidFill>
+                  <a:srgbClr val="202122"/>
+                </a:solidFill>
+                <a:latin typeface="Menlo" panose="020B0609030804020204" pitchFamily="49" charset="0"/>
+                <a:ea typeface="Menlo" panose="020B0609030804020204" pitchFamily="49" charset="0"/>
+                <a:cs typeface="Menlo" panose="020B0609030804020204" pitchFamily="49" charset="0"/>
+              </a:rPr>
+              <a:t>│</a:t>
+            </a:r>
+          </a:p>
+          <a:p>
+            <a:r>
+              <a:rPr lang="en-GB">
+                <a:solidFill>
+                  <a:srgbClr val="202122"/>
+                </a:solidFill>
+                <a:latin typeface="Menlo" panose="020B0609030804020204" pitchFamily="49" charset="0"/>
+                <a:ea typeface="Menlo" panose="020B0609030804020204" pitchFamily="49" charset="0"/>
+                <a:cs typeface="Menlo" panose="020B0609030804020204" pitchFamily="49" charset="0"/>
+              </a:rPr>
+              <a:t>├─ home/</a:t>
+            </a:r>
+          </a:p>
+          <a:p>
+            <a:r>
+              <a:rPr lang="en-GB">
+                <a:solidFill>
+                  <a:srgbClr val="202122"/>
+                </a:solidFill>
+                <a:latin typeface="Menlo" panose="020B0609030804020204" pitchFamily="49" charset="0"/>
+                <a:ea typeface="Menlo" panose="020B0609030804020204" pitchFamily="49" charset="0"/>
+                <a:cs typeface="Menlo" panose="020B0609030804020204" pitchFamily="49" charset="0"/>
+              </a:rPr>
+              <a:t>│  │</a:t>
+            </a:r>
+          </a:p>
+          <a:p>
+            <a:r>
+              <a:rPr lang="en-GB">
+                <a:solidFill>
+                  <a:srgbClr val="202122"/>
+                </a:solidFill>
+                <a:latin typeface="Menlo" panose="020B0609030804020204" pitchFamily="49" charset="0"/>
+                <a:ea typeface="Menlo" panose="020B0609030804020204" pitchFamily="49" charset="0"/>
+                <a:cs typeface="Menlo" panose="020B0609030804020204" pitchFamily="49" charset="0"/>
+              </a:rPr>
+              <a:t>│  ├─ bin/</a:t>
+            </a:r>
+          </a:p>
+          <a:p>
+            <a:r>
+              <a:rPr lang="en-GB">
+                <a:solidFill>
+                  <a:srgbClr val="202122"/>
+                </a:solidFill>
+                <a:latin typeface="Menlo" panose="020B0609030804020204" pitchFamily="49" charset="0"/>
+                <a:ea typeface="Menlo" panose="020B0609030804020204" pitchFamily="49" charset="0"/>
+                <a:cs typeface="Menlo" panose="020B0609030804020204" pitchFamily="49" charset="0"/>
+              </a:rPr>
+              <a:t>│  │  ╎ </a:t>
+            </a:r>
+          </a:p>
+          <a:p>
+            <a:endParaRPr lang="en-GB">
+              <a:solidFill>
+                <a:srgbClr val="202122"/>
+              </a:solidFill>
+              <a:latin typeface="Menlo" panose="020B0609030804020204" pitchFamily="49" charset="0"/>
+              <a:ea typeface="Menlo" panose="020B0609030804020204" pitchFamily="49" charset="0"/>
+              <a:cs typeface="Menlo" panose="020B0609030804020204" pitchFamily="49" charset="0"/>
+            </a:endParaRPr>
+          </a:p>
+          <a:p>
+            <a:endParaRPr lang="en-US">
+              <a:latin typeface="Menlo" panose="020B0609030804020204" pitchFamily="49" charset="0"/>
+              <a:ea typeface="Menlo" panose="020B0609030804020204" pitchFamily="49" charset="0"/>
+              <a:cs typeface="Menlo" panose="020B0609030804020204" pitchFamily="49" charset="0"/>
+            </a:endParaRPr>
+          </a:p>
+        </p:txBody>
+      </p:sp>
+      <p:sp>
+        <p:nvSpPr>
+          <p:cNvPr id="4" name="TextBox 3">
+            <a:extLst>
+              <a:ext uri="{FF2B5EF4-FFF2-40B4-BE49-F238E27FC236}">
+                <a16:creationId xmlns:a16="http://schemas.microsoft.com/office/drawing/2014/main" id="{BF835D14-BC36-8EAC-F0C2-BB65461FE0EB}"/>
+              </a:ext>
+            </a:extLst>
+          </p:cNvPr>
+          <p:cNvSpPr txBox="1"/>
+          <p:nvPr/>
+        </p:nvSpPr>
+        <p:spPr>
+          <a:xfrm>
+            <a:off x="1997766" y="429262"/>
+            <a:ext cx="1184427" cy="400110"/>
+          </a:xfrm>
+          <a:prstGeom prst="rect">
+            <a:avLst/>
+          </a:prstGeom>
+          <a:noFill/>
+        </p:spPr>
+        <p:txBody>
+          <a:bodyPr wrap="none" rtlCol="0">
+            <a:spAutoFit/>
+          </a:bodyPr>
+          <a:lstStyle/>
+          <a:p>
+            <a:r>
+              <a:rPr lang="en-US" sz="2000" b="1"/>
+              <a:t>Windows</a:t>
+            </a:r>
+          </a:p>
+        </p:txBody>
+      </p:sp>
+      <p:sp>
+        <p:nvSpPr>
+          <p:cNvPr id="5" name="TextBox 4">
+            <a:extLst>
+              <a:ext uri="{FF2B5EF4-FFF2-40B4-BE49-F238E27FC236}">
+                <a16:creationId xmlns:a16="http://schemas.microsoft.com/office/drawing/2014/main" id="{D7F7A89D-C670-A892-417E-F579269BA621}"/>
+              </a:ext>
+            </a:extLst>
+          </p:cNvPr>
+          <p:cNvSpPr txBox="1"/>
+          <p:nvPr/>
+        </p:nvSpPr>
+        <p:spPr>
+          <a:xfrm>
+            <a:off x="5241236" y="429262"/>
+            <a:ext cx="1319592" cy="400110"/>
+          </a:xfrm>
+          <a:prstGeom prst="rect">
+            <a:avLst/>
+          </a:prstGeom>
+          <a:noFill/>
+        </p:spPr>
+        <p:txBody>
+          <a:bodyPr wrap="none" rtlCol="0">
+            <a:spAutoFit/>
+          </a:bodyPr>
+          <a:lstStyle/>
+          <a:p>
+            <a:r>
+              <a:rPr lang="en-US" sz="2000" b="1"/>
+              <a:t>Mac/Linux</a:t>
+            </a:r>
+          </a:p>
+        </p:txBody>
+      </p:sp>
+    </p:spTree>
+    <p:extLst>
+      <p:ext uri="{BB962C8B-B14F-4D97-AF65-F5344CB8AC3E}">
+        <p14:creationId xmlns:p14="http://schemas.microsoft.com/office/powerpoint/2010/main" val="1041371937"/>
+      </p:ext>
+    </p:extLst>
+  </p:cSld>
+  <p:clrMapOvr>
+    <a:masterClrMapping/>
+  </p:clrMapOvr>
+</p:sld>
+</file>
+
+<file path=ppt/slides/slide16.xml><?xml version="1.0" encoding="utf-8"?>
+<p:sld xmlns:a="http://schemas.openxmlformats.org/drawingml/2006/main" xmlns:r="http://schemas.openxmlformats.org/officeDocument/2006/relationships" xmlns:p="http://schemas.openxmlformats.org/presentationml/2006/main">
+  <p:cSld>
+    <p:spTree>
+      <p:nvGrpSpPr>
+        <p:cNvPr id="1" name=""/>
+        <p:cNvGrpSpPr/>
+        <p:nvPr/>
+      </p:nvGrpSpPr>
+      <p:grpSpPr>
+        <a:xfrm>
+          <a:off x="0" y="0"/>
+          <a:ext cx="0" cy="0"/>
+          <a:chOff x="0" y="0"/>
+          <a:chExt cx="0" cy="0"/>
+        </a:xfrm>
+      </p:grpSpPr>
+      <p:sp>
+        <p:nvSpPr>
+          <p:cNvPr id="2" name="Can 1">
+            <a:extLst>
+              <a:ext uri="{FF2B5EF4-FFF2-40B4-BE49-F238E27FC236}">
+                <a16:creationId xmlns:a16="http://schemas.microsoft.com/office/drawing/2014/main" id="{A82B85F8-4C1F-0152-9A29-D883DB2EEE2B}"/>
+              </a:ext>
+            </a:extLst>
+          </p:cNvPr>
+          <p:cNvSpPr/>
+          <p:nvPr/>
+        </p:nvSpPr>
+        <p:spPr>
+          <a:xfrm>
+            <a:off x="4076699" y="3261179"/>
+            <a:ext cx="1643270" cy="1033669"/>
+          </a:xfrm>
+          <a:prstGeom prst="can">
+            <a:avLst/>
+          </a:prstGeom>
+        </p:spPr>
+        <p:style>
+          <a:lnRef idx="1">
+            <a:schemeClr val="accent6"/>
+          </a:lnRef>
+          <a:fillRef idx="2">
+            <a:schemeClr val="accent6"/>
+          </a:fillRef>
+          <a:effectRef idx="1">
+            <a:schemeClr val="accent6"/>
+          </a:effectRef>
+          <a:fontRef idx="minor">
+            <a:schemeClr val="dk1"/>
+          </a:fontRef>
+        </p:style>
+        <p:txBody>
+          <a:bodyPr rtlCol="0" anchor="ctr"/>
+          <a:lstStyle/>
+          <a:p>
+            <a:pPr algn="ctr"/>
+            <a:r>
+              <a:rPr lang="en-US"/>
+              <a:t>Database</a:t>
+            </a:r>
+          </a:p>
+        </p:txBody>
+      </p:sp>
+      <p:pic>
+        <p:nvPicPr>
+          <p:cNvPr id="4" name="Picture 3">
+            <a:extLst>
+              <a:ext uri="{FF2B5EF4-FFF2-40B4-BE49-F238E27FC236}">
+                <a16:creationId xmlns:a16="http://schemas.microsoft.com/office/drawing/2014/main" id="{0BFEA148-D2E6-6880-2E56-C2D861330564}"/>
+              </a:ext>
+            </a:extLst>
+          </p:cNvPr>
+          <p:cNvPicPr>
+            <a:picLocks noChangeAspect="1"/>
+          </p:cNvPicPr>
+          <p:nvPr/>
+        </p:nvPicPr>
+        <p:blipFill>
+          <a:blip r:embed="rId2"/>
+          <a:stretch>
+            <a:fillRect/>
+          </a:stretch>
+        </p:blipFill>
+        <p:spPr>
+          <a:xfrm>
+            <a:off x="2729948" y="1786069"/>
+            <a:ext cx="446922" cy="446922"/>
+          </a:xfrm>
+          <a:prstGeom prst="rect">
+            <a:avLst/>
+          </a:prstGeom>
+        </p:spPr>
+      </p:pic>
+      <p:pic>
+        <p:nvPicPr>
+          <p:cNvPr id="6" name="Picture 5">
+            <a:extLst>
+              <a:ext uri="{FF2B5EF4-FFF2-40B4-BE49-F238E27FC236}">
+                <a16:creationId xmlns:a16="http://schemas.microsoft.com/office/drawing/2014/main" id="{37478096-ADDF-401F-152C-0FAE96F7B3AC}"/>
+              </a:ext>
+            </a:extLst>
+          </p:cNvPr>
+          <p:cNvPicPr>
+            <a:picLocks noChangeAspect="1"/>
+          </p:cNvPicPr>
+          <p:nvPr/>
+        </p:nvPicPr>
+        <p:blipFill>
+          <a:blip r:embed="rId3"/>
+          <a:stretch>
+            <a:fillRect/>
+          </a:stretch>
+        </p:blipFill>
+        <p:spPr>
+          <a:xfrm>
+            <a:off x="6172878" y="1115686"/>
+            <a:ext cx="446922" cy="446922"/>
+          </a:xfrm>
+          <a:prstGeom prst="rect">
+            <a:avLst/>
+          </a:prstGeom>
+        </p:spPr>
+      </p:pic>
+      <p:pic>
+        <p:nvPicPr>
+          <p:cNvPr id="8" name="Picture 7">
+            <a:extLst>
+              <a:ext uri="{FF2B5EF4-FFF2-40B4-BE49-F238E27FC236}">
+                <a16:creationId xmlns:a16="http://schemas.microsoft.com/office/drawing/2014/main" id="{3E09D836-AD39-74C7-DE86-CA88AF483EC1}"/>
+              </a:ext>
+            </a:extLst>
+          </p:cNvPr>
+          <p:cNvPicPr>
+            <a:picLocks noChangeAspect="1"/>
+          </p:cNvPicPr>
+          <p:nvPr/>
+        </p:nvPicPr>
+        <p:blipFill>
+          <a:blip r:embed="rId4"/>
+          <a:stretch>
+            <a:fillRect/>
+          </a:stretch>
+        </p:blipFill>
+        <p:spPr>
+          <a:xfrm>
+            <a:off x="4766153" y="892225"/>
+            <a:ext cx="446922" cy="446922"/>
+          </a:xfrm>
+          <a:prstGeom prst="rect">
+            <a:avLst/>
+          </a:prstGeom>
+        </p:spPr>
+      </p:pic>
+      <p:pic>
+        <p:nvPicPr>
+          <p:cNvPr id="10" name="Picture 9">
+            <a:extLst>
+              <a:ext uri="{FF2B5EF4-FFF2-40B4-BE49-F238E27FC236}">
+                <a16:creationId xmlns:a16="http://schemas.microsoft.com/office/drawing/2014/main" id="{99DFA715-0EED-46BA-B30B-23741968EC0A}"/>
+              </a:ext>
+            </a:extLst>
+          </p:cNvPr>
+          <p:cNvPicPr>
+            <a:picLocks noChangeAspect="1"/>
+          </p:cNvPicPr>
+          <p:nvPr/>
+        </p:nvPicPr>
+        <p:blipFill>
+          <a:blip r:embed="rId5"/>
+          <a:stretch>
+            <a:fillRect/>
+          </a:stretch>
+        </p:blipFill>
+        <p:spPr>
+          <a:xfrm>
+            <a:off x="6897182" y="1606256"/>
+            <a:ext cx="331304" cy="331304"/>
+          </a:xfrm>
+          <a:prstGeom prst="rect">
+            <a:avLst/>
+          </a:prstGeom>
+        </p:spPr>
+      </p:pic>
+      <p:pic>
+        <p:nvPicPr>
+          <p:cNvPr id="12" name="Picture 11">
+            <a:extLst>
+              <a:ext uri="{FF2B5EF4-FFF2-40B4-BE49-F238E27FC236}">
+                <a16:creationId xmlns:a16="http://schemas.microsoft.com/office/drawing/2014/main" id="{44CFEE74-ECAE-C225-5AAE-EF1B8D5AB093}"/>
+              </a:ext>
+            </a:extLst>
+          </p:cNvPr>
+          <p:cNvPicPr>
+            <a:picLocks noChangeAspect="1"/>
+          </p:cNvPicPr>
+          <p:nvPr/>
+        </p:nvPicPr>
+        <p:blipFill>
+          <a:blip r:embed="rId6"/>
+          <a:stretch>
+            <a:fillRect/>
+          </a:stretch>
+        </p:blipFill>
+        <p:spPr>
+          <a:xfrm>
+            <a:off x="3366052" y="971063"/>
+            <a:ext cx="331304" cy="331304"/>
+          </a:xfrm>
+          <a:prstGeom prst="rect">
+            <a:avLst/>
+          </a:prstGeom>
+        </p:spPr>
+      </p:pic>
+      <p:pic>
+        <p:nvPicPr>
+          <p:cNvPr id="14" name="Picture 13">
+            <a:extLst>
+              <a:ext uri="{FF2B5EF4-FFF2-40B4-BE49-F238E27FC236}">
+                <a16:creationId xmlns:a16="http://schemas.microsoft.com/office/drawing/2014/main" id="{8E00899D-E94A-8D69-A46D-910BA1F8CD74}"/>
+              </a:ext>
+            </a:extLst>
+          </p:cNvPr>
+          <p:cNvPicPr>
+            <a:picLocks noChangeAspect="1"/>
+          </p:cNvPicPr>
+          <p:nvPr/>
+        </p:nvPicPr>
+        <p:blipFill>
+          <a:blip r:embed="rId7"/>
+          <a:stretch>
+            <a:fillRect/>
+          </a:stretch>
+        </p:blipFill>
+        <p:spPr>
+          <a:xfrm>
+            <a:off x="2417324" y="1562609"/>
+            <a:ext cx="446921" cy="446921"/>
+          </a:xfrm>
+          <a:prstGeom prst="rect">
+            <a:avLst/>
+          </a:prstGeom>
+        </p:spPr>
+      </p:pic>
+      <p:pic>
+        <p:nvPicPr>
+          <p:cNvPr id="15" name="Picture 14">
+            <a:extLst>
+              <a:ext uri="{FF2B5EF4-FFF2-40B4-BE49-F238E27FC236}">
+                <a16:creationId xmlns:a16="http://schemas.microsoft.com/office/drawing/2014/main" id="{4204EAD8-3412-12C3-4A26-261C95336421}"/>
+              </a:ext>
+            </a:extLst>
+          </p:cNvPr>
+          <p:cNvPicPr>
+            <a:picLocks noChangeAspect="1"/>
+          </p:cNvPicPr>
+          <p:nvPr/>
+        </p:nvPicPr>
+        <p:blipFill>
+          <a:blip r:embed="rId7"/>
+          <a:stretch>
+            <a:fillRect/>
+          </a:stretch>
+        </p:blipFill>
+        <p:spPr>
+          <a:xfrm>
+            <a:off x="3074506" y="771131"/>
+            <a:ext cx="446921" cy="446921"/>
+          </a:xfrm>
+          <a:prstGeom prst="rect">
+            <a:avLst/>
+          </a:prstGeom>
+        </p:spPr>
+      </p:pic>
+      <p:pic>
+        <p:nvPicPr>
+          <p:cNvPr id="16" name="Picture 15">
+            <a:extLst>
+              <a:ext uri="{FF2B5EF4-FFF2-40B4-BE49-F238E27FC236}">
+                <a16:creationId xmlns:a16="http://schemas.microsoft.com/office/drawing/2014/main" id="{D60C8652-32AC-5199-EB2E-41FD45225F7E}"/>
+              </a:ext>
+            </a:extLst>
+          </p:cNvPr>
+          <p:cNvPicPr>
+            <a:picLocks noChangeAspect="1"/>
+          </p:cNvPicPr>
+          <p:nvPr/>
+        </p:nvPicPr>
+        <p:blipFill>
+          <a:blip r:embed="rId7"/>
+          <a:stretch>
+            <a:fillRect/>
+          </a:stretch>
+        </p:blipFill>
+        <p:spPr>
+          <a:xfrm>
+            <a:off x="4454726" y="658591"/>
+            <a:ext cx="446921" cy="446921"/>
+          </a:xfrm>
+          <a:prstGeom prst="rect">
+            <a:avLst/>
+          </a:prstGeom>
+        </p:spPr>
+      </p:pic>
+      <p:pic>
+        <p:nvPicPr>
+          <p:cNvPr id="17" name="Picture 16">
+            <a:extLst>
+              <a:ext uri="{FF2B5EF4-FFF2-40B4-BE49-F238E27FC236}">
+                <a16:creationId xmlns:a16="http://schemas.microsoft.com/office/drawing/2014/main" id="{3761EB12-514F-6D3D-82BF-6609F95A7705}"/>
+              </a:ext>
+            </a:extLst>
+          </p:cNvPr>
+          <p:cNvPicPr>
+            <a:picLocks noChangeAspect="1"/>
+          </p:cNvPicPr>
+          <p:nvPr/>
+        </p:nvPicPr>
+        <p:blipFill>
+          <a:blip r:embed="rId7"/>
+          <a:stretch>
+            <a:fillRect/>
+          </a:stretch>
+        </p:blipFill>
+        <p:spPr>
+          <a:xfrm>
+            <a:off x="5884645" y="892226"/>
+            <a:ext cx="446921" cy="446921"/>
+          </a:xfrm>
+          <a:prstGeom prst="rect">
+            <a:avLst/>
+          </a:prstGeom>
+        </p:spPr>
+      </p:pic>
+      <p:pic>
+        <p:nvPicPr>
+          <p:cNvPr id="18" name="Picture 17">
+            <a:extLst>
+              <a:ext uri="{FF2B5EF4-FFF2-40B4-BE49-F238E27FC236}">
+                <a16:creationId xmlns:a16="http://schemas.microsoft.com/office/drawing/2014/main" id="{031DBD0B-3BF6-3873-6181-803FAD66CB93}"/>
+              </a:ext>
+            </a:extLst>
+          </p:cNvPr>
+          <p:cNvPicPr>
+            <a:picLocks noChangeAspect="1"/>
+          </p:cNvPicPr>
+          <p:nvPr/>
+        </p:nvPicPr>
+        <p:blipFill>
+          <a:blip r:embed="rId7"/>
+          <a:stretch>
+            <a:fillRect/>
+          </a:stretch>
+        </p:blipFill>
+        <p:spPr>
+          <a:xfrm>
+            <a:off x="6619800" y="1424138"/>
+            <a:ext cx="446921" cy="446921"/>
+          </a:xfrm>
+          <a:prstGeom prst="rect">
+            <a:avLst/>
+          </a:prstGeom>
+        </p:spPr>
+      </p:pic>
+      <p:sp>
+        <p:nvSpPr>
+          <p:cNvPr id="19" name="Cloud 18">
+            <a:extLst>
+              <a:ext uri="{FF2B5EF4-FFF2-40B4-BE49-F238E27FC236}">
+                <a16:creationId xmlns:a16="http://schemas.microsoft.com/office/drawing/2014/main" id="{DC39150F-1D84-ECD2-E401-CB810080E6B2}"/>
+              </a:ext>
+            </a:extLst>
+          </p:cNvPr>
+          <p:cNvSpPr/>
+          <p:nvPr/>
+        </p:nvSpPr>
+        <p:spPr>
+          <a:xfrm>
+            <a:off x="3775213" y="1786069"/>
+            <a:ext cx="2246243" cy="1088738"/>
+          </a:xfrm>
+          <a:prstGeom prst="cloud">
+            <a:avLst/>
+          </a:prstGeom>
+        </p:spPr>
+        <p:style>
+          <a:lnRef idx="2">
+            <a:schemeClr val="accent1"/>
+          </a:lnRef>
+          <a:fillRef idx="1">
+            <a:schemeClr val="lt1"/>
+          </a:fillRef>
+          <a:effectRef idx="0">
+            <a:schemeClr val="accent1"/>
+          </a:effectRef>
+          <a:fontRef idx="minor">
+            <a:schemeClr val="dk1"/>
+          </a:fontRef>
+        </p:style>
+        <p:txBody>
+          <a:bodyPr rtlCol="0" anchor="ctr"/>
+          <a:lstStyle/>
+          <a:p>
+            <a:pPr algn="ctr"/>
+            <a:endParaRPr lang="en-US"/>
+          </a:p>
+        </p:txBody>
+      </p:sp>
+      <p:cxnSp>
+        <p:nvCxnSpPr>
+          <p:cNvPr id="21" name="Straight Arrow Connector 20">
+            <a:extLst>
+              <a:ext uri="{FF2B5EF4-FFF2-40B4-BE49-F238E27FC236}">
+                <a16:creationId xmlns:a16="http://schemas.microsoft.com/office/drawing/2014/main" id="{D2FD0ECE-4A27-1EBC-AF87-8E9C8B94A16A}"/>
+              </a:ext>
+            </a:extLst>
+          </p:cNvPr>
+          <p:cNvCxnSpPr>
+            <a:cxnSpLocks/>
+            <a:stCxn id="19" idx="1"/>
+            <a:endCxn id="2" idx="1"/>
+          </p:cNvCxnSpPr>
+          <p:nvPr/>
+        </p:nvCxnSpPr>
+        <p:spPr>
+          <a:xfrm flipH="1">
+            <a:off x="4898334" y="2873648"/>
+            <a:ext cx="1" cy="387531"/>
+          </a:xfrm>
+          <a:prstGeom prst="straightConnector1">
+            <a:avLst/>
+          </a:prstGeom>
+          <a:ln w="38100">
+            <a:solidFill>
+              <a:schemeClr val="accent6"/>
+            </a:solidFill>
+            <a:headEnd type="triangle"/>
+            <a:tailEnd type="triangle"/>
+          </a:ln>
+        </p:spPr>
+        <p:style>
+          <a:lnRef idx="1">
+            <a:schemeClr val="accent1"/>
+          </a:lnRef>
+          <a:fillRef idx="0">
+            <a:schemeClr val="accent1"/>
+          </a:fillRef>
+          <a:effectRef idx="0">
+            <a:schemeClr val="accent1"/>
+          </a:effectRef>
+          <a:fontRef idx="minor">
+            <a:schemeClr val="tx1"/>
+          </a:fontRef>
+        </p:style>
+      </p:cxnSp>
+      <p:cxnSp>
+        <p:nvCxnSpPr>
+          <p:cNvPr id="25" name="Straight Arrow Connector 24">
+            <a:extLst>
+              <a:ext uri="{FF2B5EF4-FFF2-40B4-BE49-F238E27FC236}">
+                <a16:creationId xmlns:a16="http://schemas.microsoft.com/office/drawing/2014/main" id="{376B442C-B094-9D46-A49F-E4B9D680CAB7}"/>
+              </a:ext>
+            </a:extLst>
+          </p:cNvPr>
+          <p:cNvCxnSpPr>
+            <a:stCxn id="4" idx="3"/>
+          </p:cNvCxnSpPr>
+          <p:nvPr/>
+        </p:nvCxnSpPr>
+        <p:spPr>
+          <a:xfrm>
+            <a:off x="3176870" y="2009530"/>
+            <a:ext cx="669573" cy="137322"/>
+          </a:xfrm>
+          <a:prstGeom prst="straightConnector1">
+            <a:avLst/>
+          </a:prstGeom>
+          <a:ln w="28575">
+            <a:headEnd type="triangle"/>
+            <a:tailEnd type="triangle"/>
+          </a:ln>
+        </p:spPr>
+        <p:style>
+          <a:lnRef idx="1">
+            <a:schemeClr val="accent1"/>
+          </a:lnRef>
+          <a:fillRef idx="0">
+            <a:schemeClr val="accent1"/>
+          </a:fillRef>
+          <a:effectRef idx="0">
+            <a:schemeClr val="accent1"/>
+          </a:effectRef>
+          <a:fontRef idx="minor">
+            <a:schemeClr val="tx1"/>
+          </a:fontRef>
+        </p:style>
+      </p:cxnSp>
+      <p:cxnSp>
+        <p:nvCxnSpPr>
+          <p:cNvPr id="26" name="Straight Arrow Connector 25">
+            <a:extLst>
+              <a:ext uri="{FF2B5EF4-FFF2-40B4-BE49-F238E27FC236}">
+                <a16:creationId xmlns:a16="http://schemas.microsoft.com/office/drawing/2014/main" id="{17D624F7-5071-65E7-CA72-9A397B02FD27}"/>
+              </a:ext>
+            </a:extLst>
+          </p:cNvPr>
+          <p:cNvCxnSpPr>
+            <a:cxnSpLocks/>
+          </p:cNvCxnSpPr>
+          <p:nvPr/>
+        </p:nvCxnSpPr>
+        <p:spPr>
+          <a:xfrm>
+            <a:off x="3649659" y="1270486"/>
+            <a:ext cx="534116" cy="600573"/>
+          </a:xfrm>
+          <a:prstGeom prst="straightConnector1">
+            <a:avLst/>
+          </a:prstGeom>
+          <a:ln w="28575">
+            <a:headEnd type="triangle"/>
+            <a:tailEnd type="triangle"/>
+          </a:ln>
+        </p:spPr>
+        <p:style>
+          <a:lnRef idx="1">
+            <a:schemeClr val="accent1"/>
+          </a:lnRef>
+          <a:fillRef idx="0">
+            <a:schemeClr val="accent1"/>
+          </a:fillRef>
+          <a:effectRef idx="0">
+            <a:schemeClr val="accent1"/>
+          </a:effectRef>
+          <a:fontRef idx="minor">
+            <a:schemeClr val="tx1"/>
+          </a:fontRef>
+        </p:style>
+      </p:cxnSp>
+      <p:cxnSp>
+        <p:nvCxnSpPr>
+          <p:cNvPr id="28" name="Straight Arrow Connector 27">
+            <a:extLst>
+              <a:ext uri="{FF2B5EF4-FFF2-40B4-BE49-F238E27FC236}">
+                <a16:creationId xmlns:a16="http://schemas.microsoft.com/office/drawing/2014/main" id="{297A345B-8892-6A07-AEC0-D9D2E1131E2C}"/>
+              </a:ext>
+            </a:extLst>
+          </p:cNvPr>
+          <p:cNvCxnSpPr>
+            <a:cxnSpLocks/>
+          </p:cNvCxnSpPr>
+          <p:nvPr/>
+        </p:nvCxnSpPr>
+        <p:spPr>
+          <a:xfrm>
+            <a:off x="4898334" y="1302367"/>
+            <a:ext cx="0" cy="469541"/>
+          </a:xfrm>
+          <a:prstGeom prst="straightConnector1">
+            <a:avLst/>
+          </a:prstGeom>
+          <a:ln w="28575">
+            <a:headEnd type="triangle"/>
+            <a:tailEnd type="triangle"/>
+          </a:ln>
+        </p:spPr>
+        <p:style>
+          <a:lnRef idx="1">
+            <a:schemeClr val="accent1"/>
+          </a:lnRef>
+          <a:fillRef idx="0">
+            <a:schemeClr val="accent1"/>
+          </a:fillRef>
+          <a:effectRef idx="0">
+            <a:schemeClr val="accent1"/>
+          </a:effectRef>
+          <a:fontRef idx="minor">
+            <a:schemeClr val="tx1"/>
+          </a:fontRef>
+        </p:style>
+      </p:cxnSp>
+      <p:cxnSp>
+        <p:nvCxnSpPr>
+          <p:cNvPr id="31" name="Straight Arrow Connector 30">
+            <a:extLst>
+              <a:ext uri="{FF2B5EF4-FFF2-40B4-BE49-F238E27FC236}">
+                <a16:creationId xmlns:a16="http://schemas.microsoft.com/office/drawing/2014/main" id="{9698723C-FC4F-D52D-A5FE-1EDCF15E1825}"/>
+              </a:ext>
+            </a:extLst>
+          </p:cNvPr>
+          <p:cNvCxnSpPr>
+            <a:cxnSpLocks/>
+          </p:cNvCxnSpPr>
+          <p:nvPr/>
+        </p:nvCxnSpPr>
+        <p:spPr>
+          <a:xfrm flipH="1">
+            <a:off x="5788630" y="1493947"/>
+            <a:ext cx="319475" cy="391273"/>
+          </a:xfrm>
+          <a:prstGeom prst="straightConnector1">
+            <a:avLst/>
+          </a:prstGeom>
+          <a:ln w="28575">
+            <a:headEnd type="triangle"/>
+            <a:tailEnd type="triangle"/>
+          </a:ln>
+        </p:spPr>
+        <p:style>
+          <a:lnRef idx="1">
+            <a:schemeClr val="accent1"/>
+          </a:lnRef>
+          <a:fillRef idx="0">
+            <a:schemeClr val="accent1"/>
+          </a:fillRef>
+          <a:effectRef idx="0">
+            <a:schemeClr val="accent1"/>
+          </a:effectRef>
+          <a:fontRef idx="minor">
+            <a:schemeClr val="tx1"/>
+          </a:fontRef>
+        </p:style>
+      </p:cxnSp>
+      <p:cxnSp>
+        <p:nvCxnSpPr>
+          <p:cNvPr id="34" name="Straight Arrow Connector 33">
+            <a:extLst>
+              <a:ext uri="{FF2B5EF4-FFF2-40B4-BE49-F238E27FC236}">
+                <a16:creationId xmlns:a16="http://schemas.microsoft.com/office/drawing/2014/main" id="{B7A25D40-15D1-8B21-FDDD-EDB3922A7AE3}"/>
+              </a:ext>
+            </a:extLst>
+          </p:cNvPr>
+          <p:cNvCxnSpPr>
+            <a:cxnSpLocks/>
+          </p:cNvCxnSpPr>
+          <p:nvPr/>
+        </p:nvCxnSpPr>
+        <p:spPr>
+          <a:xfrm flipH="1">
+            <a:off x="6056955" y="1854730"/>
+            <a:ext cx="562844" cy="185290"/>
+          </a:xfrm>
+          <a:prstGeom prst="straightConnector1">
+            <a:avLst/>
+          </a:prstGeom>
+          <a:ln w="28575">
+            <a:headEnd type="triangle"/>
+            <a:tailEnd type="triangle"/>
+          </a:ln>
+        </p:spPr>
+        <p:style>
+          <a:lnRef idx="1">
+            <a:schemeClr val="accent1"/>
+          </a:lnRef>
+          <a:fillRef idx="0">
+            <a:schemeClr val="accent1"/>
+          </a:fillRef>
+          <a:effectRef idx="0">
+            <a:schemeClr val="accent1"/>
+          </a:effectRef>
+          <a:fontRef idx="minor">
+            <a:schemeClr val="tx1"/>
+          </a:fontRef>
+        </p:style>
+      </p:cxnSp>
+    </p:spTree>
+    <p:extLst>
+      <p:ext uri="{BB962C8B-B14F-4D97-AF65-F5344CB8AC3E}">
+        <p14:creationId xmlns:p14="http://schemas.microsoft.com/office/powerpoint/2010/main" val="2933009385"/>
+      </p:ext>
+    </p:extLst>
+  </p:cSld>
+  <p:clrMapOvr>
+    <a:masterClrMapping/>
+  </p:clrMapOvr>
+</p:sld>
+</file>
+
 <file path=ppt/slides/slide2.xml><?xml version="1.0" encoding="utf-8"?>
 <p:sld xmlns:a="http://schemas.openxmlformats.org/drawingml/2006/main" xmlns:r="http://schemas.openxmlformats.org/officeDocument/2006/relationships" xmlns:p="http://schemas.openxmlformats.org/presentationml/2006/main">
   <p:cSld>

--- a/images/graphics.pptx
+++ b/images/graphics.pptx
@@ -21,6 +21,12 @@
     <p:sldId id="271" r:id="rId15"/>
     <p:sldId id="272" r:id="rId16"/>
     <p:sldId id="273" r:id="rId17"/>
+    <p:sldId id="274" r:id="rId18"/>
+    <p:sldId id="276" r:id="rId19"/>
+    <p:sldId id="275" r:id="rId20"/>
+    <p:sldId id="277" r:id="rId21"/>
+    <p:sldId id="278" r:id="rId22"/>
+    <p:sldId id="279" r:id="rId23"/>
   </p:sldIdLst>
   <p:sldSz cx="12192000" cy="6858000"/>
   <p:notesSz cx="6858000" cy="9144000"/>
@@ -127,6 +133,3084 @@
 </p:presentation>
 </file>
 
+<file path=ppt/diagrams/colors1.xml><?xml version="1.0" encoding="utf-8"?>
+<dgm:colorsDef xmlns:dgm="http://schemas.openxmlformats.org/drawingml/2006/diagram" xmlns:a="http://schemas.openxmlformats.org/drawingml/2006/main" uniqueId="urn:microsoft.com/office/officeart/2005/8/colors/colorful1">
+  <dgm:title val=""/>
+  <dgm:desc val=""/>
+  <dgm:catLst>
+    <dgm:cat type="colorful" pri="10100"/>
+  </dgm:catLst>
+  <dgm:styleLbl name="node0">
+    <dgm:fillClrLst meth="repeat">
+      <a:schemeClr val="accent1"/>
+    </dgm:fillClrLst>
+    <dgm:linClrLst meth="repeat">
+      <a:schemeClr val="lt1"/>
+    </dgm:linClrLst>
+    <dgm:effectClrLst/>
+    <dgm:txLinClrLst/>
+    <dgm:txFillClrLst/>
+    <dgm:txEffectClrLst/>
+  </dgm:styleLbl>
+  <dgm:styleLbl name="node1">
+    <dgm:fillClrLst meth="repeat">
+      <a:schemeClr val="accent2"/>
+      <a:schemeClr val="accent3"/>
+      <a:schemeClr val="accent4"/>
+      <a:schemeClr val="accent5"/>
+      <a:schemeClr val="accent6"/>
+    </dgm:fillClrLst>
+    <dgm:linClrLst meth="repeat">
+      <a:schemeClr val="lt1"/>
+    </dgm:linClrLst>
+    <dgm:effectClrLst/>
+    <dgm:txLinClrLst/>
+    <dgm:txFillClrLst/>
+    <dgm:txEffectClrLst/>
+  </dgm:styleLbl>
+  <dgm:styleLbl name="alignNode1">
+    <dgm:fillClrLst meth="repeat">
+      <a:schemeClr val="accent2"/>
+      <a:schemeClr val="accent3"/>
+      <a:schemeClr val="accent4"/>
+      <a:schemeClr val="accent5"/>
+      <a:schemeClr val="accent6"/>
+    </dgm:fillClrLst>
+    <dgm:linClrLst meth="repeat">
+      <a:schemeClr val="accent2"/>
+      <a:schemeClr val="accent3"/>
+      <a:schemeClr val="accent4"/>
+      <a:schemeClr val="accent5"/>
+      <a:schemeClr val="accent6"/>
+    </dgm:linClrLst>
+    <dgm:effectClrLst/>
+    <dgm:txLinClrLst/>
+    <dgm:txFillClrLst/>
+    <dgm:txEffectClrLst/>
+  </dgm:styleLbl>
+  <dgm:styleLbl name="lnNode1">
+    <dgm:fillClrLst meth="repeat">
+      <a:schemeClr val="accent2"/>
+      <a:schemeClr val="accent3"/>
+      <a:schemeClr val="accent4"/>
+      <a:schemeClr val="accent5"/>
+      <a:schemeClr val="accent6"/>
+    </dgm:fillClrLst>
+    <dgm:linClrLst meth="repeat">
+      <a:schemeClr val="lt1"/>
+    </dgm:linClrLst>
+    <dgm:effectClrLst/>
+    <dgm:txLinClrLst/>
+    <dgm:txFillClrLst/>
+    <dgm:txEffectClrLst/>
+  </dgm:styleLbl>
+  <dgm:styleLbl name="vennNode1">
+    <dgm:fillClrLst meth="repeat">
+      <a:schemeClr val="accent2">
+        <a:alpha val="50000"/>
+      </a:schemeClr>
+      <a:schemeClr val="accent3">
+        <a:alpha val="50000"/>
+      </a:schemeClr>
+      <a:schemeClr val="accent4">
+        <a:alpha val="50000"/>
+      </a:schemeClr>
+      <a:schemeClr val="accent5">
+        <a:alpha val="50000"/>
+      </a:schemeClr>
+      <a:schemeClr val="accent6">
+        <a:alpha val="50000"/>
+      </a:schemeClr>
+    </dgm:fillClrLst>
+    <dgm:linClrLst meth="repeat">
+      <a:schemeClr val="lt1"/>
+    </dgm:linClrLst>
+    <dgm:effectClrLst/>
+    <dgm:txLinClrLst/>
+    <dgm:txFillClrLst/>
+    <dgm:txEffectClrLst/>
+  </dgm:styleLbl>
+  <dgm:styleLbl name="node2">
+    <dgm:fillClrLst>
+      <a:schemeClr val="accent2"/>
+    </dgm:fillClrLst>
+    <dgm:linClrLst meth="repeat">
+      <a:schemeClr val="lt1"/>
+    </dgm:linClrLst>
+    <dgm:effectClrLst/>
+    <dgm:txLinClrLst/>
+    <dgm:txFillClrLst/>
+    <dgm:txEffectClrLst/>
+  </dgm:styleLbl>
+  <dgm:styleLbl name="node3">
+    <dgm:fillClrLst>
+      <a:schemeClr val="accent3"/>
+    </dgm:fillClrLst>
+    <dgm:linClrLst meth="repeat">
+      <a:schemeClr val="lt1"/>
+    </dgm:linClrLst>
+    <dgm:effectClrLst/>
+    <dgm:txLinClrLst/>
+    <dgm:txFillClrLst/>
+    <dgm:txEffectClrLst/>
+  </dgm:styleLbl>
+  <dgm:styleLbl name="node4">
+    <dgm:fillClrLst>
+      <a:schemeClr val="accent4"/>
+    </dgm:fillClrLst>
+    <dgm:linClrLst meth="repeat">
+      <a:schemeClr val="lt1"/>
+    </dgm:linClrLst>
+    <dgm:effectClrLst/>
+    <dgm:txLinClrLst/>
+    <dgm:txFillClrLst/>
+    <dgm:txEffectClrLst/>
+  </dgm:styleLbl>
+  <dgm:styleLbl name="fgImgPlace1">
+    <dgm:fillClrLst meth="repeat">
+      <a:schemeClr val="accent2">
+        <a:tint val="50000"/>
+      </a:schemeClr>
+      <a:schemeClr val="accent3">
+        <a:tint val="50000"/>
+      </a:schemeClr>
+      <a:schemeClr val="accent4">
+        <a:tint val="50000"/>
+      </a:schemeClr>
+      <a:schemeClr val="accent5">
+        <a:tint val="50000"/>
+      </a:schemeClr>
+      <a:schemeClr val="accent6">
+        <a:tint val="50000"/>
+      </a:schemeClr>
+    </dgm:fillClrLst>
+    <dgm:linClrLst meth="repeat">
+      <a:schemeClr val="lt1"/>
+    </dgm:linClrLst>
+    <dgm:effectClrLst/>
+    <dgm:txLinClrLst/>
+    <dgm:txFillClrLst meth="repeat">
+      <a:schemeClr val="lt1"/>
+    </dgm:txFillClrLst>
+    <dgm:txEffectClrLst/>
+  </dgm:styleLbl>
+  <dgm:styleLbl name="alignImgPlace1">
+    <dgm:fillClrLst>
+      <a:schemeClr val="accent1">
+        <a:tint val="50000"/>
+      </a:schemeClr>
+      <a:schemeClr val="accent2">
+        <a:tint val="20000"/>
+      </a:schemeClr>
+    </dgm:fillClrLst>
+    <dgm:linClrLst meth="repeat">
+      <a:schemeClr val="lt1"/>
+    </dgm:linClrLst>
+    <dgm:effectClrLst/>
+    <dgm:txLinClrLst/>
+    <dgm:txFillClrLst meth="repeat">
+      <a:schemeClr val="lt1"/>
+    </dgm:txFillClrLst>
+    <dgm:txEffectClrLst/>
+  </dgm:styleLbl>
+  <dgm:styleLbl name="bgImgPlace1">
+    <dgm:fillClrLst>
+      <a:schemeClr val="accent1">
+        <a:tint val="50000"/>
+      </a:schemeClr>
+      <a:schemeClr val="accent2">
+        <a:tint val="20000"/>
+      </a:schemeClr>
+    </dgm:fillClrLst>
+    <dgm:linClrLst meth="repeat">
+      <a:schemeClr val="lt1"/>
+    </dgm:linClrLst>
+    <dgm:effectClrLst/>
+    <dgm:txLinClrLst/>
+    <dgm:txFillClrLst meth="repeat">
+      <a:schemeClr val="lt1"/>
+    </dgm:txFillClrLst>
+    <dgm:txEffectClrLst/>
+  </dgm:styleLbl>
+  <dgm:styleLbl name="sibTrans2D1">
+    <dgm:fillClrLst meth="repeat">
+      <a:schemeClr val="accent2"/>
+      <a:schemeClr val="accent3"/>
+      <a:schemeClr val="accent4"/>
+      <a:schemeClr val="accent5"/>
+      <a:schemeClr val="accent6"/>
+    </dgm:fillClrLst>
+    <dgm:linClrLst meth="cycle">
+      <a:schemeClr val="lt1"/>
+    </dgm:linClrLst>
+    <dgm:effectClrLst/>
+    <dgm:txLinClrLst/>
+    <dgm:txFillClrLst/>
+    <dgm:txEffectClrLst/>
+  </dgm:styleLbl>
+  <dgm:styleLbl name="fgSibTrans2D1">
+    <dgm:fillClrLst meth="repeat">
+      <a:schemeClr val="accent2"/>
+      <a:schemeClr val="accent3"/>
+      <a:schemeClr val="accent4"/>
+      <a:schemeClr val="accent5"/>
+      <a:schemeClr val="accent6"/>
+    </dgm:fillClrLst>
+    <dgm:linClrLst meth="cycle">
+      <a:schemeClr val="lt1"/>
+    </dgm:linClrLst>
+    <dgm:effectClrLst/>
+    <dgm:txLinClrLst/>
+    <dgm:txFillClrLst meth="repeat">
+      <a:schemeClr val="lt1"/>
+    </dgm:txFillClrLst>
+    <dgm:txEffectClrLst/>
+  </dgm:styleLbl>
+  <dgm:styleLbl name="bgSibTrans2D1">
+    <dgm:fillClrLst meth="repeat">
+      <a:schemeClr val="accent2"/>
+      <a:schemeClr val="accent3"/>
+      <a:schemeClr val="accent4"/>
+      <a:schemeClr val="accent5"/>
+      <a:schemeClr val="accent6"/>
+    </dgm:fillClrLst>
+    <dgm:linClrLst meth="cycle">
+      <a:schemeClr val="lt1"/>
+    </dgm:linClrLst>
+    <dgm:effectClrLst/>
+    <dgm:txLinClrLst/>
+    <dgm:txFillClrLst meth="repeat">
+      <a:schemeClr val="lt1"/>
+    </dgm:txFillClrLst>
+    <dgm:txEffectClrLst/>
+  </dgm:styleLbl>
+  <dgm:styleLbl name="sibTrans1D1">
+    <dgm:fillClrLst meth="repeat">
+      <a:schemeClr val="accent2"/>
+      <a:schemeClr val="accent3"/>
+      <a:schemeClr val="accent4"/>
+      <a:schemeClr val="accent5"/>
+      <a:schemeClr val="accent6"/>
+    </dgm:fillClrLst>
+    <dgm:linClrLst meth="repeat">
+      <a:schemeClr val="accent2"/>
+      <a:schemeClr val="accent3"/>
+      <a:schemeClr val="accent4"/>
+      <a:schemeClr val="accent5"/>
+      <a:schemeClr val="accent6"/>
+    </dgm:linClrLst>
+    <dgm:effectClrLst/>
+    <dgm:txLinClrLst/>
+    <dgm:txFillClrLst meth="repeat">
+      <a:schemeClr val="tx1"/>
+    </dgm:txFillClrLst>
+    <dgm:txEffectClrLst/>
+  </dgm:styleLbl>
+  <dgm:styleLbl name="callout">
+    <dgm:fillClrLst meth="repeat">
+      <a:schemeClr val="accent2"/>
+    </dgm:fillClrLst>
+    <dgm:linClrLst meth="repeat">
+      <a:schemeClr val="accent2">
+        <a:tint val="50000"/>
+      </a:schemeClr>
+    </dgm:linClrLst>
+    <dgm:effectClrLst/>
+    <dgm:txLinClrLst/>
+    <dgm:txFillClrLst meth="repeat">
+      <a:schemeClr val="tx1"/>
+    </dgm:txFillClrLst>
+    <dgm:txEffectClrLst/>
+  </dgm:styleLbl>
+  <dgm:styleLbl name="asst0">
+    <dgm:fillClrLst meth="repeat">
+      <a:schemeClr val="accent1"/>
+    </dgm:fillClrLst>
+    <dgm:linClrLst meth="repeat">
+      <a:schemeClr val="lt1"/>
+    </dgm:linClrLst>
+    <dgm:effectClrLst/>
+    <dgm:txLinClrLst/>
+    <dgm:txFillClrLst/>
+    <dgm:txEffectClrLst/>
+  </dgm:styleLbl>
+  <dgm:styleLbl name="asst1">
+    <dgm:fillClrLst meth="repeat">
+      <a:schemeClr val="accent2"/>
+    </dgm:fillClrLst>
+    <dgm:linClrLst meth="repeat">
+      <a:schemeClr val="lt1"/>
+    </dgm:linClrLst>
+    <dgm:effectClrLst/>
+    <dgm:txLinClrLst/>
+    <dgm:txFillClrLst/>
+    <dgm:txEffectClrLst/>
+  </dgm:styleLbl>
+  <dgm:styleLbl name="asst2">
+    <dgm:fillClrLst>
+      <a:schemeClr val="accent3"/>
+    </dgm:fillClrLst>
+    <dgm:linClrLst meth="repeat">
+      <a:schemeClr val="lt1"/>
+    </dgm:linClrLst>
+    <dgm:effectClrLst/>
+    <dgm:txLinClrLst/>
+    <dgm:txFillClrLst/>
+    <dgm:txEffectClrLst/>
+  </dgm:styleLbl>
+  <dgm:styleLbl name="asst3">
+    <dgm:fillClrLst>
+      <a:schemeClr val="accent4"/>
+    </dgm:fillClrLst>
+    <dgm:linClrLst meth="repeat">
+      <a:schemeClr val="lt1"/>
+    </dgm:linClrLst>
+    <dgm:effectClrLst/>
+    <dgm:txLinClrLst/>
+    <dgm:txFillClrLst/>
+    <dgm:txEffectClrLst/>
+  </dgm:styleLbl>
+  <dgm:styleLbl name="asst4">
+    <dgm:fillClrLst>
+      <a:schemeClr val="accent5"/>
+    </dgm:fillClrLst>
+    <dgm:linClrLst meth="repeat">
+      <a:schemeClr val="lt1"/>
+    </dgm:linClrLst>
+    <dgm:effectClrLst/>
+    <dgm:txLinClrLst/>
+    <dgm:txFillClrLst/>
+    <dgm:txEffectClrLst/>
+  </dgm:styleLbl>
+  <dgm:styleLbl name="parChTrans2D1">
+    <dgm:fillClrLst meth="repeat">
+      <a:schemeClr val="accent2"/>
+    </dgm:fillClrLst>
+    <dgm:linClrLst meth="repeat">
+      <a:schemeClr val="lt1"/>
+    </dgm:linClrLst>
+    <dgm:effectClrLst/>
+    <dgm:txLinClrLst/>
+    <dgm:txFillClrLst meth="repeat">
+      <a:schemeClr val="lt1"/>
+    </dgm:txFillClrLst>
+    <dgm:txEffectClrLst/>
+  </dgm:styleLbl>
+  <dgm:styleLbl name="parChTrans2D2">
+    <dgm:fillClrLst meth="repeat">
+      <a:schemeClr val="accent3"/>
+    </dgm:fillClrLst>
+    <dgm:linClrLst meth="repeat">
+      <a:schemeClr val="lt1"/>
+    </dgm:linClrLst>
+    <dgm:effectClrLst/>
+    <dgm:txLinClrLst/>
+    <dgm:txFillClrLst/>
+    <dgm:txEffectClrLst/>
+  </dgm:styleLbl>
+  <dgm:styleLbl name="parChTrans2D3">
+    <dgm:fillClrLst meth="repeat">
+      <a:schemeClr val="accent4"/>
+    </dgm:fillClrLst>
+    <dgm:linClrLst meth="repeat">
+      <a:schemeClr val="lt1"/>
+    </dgm:linClrLst>
+    <dgm:effectClrLst/>
+    <dgm:txLinClrLst/>
+    <dgm:txFillClrLst/>
+    <dgm:txEffectClrLst/>
+  </dgm:styleLbl>
+  <dgm:styleLbl name="parChTrans2D4">
+    <dgm:fillClrLst meth="repeat">
+      <a:schemeClr val="accent5"/>
+    </dgm:fillClrLst>
+    <dgm:linClrLst meth="repeat">
+      <a:schemeClr val="lt1"/>
+    </dgm:linClrLst>
+    <dgm:effectClrLst/>
+    <dgm:txLinClrLst/>
+    <dgm:txFillClrLst meth="repeat">
+      <a:schemeClr val="lt1"/>
+    </dgm:txFillClrLst>
+    <dgm:txEffectClrLst/>
+  </dgm:styleLbl>
+  <dgm:styleLbl name="parChTrans1D1">
+    <dgm:fillClrLst meth="repeat">
+      <a:schemeClr val="accent2"/>
+    </dgm:fillClrLst>
+    <dgm:linClrLst meth="repeat">
+      <a:schemeClr val="accent1"/>
+    </dgm:linClrLst>
+    <dgm:effectClrLst/>
+    <dgm:txLinClrLst/>
+    <dgm:txFillClrLst meth="repeat">
+      <a:schemeClr val="tx1"/>
+    </dgm:txFillClrLst>
+    <dgm:txEffectClrLst/>
+  </dgm:styleLbl>
+  <dgm:styleLbl name="parChTrans1D2">
+    <dgm:fillClrLst meth="repeat">
+      <a:schemeClr val="accent3">
+        <a:tint val="90000"/>
+      </a:schemeClr>
+    </dgm:fillClrLst>
+    <dgm:linClrLst meth="repeat">
+      <a:schemeClr val="accent2"/>
+    </dgm:linClrLst>
+    <dgm:effectClrLst/>
+    <dgm:txLinClrLst/>
+    <dgm:txFillClrLst meth="repeat">
+      <a:schemeClr val="tx1"/>
+    </dgm:txFillClrLst>
+    <dgm:txEffectClrLst/>
+  </dgm:styleLbl>
+  <dgm:styleLbl name="parChTrans1D3">
+    <dgm:fillClrLst meth="repeat">
+      <a:schemeClr val="accent4">
+        <a:tint val="70000"/>
+      </a:schemeClr>
+    </dgm:fillClrLst>
+    <dgm:linClrLst meth="repeat">
+      <a:schemeClr val="accent3"/>
+    </dgm:linClrLst>
+    <dgm:effectClrLst/>
+    <dgm:txLinClrLst/>
+    <dgm:txFillClrLst meth="repeat">
+      <a:schemeClr val="tx1"/>
+    </dgm:txFillClrLst>
+    <dgm:txEffectClrLst/>
+  </dgm:styleLbl>
+  <dgm:styleLbl name="parChTrans1D4">
+    <dgm:fillClrLst meth="repeat">
+      <a:schemeClr val="accent5">
+        <a:tint val="50000"/>
+      </a:schemeClr>
+    </dgm:fillClrLst>
+    <dgm:linClrLst meth="repeat">
+      <a:schemeClr val="accent4"/>
+    </dgm:linClrLst>
+    <dgm:effectClrLst/>
+    <dgm:txLinClrLst/>
+    <dgm:txFillClrLst meth="repeat">
+      <a:schemeClr val="tx1"/>
+    </dgm:txFillClrLst>
+    <dgm:txEffectClrLst/>
+  </dgm:styleLbl>
+  <dgm:styleLbl name="fgAcc1">
+    <dgm:fillClrLst meth="repeat">
+      <a:schemeClr val="lt1">
+        <a:alpha val="90000"/>
+      </a:schemeClr>
+    </dgm:fillClrLst>
+    <dgm:linClrLst meth="repeat">
+      <a:schemeClr val="accent2"/>
+      <a:schemeClr val="accent3"/>
+      <a:schemeClr val="accent4"/>
+      <a:schemeClr val="accent5"/>
+      <a:schemeClr val="accent6"/>
+    </dgm:linClrLst>
+    <dgm:effectClrLst/>
+    <dgm:txLinClrLst/>
+    <dgm:txFillClrLst meth="repeat">
+      <a:schemeClr val="dk1"/>
+    </dgm:txFillClrLst>
+    <dgm:txEffectClrLst/>
+  </dgm:styleLbl>
+  <dgm:styleLbl name="conFgAcc1">
+    <dgm:fillClrLst meth="repeat">
+      <a:schemeClr val="lt1">
+        <a:alpha val="90000"/>
+      </a:schemeClr>
+    </dgm:fillClrLst>
+    <dgm:linClrLst meth="repeat">
+      <a:schemeClr val="accent2"/>
+      <a:schemeClr val="accent3"/>
+      <a:schemeClr val="accent4"/>
+      <a:schemeClr val="accent5"/>
+      <a:schemeClr val="accent6"/>
+    </dgm:linClrLst>
+    <dgm:effectClrLst/>
+    <dgm:txLinClrLst/>
+    <dgm:txFillClrLst meth="repeat">
+      <a:schemeClr val="dk1"/>
+    </dgm:txFillClrLst>
+    <dgm:txEffectClrLst/>
+  </dgm:styleLbl>
+  <dgm:styleLbl name="alignAcc1">
+    <dgm:fillClrLst meth="repeat">
+      <a:schemeClr val="lt1">
+        <a:alpha val="90000"/>
+      </a:schemeClr>
+    </dgm:fillClrLst>
+    <dgm:linClrLst meth="repeat">
+      <a:schemeClr val="accent2"/>
+      <a:schemeClr val="accent3"/>
+      <a:schemeClr val="accent4"/>
+      <a:schemeClr val="accent5"/>
+      <a:schemeClr val="accent6"/>
+    </dgm:linClrLst>
+    <dgm:effectClrLst/>
+    <dgm:txLinClrLst/>
+    <dgm:txFillClrLst meth="repeat">
+      <a:schemeClr val="dk1"/>
+    </dgm:txFillClrLst>
+    <dgm:txEffectClrLst/>
+  </dgm:styleLbl>
+  <dgm:styleLbl name="trAlignAcc1">
+    <dgm:fillClrLst meth="repeat">
+      <a:schemeClr val="lt1">
+        <a:alpha val="40000"/>
+      </a:schemeClr>
+    </dgm:fillClrLst>
+    <dgm:linClrLst meth="repeat">
+      <a:schemeClr val="accent1"/>
+    </dgm:linClrLst>
+    <dgm:effectClrLst/>
+    <dgm:txLinClrLst/>
+    <dgm:txFillClrLst meth="repeat">
+      <a:schemeClr val="dk1"/>
+    </dgm:txFillClrLst>
+    <dgm:txEffectClrLst/>
+  </dgm:styleLbl>
+  <dgm:styleLbl name="bgAcc1">
+    <dgm:fillClrLst meth="repeat">
+      <a:schemeClr val="lt1">
+        <a:alpha val="90000"/>
+      </a:schemeClr>
+    </dgm:fillClrLst>
+    <dgm:linClrLst meth="repeat">
+      <a:schemeClr val="accent2"/>
+      <a:schemeClr val="accent3"/>
+      <a:schemeClr val="accent4"/>
+      <a:schemeClr val="accent5"/>
+      <a:schemeClr val="accent6"/>
+    </dgm:linClrLst>
+    <dgm:effectClrLst/>
+    <dgm:txLinClrLst/>
+    <dgm:txFillClrLst meth="repeat">
+      <a:schemeClr val="dk1"/>
+    </dgm:txFillClrLst>
+    <dgm:txEffectClrLst/>
+  </dgm:styleLbl>
+  <dgm:styleLbl name="solidFgAcc1">
+    <dgm:fillClrLst meth="repeat">
+      <a:schemeClr val="lt1"/>
+    </dgm:fillClrLst>
+    <dgm:linClrLst meth="repeat">
+      <a:schemeClr val="accent2"/>
+      <a:schemeClr val="accent3"/>
+      <a:schemeClr val="accent4"/>
+      <a:schemeClr val="accent5"/>
+      <a:schemeClr val="accent6"/>
+    </dgm:linClrLst>
+    <dgm:effectClrLst/>
+    <dgm:txLinClrLst/>
+    <dgm:txFillClrLst meth="repeat">
+      <a:schemeClr val="dk1"/>
+    </dgm:txFillClrLst>
+    <dgm:txEffectClrLst/>
+  </dgm:styleLbl>
+  <dgm:styleLbl name="solidAlignAcc1">
+    <dgm:fillClrLst meth="repeat">
+      <a:schemeClr val="lt1"/>
+    </dgm:fillClrLst>
+    <dgm:linClrLst meth="repeat">
+      <a:schemeClr val="accent2"/>
+      <a:schemeClr val="accent3"/>
+      <a:schemeClr val="accent4"/>
+      <a:schemeClr val="accent5"/>
+      <a:schemeClr val="accent6"/>
+    </dgm:linClrLst>
+    <dgm:effectClrLst/>
+    <dgm:txLinClrLst/>
+    <dgm:txFillClrLst meth="repeat">
+      <a:schemeClr val="dk1"/>
+    </dgm:txFillClrLst>
+    <dgm:txEffectClrLst/>
+  </dgm:styleLbl>
+  <dgm:styleLbl name="solidBgAcc1">
+    <dgm:fillClrLst meth="repeat">
+      <a:schemeClr val="lt1"/>
+    </dgm:fillClrLst>
+    <dgm:linClrLst meth="repeat">
+      <a:schemeClr val="accent2"/>
+      <a:schemeClr val="accent3"/>
+      <a:schemeClr val="accent4"/>
+      <a:schemeClr val="accent5"/>
+      <a:schemeClr val="accent6"/>
+    </dgm:linClrLst>
+    <dgm:effectClrLst/>
+    <dgm:txLinClrLst/>
+    <dgm:txFillClrLst meth="repeat">
+      <a:schemeClr val="dk1"/>
+    </dgm:txFillClrLst>
+    <dgm:txEffectClrLst/>
+  </dgm:styleLbl>
+  <dgm:styleLbl name="fgAccFollowNode1">
+    <dgm:fillClrLst meth="repeat">
+      <a:schemeClr val="accent2">
+        <a:tint val="40000"/>
+        <a:alpha val="90000"/>
+      </a:schemeClr>
+      <a:schemeClr val="accent3">
+        <a:tint val="40000"/>
+        <a:alpha val="90000"/>
+      </a:schemeClr>
+      <a:schemeClr val="accent4">
+        <a:tint val="40000"/>
+        <a:alpha val="90000"/>
+      </a:schemeClr>
+      <a:schemeClr val="accent5">
+        <a:tint val="40000"/>
+        <a:alpha val="90000"/>
+      </a:schemeClr>
+      <a:schemeClr val="accent6">
+        <a:tint val="40000"/>
+        <a:alpha val="90000"/>
+      </a:schemeClr>
+    </dgm:fillClrLst>
+    <dgm:linClrLst meth="repeat">
+      <a:schemeClr val="accent2">
+        <a:tint val="40000"/>
+        <a:alpha val="90000"/>
+      </a:schemeClr>
+      <a:schemeClr val="accent3">
+        <a:tint val="40000"/>
+        <a:alpha val="90000"/>
+      </a:schemeClr>
+      <a:schemeClr val="accent4">
+        <a:tint val="40000"/>
+        <a:alpha val="90000"/>
+      </a:schemeClr>
+      <a:schemeClr val="accent5">
+        <a:tint val="40000"/>
+        <a:alpha val="90000"/>
+      </a:schemeClr>
+      <a:schemeClr val="accent6">
+        <a:tint val="40000"/>
+        <a:alpha val="90000"/>
+      </a:schemeClr>
+    </dgm:linClrLst>
+    <dgm:effectClrLst/>
+    <dgm:txLinClrLst/>
+    <dgm:txFillClrLst meth="repeat">
+      <a:schemeClr val="dk1"/>
+    </dgm:txFillClrLst>
+    <dgm:txEffectClrLst/>
+  </dgm:styleLbl>
+  <dgm:styleLbl name="alignAccFollowNode1">
+    <dgm:fillClrLst meth="repeat">
+      <a:schemeClr val="accent2">
+        <a:tint val="40000"/>
+        <a:alpha val="90000"/>
+      </a:schemeClr>
+      <a:schemeClr val="accent3">
+        <a:tint val="40000"/>
+        <a:alpha val="90000"/>
+      </a:schemeClr>
+      <a:schemeClr val="accent4">
+        <a:tint val="40000"/>
+        <a:alpha val="90000"/>
+      </a:schemeClr>
+      <a:schemeClr val="accent5">
+        <a:tint val="40000"/>
+        <a:alpha val="90000"/>
+      </a:schemeClr>
+      <a:schemeClr val="accent6">
+        <a:tint val="40000"/>
+        <a:alpha val="90000"/>
+      </a:schemeClr>
+    </dgm:fillClrLst>
+    <dgm:linClrLst meth="repeat">
+      <a:schemeClr val="accent2">
+        <a:tint val="40000"/>
+        <a:alpha val="90000"/>
+      </a:schemeClr>
+      <a:schemeClr val="accent3">
+        <a:tint val="40000"/>
+        <a:alpha val="90000"/>
+      </a:schemeClr>
+      <a:schemeClr val="accent4">
+        <a:tint val="40000"/>
+        <a:alpha val="90000"/>
+      </a:schemeClr>
+      <a:schemeClr val="accent5">
+        <a:tint val="40000"/>
+        <a:alpha val="90000"/>
+      </a:schemeClr>
+      <a:schemeClr val="accent6">
+        <a:tint val="40000"/>
+        <a:alpha val="90000"/>
+      </a:schemeClr>
+    </dgm:linClrLst>
+    <dgm:effectClrLst/>
+    <dgm:txLinClrLst/>
+    <dgm:txFillClrLst meth="repeat">
+      <a:schemeClr val="dk1"/>
+    </dgm:txFillClrLst>
+    <dgm:txEffectClrLst/>
+  </dgm:styleLbl>
+  <dgm:styleLbl name="bgAccFollowNode1">
+    <dgm:fillClrLst meth="repeat">
+      <a:schemeClr val="accent2">
+        <a:tint val="40000"/>
+        <a:alpha val="90000"/>
+      </a:schemeClr>
+      <a:schemeClr val="accent3">
+        <a:tint val="40000"/>
+        <a:alpha val="90000"/>
+      </a:schemeClr>
+      <a:schemeClr val="accent4">
+        <a:tint val="40000"/>
+        <a:alpha val="90000"/>
+      </a:schemeClr>
+      <a:schemeClr val="accent5">
+        <a:tint val="40000"/>
+        <a:alpha val="90000"/>
+      </a:schemeClr>
+      <a:schemeClr val="accent6">
+        <a:tint val="40000"/>
+        <a:alpha val="90000"/>
+      </a:schemeClr>
+    </dgm:fillClrLst>
+    <dgm:linClrLst meth="repeat">
+      <a:schemeClr val="accent2">
+        <a:tint val="40000"/>
+        <a:alpha val="90000"/>
+      </a:schemeClr>
+      <a:schemeClr val="accent3">
+        <a:tint val="40000"/>
+        <a:alpha val="90000"/>
+      </a:schemeClr>
+      <a:schemeClr val="accent4">
+        <a:tint val="40000"/>
+        <a:alpha val="90000"/>
+      </a:schemeClr>
+      <a:schemeClr val="accent5">
+        <a:tint val="40000"/>
+        <a:alpha val="90000"/>
+      </a:schemeClr>
+      <a:schemeClr val="accent6">
+        <a:tint val="40000"/>
+        <a:alpha val="90000"/>
+      </a:schemeClr>
+    </dgm:linClrLst>
+    <dgm:effectClrLst/>
+    <dgm:txLinClrLst/>
+    <dgm:txFillClrLst meth="repeat">
+      <a:schemeClr val="dk1"/>
+    </dgm:txFillClrLst>
+    <dgm:txEffectClrLst/>
+  </dgm:styleLbl>
+  <dgm:styleLbl name="fgAcc0">
+    <dgm:fillClrLst meth="repeat">
+      <a:schemeClr val="lt1">
+        <a:alpha val="90000"/>
+      </a:schemeClr>
+    </dgm:fillClrLst>
+    <dgm:linClrLst>
+      <a:schemeClr val="accent1"/>
+    </dgm:linClrLst>
+    <dgm:effectClrLst/>
+    <dgm:txLinClrLst/>
+    <dgm:txFillClrLst meth="repeat">
+      <a:schemeClr val="dk1"/>
+    </dgm:txFillClrLst>
+    <dgm:txEffectClrLst/>
+  </dgm:styleLbl>
+  <dgm:styleLbl name="fgAcc2">
+    <dgm:fillClrLst meth="repeat">
+      <a:schemeClr val="lt1">
+        <a:alpha val="90000"/>
+      </a:schemeClr>
+    </dgm:fillClrLst>
+    <dgm:linClrLst>
+      <a:schemeClr val="accent2"/>
+    </dgm:linClrLst>
+    <dgm:effectClrLst/>
+    <dgm:txLinClrLst/>
+    <dgm:txFillClrLst meth="repeat">
+      <a:schemeClr val="dk1"/>
+    </dgm:txFillClrLst>
+    <dgm:txEffectClrLst/>
+  </dgm:styleLbl>
+  <dgm:styleLbl name="fgAcc3">
+    <dgm:fillClrLst meth="repeat">
+      <a:schemeClr val="lt1">
+        <a:alpha val="90000"/>
+      </a:schemeClr>
+    </dgm:fillClrLst>
+    <dgm:linClrLst>
+      <a:schemeClr val="accent3"/>
+    </dgm:linClrLst>
+    <dgm:effectClrLst/>
+    <dgm:txLinClrLst/>
+    <dgm:txFillClrLst meth="repeat">
+      <a:schemeClr val="dk1"/>
+    </dgm:txFillClrLst>
+    <dgm:txEffectClrLst/>
+  </dgm:styleLbl>
+  <dgm:styleLbl name="fgAcc4">
+    <dgm:fillClrLst meth="repeat">
+      <a:schemeClr val="lt1">
+        <a:alpha val="90000"/>
+      </a:schemeClr>
+    </dgm:fillClrLst>
+    <dgm:linClrLst>
+      <a:schemeClr val="accent4"/>
+    </dgm:linClrLst>
+    <dgm:effectClrLst/>
+    <dgm:txLinClrLst/>
+    <dgm:txFillClrLst meth="repeat">
+      <a:schemeClr val="dk1"/>
+    </dgm:txFillClrLst>
+    <dgm:txEffectClrLst/>
+  </dgm:styleLbl>
+  <dgm:styleLbl name="bgShp">
+    <dgm:fillClrLst meth="repeat">
+      <a:schemeClr val="accent2">
+        <a:tint val="40000"/>
+      </a:schemeClr>
+    </dgm:fillClrLst>
+    <dgm:linClrLst meth="repeat">
+      <a:schemeClr val="dk1"/>
+    </dgm:linClrLst>
+    <dgm:effectClrLst/>
+    <dgm:txLinClrLst/>
+    <dgm:txFillClrLst meth="repeat">
+      <a:schemeClr val="dk1"/>
+    </dgm:txFillClrLst>
+    <dgm:txEffectClrLst/>
+  </dgm:styleLbl>
+  <dgm:styleLbl name="dkBgShp">
+    <dgm:fillClrLst meth="repeat">
+      <a:schemeClr val="accent2">
+        <a:shade val="90000"/>
+      </a:schemeClr>
+    </dgm:fillClrLst>
+    <dgm:linClrLst meth="repeat">
+      <a:schemeClr val="dk1"/>
+    </dgm:linClrLst>
+    <dgm:effectClrLst/>
+    <dgm:txLinClrLst/>
+    <dgm:txFillClrLst meth="repeat">
+      <a:schemeClr val="lt1"/>
+    </dgm:txFillClrLst>
+    <dgm:txEffectClrLst/>
+  </dgm:styleLbl>
+  <dgm:styleLbl name="trBgShp">
+    <dgm:fillClrLst meth="repeat">
+      <a:schemeClr val="accent1">
+        <a:tint val="50000"/>
+        <a:alpha val="40000"/>
+      </a:schemeClr>
+    </dgm:fillClrLst>
+    <dgm:linClrLst meth="repeat">
+      <a:schemeClr val="accent2"/>
+    </dgm:linClrLst>
+    <dgm:effectClrLst/>
+    <dgm:txLinClrLst/>
+    <dgm:txFillClrLst meth="repeat">
+      <a:schemeClr val="lt1"/>
+    </dgm:txFillClrLst>
+    <dgm:txEffectClrLst/>
+  </dgm:styleLbl>
+  <dgm:styleLbl name="fgShp">
+    <dgm:fillClrLst meth="repeat">
+      <a:schemeClr val="accent2">
+        <a:tint val="40000"/>
+      </a:schemeClr>
+    </dgm:fillClrLst>
+    <dgm:linClrLst meth="repeat">
+      <a:schemeClr val="lt1"/>
+    </dgm:linClrLst>
+    <dgm:effectClrLst/>
+    <dgm:txLinClrLst/>
+    <dgm:txFillClrLst meth="repeat">
+      <a:schemeClr val="dk1"/>
+    </dgm:txFillClrLst>
+    <dgm:txEffectClrLst/>
+  </dgm:styleLbl>
+  <dgm:styleLbl name="revTx">
+    <dgm:fillClrLst meth="repeat">
+      <a:schemeClr val="lt1">
+        <a:alpha val="0"/>
+      </a:schemeClr>
+    </dgm:fillClrLst>
+    <dgm:linClrLst meth="repeat">
+      <a:schemeClr val="dk1">
+        <a:alpha val="0"/>
+      </a:schemeClr>
+    </dgm:linClrLst>
+    <dgm:effectClrLst/>
+    <dgm:txLinClrLst/>
+    <dgm:txFillClrLst meth="repeat">
+      <a:schemeClr val="tx1"/>
+    </dgm:txFillClrLst>
+    <dgm:txEffectClrLst/>
+  </dgm:styleLbl>
+</dgm:colorsDef>
+</file>
+
+<file path=ppt/diagrams/data1.xml><?xml version="1.0" encoding="utf-8"?>
+<dgm:dataModel xmlns:dgm="http://schemas.openxmlformats.org/drawingml/2006/diagram" xmlns:a="http://schemas.openxmlformats.org/drawingml/2006/main">
+  <dgm:ptLst>
+    <dgm:pt modelId="{BE21B78F-ADAB-CB40-9F3A-592ABE7D49E8}" type="doc">
+      <dgm:prSet loTypeId="urn:microsoft.com/office/officeart/2005/8/layout/chevron1" loCatId="" qsTypeId="urn:microsoft.com/office/officeart/2005/8/quickstyle/simple1" qsCatId="simple" csTypeId="urn:microsoft.com/office/officeart/2005/8/colors/colorful1" csCatId="colorful" phldr="1"/>
+      <dgm:spPr/>
+    </dgm:pt>
+    <dgm:pt modelId="{AE5FA315-47E1-E441-92B6-CCF4DE9C0851}">
+      <dgm:prSet phldrT="[Text]"/>
+      <dgm:spPr/>
+      <dgm:t>
+        <a:bodyPr/>
+        <a:lstStyle/>
+        <a:p>
+          <a:r>
+            <a:rPr lang="en-GB" b="0" i="0"/>
+            <a:t>Plan</a:t>
+          </a:r>
+          <a:endParaRPr lang="en-GB"/>
+        </a:p>
+      </dgm:t>
+    </dgm:pt>
+    <dgm:pt modelId="{EFEEF5FB-3FBD-3E49-9267-7EE99465D3F4}" type="parTrans" cxnId="{5037634D-9EB9-1246-9BB1-69505D7B7760}">
+      <dgm:prSet/>
+      <dgm:spPr/>
+      <dgm:t>
+        <a:bodyPr/>
+        <a:lstStyle/>
+        <a:p>
+          <a:endParaRPr lang="en-GB"/>
+        </a:p>
+      </dgm:t>
+    </dgm:pt>
+    <dgm:pt modelId="{09FACDE9-7EA5-4149-9394-D16627B5E466}" type="sibTrans" cxnId="{5037634D-9EB9-1246-9BB1-69505D7B7760}">
+      <dgm:prSet/>
+      <dgm:spPr/>
+      <dgm:t>
+        <a:bodyPr/>
+        <a:lstStyle/>
+        <a:p>
+          <a:endParaRPr lang="en-GB"/>
+        </a:p>
+      </dgm:t>
+    </dgm:pt>
+    <dgm:pt modelId="{FD108BD7-8685-A941-9B95-3D983CBF7D8D}">
+      <dgm:prSet phldrT="[Text]"/>
+      <dgm:spPr/>
+      <dgm:t>
+        <a:bodyPr/>
+        <a:lstStyle/>
+        <a:p>
+          <a:r>
+            <a:rPr lang="en-GB" b="0" i="0"/>
+            <a:t>Code</a:t>
+          </a:r>
+          <a:endParaRPr lang="en-GB"/>
+        </a:p>
+      </dgm:t>
+    </dgm:pt>
+    <dgm:pt modelId="{B902D9BC-D82E-414B-9435-AA3D932098C8}" type="parTrans" cxnId="{CF3675BC-9E1E-F546-8A15-CE78636959F3}">
+      <dgm:prSet/>
+      <dgm:spPr/>
+      <dgm:t>
+        <a:bodyPr/>
+        <a:lstStyle/>
+        <a:p>
+          <a:endParaRPr lang="en-GB"/>
+        </a:p>
+      </dgm:t>
+    </dgm:pt>
+    <dgm:pt modelId="{25617615-4A59-2444-AC7F-8BF1D2E53E36}" type="sibTrans" cxnId="{CF3675BC-9E1E-F546-8A15-CE78636959F3}">
+      <dgm:prSet/>
+      <dgm:spPr/>
+      <dgm:t>
+        <a:bodyPr/>
+        <a:lstStyle/>
+        <a:p>
+          <a:endParaRPr lang="en-GB"/>
+        </a:p>
+      </dgm:t>
+    </dgm:pt>
+    <dgm:pt modelId="{D31223ED-7DD2-AF47-BFDC-FE75C636868C}">
+      <dgm:prSet phldrT="[Text]"/>
+      <dgm:spPr/>
+      <dgm:t>
+        <a:bodyPr/>
+        <a:lstStyle/>
+        <a:p>
+          <a:r>
+            <a:rPr lang="en-GB" b="0" i="0"/>
+            <a:t>Build</a:t>
+          </a:r>
+          <a:endParaRPr lang="en-GB"/>
+        </a:p>
+      </dgm:t>
+    </dgm:pt>
+    <dgm:pt modelId="{3F4478A0-B4EC-B949-B794-4868F35AAACF}" type="parTrans" cxnId="{E35B7625-9069-0A49-BC3B-870D588FB735}">
+      <dgm:prSet/>
+      <dgm:spPr/>
+      <dgm:t>
+        <a:bodyPr/>
+        <a:lstStyle/>
+        <a:p>
+          <a:endParaRPr lang="en-GB"/>
+        </a:p>
+      </dgm:t>
+    </dgm:pt>
+    <dgm:pt modelId="{55B6D1DB-751A-0548-B329-750456994EF5}" type="sibTrans" cxnId="{E35B7625-9069-0A49-BC3B-870D588FB735}">
+      <dgm:prSet/>
+      <dgm:spPr/>
+      <dgm:t>
+        <a:bodyPr/>
+        <a:lstStyle/>
+        <a:p>
+          <a:endParaRPr lang="en-GB"/>
+        </a:p>
+      </dgm:t>
+    </dgm:pt>
+    <dgm:pt modelId="{8DDF942A-15D5-CD4D-960C-CE5AA6BF68D9}">
+      <dgm:prSet phldrT="[Text]"/>
+      <dgm:spPr/>
+      <dgm:t>
+        <a:bodyPr/>
+        <a:lstStyle/>
+        <a:p>
+          <a:r>
+            <a:rPr lang="en-GB" b="0" i="0"/>
+            <a:t>Test</a:t>
+          </a:r>
+          <a:endParaRPr lang="en-GB"/>
+        </a:p>
+      </dgm:t>
+    </dgm:pt>
+    <dgm:pt modelId="{6E99CC45-9578-4A49-85CC-0230455FA970}" type="parTrans" cxnId="{FBEBFF53-7090-C14C-A194-5100D0007CD1}">
+      <dgm:prSet/>
+      <dgm:spPr/>
+      <dgm:t>
+        <a:bodyPr/>
+        <a:lstStyle/>
+        <a:p>
+          <a:endParaRPr lang="en-GB"/>
+        </a:p>
+      </dgm:t>
+    </dgm:pt>
+    <dgm:pt modelId="{34FC5F25-59FE-994B-8C87-5C0C450BCCB3}" type="sibTrans" cxnId="{FBEBFF53-7090-C14C-A194-5100D0007CD1}">
+      <dgm:prSet/>
+      <dgm:spPr/>
+      <dgm:t>
+        <a:bodyPr/>
+        <a:lstStyle/>
+        <a:p>
+          <a:endParaRPr lang="en-GB"/>
+        </a:p>
+      </dgm:t>
+    </dgm:pt>
+    <dgm:pt modelId="{07719BB3-F23B-B540-99FB-0AFF85B9C911}">
+      <dgm:prSet phldrT="[Text]"/>
+      <dgm:spPr/>
+      <dgm:t>
+        <a:bodyPr/>
+        <a:lstStyle/>
+        <a:p>
+          <a:r>
+            <a:rPr lang="en-GB" b="0" i="0"/>
+            <a:t>Deploy</a:t>
+          </a:r>
+          <a:endParaRPr lang="en-GB"/>
+        </a:p>
+      </dgm:t>
+    </dgm:pt>
+    <dgm:pt modelId="{0F4BE552-4C20-6C43-B295-101267C7A2DE}" type="parTrans" cxnId="{59B83F9C-1D9E-B947-8D51-7A4397913DB0}">
+      <dgm:prSet/>
+      <dgm:spPr/>
+      <dgm:t>
+        <a:bodyPr/>
+        <a:lstStyle/>
+        <a:p>
+          <a:endParaRPr lang="en-GB"/>
+        </a:p>
+      </dgm:t>
+    </dgm:pt>
+    <dgm:pt modelId="{7D60D2A4-DB37-C543-96FA-35673883BD2D}" type="sibTrans" cxnId="{59B83F9C-1D9E-B947-8D51-7A4397913DB0}">
+      <dgm:prSet/>
+      <dgm:spPr/>
+      <dgm:t>
+        <a:bodyPr/>
+        <a:lstStyle/>
+        <a:p>
+          <a:endParaRPr lang="en-GB"/>
+        </a:p>
+      </dgm:t>
+    </dgm:pt>
+    <dgm:pt modelId="{9EEFFA1C-9722-0447-ABA2-528964CEF4F2}">
+      <dgm:prSet phldrT="[Text]"/>
+      <dgm:spPr/>
+      <dgm:t>
+        <a:bodyPr/>
+        <a:lstStyle/>
+        <a:p>
+          <a:r>
+            <a:rPr lang="en-GB" b="0" i="0"/>
+            <a:t>Monitor</a:t>
+          </a:r>
+          <a:endParaRPr lang="en-GB"/>
+        </a:p>
+      </dgm:t>
+    </dgm:pt>
+    <dgm:pt modelId="{2BE95364-E327-8748-95A6-AE2BC27DA8F9}" type="parTrans" cxnId="{D72A1C69-8EDA-EF4C-AD8B-938BD7F61224}">
+      <dgm:prSet/>
+      <dgm:spPr/>
+      <dgm:t>
+        <a:bodyPr/>
+        <a:lstStyle/>
+        <a:p>
+          <a:endParaRPr lang="en-GB"/>
+        </a:p>
+      </dgm:t>
+    </dgm:pt>
+    <dgm:pt modelId="{8E1C347B-FC10-3F4D-91B1-F9381415BABE}" type="sibTrans" cxnId="{D72A1C69-8EDA-EF4C-AD8B-938BD7F61224}">
+      <dgm:prSet/>
+      <dgm:spPr/>
+      <dgm:t>
+        <a:bodyPr/>
+        <a:lstStyle/>
+        <a:p>
+          <a:endParaRPr lang="en-GB"/>
+        </a:p>
+      </dgm:t>
+    </dgm:pt>
+    <dgm:pt modelId="{0F35F7C5-2F75-BA49-BC20-1CDA1B71A4EA}" type="pres">
+      <dgm:prSet presAssocID="{BE21B78F-ADAB-CB40-9F3A-592ABE7D49E8}" presName="Name0" presStyleCnt="0">
+        <dgm:presLayoutVars>
+          <dgm:dir/>
+          <dgm:animLvl val="lvl"/>
+          <dgm:resizeHandles val="exact"/>
+        </dgm:presLayoutVars>
+      </dgm:prSet>
+      <dgm:spPr/>
+    </dgm:pt>
+    <dgm:pt modelId="{4F8F24B5-17F9-334F-A18C-4EEFE52F2BA8}" type="pres">
+      <dgm:prSet presAssocID="{AE5FA315-47E1-E441-92B6-CCF4DE9C0851}" presName="parTxOnly" presStyleLbl="node1" presStyleIdx="0" presStyleCnt="6">
+        <dgm:presLayoutVars>
+          <dgm:chMax val="0"/>
+          <dgm:chPref val="0"/>
+          <dgm:bulletEnabled val="1"/>
+        </dgm:presLayoutVars>
+      </dgm:prSet>
+      <dgm:spPr/>
+    </dgm:pt>
+    <dgm:pt modelId="{CDBDB7C6-A4E8-3144-8E39-F2010864BDCE}" type="pres">
+      <dgm:prSet presAssocID="{09FACDE9-7EA5-4149-9394-D16627B5E466}" presName="parTxOnlySpace" presStyleCnt="0"/>
+      <dgm:spPr/>
+    </dgm:pt>
+    <dgm:pt modelId="{35B8183B-72B5-F547-9038-D7FC1D236C9B}" type="pres">
+      <dgm:prSet presAssocID="{FD108BD7-8685-A941-9B95-3D983CBF7D8D}" presName="parTxOnly" presStyleLbl="node1" presStyleIdx="1" presStyleCnt="6">
+        <dgm:presLayoutVars>
+          <dgm:chMax val="0"/>
+          <dgm:chPref val="0"/>
+          <dgm:bulletEnabled val="1"/>
+        </dgm:presLayoutVars>
+      </dgm:prSet>
+      <dgm:spPr/>
+    </dgm:pt>
+    <dgm:pt modelId="{162C088A-28A2-274F-9D79-E837E8851FA9}" type="pres">
+      <dgm:prSet presAssocID="{25617615-4A59-2444-AC7F-8BF1D2E53E36}" presName="parTxOnlySpace" presStyleCnt="0"/>
+      <dgm:spPr/>
+    </dgm:pt>
+    <dgm:pt modelId="{3C6E52FD-CD95-A849-9B97-CB0C797BD35E}" type="pres">
+      <dgm:prSet presAssocID="{D31223ED-7DD2-AF47-BFDC-FE75C636868C}" presName="parTxOnly" presStyleLbl="node1" presStyleIdx="2" presStyleCnt="6">
+        <dgm:presLayoutVars>
+          <dgm:chMax val="0"/>
+          <dgm:chPref val="0"/>
+          <dgm:bulletEnabled val="1"/>
+        </dgm:presLayoutVars>
+      </dgm:prSet>
+      <dgm:spPr/>
+    </dgm:pt>
+    <dgm:pt modelId="{71C22231-578C-F340-9052-AA569058D66D}" type="pres">
+      <dgm:prSet presAssocID="{55B6D1DB-751A-0548-B329-750456994EF5}" presName="parTxOnlySpace" presStyleCnt="0"/>
+      <dgm:spPr/>
+    </dgm:pt>
+    <dgm:pt modelId="{06986D11-AD0D-9E4E-A5C6-AB401B8CF637}" type="pres">
+      <dgm:prSet presAssocID="{8DDF942A-15D5-CD4D-960C-CE5AA6BF68D9}" presName="parTxOnly" presStyleLbl="node1" presStyleIdx="3" presStyleCnt="6">
+        <dgm:presLayoutVars>
+          <dgm:chMax val="0"/>
+          <dgm:chPref val="0"/>
+          <dgm:bulletEnabled val="1"/>
+        </dgm:presLayoutVars>
+      </dgm:prSet>
+      <dgm:spPr/>
+    </dgm:pt>
+    <dgm:pt modelId="{443B76CE-D1A3-6840-AFDF-961DFE4EF188}" type="pres">
+      <dgm:prSet presAssocID="{34FC5F25-59FE-994B-8C87-5C0C450BCCB3}" presName="parTxOnlySpace" presStyleCnt="0"/>
+      <dgm:spPr/>
+    </dgm:pt>
+    <dgm:pt modelId="{35934543-F9AE-DC42-8975-24E48BAC742A}" type="pres">
+      <dgm:prSet presAssocID="{07719BB3-F23B-B540-99FB-0AFF85B9C911}" presName="parTxOnly" presStyleLbl="node1" presStyleIdx="4" presStyleCnt="6">
+        <dgm:presLayoutVars>
+          <dgm:chMax val="0"/>
+          <dgm:chPref val="0"/>
+          <dgm:bulletEnabled val="1"/>
+        </dgm:presLayoutVars>
+      </dgm:prSet>
+      <dgm:spPr/>
+    </dgm:pt>
+    <dgm:pt modelId="{EF77602B-0FEA-C14B-B036-378EB3625EB5}" type="pres">
+      <dgm:prSet presAssocID="{7D60D2A4-DB37-C543-96FA-35673883BD2D}" presName="parTxOnlySpace" presStyleCnt="0"/>
+      <dgm:spPr/>
+    </dgm:pt>
+    <dgm:pt modelId="{44AA9CF1-5B51-524C-8B2C-9BC803A364E0}" type="pres">
+      <dgm:prSet presAssocID="{9EEFFA1C-9722-0447-ABA2-528964CEF4F2}" presName="parTxOnly" presStyleLbl="node1" presStyleIdx="5" presStyleCnt="6">
+        <dgm:presLayoutVars>
+          <dgm:chMax val="0"/>
+          <dgm:chPref val="0"/>
+          <dgm:bulletEnabled val="1"/>
+        </dgm:presLayoutVars>
+      </dgm:prSet>
+      <dgm:spPr/>
+    </dgm:pt>
+  </dgm:ptLst>
+  <dgm:cxnLst>
+    <dgm:cxn modelId="{E35B7625-9069-0A49-BC3B-870D588FB735}" srcId="{BE21B78F-ADAB-CB40-9F3A-592ABE7D49E8}" destId="{D31223ED-7DD2-AF47-BFDC-FE75C636868C}" srcOrd="2" destOrd="0" parTransId="{3F4478A0-B4EC-B949-B794-4868F35AAACF}" sibTransId="{55B6D1DB-751A-0548-B329-750456994EF5}"/>
+    <dgm:cxn modelId="{27777227-C160-7143-8820-70160EECB29A}" type="presOf" srcId="{AE5FA315-47E1-E441-92B6-CCF4DE9C0851}" destId="{4F8F24B5-17F9-334F-A18C-4EEFE52F2BA8}" srcOrd="0" destOrd="0" presId="urn:microsoft.com/office/officeart/2005/8/layout/chevron1"/>
+    <dgm:cxn modelId="{5037634D-9EB9-1246-9BB1-69505D7B7760}" srcId="{BE21B78F-ADAB-CB40-9F3A-592ABE7D49E8}" destId="{AE5FA315-47E1-E441-92B6-CCF4DE9C0851}" srcOrd="0" destOrd="0" parTransId="{EFEEF5FB-3FBD-3E49-9267-7EE99465D3F4}" sibTransId="{09FACDE9-7EA5-4149-9394-D16627B5E466}"/>
+    <dgm:cxn modelId="{FBEBFF53-7090-C14C-A194-5100D0007CD1}" srcId="{BE21B78F-ADAB-CB40-9F3A-592ABE7D49E8}" destId="{8DDF942A-15D5-CD4D-960C-CE5AA6BF68D9}" srcOrd="3" destOrd="0" parTransId="{6E99CC45-9578-4A49-85CC-0230455FA970}" sibTransId="{34FC5F25-59FE-994B-8C87-5C0C450BCCB3}"/>
+    <dgm:cxn modelId="{D72A1C69-8EDA-EF4C-AD8B-938BD7F61224}" srcId="{BE21B78F-ADAB-CB40-9F3A-592ABE7D49E8}" destId="{9EEFFA1C-9722-0447-ABA2-528964CEF4F2}" srcOrd="5" destOrd="0" parTransId="{2BE95364-E327-8748-95A6-AE2BC27DA8F9}" sibTransId="{8E1C347B-FC10-3F4D-91B1-F9381415BABE}"/>
+    <dgm:cxn modelId="{59B83F9C-1D9E-B947-8D51-7A4397913DB0}" srcId="{BE21B78F-ADAB-CB40-9F3A-592ABE7D49E8}" destId="{07719BB3-F23B-B540-99FB-0AFF85B9C911}" srcOrd="4" destOrd="0" parTransId="{0F4BE552-4C20-6C43-B295-101267C7A2DE}" sibTransId="{7D60D2A4-DB37-C543-96FA-35673883BD2D}"/>
+    <dgm:cxn modelId="{850E769C-0B0E-4F47-9104-3F21AB28CF99}" type="presOf" srcId="{FD108BD7-8685-A941-9B95-3D983CBF7D8D}" destId="{35B8183B-72B5-F547-9038-D7FC1D236C9B}" srcOrd="0" destOrd="0" presId="urn:microsoft.com/office/officeart/2005/8/layout/chevron1"/>
+    <dgm:cxn modelId="{63D25AB4-CB2C-2842-AABE-3A9789727596}" type="presOf" srcId="{D31223ED-7DD2-AF47-BFDC-FE75C636868C}" destId="{3C6E52FD-CD95-A849-9B97-CB0C797BD35E}" srcOrd="0" destOrd="0" presId="urn:microsoft.com/office/officeart/2005/8/layout/chevron1"/>
+    <dgm:cxn modelId="{125C79B6-450A-EF44-8637-B24A93E6E6A9}" type="presOf" srcId="{BE21B78F-ADAB-CB40-9F3A-592ABE7D49E8}" destId="{0F35F7C5-2F75-BA49-BC20-1CDA1B71A4EA}" srcOrd="0" destOrd="0" presId="urn:microsoft.com/office/officeart/2005/8/layout/chevron1"/>
+    <dgm:cxn modelId="{CF3675BC-9E1E-F546-8A15-CE78636959F3}" srcId="{BE21B78F-ADAB-CB40-9F3A-592ABE7D49E8}" destId="{FD108BD7-8685-A941-9B95-3D983CBF7D8D}" srcOrd="1" destOrd="0" parTransId="{B902D9BC-D82E-414B-9435-AA3D932098C8}" sibTransId="{25617615-4A59-2444-AC7F-8BF1D2E53E36}"/>
+    <dgm:cxn modelId="{21802FDB-5DE5-C148-BDA2-375F33F15D1A}" type="presOf" srcId="{8DDF942A-15D5-CD4D-960C-CE5AA6BF68D9}" destId="{06986D11-AD0D-9E4E-A5C6-AB401B8CF637}" srcOrd="0" destOrd="0" presId="urn:microsoft.com/office/officeart/2005/8/layout/chevron1"/>
+    <dgm:cxn modelId="{FB564DFA-8B85-0C4E-9F8F-BDB1DC590D38}" type="presOf" srcId="{07719BB3-F23B-B540-99FB-0AFF85B9C911}" destId="{35934543-F9AE-DC42-8975-24E48BAC742A}" srcOrd="0" destOrd="0" presId="urn:microsoft.com/office/officeart/2005/8/layout/chevron1"/>
+    <dgm:cxn modelId="{2E7ABDFB-FAD1-E64A-980E-78EA69849822}" type="presOf" srcId="{9EEFFA1C-9722-0447-ABA2-528964CEF4F2}" destId="{44AA9CF1-5B51-524C-8B2C-9BC803A364E0}" srcOrd="0" destOrd="0" presId="urn:microsoft.com/office/officeart/2005/8/layout/chevron1"/>
+    <dgm:cxn modelId="{D918A24A-DD0F-5D40-B5C4-D435982A811C}" type="presParOf" srcId="{0F35F7C5-2F75-BA49-BC20-1CDA1B71A4EA}" destId="{4F8F24B5-17F9-334F-A18C-4EEFE52F2BA8}" srcOrd="0" destOrd="0" presId="urn:microsoft.com/office/officeart/2005/8/layout/chevron1"/>
+    <dgm:cxn modelId="{39ED46C1-A239-3D4F-ADFF-25CDC93A86EE}" type="presParOf" srcId="{0F35F7C5-2F75-BA49-BC20-1CDA1B71A4EA}" destId="{CDBDB7C6-A4E8-3144-8E39-F2010864BDCE}" srcOrd="1" destOrd="0" presId="urn:microsoft.com/office/officeart/2005/8/layout/chevron1"/>
+    <dgm:cxn modelId="{EE31A085-D9FE-A94C-B964-F81892FAE680}" type="presParOf" srcId="{0F35F7C5-2F75-BA49-BC20-1CDA1B71A4EA}" destId="{35B8183B-72B5-F547-9038-D7FC1D236C9B}" srcOrd="2" destOrd="0" presId="urn:microsoft.com/office/officeart/2005/8/layout/chevron1"/>
+    <dgm:cxn modelId="{377EC7B0-29DD-7041-B89C-40FF9E2A5EE9}" type="presParOf" srcId="{0F35F7C5-2F75-BA49-BC20-1CDA1B71A4EA}" destId="{162C088A-28A2-274F-9D79-E837E8851FA9}" srcOrd="3" destOrd="0" presId="urn:microsoft.com/office/officeart/2005/8/layout/chevron1"/>
+    <dgm:cxn modelId="{F6869328-A506-1143-A3DB-FEAC262BD365}" type="presParOf" srcId="{0F35F7C5-2F75-BA49-BC20-1CDA1B71A4EA}" destId="{3C6E52FD-CD95-A849-9B97-CB0C797BD35E}" srcOrd="4" destOrd="0" presId="urn:microsoft.com/office/officeart/2005/8/layout/chevron1"/>
+    <dgm:cxn modelId="{B4F5D6D0-1F75-CC46-BB91-8F939A171EFC}" type="presParOf" srcId="{0F35F7C5-2F75-BA49-BC20-1CDA1B71A4EA}" destId="{71C22231-578C-F340-9052-AA569058D66D}" srcOrd="5" destOrd="0" presId="urn:microsoft.com/office/officeart/2005/8/layout/chevron1"/>
+    <dgm:cxn modelId="{EBBF4DD1-9444-C34B-AF3D-D4CBF66CEF20}" type="presParOf" srcId="{0F35F7C5-2F75-BA49-BC20-1CDA1B71A4EA}" destId="{06986D11-AD0D-9E4E-A5C6-AB401B8CF637}" srcOrd="6" destOrd="0" presId="urn:microsoft.com/office/officeart/2005/8/layout/chevron1"/>
+    <dgm:cxn modelId="{95E6C2DD-9147-3A40-ACB7-506089107D52}" type="presParOf" srcId="{0F35F7C5-2F75-BA49-BC20-1CDA1B71A4EA}" destId="{443B76CE-D1A3-6840-AFDF-961DFE4EF188}" srcOrd="7" destOrd="0" presId="urn:microsoft.com/office/officeart/2005/8/layout/chevron1"/>
+    <dgm:cxn modelId="{0E3E43A7-3461-C14A-9377-591FB6FF79AF}" type="presParOf" srcId="{0F35F7C5-2F75-BA49-BC20-1CDA1B71A4EA}" destId="{35934543-F9AE-DC42-8975-24E48BAC742A}" srcOrd="8" destOrd="0" presId="urn:microsoft.com/office/officeart/2005/8/layout/chevron1"/>
+    <dgm:cxn modelId="{3394EFCC-98A8-3945-9762-5FC1377D8166}" type="presParOf" srcId="{0F35F7C5-2F75-BA49-BC20-1CDA1B71A4EA}" destId="{EF77602B-0FEA-C14B-B036-378EB3625EB5}" srcOrd="9" destOrd="0" presId="urn:microsoft.com/office/officeart/2005/8/layout/chevron1"/>
+    <dgm:cxn modelId="{A423002E-8EEC-F444-9EAE-8C920E3D065E}" type="presParOf" srcId="{0F35F7C5-2F75-BA49-BC20-1CDA1B71A4EA}" destId="{44AA9CF1-5B51-524C-8B2C-9BC803A364E0}" srcOrd="10" destOrd="0" presId="urn:microsoft.com/office/officeart/2005/8/layout/chevron1"/>
+  </dgm:cxnLst>
+  <dgm:bg/>
+  <dgm:whole/>
+  <dgm:extLst>
+    <a:ext uri="http://schemas.microsoft.com/office/drawing/2008/diagram">
+      <dsp:dataModelExt xmlns:dsp="http://schemas.microsoft.com/office/drawing/2008/diagram" relId="rId6" minVer="http://schemas.openxmlformats.org/drawingml/2006/diagram"/>
+    </a:ext>
+  </dgm:extLst>
+</dgm:dataModel>
+</file>
+
+<file path=ppt/diagrams/drawing1.xml><?xml version="1.0" encoding="utf-8"?>
+<dsp:drawing xmlns:dgm="http://schemas.openxmlformats.org/drawingml/2006/diagram" xmlns:dsp="http://schemas.microsoft.com/office/drawing/2008/diagram" xmlns:a="http://schemas.openxmlformats.org/drawingml/2006/main">
+  <dsp:spTree>
+    <dsp:nvGrpSpPr>
+      <dsp:cNvPr id="0" name=""/>
+      <dsp:cNvGrpSpPr/>
+    </dsp:nvGrpSpPr>
+    <dsp:grpSpPr/>
+    <dsp:sp modelId="{4F8F24B5-17F9-334F-A18C-4EEFE52F2BA8}">
+      <dsp:nvSpPr>
+        <dsp:cNvPr id="0" name=""/>
+        <dsp:cNvSpPr/>
+      </dsp:nvSpPr>
+      <dsp:spPr>
+        <a:xfrm>
+          <a:off x="4537" y="2371776"/>
+          <a:ext cx="1687786" cy="675114"/>
+        </a:xfrm>
+        <a:prstGeom prst="chevron">
+          <a:avLst/>
+        </a:prstGeom>
+        <a:solidFill>
+          <a:schemeClr val="accent2">
+            <a:hueOff val="0"/>
+            <a:satOff val="0"/>
+            <a:lumOff val="0"/>
+            <a:alphaOff val="0"/>
+          </a:schemeClr>
+        </a:solidFill>
+        <a:ln w="12700" cap="flat" cmpd="sng" algn="ctr">
+          <a:solidFill>
+            <a:schemeClr val="lt1">
+              <a:hueOff val="0"/>
+              <a:satOff val="0"/>
+              <a:lumOff val="0"/>
+              <a:alphaOff val="0"/>
+            </a:schemeClr>
+          </a:solidFill>
+          <a:prstDash val="solid"/>
+          <a:miter lim="800000"/>
+        </a:ln>
+        <a:effectLst/>
+      </dsp:spPr>
+      <dsp:style>
+        <a:lnRef idx="2">
+          <a:scrgbClr r="0" g="0" b="0"/>
+        </a:lnRef>
+        <a:fillRef idx="1">
+          <a:scrgbClr r="0" g="0" b="0"/>
+        </a:fillRef>
+        <a:effectRef idx="0">
+          <a:scrgbClr r="0" g="0" b="0"/>
+        </a:effectRef>
+        <a:fontRef idx="minor">
+          <a:schemeClr val="lt1"/>
+        </a:fontRef>
+      </dsp:style>
+      <dsp:txBody>
+        <a:bodyPr spcFirstLastPara="0" vert="horz" wrap="square" lIns="84011" tIns="28004" rIns="28004" bIns="28004" numCol="1" spcCol="1270" anchor="ctr" anchorCtr="0">
+          <a:noAutofit/>
+        </a:bodyPr>
+        <a:lstStyle/>
+        <a:p>
+          <a:pPr marL="0" lvl="0" indent="0" algn="ctr" defTabSz="933450">
+            <a:lnSpc>
+              <a:spcPct val="90000"/>
+            </a:lnSpc>
+            <a:spcBef>
+              <a:spcPct val="0"/>
+            </a:spcBef>
+            <a:spcAft>
+              <a:spcPct val="35000"/>
+            </a:spcAft>
+            <a:buNone/>
+          </a:pPr>
+          <a:r>
+            <a:rPr lang="en-GB" sz="2100" b="0" i="0" kern="1200"/>
+            <a:t>Plan</a:t>
+          </a:r>
+          <a:endParaRPr lang="en-GB" sz="2100" kern="1200"/>
+        </a:p>
+      </dsp:txBody>
+      <dsp:txXfrm>
+        <a:off x="342094" y="2371776"/>
+        <a:ext cx="1012672" cy="675114"/>
+      </dsp:txXfrm>
+    </dsp:sp>
+    <dsp:sp modelId="{35B8183B-72B5-F547-9038-D7FC1D236C9B}">
+      <dsp:nvSpPr>
+        <dsp:cNvPr id="0" name=""/>
+        <dsp:cNvSpPr/>
+      </dsp:nvSpPr>
+      <dsp:spPr>
+        <a:xfrm>
+          <a:off x="1523544" y="2371776"/>
+          <a:ext cx="1687786" cy="675114"/>
+        </a:xfrm>
+        <a:prstGeom prst="chevron">
+          <a:avLst/>
+        </a:prstGeom>
+        <a:solidFill>
+          <a:schemeClr val="accent3">
+            <a:hueOff val="0"/>
+            <a:satOff val="0"/>
+            <a:lumOff val="0"/>
+            <a:alphaOff val="0"/>
+          </a:schemeClr>
+        </a:solidFill>
+        <a:ln w="12700" cap="flat" cmpd="sng" algn="ctr">
+          <a:solidFill>
+            <a:schemeClr val="lt1">
+              <a:hueOff val="0"/>
+              <a:satOff val="0"/>
+              <a:lumOff val="0"/>
+              <a:alphaOff val="0"/>
+            </a:schemeClr>
+          </a:solidFill>
+          <a:prstDash val="solid"/>
+          <a:miter lim="800000"/>
+        </a:ln>
+        <a:effectLst/>
+      </dsp:spPr>
+      <dsp:style>
+        <a:lnRef idx="2">
+          <a:scrgbClr r="0" g="0" b="0"/>
+        </a:lnRef>
+        <a:fillRef idx="1">
+          <a:scrgbClr r="0" g="0" b="0"/>
+        </a:fillRef>
+        <a:effectRef idx="0">
+          <a:scrgbClr r="0" g="0" b="0"/>
+        </a:effectRef>
+        <a:fontRef idx="minor">
+          <a:schemeClr val="lt1"/>
+        </a:fontRef>
+      </dsp:style>
+      <dsp:txBody>
+        <a:bodyPr spcFirstLastPara="0" vert="horz" wrap="square" lIns="84011" tIns="28004" rIns="28004" bIns="28004" numCol="1" spcCol="1270" anchor="ctr" anchorCtr="0">
+          <a:noAutofit/>
+        </a:bodyPr>
+        <a:lstStyle/>
+        <a:p>
+          <a:pPr marL="0" lvl="0" indent="0" algn="ctr" defTabSz="933450">
+            <a:lnSpc>
+              <a:spcPct val="90000"/>
+            </a:lnSpc>
+            <a:spcBef>
+              <a:spcPct val="0"/>
+            </a:spcBef>
+            <a:spcAft>
+              <a:spcPct val="35000"/>
+            </a:spcAft>
+            <a:buNone/>
+          </a:pPr>
+          <a:r>
+            <a:rPr lang="en-GB" sz="2100" b="0" i="0" kern="1200"/>
+            <a:t>Code</a:t>
+          </a:r>
+          <a:endParaRPr lang="en-GB" sz="2100" kern="1200"/>
+        </a:p>
+      </dsp:txBody>
+      <dsp:txXfrm>
+        <a:off x="1861101" y="2371776"/>
+        <a:ext cx="1012672" cy="675114"/>
+      </dsp:txXfrm>
+    </dsp:sp>
+    <dsp:sp modelId="{3C6E52FD-CD95-A849-9B97-CB0C797BD35E}">
+      <dsp:nvSpPr>
+        <dsp:cNvPr id="0" name=""/>
+        <dsp:cNvSpPr/>
+      </dsp:nvSpPr>
+      <dsp:spPr>
+        <a:xfrm>
+          <a:off x="3042552" y="2371776"/>
+          <a:ext cx="1687786" cy="675114"/>
+        </a:xfrm>
+        <a:prstGeom prst="chevron">
+          <a:avLst/>
+        </a:prstGeom>
+        <a:solidFill>
+          <a:schemeClr val="accent4">
+            <a:hueOff val="0"/>
+            <a:satOff val="0"/>
+            <a:lumOff val="0"/>
+            <a:alphaOff val="0"/>
+          </a:schemeClr>
+        </a:solidFill>
+        <a:ln w="12700" cap="flat" cmpd="sng" algn="ctr">
+          <a:solidFill>
+            <a:schemeClr val="lt1">
+              <a:hueOff val="0"/>
+              <a:satOff val="0"/>
+              <a:lumOff val="0"/>
+              <a:alphaOff val="0"/>
+            </a:schemeClr>
+          </a:solidFill>
+          <a:prstDash val="solid"/>
+          <a:miter lim="800000"/>
+        </a:ln>
+        <a:effectLst/>
+      </dsp:spPr>
+      <dsp:style>
+        <a:lnRef idx="2">
+          <a:scrgbClr r="0" g="0" b="0"/>
+        </a:lnRef>
+        <a:fillRef idx="1">
+          <a:scrgbClr r="0" g="0" b="0"/>
+        </a:fillRef>
+        <a:effectRef idx="0">
+          <a:scrgbClr r="0" g="0" b="0"/>
+        </a:effectRef>
+        <a:fontRef idx="minor">
+          <a:schemeClr val="lt1"/>
+        </a:fontRef>
+      </dsp:style>
+      <dsp:txBody>
+        <a:bodyPr spcFirstLastPara="0" vert="horz" wrap="square" lIns="84011" tIns="28004" rIns="28004" bIns="28004" numCol="1" spcCol="1270" anchor="ctr" anchorCtr="0">
+          <a:noAutofit/>
+        </a:bodyPr>
+        <a:lstStyle/>
+        <a:p>
+          <a:pPr marL="0" lvl="0" indent="0" algn="ctr" defTabSz="933450">
+            <a:lnSpc>
+              <a:spcPct val="90000"/>
+            </a:lnSpc>
+            <a:spcBef>
+              <a:spcPct val="0"/>
+            </a:spcBef>
+            <a:spcAft>
+              <a:spcPct val="35000"/>
+            </a:spcAft>
+            <a:buNone/>
+          </a:pPr>
+          <a:r>
+            <a:rPr lang="en-GB" sz="2100" b="0" i="0" kern="1200"/>
+            <a:t>Build</a:t>
+          </a:r>
+          <a:endParaRPr lang="en-GB" sz="2100" kern="1200"/>
+        </a:p>
+      </dsp:txBody>
+      <dsp:txXfrm>
+        <a:off x="3380109" y="2371776"/>
+        <a:ext cx="1012672" cy="675114"/>
+      </dsp:txXfrm>
+    </dsp:sp>
+    <dsp:sp modelId="{06986D11-AD0D-9E4E-A5C6-AB401B8CF637}">
+      <dsp:nvSpPr>
+        <dsp:cNvPr id="0" name=""/>
+        <dsp:cNvSpPr/>
+      </dsp:nvSpPr>
+      <dsp:spPr>
+        <a:xfrm>
+          <a:off x="4561560" y="2371776"/>
+          <a:ext cx="1687786" cy="675114"/>
+        </a:xfrm>
+        <a:prstGeom prst="chevron">
+          <a:avLst/>
+        </a:prstGeom>
+        <a:solidFill>
+          <a:schemeClr val="accent5">
+            <a:hueOff val="0"/>
+            <a:satOff val="0"/>
+            <a:lumOff val="0"/>
+            <a:alphaOff val="0"/>
+          </a:schemeClr>
+        </a:solidFill>
+        <a:ln w="12700" cap="flat" cmpd="sng" algn="ctr">
+          <a:solidFill>
+            <a:schemeClr val="lt1">
+              <a:hueOff val="0"/>
+              <a:satOff val="0"/>
+              <a:lumOff val="0"/>
+              <a:alphaOff val="0"/>
+            </a:schemeClr>
+          </a:solidFill>
+          <a:prstDash val="solid"/>
+          <a:miter lim="800000"/>
+        </a:ln>
+        <a:effectLst/>
+      </dsp:spPr>
+      <dsp:style>
+        <a:lnRef idx="2">
+          <a:scrgbClr r="0" g="0" b="0"/>
+        </a:lnRef>
+        <a:fillRef idx="1">
+          <a:scrgbClr r="0" g="0" b="0"/>
+        </a:fillRef>
+        <a:effectRef idx="0">
+          <a:scrgbClr r="0" g="0" b="0"/>
+        </a:effectRef>
+        <a:fontRef idx="minor">
+          <a:schemeClr val="lt1"/>
+        </a:fontRef>
+      </dsp:style>
+      <dsp:txBody>
+        <a:bodyPr spcFirstLastPara="0" vert="horz" wrap="square" lIns="84011" tIns="28004" rIns="28004" bIns="28004" numCol="1" spcCol="1270" anchor="ctr" anchorCtr="0">
+          <a:noAutofit/>
+        </a:bodyPr>
+        <a:lstStyle/>
+        <a:p>
+          <a:pPr marL="0" lvl="0" indent="0" algn="ctr" defTabSz="933450">
+            <a:lnSpc>
+              <a:spcPct val="90000"/>
+            </a:lnSpc>
+            <a:spcBef>
+              <a:spcPct val="0"/>
+            </a:spcBef>
+            <a:spcAft>
+              <a:spcPct val="35000"/>
+            </a:spcAft>
+            <a:buNone/>
+          </a:pPr>
+          <a:r>
+            <a:rPr lang="en-GB" sz="2100" b="0" i="0" kern="1200"/>
+            <a:t>Test</a:t>
+          </a:r>
+          <a:endParaRPr lang="en-GB" sz="2100" kern="1200"/>
+        </a:p>
+      </dsp:txBody>
+      <dsp:txXfrm>
+        <a:off x="4899117" y="2371776"/>
+        <a:ext cx="1012672" cy="675114"/>
+      </dsp:txXfrm>
+    </dsp:sp>
+    <dsp:sp modelId="{35934543-F9AE-DC42-8975-24E48BAC742A}">
+      <dsp:nvSpPr>
+        <dsp:cNvPr id="0" name=""/>
+        <dsp:cNvSpPr/>
+      </dsp:nvSpPr>
+      <dsp:spPr>
+        <a:xfrm>
+          <a:off x="6080567" y="2371776"/>
+          <a:ext cx="1687786" cy="675114"/>
+        </a:xfrm>
+        <a:prstGeom prst="chevron">
+          <a:avLst/>
+        </a:prstGeom>
+        <a:solidFill>
+          <a:schemeClr val="accent6">
+            <a:hueOff val="0"/>
+            <a:satOff val="0"/>
+            <a:lumOff val="0"/>
+            <a:alphaOff val="0"/>
+          </a:schemeClr>
+        </a:solidFill>
+        <a:ln w="12700" cap="flat" cmpd="sng" algn="ctr">
+          <a:solidFill>
+            <a:schemeClr val="lt1">
+              <a:hueOff val="0"/>
+              <a:satOff val="0"/>
+              <a:lumOff val="0"/>
+              <a:alphaOff val="0"/>
+            </a:schemeClr>
+          </a:solidFill>
+          <a:prstDash val="solid"/>
+          <a:miter lim="800000"/>
+        </a:ln>
+        <a:effectLst/>
+      </dsp:spPr>
+      <dsp:style>
+        <a:lnRef idx="2">
+          <a:scrgbClr r="0" g="0" b="0"/>
+        </a:lnRef>
+        <a:fillRef idx="1">
+          <a:scrgbClr r="0" g="0" b="0"/>
+        </a:fillRef>
+        <a:effectRef idx="0">
+          <a:scrgbClr r="0" g="0" b="0"/>
+        </a:effectRef>
+        <a:fontRef idx="minor">
+          <a:schemeClr val="lt1"/>
+        </a:fontRef>
+      </dsp:style>
+      <dsp:txBody>
+        <a:bodyPr spcFirstLastPara="0" vert="horz" wrap="square" lIns="84011" tIns="28004" rIns="28004" bIns="28004" numCol="1" spcCol="1270" anchor="ctr" anchorCtr="0">
+          <a:noAutofit/>
+        </a:bodyPr>
+        <a:lstStyle/>
+        <a:p>
+          <a:pPr marL="0" lvl="0" indent="0" algn="ctr" defTabSz="933450">
+            <a:lnSpc>
+              <a:spcPct val="90000"/>
+            </a:lnSpc>
+            <a:spcBef>
+              <a:spcPct val="0"/>
+            </a:spcBef>
+            <a:spcAft>
+              <a:spcPct val="35000"/>
+            </a:spcAft>
+            <a:buNone/>
+          </a:pPr>
+          <a:r>
+            <a:rPr lang="en-GB" sz="2100" b="0" i="0" kern="1200"/>
+            <a:t>Deploy</a:t>
+          </a:r>
+          <a:endParaRPr lang="en-GB" sz="2100" kern="1200"/>
+        </a:p>
+      </dsp:txBody>
+      <dsp:txXfrm>
+        <a:off x="6418124" y="2371776"/>
+        <a:ext cx="1012672" cy="675114"/>
+      </dsp:txXfrm>
+    </dsp:sp>
+    <dsp:sp modelId="{44AA9CF1-5B51-524C-8B2C-9BC803A364E0}">
+      <dsp:nvSpPr>
+        <dsp:cNvPr id="0" name=""/>
+        <dsp:cNvSpPr/>
+      </dsp:nvSpPr>
+      <dsp:spPr>
+        <a:xfrm>
+          <a:off x="7599575" y="2371776"/>
+          <a:ext cx="1687786" cy="675114"/>
+        </a:xfrm>
+        <a:prstGeom prst="chevron">
+          <a:avLst/>
+        </a:prstGeom>
+        <a:solidFill>
+          <a:schemeClr val="accent2">
+            <a:hueOff val="0"/>
+            <a:satOff val="0"/>
+            <a:lumOff val="0"/>
+            <a:alphaOff val="0"/>
+          </a:schemeClr>
+        </a:solidFill>
+        <a:ln w="12700" cap="flat" cmpd="sng" algn="ctr">
+          <a:solidFill>
+            <a:schemeClr val="lt1">
+              <a:hueOff val="0"/>
+              <a:satOff val="0"/>
+              <a:lumOff val="0"/>
+              <a:alphaOff val="0"/>
+            </a:schemeClr>
+          </a:solidFill>
+          <a:prstDash val="solid"/>
+          <a:miter lim="800000"/>
+        </a:ln>
+        <a:effectLst/>
+      </dsp:spPr>
+      <dsp:style>
+        <a:lnRef idx="2">
+          <a:scrgbClr r="0" g="0" b="0"/>
+        </a:lnRef>
+        <a:fillRef idx="1">
+          <a:scrgbClr r="0" g="0" b="0"/>
+        </a:fillRef>
+        <a:effectRef idx="0">
+          <a:scrgbClr r="0" g="0" b="0"/>
+        </a:effectRef>
+        <a:fontRef idx="minor">
+          <a:schemeClr val="lt1"/>
+        </a:fontRef>
+      </dsp:style>
+      <dsp:txBody>
+        <a:bodyPr spcFirstLastPara="0" vert="horz" wrap="square" lIns="84011" tIns="28004" rIns="28004" bIns="28004" numCol="1" spcCol="1270" anchor="ctr" anchorCtr="0">
+          <a:noAutofit/>
+        </a:bodyPr>
+        <a:lstStyle/>
+        <a:p>
+          <a:pPr marL="0" lvl="0" indent="0" algn="ctr" defTabSz="933450">
+            <a:lnSpc>
+              <a:spcPct val="90000"/>
+            </a:lnSpc>
+            <a:spcBef>
+              <a:spcPct val="0"/>
+            </a:spcBef>
+            <a:spcAft>
+              <a:spcPct val="35000"/>
+            </a:spcAft>
+            <a:buNone/>
+          </a:pPr>
+          <a:r>
+            <a:rPr lang="en-GB" sz="2100" b="0" i="0" kern="1200"/>
+            <a:t>Monitor</a:t>
+          </a:r>
+          <a:endParaRPr lang="en-GB" sz="2100" kern="1200"/>
+        </a:p>
+      </dsp:txBody>
+      <dsp:txXfrm>
+        <a:off x="7937132" y="2371776"/>
+        <a:ext cx="1012672" cy="675114"/>
+      </dsp:txXfrm>
+    </dsp:sp>
+  </dsp:spTree>
+</dsp:drawing>
+</file>
+
+<file path=ppt/diagrams/layout1.xml><?xml version="1.0" encoding="utf-8"?>
+<dgm:layoutDef xmlns:dgm="http://schemas.openxmlformats.org/drawingml/2006/diagram" xmlns:a="http://schemas.openxmlformats.org/drawingml/2006/main" uniqueId="urn:microsoft.com/office/officeart/2005/8/layout/chevron1">
+  <dgm:title val=""/>
+  <dgm:desc val=""/>
+  <dgm:catLst>
+    <dgm:cat type="process" pri="9000"/>
+  </dgm:catLst>
+  <dgm:sampData useDef="1">
+    <dgm:dataModel>
+      <dgm:ptLst/>
+      <dgm:bg/>
+      <dgm:whole/>
+    </dgm:dataModel>
+  </dgm:sampData>
+  <dgm:styleData>
+    <dgm:dataModel>
+      <dgm:ptLst>
+        <dgm:pt modelId="0" type="doc"/>
+        <dgm:pt modelId="1"/>
+        <dgm:pt modelId="2"/>
+      </dgm:ptLst>
+      <dgm:cxnLst>
+        <dgm:cxn modelId="3" srcId="0" destId="1" srcOrd="0" destOrd="0"/>
+        <dgm:cxn modelId="4" srcId="0" destId="2" srcOrd="1" destOrd="0"/>
+      </dgm:cxnLst>
+      <dgm:bg/>
+      <dgm:whole/>
+    </dgm:dataModel>
+  </dgm:styleData>
+  <dgm:clrData>
+    <dgm:dataModel>
+      <dgm:ptLst>
+        <dgm:pt modelId="0" type="doc"/>
+        <dgm:pt modelId="1"/>
+        <dgm:pt modelId="2"/>
+        <dgm:pt modelId="3"/>
+        <dgm:pt modelId="4"/>
+      </dgm:ptLst>
+      <dgm:cxnLst>
+        <dgm:cxn modelId="5" srcId="0" destId="1" srcOrd="0" destOrd="0"/>
+        <dgm:cxn modelId="6" srcId="0" destId="2" srcOrd="1" destOrd="0"/>
+        <dgm:cxn modelId="7" srcId="0" destId="3" srcOrd="2" destOrd="0"/>
+        <dgm:cxn modelId="8" srcId="0" destId="4" srcOrd="3" destOrd="0"/>
+      </dgm:cxnLst>
+      <dgm:bg/>
+      <dgm:whole/>
+    </dgm:dataModel>
+  </dgm:clrData>
+  <dgm:layoutNode name="Name0">
+    <dgm:varLst>
+      <dgm:dir/>
+      <dgm:animLvl val="lvl"/>
+      <dgm:resizeHandles val="exact"/>
+    </dgm:varLst>
+    <dgm:choose name="Name1">
+      <dgm:if name="Name2" func="var" arg="dir" op="equ" val="norm">
+        <dgm:alg type="lin"/>
+      </dgm:if>
+      <dgm:else name="Name3">
+        <dgm:alg type="lin">
+          <dgm:param type="linDir" val="fromR"/>
+        </dgm:alg>
+      </dgm:else>
+    </dgm:choose>
+    <dgm:shape xmlns:r="http://schemas.openxmlformats.org/officeDocument/2006/relationships" r:blip="">
+      <dgm:adjLst/>
+    </dgm:shape>
+    <dgm:presOf/>
+    <dgm:choose name="Name4">
+      <dgm:if name="Name5" axis="des" func="maxDepth" op="gte" val="2">
+        <dgm:constrLst>
+          <dgm:constr type="h" for="ch" forName="composite" refType="h"/>
+          <dgm:constr type="w" for="ch" forName="composite" refType="w"/>
+          <dgm:constr type="w" for="des" forName="parTx"/>
+          <dgm:constr type="h" for="des" forName="parTx" op="equ"/>
+          <dgm:constr type="w" for="des" forName="desTx"/>
+          <dgm:constr type="h" for="des" forName="desTx" op="equ"/>
+          <dgm:constr type="primFontSz" for="des" forName="parTx" val="65"/>
+          <dgm:constr type="secFontSz" for="des" forName="desTx" refType="primFontSz" refFor="des" refForName="parTx" op="equ"/>
+          <dgm:constr type="h" for="des" forName="parTx" refType="primFontSz" refFor="des" refForName="parTx" fact="1.5"/>
+          <dgm:constr type="h" for="des" forName="desTx" refType="primFontSz" refFor="des" refForName="parTx" fact="0.5"/>
+          <dgm:constr type="w" for="ch" forName="space" op="equ" val="-6"/>
+        </dgm:constrLst>
+        <dgm:ruleLst>
+          <dgm:rule type="w" for="ch" forName="composite" val="0" fact="NaN" max="NaN"/>
+          <dgm:rule type="primFontSz" for="des" forName="parTx" val="5" fact="NaN" max="NaN"/>
+        </dgm:ruleLst>
+        <dgm:forEach name="Name6" axis="ch" ptType="node">
+          <dgm:layoutNode name="composite">
+            <dgm:alg type="composite"/>
+            <dgm:shape xmlns:r="http://schemas.openxmlformats.org/officeDocument/2006/relationships" r:blip="">
+              <dgm:adjLst/>
+            </dgm:shape>
+            <dgm:presOf/>
+            <dgm:choose name="Name7">
+              <dgm:if name="Name8" func="var" arg="dir" op="equ" val="norm">
+                <dgm:constrLst>
+                  <dgm:constr type="l" for="ch" forName="parTx"/>
+                  <dgm:constr type="w" for="ch" forName="parTx" refType="w"/>
+                  <dgm:constr type="t" for="ch" forName="parTx"/>
+                  <dgm:constr type="l" for="ch" forName="desTx"/>
+                  <dgm:constr type="w" for="ch" forName="desTx" refType="w" refFor="ch" refForName="parTx" fact="0.8"/>
+                  <dgm:constr type="t" for="ch" forName="desTx" refType="h" refFor="ch" refForName="parTx" fact="1.125"/>
+                </dgm:constrLst>
+              </dgm:if>
+              <dgm:else name="Name9">
+                <dgm:constrLst>
+                  <dgm:constr type="l" for="ch" forName="parTx"/>
+                  <dgm:constr type="w" for="ch" forName="parTx" refType="w"/>
+                  <dgm:constr type="t" for="ch" forName="parTx"/>
+                  <dgm:constr type="l" for="ch" forName="desTx" refType="w" fact="0.2"/>
+                  <dgm:constr type="w" for="ch" forName="desTx" refType="w" refFor="ch" refForName="parTx" fact="0.8"/>
+                  <dgm:constr type="t" for="ch" forName="desTx" refType="h" refFor="ch" refForName="parTx" fact="1.125"/>
+                </dgm:constrLst>
+              </dgm:else>
+            </dgm:choose>
+            <dgm:ruleLst>
+              <dgm:rule type="h" val="INF" fact="NaN" max="NaN"/>
+            </dgm:ruleLst>
+            <dgm:layoutNode name="parTx">
+              <dgm:varLst>
+                <dgm:chMax val="0"/>
+                <dgm:chPref val="0"/>
+                <dgm:bulletEnabled val="1"/>
+              </dgm:varLst>
+              <dgm:alg type="tx"/>
+              <dgm:choose name="Name10">
+                <dgm:if name="Name11" func="var" arg="dir" op="equ" val="norm">
+                  <dgm:shape xmlns:r="http://schemas.openxmlformats.org/officeDocument/2006/relationships" type="chevron" r:blip="">
+                    <dgm:adjLst/>
+                  </dgm:shape>
+                </dgm:if>
+                <dgm:else name="Name12">
+                  <dgm:shape xmlns:r="http://schemas.openxmlformats.org/officeDocument/2006/relationships" rot="180" type="chevron" r:blip="">
+                    <dgm:adjLst/>
+                  </dgm:shape>
+                </dgm:else>
+              </dgm:choose>
+              <dgm:presOf axis="self" ptType="node"/>
+              <dgm:choose name="Name13">
+                <dgm:if name="Name14" func="var" arg="dir" op="equ" val="norm">
+                  <dgm:constrLst>
+                    <dgm:constr type="h" refType="w" op="lte" fact="0.4"/>
+                    <dgm:constr type="h"/>
+                    <dgm:constr type="tMarg" refType="primFontSz" fact="0.105"/>
+                    <dgm:constr type="bMarg" refType="primFontSz" fact="0.105"/>
+                    <dgm:constr type="lMarg" refType="primFontSz" fact="0.315"/>
+                    <dgm:constr type="rMarg" refType="primFontSz" fact="0.105"/>
+                  </dgm:constrLst>
+                </dgm:if>
+                <dgm:else name="Name15">
+                  <dgm:constrLst>
+                    <dgm:constr type="h" refType="w" op="lte" fact="0.4"/>
+                    <dgm:constr type="h"/>
+                    <dgm:constr type="tMarg" refType="primFontSz" fact="0.105"/>
+                    <dgm:constr type="bMarg" refType="primFontSz" fact="0.105"/>
+                    <dgm:constr type="lMarg" refType="primFontSz" fact="0.105"/>
+                    <dgm:constr type="rMarg" refType="primFontSz" fact="0.315"/>
+                  </dgm:constrLst>
+                </dgm:else>
+              </dgm:choose>
+              <dgm:ruleLst>
+                <dgm:rule type="h" val="INF" fact="NaN" max="NaN"/>
+              </dgm:ruleLst>
+            </dgm:layoutNode>
+            <dgm:layoutNode name="desTx" styleLbl="revTx">
+              <dgm:varLst>
+                <dgm:bulletEnabled val="1"/>
+              </dgm:varLst>
+              <dgm:alg type="tx">
+                <dgm:param type="stBulletLvl" val="1"/>
+              </dgm:alg>
+              <dgm:choose name="Name16">
+                <dgm:if name="Name17" axis="ch" ptType="node" func="cnt" op="gte" val="1">
+                  <dgm:shape xmlns:r="http://schemas.openxmlformats.org/officeDocument/2006/relationships" type="rect" r:blip="">
+                    <dgm:adjLst/>
+                  </dgm:shape>
+                </dgm:if>
+                <dgm:else name="Name18">
+                  <dgm:shape xmlns:r="http://schemas.openxmlformats.org/officeDocument/2006/relationships" type="rect" r:blip="" hideGeom="1">
+                    <dgm:adjLst/>
+                  </dgm:shape>
+                </dgm:else>
+              </dgm:choose>
+              <dgm:presOf axis="des" ptType="node"/>
+              <dgm:constrLst>
+                <dgm:constr type="secFontSz" val="65"/>
+                <dgm:constr type="primFontSz" refType="secFontSz"/>
+                <dgm:constr type="h"/>
+                <dgm:constr type="tMarg"/>
+                <dgm:constr type="bMarg"/>
+                <dgm:constr type="rMarg"/>
+                <dgm:constr type="lMarg"/>
+              </dgm:constrLst>
+              <dgm:ruleLst>
+                <dgm:rule type="h" val="INF" fact="NaN" max="NaN"/>
+              </dgm:ruleLst>
+            </dgm:layoutNode>
+          </dgm:layoutNode>
+          <dgm:forEach name="Name19" axis="followSib" ptType="sibTrans" cnt="1">
+            <dgm:layoutNode name="space">
+              <dgm:alg type="sp"/>
+              <dgm:shape xmlns:r="http://schemas.openxmlformats.org/officeDocument/2006/relationships" r:blip="">
+                <dgm:adjLst/>
+              </dgm:shape>
+              <dgm:presOf/>
+              <dgm:constrLst/>
+              <dgm:ruleLst/>
+            </dgm:layoutNode>
+          </dgm:forEach>
+        </dgm:forEach>
+      </dgm:if>
+      <dgm:else name="Name20">
+        <dgm:constrLst>
+          <dgm:constr type="w" for="ch" forName="parTxOnly" refType="w"/>
+          <dgm:constr type="h" for="des" forName="parTxOnly" op="equ"/>
+          <dgm:constr type="primFontSz" for="des" forName="parTxOnly" op="equ" val="65"/>
+          <dgm:constr type="w" for="ch" forName="parTxOnlySpace" refType="w" refFor="ch" refForName="parTxOnly" fact="-0.1"/>
+        </dgm:constrLst>
+        <dgm:ruleLst/>
+        <dgm:forEach name="Name21" axis="ch" ptType="node">
+          <dgm:layoutNode name="parTxOnly">
+            <dgm:varLst>
+              <dgm:chMax val="0"/>
+              <dgm:chPref val="0"/>
+              <dgm:bulletEnabled val="1"/>
+            </dgm:varLst>
+            <dgm:alg type="tx"/>
+            <dgm:choose name="Name22">
+              <dgm:if name="Name23" func="var" arg="dir" op="equ" val="norm">
+                <dgm:shape xmlns:r="http://schemas.openxmlformats.org/officeDocument/2006/relationships" type="chevron" r:blip="">
+                  <dgm:adjLst/>
+                </dgm:shape>
+              </dgm:if>
+              <dgm:else name="Name24">
+                <dgm:shape xmlns:r="http://schemas.openxmlformats.org/officeDocument/2006/relationships" rot="180" type="chevron" r:blip="">
+                  <dgm:adjLst/>
+                </dgm:shape>
+              </dgm:else>
+            </dgm:choose>
+            <dgm:presOf axis="self" ptType="node"/>
+            <dgm:choose name="Name25">
+              <dgm:if name="Name26" func="var" arg="dir" op="equ" val="norm">
+                <dgm:constrLst>
+                  <dgm:constr type="h" refType="w" op="equ" fact="0.4"/>
+                  <dgm:constr type="tMarg" refType="primFontSz" fact="0.105"/>
+                  <dgm:constr type="bMarg" refType="primFontSz" fact="0.105"/>
+                  <dgm:constr type="lMarg" refType="primFontSz" fact="0.315"/>
+                  <dgm:constr type="rMarg" refType="primFontSz" fact="0.105"/>
+                </dgm:constrLst>
+              </dgm:if>
+              <dgm:else name="Name27">
+                <dgm:constrLst>
+                  <dgm:constr type="h" refType="w" op="equ" fact="0.4"/>
+                  <dgm:constr type="tMarg" refType="primFontSz" fact="0.105"/>
+                  <dgm:constr type="bMarg" refType="primFontSz" fact="0.105"/>
+                  <dgm:constr type="lMarg" refType="primFontSz" fact="0.105"/>
+                  <dgm:constr type="rMarg" refType="primFontSz" fact="0.315"/>
+                </dgm:constrLst>
+              </dgm:else>
+            </dgm:choose>
+            <dgm:ruleLst>
+              <dgm:rule type="primFontSz" val="5" fact="NaN" max="NaN"/>
+            </dgm:ruleLst>
+          </dgm:layoutNode>
+          <dgm:forEach name="Name28" axis="followSib" ptType="sibTrans" cnt="1">
+            <dgm:layoutNode name="parTxOnlySpace">
+              <dgm:alg type="sp"/>
+              <dgm:shape xmlns:r="http://schemas.openxmlformats.org/officeDocument/2006/relationships" r:blip="">
+                <dgm:adjLst/>
+              </dgm:shape>
+              <dgm:presOf/>
+              <dgm:constrLst/>
+              <dgm:ruleLst/>
+            </dgm:layoutNode>
+          </dgm:forEach>
+        </dgm:forEach>
+      </dgm:else>
+    </dgm:choose>
+  </dgm:layoutNode>
+</dgm:layoutDef>
+</file>
+
+<file path=ppt/diagrams/quickStyle1.xml><?xml version="1.0" encoding="utf-8"?>
+<dgm:styleDef xmlns:dgm="http://schemas.openxmlformats.org/drawingml/2006/diagram" xmlns:a="http://schemas.openxmlformats.org/drawingml/2006/main" uniqueId="urn:microsoft.com/office/officeart/2005/8/quickstyle/simple1">
+  <dgm:title val=""/>
+  <dgm:desc val=""/>
+  <dgm:catLst>
+    <dgm:cat type="simple" pri="10100"/>
+  </dgm:catLst>
+  <dgm:scene3d>
+    <a:camera prst="orthographicFront"/>
+    <a:lightRig rig="threePt" dir="t"/>
+  </dgm:scene3d>
+  <dgm:styleLbl name="node0">
+    <dgm:scene3d>
+      <a:camera prst="orthographicFront"/>
+      <a:lightRig rig="threePt" dir="t"/>
+    </dgm:scene3d>
+    <dgm:sp3d/>
+    <dgm:txPr/>
+    <dgm:style>
+      <a:lnRef idx="2">
+        <a:scrgbClr r="0" g="0" b="0"/>
+      </a:lnRef>
+      <a:fillRef idx="1">
+        <a:scrgbClr r="0" g="0" b="0"/>
+      </a:fillRef>
+      <a:effectRef idx="0">
+        <a:scrgbClr r="0" g="0" b="0"/>
+      </a:effectRef>
+      <a:fontRef idx="minor">
+        <a:schemeClr val="lt1"/>
+      </a:fontRef>
+    </dgm:style>
+  </dgm:styleLbl>
+  <dgm:styleLbl name="lnNode1">
+    <dgm:scene3d>
+      <a:camera prst="orthographicFront"/>
+      <a:lightRig rig="threePt" dir="t"/>
+    </dgm:scene3d>
+    <dgm:sp3d/>
+    <dgm:txPr/>
+    <dgm:style>
+      <a:lnRef idx="2">
+        <a:scrgbClr r="0" g="0" b="0"/>
+      </a:lnRef>
+      <a:fillRef idx="1">
+        <a:scrgbClr r="0" g="0" b="0"/>
+      </a:fillRef>
+      <a:effectRef idx="0">
+        <a:scrgbClr r="0" g="0" b="0"/>
+      </a:effectRef>
+      <a:fontRef idx="minor">
+        <a:schemeClr val="lt1"/>
+      </a:fontRef>
+    </dgm:style>
+  </dgm:styleLbl>
+  <dgm:styleLbl name="vennNode1">
+    <dgm:scene3d>
+      <a:camera prst="orthographicFront"/>
+      <a:lightRig rig="threePt" dir="t"/>
+    </dgm:scene3d>
+    <dgm:sp3d/>
+    <dgm:txPr/>
+    <dgm:style>
+      <a:lnRef idx="2">
+        <a:scrgbClr r="0" g="0" b="0"/>
+      </a:lnRef>
+      <a:fillRef idx="1">
+        <a:scrgbClr r="0" g="0" b="0"/>
+      </a:fillRef>
+      <a:effectRef idx="0">
+        <a:scrgbClr r="0" g="0" b="0"/>
+      </a:effectRef>
+      <a:fontRef idx="minor">
+        <a:schemeClr val="tx1"/>
+      </a:fontRef>
+    </dgm:style>
+  </dgm:styleLbl>
+  <dgm:styleLbl name="alignNode1">
+    <dgm:scene3d>
+      <a:camera prst="orthographicFront"/>
+      <a:lightRig rig="threePt" dir="t"/>
+    </dgm:scene3d>
+    <dgm:sp3d/>
+    <dgm:txPr/>
+    <dgm:style>
+      <a:lnRef idx="2">
+        <a:scrgbClr r="0" g="0" b="0"/>
+      </a:lnRef>
+      <a:fillRef idx="1">
+        <a:scrgbClr r="0" g="0" b="0"/>
+      </a:fillRef>
+      <a:effectRef idx="0">
+        <a:scrgbClr r="0" g="0" b="0"/>
+      </a:effectRef>
+      <a:fontRef idx="minor">
+        <a:schemeClr val="lt1"/>
+      </a:fontRef>
+    </dgm:style>
+  </dgm:styleLbl>
+  <dgm:styleLbl name="node1">
+    <dgm:scene3d>
+      <a:camera prst="orthographicFront"/>
+      <a:lightRig rig="threePt" dir="t"/>
+    </dgm:scene3d>
+    <dgm:sp3d/>
+    <dgm:txPr/>
+    <dgm:style>
+      <a:lnRef idx="2">
+        <a:scrgbClr r="0" g="0" b="0"/>
+      </a:lnRef>
+      <a:fillRef idx="1">
+        <a:scrgbClr r="0" g="0" b="0"/>
+      </a:fillRef>
+      <a:effectRef idx="0">
+        <a:scrgbClr r="0" g="0" b="0"/>
+      </a:effectRef>
+      <a:fontRef idx="minor">
+        <a:schemeClr val="lt1"/>
+      </a:fontRef>
+    </dgm:style>
+  </dgm:styleLbl>
+  <dgm:styleLbl name="node2">
+    <dgm:scene3d>
+      <a:camera prst="orthographicFront"/>
+      <a:lightRig rig="threePt" dir="t"/>
+    </dgm:scene3d>
+    <dgm:sp3d/>
+    <dgm:txPr/>
+    <dgm:style>
+      <a:lnRef idx="2">
+        <a:scrgbClr r="0" g="0" b="0"/>
+      </a:lnRef>
+      <a:fillRef idx="1">
+        <a:scrgbClr r="0" g="0" b="0"/>
+      </a:fillRef>
+      <a:effectRef idx="0">
+        <a:scrgbClr r="0" g="0" b="0"/>
+      </a:effectRef>
+      <a:fontRef idx="minor">
+        <a:schemeClr val="lt1"/>
+      </a:fontRef>
+    </dgm:style>
+  </dgm:styleLbl>
+  <dgm:styleLbl name="node3">
+    <dgm:scene3d>
+      <a:camera prst="orthographicFront"/>
+      <a:lightRig rig="threePt" dir="t"/>
+    </dgm:scene3d>
+    <dgm:sp3d/>
+    <dgm:txPr/>
+    <dgm:style>
+      <a:lnRef idx="2">
+        <a:scrgbClr r="0" g="0" b="0"/>
+      </a:lnRef>
+      <a:fillRef idx="1">
+        <a:scrgbClr r="0" g="0" b="0"/>
+      </a:fillRef>
+      <a:effectRef idx="0">
+        <a:scrgbClr r="0" g="0" b="0"/>
+      </a:effectRef>
+      <a:fontRef idx="minor">
+        <a:schemeClr val="lt1"/>
+      </a:fontRef>
+    </dgm:style>
+  </dgm:styleLbl>
+  <dgm:styleLbl name="node4">
+    <dgm:scene3d>
+      <a:camera prst="orthographicFront"/>
+      <a:lightRig rig="threePt" dir="t"/>
+    </dgm:scene3d>
+    <dgm:sp3d/>
+    <dgm:txPr/>
+    <dgm:style>
+      <a:lnRef idx="2">
+        <a:scrgbClr r="0" g="0" b="0"/>
+      </a:lnRef>
+      <a:fillRef idx="1">
+        <a:scrgbClr r="0" g="0" b="0"/>
+      </a:fillRef>
+      <a:effectRef idx="0">
+        <a:scrgbClr r="0" g="0" b="0"/>
+      </a:effectRef>
+      <a:fontRef idx="minor">
+        <a:schemeClr val="lt1"/>
+      </a:fontRef>
+    </dgm:style>
+  </dgm:styleLbl>
+  <dgm:styleLbl name="fgImgPlace1">
+    <dgm:scene3d>
+      <a:camera prst="orthographicFront"/>
+      <a:lightRig rig="threePt" dir="t"/>
+    </dgm:scene3d>
+    <dgm:sp3d/>
+    <dgm:txPr/>
+    <dgm:style>
+      <a:lnRef idx="2">
+        <a:scrgbClr r="0" g="0" b="0"/>
+      </a:lnRef>
+      <a:fillRef idx="1">
+        <a:scrgbClr r="0" g="0" b="0"/>
+      </a:fillRef>
+      <a:effectRef idx="0">
+        <a:scrgbClr r="0" g="0" b="0"/>
+      </a:effectRef>
+      <a:fontRef idx="minor"/>
+    </dgm:style>
+  </dgm:styleLbl>
+  <dgm:styleLbl name="alignImgPlace1">
+    <dgm:scene3d>
+      <a:camera prst="orthographicFront"/>
+      <a:lightRig rig="threePt" dir="t"/>
+    </dgm:scene3d>
+    <dgm:sp3d/>
+    <dgm:txPr/>
+    <dgm:style>
+      <a:lnRef idx="2">
+        <a:scrgbClr r="0" g="0" b="0"/>
+      </a:lnRef>
+      <a:fillRef idx="1">
+        <a:scrgbClr r="0" g="0" b="0"/>
+      </a:fillRef>
+      <a:effectRef idx="0">
+        <a:scrgbClr r="0" g="0" b="0"/>
+      </a:effectRef>
+      <a:fontRef idx="minor"/>
+    </dgm:style>
+  </dgm:styleLbl>
+  <dgm:styleLbl name="bgImgPlace1">
+    <dgm:scene3d>
+      <a:camera prst="orthographicFront"/>
+      <a:lightRig rig="threePt" dir="t"/>
+    </dgm:scene3d>
+    <dgm:sp3d/>
+    <dgm:txPr/>
+    <dgm:style>
+      <a:lnRef idx="2">
+        <a:scrgbClr r="0" g="0" b="0"/>
+      </a:lnRef>
+      <a:fillRef idx="1">
+        <a:scrgbClr r="0" g="0" b="0"/>
+      </a:fillRef>
+      <a:effectRef idx="0">
+        <a:scrgbClr r="0" g="0" b="0"/>
+      </a:effectRef>
+      <a:fontRef idx="minor"/>
+    </dgm:style>
+  </dgm:styleLbl>
+  <dgm:styleLbl name="sibTrans2D1">
+    <dgm:scene3d>
+      <a:camera prst="orthographicFront"/>
+      <a:lightRig rig="threePt" dir="t"/>
+    </dgm:scene3d>
+    <dgm:sp3d/>
+    <dgm:txPr/>
+    <dgm:style>
+      <a:lnRef idx="0">
+        <a:scrgbClr r="0" g="0" b="0"/>
+      </a:lnRef>
+      <a:fillRef idx="1">
+        <a:scrgbClr r="0" g="0" b="0"/>
+      </a:fillRef>
+      <a:effectRef idx="0">
+        <a:scrgbClr r="0" g="0" b="0"/>
+      </a:effectRef>
+      <a:fontRef idx="minor">
+        <a:schemeClr val="lt1"/>
+      </a:fontRef>
+    </dgm:style>
+  </dgm:styleLbl>
+  <dgm:styleLbl name="fgSibTrans2D1">
+    <dgm:scene3d>
+      <a:camera prst="orthographicFront"/>
+      <a:lightRig rig="threePt" dir="t"/>
+    </dgm:scene3d>
+    <dgm:sp3d/>
+    <dgm:txPr/>
+    <dgm:style>
+      <a:lnRef idx="0">
+        <a:scrgbClr r="0" g="0" b="0"/>
+      </a:lnRef>
+      <a:fillRef idx="1">
+        <a:scrgbClr r="0" g="0" b="0"/>
+      </a:fillRef>
+      <a:effectRef idx="0">
+        <a:scrgbClr r="0" g="0" b="0"/>
+      </a:effectRef>
+      <a:fontRef idx="minor">
+        <a:schemeClr val="lt1"/>
+      </a:fontRef>
+    </dgm:style>
+  </dgm:styleLbl>
+  <dgm:styleLbl name="bgSibTrans2D1">
+    <dgm:scene3d>
+      <a:camera prst="orthographicFront"/>
+      <a:lightRig rig="threePt" dir="t"/>
+    </dgm:scene3d>
+    <dgm:sp3d/>
+    <dgm:txPr/>
+    <dgm:style>
+      <a:lnRef idx="0">
+        <a:scrgbClr r="0" g="0" b="0"/>
+      </a:lnRef>
+      <a:fillRef idx="1">
+        <a:scrgbClr r="0" g="0" b="0"/>
+      </a:fillRef>
+      <a:effectRef idx="0">
+        <a:scrgbClr r="0" g="0" b="0"/>
+      </a:effectRef>
+      <a:fontRef idx="minor">
+        <a:schemeClr val="lt1"/>
+      </a:fontRef>
+    </dgm:style>
+  </dgm:styleLbl>
+  <dgm:styleLbl name="sibTrans1D1">
+    <dgm:scene3d>
+      <a:camera prst="orthographicFront"/>
+      <a:lightRig rig="threePt" dir="t"/>
+    </dgm:scene3d>
+    <dgm:sp3d/>
+    <dgm:txPr/>
+    <dgm:style>
+      <a:lnRef idx="1">
+        <a:scrgbClr r="0" g="0" b="0"/>
+      </a:lnRef>
+      <a:fillRef idx="0">
+        <a:scrgbClr r="0" g="0" b="0"/>
+      </a:fillRef>
+      <a:effectRef idx="0">
+        <a:scrgbClr r="0" g="0" b="0"/>
+      </a:effectRef>
+      <a:fontRef idx="minor"/>
+    </dgm:style>
+  </dgm:styleLbl>
+  <dgm:styleLbl name="callout">
+    <dgm:scene3d>
+      <a:camera prst="orthographicFront"/>
+      <a:lightRig rig="threePt" dir="t"/>
+    </dgm:scene3d>
+    <dgm:sp3d/>
+    <dgm:txPr/>
+    <dgm:style>
+      <a:lnRef idx="2">
+        <a:scrgbClr r="0" g="0" b="0"/>
+      </a:lnRef>
+      <a:fillRef idx="1">
+        <a:scrgbClr r="0" g="0" b="0"/>
+      </a:fillRef>
+      <a:effectRef idx="0">
+        <a:scrgbClr r="0" g="0" b="0"/>
+      </a:effectRef>
+      <a:fontRef idx="minor"/>
+    </dgm:style>
+  </dgm:styleLbl>
+  <dgm:styleLbl name="asst0">
+    <dgm:scene3d>
+      <a:camera prst="orthographicFront"/>
+      <a:lightRig rig="threePt" dir="t"/>
+    </dgm:scene3d>
+    <dgm:sp3d/>
+    <dgm:txPr/>
+    <dgm:style>
+      <a:lnRef idx="2">
+        <a:scrgbClr r="0" g="0" b="0"/>
+      </a:lnRef>
+      <a:fillRef idx="1">
+        <a:scrgbClr r="0" g="0" b="0"/>
+      </a:fillRef>
+      <a:effectRef idx="0">
+        <a:scrgbClr r="0" g="0" b="0"/>
+      </a:effectRef>
+      <a:fontRef idx="minor">
+        <a:schemeClr val="lt1"/>
+      </a:fontRef>
+    </dgm:style>
+  </dgm:styleLbl>
+  <dgm:styleLbl name="asst1">
+    <dgm:scene3d>
+      <a:camera prst="orthographicFront"/>
+      <a:lightRig rig="threePt" dir="t"/>
+    </dgm:scene3d>
+    <dgm:sp3d/>
+    <dgm:txPr/>
+    <dgm:style>
+      <a:lnRef idx="2">
+        <a:scrgbClr r="0" g="0" b="0"/>
+      </a:lnRef>
+      <a:fillRef idx="1">
+        <a:scrgbClr r="0" g="0" b="0"/>
+      </a:fillRef>
+      <a:effectRef idx="0">
+        <a:scrgbClr r="0" g="0" b="0"/>
+      </a:effectRef>
+      <a:fontRef idx="minor">
+        <a:schemeClr val="lt1"/>
+      </a:fontRef>
+    </dgm:style>
+  </dgm:styleLbl>
+  <dgm:styleLbl name="asst2">
+    <dgm:scene3d>
+      <a:camera prst="orthographicFront"/>
+      <a:lightRig rig="threePt" dir="t"/>
+    </dgm:scene3d>
+    <dgm:sp3d/>
+    <dgm:txPr/>
+    <dgm:style>
+      <a:lnRef idx="2">
+        <a:scrgbClr r="0" g="0" b="0"/>
+      </a:lnRef>
+      <a:fillRef idx="1">
+        <a:scrgbClr r="0" g="0" b="0"/>
+      </a:fillRef>
+      <a:effectRef idx="0">
+        <a:scrgbClr r="0" g="0" b="0"/>
+      </a:effectRef>
+      <a:fontRef idx="minor">
+        <a:schemeClr val="lt1"/>
+      </a:fontRef>
+    </dgm:style>
+  </dgm:styleLbl>
+  <dgm:styleLbl name="asst3">
+    <dgm:scene3d>
+      <a:camera prst="orthographicFront"/>
+      <a:lightRig rig="threePt" dir="t"/>
+    </dgm:scene3d>
+    <dgm:sp3d/>
+    <dgm:txPr/>
+    <dgm:style>
+      <a:lnRef idx="2">
+        <a:scrgbClr r="0" g="0" b="0"/>
+      </a:lnRef>
+      <a:fillRef idx="1">
+        <a:scrgbClr r="0" g="0" b="0"/>
+      </a:fillRef>
+      <a:effectRef idx="0">
+        <a:scrgbClr r="0" g="0" b="0"/>
+      </a:effectRef>
+      <a:fontRef idx="minor">
+        <a:schemeClr val="lt1"/>
+      </a:fontRef>
+    </dgm:style>
+  </dgm:styleLbl>
+  <dgm:styleLbl name="asst4">
+    <dgm:scene3d>
+      <a:camera prst="orthographicFront"/>
+      <a:lightRig rig="threePt" dir="t"/>
+    </dgm:scene3d>
+    <dgm:sp3d/>
+    <dgm:txPr/>
+    <dgm:style>
+      <a:lnRef idx="2">
+        <a:scrgbClr r="0" g="0" b="0"/>
+      </a:lnRef>
+      <a:fillRef idx="1">
+        <a:scrgbClr r="0" g="0" b="0"/>
+      </a:fillRef>
+      <a:effectRef idx="0">
+        <a:scrgbClr r="0" g="0" b="0"/>
+      </a:effectRef>
+      <a:fontRef idx="minor">
+        <a:schemeClr val="lt1"/>
+      </a:fontRef>
+    </dgm:style>
+  </dgm:styleLbl>
+  <dgm:styleLbl name="parChTrans2D1">
+    <dgm:scene3d>
+      <a:camera prst="orthographicFront"/>
+      <a:lightRig rig="threePt" dir="t"/>
+    </dgm:scene3d>
+    <dgm:sp3d/>
+    <dgm:txPr/>
+    <dgm:style>
+      <a:lnRef idx="2">
+        <a:scrgbClr r="0" g="0" b="0"/>
+      </a:lnRef>
+      <a:fillRef idx="1">
+        <a:scrgbClr r="0" g="0" b="0"/>
+      </a:fillRef>
+      <a:effectRef idx="0">
+        <a:scrgbClr r="0" g="0" b="0"/>
+      </a:effectRef>
+      <a:fontRef idx="minor">
+        <a:schemeClr val="lt1"/>
+      </a:fontRef>
+    </dgm:style>
+  </dgm:styleLbl>
+  <dgm:styleLbl name="parChTrans2D2">
+    <dgm:scene3d>
+      <a:camera prst="orthographicFront"/>
+      <a:lightRig rig="threePt" dir="t"/>
+    </dgm:scene3d>
+    <dgm:sp3d/>
+    <dgm:txPr/>
+    <dgm:style>
+      <a:lnRef idx="2">
+        <a:scrgbClr r="0" g="0" b="0"/>
+      </a:lnRef>
+      <a:fillRef idx="1">
+        <a:scrgbClr r="0" g="0" b="0"/>
+      </a:fillRef>
+      <a:effectRef idx="0">
+        <a:scrgbClr r="0" g="0" b="0"/>
+      </a:effectRef>
+      <a:fontRef idx="minor">
+        <a:schemeClr val="lt1"/>
+      </a:fontRef>
+    </dgm:style>
+  </dgm:styleLbl>
+  <dgm:styleLbl name="parChTrans2D3">
+    <dgm:scene3d>
+      <a:camera prst="orthographicFront"/>
+      <a:lightRig rig="threePt" dir="t"/>
+    </dgm:scene3d>
+    <dgm:sp3d/>
+    <dgm:txPr/>
+    <dgm:style>
+      <a:lnRef idx="2">
+        <a:scrgbClr r="0" g="0" b="0"/>
+      </a:lnRef>
+      <a:fillRef idx="1">
+        <a:scrgbClr r="0" g="0" b="0"/>
+      </a:fillRef>
+      <a:effectRef idx="0">
+        <a:scrgbClr r="0" g="0" b="0"/>
+      </a:effectRef>
+      <a:fontRef idx="minor">
+        <a:schemeClr val="lt1"/>
+      </a:fontRef>
+    </dgm:style>
+  </dgm:styleLbl>
+  <dgm:styleLbl name="parChTrans2D4">
+    <dgm:scene3d>
+      <a:camera prst="orthographicFront"/>
+      <a:lightRig rig="threePt" dir="t"/>
+    </dgm:scene3d>
+    <dgm:sp3d/>
+    <dgm:txPr/>
+    <dgm:style>
+      <a:lnRef idx="2">
+        <a:scrgbClr r="0" g="0" b="0"/>
+      </a:lnRef>
+      <a:fillRef idx="1">
+        <a:scrgbClr r="0" g="0" b="0"/>
+      </a:fillRef>
+      <a:effectRef idx="0">
+        <a:scrgbClr r="0" g="0" b="0"/>
+      </a:effectRef>
+      <a:fontRef idx="minor">
+        <a:schemeClr val="lt1"/>
+      </a:fontRef>
+    </dgm:style>
+  </dgm:styleLbl>
+  <dgm:styleLbl name="parChTrans1D1">
+    <dgm:scene3d>
+      <a:camera prst="orthographicFront"/>
+      <a:lightRig rig="threePt" dir="t"/>
+    </dgm:scene3d>
+    <dgm:sp3d/>
+    <dgm:txPr/>
+    <dgm:style>
+      <a:lnRef idx="2">
+        <a:scrgbClr r="0" g="0" b="0"/>
+      </a:lnRef>
+      <a:fillRef idx="0">
+        <a:scrgbClr r="0" g="0" b="0"/>
+      </a:fillRef>
+      <a:effectRef idx="0">
+        <a:scrgbClr r="0" g="0" b="0"/>
+      </a:effectRef>
+      <a:fontRef idx="minor"/>
+    </dgm:style>
+  </dgm:styleLbl>
+  <dgm:styleLbl name="parChTrans1D2">
+    <dgm:scene3d>
+      <a:camera prst="orthographicFront"/>
+      <a:lightRig rig="threePt" dir="t"/>
+    </dgm:scene3d>
+    <dgm:sp3d/>
+    <dgm:txPr/>
+    <dgm:style>
+      <a:lnRef idx="2">
+        <a:scrgbClr r="0" g="0" b="0"/>
+      </a:lnRef>
+      <a:fillRef idx="0">
+        <a:scrgbClr r="0" g="0" b="0"/>
+      </a:fillRef>
+      <a:effectRef idx="0">
+        <a:scrgbClr r="0" g="0" b="0"/>
+      </a:effectRef>
+      <a:fontRef idx="minor"/>
+    </dgm:style>
+  </dgm:styleLbl>
+  <dgm:styleLbl name="parChTrans1D3">
+    <dgm:scene3d>
+      <a:camera prst="orthographicFront"/>
+      <a:lightRig rig="threePt" dir="t"/>
+    </dgm:scene3d>
+    <dgm:sp3d/>
+    <dgm:txPr/>
+    <dgm:style>
+      <a:lnRef idx="2">
+        <a:scrgbClr r="0" g="0" b="0"/>
+      </a:lnRef>
+      <a:fillRef idx="0">
+        <a:scrgbClr r="0" g="0" b="0"/>
+      </a:fillRef>
+      <a:effectRef idx="0">
+        <a:scrgbClr r="0" g="0" b="0"/>
+      </a:effectRef>
+      <a:fontRef idx="minor"/>
+    </dgm:style>
+  </dgm:styleLbl>
+  <dgm:styleLbl name="parChTrans1D4">
+    <dgm:scene3d>
+      <a:camera prst="orthographicFront"/>
+      <a:lightRig rig="threePt" dir="t"/>
+    </dgm:scene3d>
+    <dgm:sp3d/>
+    <dgm:txPr/>
+    <dgm:style>
+      <a:lnRef idx="2">
+        <a:scrgbClr r="0" g="0" b="0"/>
+      </a:lnRef>
+      <a:fillRef idx="0">
+        <a:scrgbClr r="0" g="0" b="0"/>
+      </a:fillRef>
+      <a:effectRef idx="0">
+        <a:scrgbClr r="0" g="0" b="0"/>
+      </a:effectRef>
+      <a:fontRef idx="minor"/>
+    </dgm:style>
+  </dgm:styleLbl>
+  <dgm:styleLbl name="fgAcc1">
+    <dgm:scene3d>
+      <a:camera prst="orthographicFront"/>
+      <a:lightRig rig="threePt" dir="t"/>
+    </dgm:scene3d>
+    <dgm:sp3d/>
+    <dgm:txPr/>
+    <dgm:style>
+      <a:lnRef idx="2">
+        <a:scrgbClr r="0" g="0" b="0"/>
+      </a:lnRef>
+      <a:fillRef idx="1">
+        <a:scrgbClr r="0" g="0" b="0"/>
+      </a:fillRef>
+      <a:effectRef idx="0">
+        <a:scrgbClr r="0" g="0" b="0"/>
+      </a:effectRef>
+      <a:fontRef idx="minor"/>
+    </dgm:style>
+  </dgm:styleLbl>
+  <dgm:styleLbl name="conFgAcc1">
+    <dgm:scene3d>
+      <a:camera prst="orthographicFront"/>
+      <a:lightRig rig="threePt" dir="t"/>
+    </dgm:scene3d>
+    <dgm:sp3d/>
+    <dgm:txPr/>
+    <dgm:style>
+      <a:lnRef idx="2">
+        <a:scrgbClr r="0" g="0" b="0"/>
+      </a:lnRef>
+      <a:fillRef idx="1">
+        <a:scrgbClr r="0" g="0" b="0"/>
+      </a:fillRef>
+      <a:effectRef idx="0">
+        <a:scrgbClr r="0" g="0" b="0"/>
+      </a:effectRef>
+      <a:fontRef idx="minor"/>
+    </dgm:style>
+  </dgm:styleLbl>
+  <dgm:styleLbl name="alignAcc1">
+    <dgm:scene3d>
+      <a:camera prst="orthographicFront"/>
+      <a:lightRig rig="threePt" dir="t"/>
+    </dgm:scene3d>
+    <dgm:sp3d/>
+    <dgm:txPr/>
+    <dgm:style>
+      <a:lnRef idx="2">
+        <a:scrgbClr r="0" g="0" b="0"/>
+      </a:lnRef>
+      <a:fillRef idx="1">
+        <a:scrgbClr r="0" g="0" b="0"/>
+      </a:fillRef>
+      <a:effectRef idx="0">
+        <a:scrgbClr r="0" g="0" b="0"/>
+      </a:effectRef>
+      <a:fontRef idx="minor"/>
+    </dgm:style>
+  </dgm:styleLbl>
+  <dgm:styleLbl name="trAlignAcc1">
+    <dgm:scene3d>
+      <a:camera prst="orthographicFront"/>
+      <a:lightRig rig="threePt" dir="t"/>
+    </dgm:scene3d>
+    <dgm:sp3d/>
+    <dgm:txPr/>
+    <dgm:style>
+      <a:lnRef idx="1">
+        <a:scrgbClr r="0" g="0" b="0"/>
+      </a:lnRef>
+      <a:fillRef idx="1">
+        <a:scrgbClr r="0" g="0" b="0"/>
+      </a:fillRef>
+      <a:effectRef idx="0">
+        <a:scrgbClr r="0" g="0" b="0"/>
+      </a:effectRef>
+      <a:fontRef idx="minor"/>
+    </dgm:style>
+  </dgm:styleLbl>
+  <dgm:styleLbl name="bgAcc1">
+    <dgm:scene3d>
+      <a:camera prst="orthographicFront"/>
+      <a:lightRig rig="threePt" dir="t"/>
+    </dgm:scene3d>
+    <dgm:sp3d/>
+    <dgm:txPr/>
+    <dgm:style>
+      <a:lnRef idx="2">
+        <a:scrgbClr r="0" g="0" b="0"/>
+      </a:lnRef>
+      <a:fillRef idx="1">
+        <a:scrgbClr r="0" g="0" b="0"/>
+      </a:fillRef>
+      <a:effectRef idx="0">
+        <a:scrgbClr r="0" g="0" b="0"/>
+      </a:effectRef>
+      <a:fontRef idx="minor"/>
+    </dgm:style>
+  </dgm:styleLbl>
+  <dgm:styleLbl name="solidFgAcc1">
+    <dgm:scene3d>
+      <a:camera prst="orthographicFront"/>
+      <a:lightRig rig="threePt" dir="t"/>
+    </dgm:scene3d>
+    <dgm:sp3d/>
+    <dgm:txPr/>
+    <dgm:style>
+      <a:lnRef idx="2">
+        <a:scrgbClr r="0" g="0" b="0"/>
+      </a:lnRef>
+      <a:fillRef idx="1">
+        <a:scrgbClr r="0" g="0" b="0"/>
+      </a:fillRef>
+      <a:effectRef idx="0">
+        <a:scrgbClr r="0" g="0" b="0"/>
+      </a:effectRef>
+      <a:fontRef idx="minor"/>
+    </dgm:style>
+  </dgm:styleLbl>
+  <dgm:styleLbl name="solidAlignAcc1">
+    <dgm:scene3d>
+      <a:camera prst="orthographicFront"/>
+      <a:lightRig rig="threePt" dir="t"/>
+    </dgm:scene3d>
+    <dgm:sp3d/>
+    <dgm:txPr/>
+    <dgm:style>
+      <a:lnRef idx="2">
+        <a:scrgbClr r="0" g="0" b="0"/>
+      </a:lnRef>
+      <a:fillRef idx="1">
+        <a:scrgbClr r="0" g="0" b="0"/>
+      </a:fillRef>
+      <a:effectRef idx="0">
+        <a:scrgbClr r="0" g="0" b="0"/>
+      </a:effectRef>
+      <a:fontRef idx="minor"/>
+    </dgm:style>
+  </dgm:styleLbl>
+  <dgm:styleLbl name="solidBgAcc1">
+    <dgm:scene3d>
+      <a:camera prst="orthographicFront"/>
+      <a:lightRig rig="threePt" dir="t"/>
+    </dgm:scene3d>
+    <dgm:sp3d/>
+    <dgm:txPr/>
+    <dgm:style>
+      <a:lnRef idx="2">
+        <a:scrgbClr r="0" g="0" b="0"/>
+      </a:lnRef>
+      <a:fillRef idx="1">
+        <a:scrgbClr r="0" g="0" b="0"/>
+      </a:fillRef>
+      <a:effectRef idx="0">
+        <a:scrgbClr r="0" g="0" b="0"/>
+      </a:effectRef>
+      <a:fontRef idx="minor"/>
+    </dgm:style>
+  </dgm:styleLbl>
+  <dgm:styleLbl name="fgAccFollowNode1">
+    <dgm:scene3d>
+      <a:camera prst="orthographicFront"/>
+      <a:lightRig rig="threePt" dir="t"/>
+    </dgm:scene3d>
+    <dgm:sp3d/>
+    <dgm:txPr/>
+    <dgm:style>
+      <a:lnRef idx="2">
+        <a:scrgbClr r="0" g="0" b="0"/>
+      </a:lnRef>
+      <a:fillRef idx="1">
+        <a:scrgbClr r="0" g="0" b="0"/>
+      </a:fillRef>
+      <a:effectRef idx="0">
+        <a:scrgbClr r="0" g="0" b="0"/>
+      </a:effectRef>
+      <a:fontRef idx="minor"/>
+    </dgm:style>
+  </dgm:styleLbl>
+  <dgm:styleLbl name="alignAccFollowNode1">
+    <dgm:scene3d>
+      <a:camera prst="orthographicFront"/>
+      <a:lightRig rig="threePt" dir="t"/>
+    </dgm:scene3d>
+    <dgm:sp3d/>
+    <dgm:txPr/>
+    <dgm:style>
+      <a:lnRef idx="2">
+        <a:scrgbClr r="0" g="0" b="0"/>
+      </a:lnRef>
+      <a:fillRef idx="1">
+        <a:scrgbClr r="0" g="0" b="0"/>
+      </a:fillRef>
+      <a:effectRef idx="0">
+        <a:scrgbClr r="0" g="0" b="0"/>
+      </a:effectRef>
+      <a:fontRef idx="minor"/>
+    </dgm:style>
+  </dgm:styleLbl>
+  <dgm:styleLbl name="bgAccFollowNode1">
+    <dgm:scene3d>
+      <a:camera prst="orthographicFront"/>
+      <a:lightRig rig="threePt" dir="t"/>
+    </dgm:scene3d>
+    <dgm:sp3d/>
+    <dgm:txPr/>
+    <dgm:style>
+      <a:lnRef idx="2">
+        <a:scrgbClr r="0" g="0" b="0"/>
+      </a:lnRef>
+      <a:fillRef idx="1">
+        <a:scrgbClr r="0" g="0" b="0"/>
+      </a:fillRef>
+      <a:effectRef idx="0">
+        <a:scrgbClr r="0" g="0" b="0"/>
+      </a:effectRef>
+      <a:fontRef idx="minor"/>
+    </dgm:style>
+  </dgm:styleLbl>
+  <dgm:styleLbl name="fgAcc0">
+    <dgm:scene3d>
+      <a:camera prst="orthographicFront"/>
+      <a:lightRig rig="threePt" dir="t"/>
+    </dgm:scene3d>
+    <dgm:sp3d/>
+    <dgm:txPr/>
+    <dgm:style>
+      <a:lnRef idx="2">
+        <a:scrgbClr r="0" g="0" b="0"/>
+      </a:lnRef>
+      <a:fillRef idx="1">
+        <a:scrgbClr r="0" g="0" b="0"/>
+      </a:fillRef>
+      <a:effectRef idx="0">
+        <a:scrgbClr r="0" g="0" b="0"/>
+      </a:effectRef>
+      <a:fontRef idx="minor"/>
+    </dgm:style>
+  </dgm:styleLbl>
+  <dgm:styleLbl name="fgAcc2">
+    <dgm:scene3d>
+      <a:camera prst="orthographicFront"/>
+      <a:lightRig rig="threePt" dir="t"/>
+    </dgm:scene3d>
+    <dgm:sp3d/>
+    <dgm:txPr/>
+    <dgm:style>
+      <a:lnRef idx="2">
+        <a:scrgbClr r="0" g="0" b="0"/>
+      </a:lnRef>
+      <a:fillRef idx="1">
+        <a:scrgbClr r="0" g="0" b="0"/>
+      </a:fillRef>
+      <a:effectRef idx="0">
+        <a:scrgbClr r="0" g="0" b="0"/>
+      </a:effectRef>
+      <a:fontRef idx="minor"/>
+    </dgm:style>
+  </dgm:styleLbl>
+  <dgm:styleLbl name="fgAcc3">
+    <dgm:scene3d>
+      <a:camera prst="orthographicFront"/>
+      <a:lightRig rig="threePt" dir="t"/>
+    </dgm:scene3d>
+    <dgm:sp3d/>
+    <dgm:txPr/>
+    <dgm:style>
+      <a:lnRef idx="2">
+        <a:scrgbClr r="0" g="0" b="0"/>
+      </a:lnRef>
+      <a:fillRef idx="1">
+        <a:scrgbClr r="0" g="0" b="0"/>
+      </a:fillRef>
+      <a:effectRef idx="0">
+        <a:scrgbClr r="0" g="0" b="0"/>
+      </a:effectRef>
+      <a:fontRef idx="minor"/>
+    </dgm:style>
+  </dgm:styleLbl>
+  <dgm:styleLbl name="fgAcc4">
+    <dgm:scene3d>
+      <a:camera prst="orthographicFront"/>
+      <a:lightRig rig="threePt" dir="t"/>
+    </dgm:scene3d>
+    <dgm:sp3d/>
+    <dgm:txPr/>
+    <dgm:style>
+      <a:lnRef idx="2">
+        <a:scrgbClr r="0" g="0" b="0"/>
+      </a:lnRef>
+      <a:fillRef idx="1">
+        <a:scrgbClr r="0" g="0" b="0"/>
+      </a:fillRef>
+      <a:effectRef idx="0">
+        <a:scrgbClr r="0" g="0" b="0"/>
+      </a:effectRef>
+      <a:fontRef idx="minor"/>
+    </dgm:style>
+  </dgm:styleLbl>
+  <dgm:styleLbl name="bgShp">
+    <dgm:scene3d>
+      <a:camera prst="orthographicFront"/>
+      <a:lightRig rig="threePt" dir="t"/>
+    </dgm:scene3d>
+    <dgm:sp3d/>
+    <dgm:txPr/>
+    <dgm:style>
+      <a:lnRef idx="0">
+        <a:scrgbClr r="0" g="0" b="0"/>
+      </a:lnRef>
+      <a:fillRef idx="1">
+        <a:scrgbClr r="0" g="0" b="0"/>
+      </a:fillRef>
+      <a:effectRef idx="0">
+        <a:scrgbClr r="0" g="0" b="0"/>
+      </a:effectRef>
+      <a:fontRef idx="minor"/>
+    </dgm:style>
+  </dgm:styleLbl>
+  <dgm:styleLbl name="dkBgShp">
+    <dgm:scene3d>
+      <a:camera prst="orthographicFront"/>
+      <a:lightRig rig="threePt" dir="t"/>
+    </dgm:scene3d>
+    <dgm:sp3d/>
+    <dgm:txPr/>
+    <dgm:style>
+      <a:lnRef idx="0">
+        <a:scrgbClr r="0" g="0" b="0"/>
+      </a:lnRef>
+      <a:fillRef idx="1">
+        <a:scrgbClr r="0" g="0" b="0"/>
+      </a:fillRef>
+      <a:effectRef idx="0">
+        <a:scrgbClr r="0" g="0" b="0"/>
+      </a:effectRef>
+      <a:fontRef idx="minor"/>
+    </dgm:style>
+  </dgm:styleLbl>
+  <dgm:styleLbl name="trBgShp">
+    <dgm:scene3d>
+      <a:camera prst="orthographicFront"/>
+      <a:lightRig rig="threePt" dir="t"/>
+    </dgm:scene3d>
+    <dgm:sp3d/>
+    <dgm:txPr/>
+    <dgm:style>
+      <a:lnRef idx="0">
+        <a:scrgbClr r="0" g="0" b="0"/>
+      </a:lnRef>
+      <a:fillRef idx="1">
+        <a:scrgbClr r="0" g="0" b="0"/>
+      </a:fillRef>
+      <a:effectRef idx="0">
+        <a:scrgbClr r="0" g="0" b="0"/>
+      </a:effectRef>
+      <a:fontRef idx="minor"/>
+    </dgm:style>
+  </dgm:styleLbl>
+  <dgm:styleLbl name="fgShp">
+    <dgm:scene3d>
+      <a:camera prst="orthographicFront"/>
+      <a:lightRig rig="threePt" dir="t"/>
+    </dgm:scene3d>
+    <dgm:sp3d/>
+    <dgm:txPr/>
+    <dgm:style>
+      <a:lnRef idx="2">
+        <a:scrgbClr r="0" g="0" b="0"/>
+      </a:lnRef>
+      <a:fillRef idx="1">
+        <a:scrgbClr r="0" g="0" b="0"/>
+      </a:fillRef>
+      <a:effectRef idx="0">
+        <a:scrgbClr r="0" g="0" b="0"/>
+      </a:effectRef>
+      <a:fontRef idx="minor"/>
+    </dgm:style>
+  </dgm:styleLbl>
+  <dgm:styleLbl name="revTx">
+    <dgm:scene3d>
+      <a:camera prst="orthographicFront"/>
+      <a:lightRig rig="threePt" dir="t"/>
+    </dgm:scene3d>
+    <dgm:sp3d/>
+    <dgm:txPr/>
+    <dgm:style>
+      <a:lnRef idx="0">
+        <a:scrgbClr r="0" g="0" b="0"/>
+      </a:lnRef>
+      <a:fillRef idx="0">
+        <a:scrgbClr r="0" g="0" b="0"/>
+      </a:fillRef>
+      <a:effectRef idx="0">
+        <a:scrgbClr r="0" g="0" b="0"/>
+      </a:effectRef>
+      <a:fontRef idx="minor"/>
+    </dgm:style>
+  </dgm:styleLbl>
+</dgm:styleDef>
+</file>
+
 <file path=ppt/slideLayouts/slideLayout1.xml><?xml version="1.0" encoding="utf-8"?>
 <p:sldLayout xmlns:a="http://schemas.openxmlformats.org/drawingml/2006/main" xmlns:r="http://schemas.openxmlformats.org/officeDocument/2006/relationships" xmlns:p="http://schemas.openxmlformats.org/presentationml/2006/main" type="title" preserve="1">
   <p:cSld name="Title Slide">
@@ -276,7 +3360,7 @@
           <a:p>
             <a:fld id="{E9175749-BE88-2442-8D84-DEA4B15C26FA}" type="datetimeFigureOut">
               <a:rPr lang="en-US" smtClean="0"/>
-              <a:t>11/6/23</a:t>
+              <a:t>11/11/23</a:t>
             </a:fld>
             <a:endParaRPr lang="en-US"/>
           </a:p>
@@ -476,7 +3560,7 @@
           <a:p>
             <a:fld id="{E9175749-BE88-2442-8D84-DEA4B15C26FA}" type="datetimeFigureOut">
               <a:rPr lang="en-US" smtClean="0"/>
-              <a:t>11/6/23</a:t>
+              <a:t>11/11/23</a:t>
             </a:fld>
             <a:endParaRPr lang="en-US"/>
           </a:p>
@@ -686,7 +3770,7 @@
           <a:p>
             <a:fld id="{E9175749-BE88-2442-8D84-DEA4B15C26FA}" type="datetimeFigureOut">
               <a:rPr lang="en-US" smtClean="0"/>
-              <a:t>11/6/23</a:t>
+              <a:t>11/11/23</a:t>
             </a:fld>
             <a:endParaRPr lang="en-US"/>
           </a:p>
@@ -886,7 +3970,7 @@
           <a:p>
             <a:fld id="{E9175749-BE88-2442-8D84-DEA4B15C26FA}" type="datetimeFigureOut">
               <a:rPr lang="en-US" smtClean="0"/>
-              <a:t>11/6/23</a:t>
+              <a:t>11/11/23</a:t>
             </a:fld>
             <a:endParaRPr lang="en-US"/>
           </a:p>
@@ -1162,7 +4246,7 @@
           <a:p>
             <a:fld id="{E9175749-BE88-2442-8D84-DEA4B15C26FA}" type="datetimeFigureOut">
               <a:rPr lang="en-US" smtClean="0"/>
-              <a:t>11/6/23</a:t>
+              <a:t>11/11/23</a:t>
             </a:fld>
             <a:endParaRPr lang="en-US"/>
           </a:p>
@@ -1430,7 +4514,7 @@
           <a:p>
             <a:fld id="{E9175749-BE88-2442-8D84-DEA4B15C26FA}" type="datetimeFigureOut">
               <a:rPr lang="en-US" smtClean="0"/>
-              <a:t>11/6/23</a:t>
+              <a:t>11/11/23</a:t>
             </a:fld>
             <a:endParaRPr lang="en-US"/>
           </a:p>
@@ -1845,7 +4929,7 @@
           <a:p>
             <a:fld id="{E9175749-BE88-2442-8D84-DEA4B15C26FA}" type="datetimeFigureOut">
               <a:rPr lang="en-US" smtClean="0"/>
-              <a:t>11/6/23</a:t>
+              <a:t>11/11/23</a:t>
             </a:fld>
             <a:endParaRPr lang="en-US"/>
           </a:p>
@@ -1987,7 +5071,7 @@
           <a:p>
             <a:fld id="{E9175749-BE88-2442-8D84-DEA4B15C26FA}" type="datetimeFigureOut">
               <a:rPr lang="en-US" smtClean="0"/>
-              <a:t>11/6/23</a:t>
+              <a:t>11/11/23</a:t>
             </a:fld>
             <a:endParaRPr lang="en-US"/>
           </a:p>
@@ -2100,7 +5184,7 @@
           <a:p>
             <a:fld id="{E9175749-BE88-2442-8D84-DEA4B15C26FA}" type="datetimeFigureOut">
               <a:rPr lang="en-US" smtClean="0"/>
-              <a:t>11/6/23</a:t>
+              <a:t>11/11/23</a:t>
             </a:fld>
             <a:endParaRPr lang="en-US"/>
           </a:p>
@@ -2413,7 +5497,7 @@
           <a:p>
             <a:fld id="{E9175749-BE88-2442-8D84-DEA4B15C26FA}" type="datetimeFigureOut">
               <a:rPr lang="en-US" smtClean="0"/>
-              <a:t>11/6/23</a:t>
+              <a:t>11/11/23</a:t>
             </a:fld>
             <a:endParaRPr lang="en-US"/>
           </a:p>
@@ -2702,7 +5786,7 @@
           <a:p>
             <a:fld id="{E9175749-BE88-2442-8D84-DEA4B15C26FA}" type="datetimeFigureOut">
               <a:rPr lang="en-US" smtClean="0"/>
-              <a:t>11/6/23</a:t>
+              <a:t>11/11/23</a:t>
             </a:fld>
             <a:endParaRPr lang="en-US"/>
           </a:p>
@@ -2945,7 +6029,7 @@
           <a:p>
             <a:fld id="{E9175749-BE88-2442-8D84-DEA4B15C26FA}" type="datetimeFigureOut">
               <a:rPr lang="en-US" smtClean="0"/>
-              <a:t>11/6/23</a:t>
+              <a:t>11/11/23</a:t>
             </a:fld>
             <a:endParaRPr lang="en-US"/>
           </a:p>
@@ -11010,6 +14094,1496 @@
 </p:sld>
 </file>
 
+<file path=ppt/slides/slide17.xml><?xml version="1.0" encoding="utf-8"?>
+<p:sld xmlns:a="http://schemas.openxmlformats.org/drawingml/2006/main" xmlns:r="http://schemas.openxmlformats.org/officeDocument/2006/relationships" xmlns:p="http://schemas.openxmlformats.org/presentationml/2006/main">
+  <p:cSld>
+    <p:spTree>
+      <p:nvGrpSpPr>
+        <p:cNvPr id="1" name=""/>
+        <p:cNvGrpSpPr/>
+        <p:nvPr/>
+      </p:nvGrpSpPr>
+      <p:grpSpPr>
+        <a:xfrm>
+          <a:off x="0" y="0"/>
+          <a:ext cx="0" cy="0"/>
+          <a:chOff x="0" y="0"/>
+          <a:chExt cx="0" cy="0"/>
+        </a:xfrm>
+      </p:grpSpPr>
+      <p:sp>
+        <p:nvSpPr>
+          <p:cNvPr id="25" name="Rounded Rectangle 24">
+            <a:extLst>
+              <a:ext uri="{FF2B5EF4-FFF2-40B4-BE49-F238E27FC236}">
+                <a16:creationId xmlns:a16="http://schemas.microsoft.com/office/drawing/2014/main" id="{A945FEE3-5FA0-4CA6-AAD5-66328E34BF37}"/>
+              </a:ext>
+            </a:extLst>
+          </p:cNvPr>
+          <p:cNvSpPr/>
+          <p:nvPr/>
+        </p:nvSpPr>
+        <p:spPr>
+          <a:xfrm flipH="1">
+            <a:off x="5337082" y="1720215"/>
+            <a:ext cx="1692418" cy="480060"/>
+          </a:xfrm>
+          <a:prstGeom prst="roundRect">
+            <a:avLst/>
+          </a:prstGeom>
+          <a:ln w="28575"/>
+        </p:spPr>
+        <p:style>
+          <a:lnRef idx="2">
+            <a:schemeClr val="accent2"/>
+          </a:lnRef>
+          <a:fillRef idx="1">
+            <a:schemeClr val="lt1"/>
+          </a:fillRef>
+          <a:effectRef idx="0">
+            <a:schemeClr val="accent2"/>
+          </a:effectRef>
+          <a:fontRef idx="minor">
+            <a:schemeClr val="dk1"/>
+          </a:fontRef>
+        </p:style>
+        <p:txBody>
+          <a:bodyPr rot="0" spcFirstLastPara="0" vert="horz" wrap="square" lIns="91440" tIns="45720" rIns="91440" bIns="45720" numCol="1" spcCol="0" rtlCol="0" fromWordArt="0" anchor="ctr" anchorCtr="0" forceAA="0" compatLnSpc="1">
+            <a:prstTxWarp prst="textNoShape">
+              <a:avLst/>
+            </a:prstTxWarp>
+            <a:noAutofit/>
+          </a:bodyPr>
+          <a:lstStyle/>
+          <a:p>
+            <a:pPr algn="ctr">
+              <a:lnSpc>
+                <a:spcPct val="107000"/>
+              </a:lnSpc>
+              <a:spcAft>
+                <a:spcPts val="800"/>
+              </a:spcAft>
+            </a:pPr>
+            <a:r>
+              <a:rPr lang="en-GB" sz="1600">
+                <a:effectLst/>
+                <a:latin typeface="Arial" panose="020B0604020202020204" pitchFamily="34" charset="0"/>
+                <a:ea typeface="Dotum" panose="020B0600000101010101" pitchFamily="34" charset="-127"/>
+                <a:cs typeface="Arial" panose="020B0604020202020204" pitchFamily="34" charset="0"/>
+              </a:rPr>
+              <a:t>Threat</a:t>
+            </a:r>
+            <a:endParaRPr lang="en-GB" sz="1600">
+              <a:effectLst/>
+              <a:latin typeface="Arial" panose="020B0604020202020204" pitchFamily="34" charset="0"/>
+              <a:ea typeface="Calibri" panose="020F0502020204030204" pitchFamily="34" charset="0"/>
+              <a:cs typeface="Arial" panose="020B0604020202020204" pitchFamily="34" charset="0"/>
+            </a:endParaRPr>
+          </a:p>
+        </p:txBody>
+      </p:sp>
+      <p:sp>
+        <p:nvSpPr>
+          <p:cNvPr id="26" name="Rounded Rectangle 25">
+            <a:extLst>
+              <a:ext uri="{FF2B5EF4-FFF2-40B4-BE49-F238E27FC236}">
+                <a16:creationId xmlns:a16="http://schemas.microsoft.com/office/drawing/2014/main" id="{B964D510-9C20-B128-A19E-187D0551C77A}"/>
+              </a:ext>
+            </a:extLst>
+          </p:cNvPr>
+          <p:cNvSpPr/>
+          <p:nvPr/>
+        </p:nvSpPr>
+        <p:spPr>
+          <a:xfrm flipH="1">
+            <a:off x="4765582" y="3931920"/>
+            <a:ext cx="1692418" cy="480060"/>
+          </a:xfrm>
+          <a:prstGeom prst="roundRect">
+            <a:avLst/>
+          </a:prstGeom>
+          <a:ln w="28575"/>
+        </p:spPr>
+        <p:style>
+          <a:lnRef idx="2">
+            <a:schemeClr val="accent2"/>
+          </a:lnRef>
+          <a:fillRef idx="1">
+            <a:schemeClr val="lt1"/>
+          </a:fillRef>
+          <a:effectRef idx="0">
+            <a:schemeClr val="accent2"/>
+          </a:effectRef>
+          <a:fontRef idx="minor">
+            <a:schemeClr val="dk1"/>
+          </a:fontRef>
+        </p:style>
+        <p:txBody>
+          <a:bodyPr rot="0" spcFirstLastPara="0" vert="horz" wrap="square" lIns="91440" tIns="45720" rIns="91440" bIns="45720" numCol="1" spcCol="0" rtlCol="0" fromWordArt="0" anchor="ctr" anchorCtr="0" forceAA="0" compatLnSpc="1">
+            <a:prstTxWarp prst="textNoShape">
+              <a:avLst/>
+            </a:prstTxWarp>
+            <a:noAutofit/>
+          </a:bodyPr>
+          <a:lstStyle/>
+          <a:p>
+            <a:pPr algn="ctr">
+              <a:lnSpc>
+                <a:spcPct val="106000"/>
+              </a:lnSpc>
+            </a:pPr>
+            <a:r>
+              <a:rPr lang="en-GB" sz="1600">
+                <a:effectLst/>
+                <a:latin typeface="Arial" panose="020B0604020202020204" pitchFamily="34" charset="0"/>
+                <a:ea typeface="Dotum" panose="020B0600000101010101" pitchFamily="34" charset="-127"/>
+                <a:cs typeface="Arial" panose="020B0604020202020204" pitchFamily="34" charset="0"/>
+              </a:rPr>
+              <a:t>Compromise</a:t>
+            </a:r>
+            <a:endParaRPr lang="en-GB" sz="1600">
+              <a:effectLst/>
+              <a:latin typeface="Arial" panose="020B0604020202020204" pitchFamily="34" charset="0"/>
+              <a:ea typeface="Times New Roman" panose="02020603050405020304" pitchFamily="18" charset="0"/>
+              <a:cs typeface="Arial" panose="020B0604020202020204" pitchFamily="34" charset="0"/>
+            </a:endParaRPr>
+          </a:p>
+        </p:txBody>
+      </p:sp>
+      <p:sp>
+        <p:nvSpPr>
+          <p:cNvPr id="27" name="Rounded Rectangle 26">
+            <a:extLst>
+              <a:ext uri="{FF2B5EF4-FFF2-40B4-BE49-F238E27FC236}">
+                <a16:creationId xmlns:a16="http://schemas.microsoft.com/office/drawing/2014/main" id="{68312038-34DA-2995-C3B9-7EDC6DEA3AB2}"/>
+              </a:ext>
+            </a:extLst>
+          </p:cNvPr>
+          <p:cNvSpPr/>
+          <p:nvPr/>
+        </p:nvSpPr>
+        <p:spPr>
+          <a:xfrm flipH="1">
+            <a:off x="4956082" y="3188970"/>
+            <a:ext cx="1692418" cy="480060"/>
+          </a:xfrm>
+          <a:prstGeom prst="roundRect">
+            <a:avLst/>
+          </a:prstGeom>
+          <a:ln w="28575"/>
+        </p:spPr>
+        <p:style>
+          <a:lnRef idx="2">
+            <a:schemeClr val="accent2"/>
+          </a:lnRef>
+          <a:fillRef idx="1">
+            <a:schemeClr val="lt1"/>
+          </a:fillRef>
+          <a:effectRef idx="0">
+            <a:schemeClr val="accent2"/>
+          </a:effectRef>
+          <a:fontRef idx="minor">
+            <a:schemeClr val="dk1"/>
+          </a:fontRef>
+        </p:style>
+        <p:txBody>
+          <a:bodyPr rot="0" spcFirstLastPara="0" vert="horz" wrap="square" lIns="91440" tIns="45720" rIns="91440" bIns="45720" numCol="1" spcCol="0" rtlCol="0" fromWordArt="0" anchor="ctr" anchorCtr="0" forceAA="0" compatLnSpc="1">
+            <a:prstTxWarp prst="textNoShape">
+              <a:avLst/>
+            </a:prstTxWarp>
+            <a:noAutofit/>
+          </a:bodyPr>
+          <a:lstStyle/>
+          <a:p>
+            <a:pPr algn="ctr">
+              <a:lnSpc>
+                <a:spcPct val="106000"/>
+              </a:lnSpc>
+            </a:pPr>
+            <a:r>
+              <a:rPr lang="en-GB" sz="1600">
+                <a:effectLst/>
+                <a:latin typeface="Arial" panose="020B0604020202020204" pitchFamily="34" charset="0"/>
+                <a:ea typeface="Dotum" panose="020B0600000101010101" pitchFamily="34" charset="-127"/>
+                <a:cs typeface="Arial" panose="020B0604020202020204" pitchFamily="34" charset="0"/>
+              </a:rPr>
+              <a:t>Attack</a:t>
+            </a:r>
+            <a:endParaRPr lang="en-GB" sz="1600">
+              <a:effectLst/>
+              <a:latin typeface="Arial" panose="020B0604020202020204" pitchFamily="34" charset="0"/>
+              <a:ea typeface="Times New Roman" panose="02020603050405020304" pitchFamily="18" charset="0"/>
+              <a:cs typeface="Arial" panose="020B0604020202020204" pitchFamily="34" charset="0"/>
+            </a:endParaRPr>
+          </a:p>
+        </p:txBody>
+      </p:sp>
+      <p:sp>
+        <p:nvSpPr>
+          <p:cNvPr id="28" name="Rounded Rectangle 27">
+            <a:extLst>
+              <a:ext uri="{FF2B5EF4-FFF2-40B4-BE49-F238E27FC236}">
+                <a16:creationId xmlns:a16="http://schemas.microsoft.com/office/drawing/2014/main" id="{69277467-5544-6A27-9252-FEC20AA84244}"/>
+              </a:ext>
+            </a:extLst>
+          </p:cNvPr>
+          <p:cNvSpPr/>
+          <p:nvPr/>
+        </p:nvSpPr>
+        <p:spPr>
+          <a:xfrm flipH="1">
+            <a:off x="5146582" y="2465070"/>
+            <a:ext cx="1692418" cy="480060"/>
+          </a:xfrm>
+          <a:prstGeom prst="roundRect">
+            <a:avLst/>
+          </a:prstGeom>
+          <a:ln w="28575"/>
+        </p:spPr>
+        <p:style>
+          <a:lnRef idx="2">
+            <a:schemeClr val="accent2"/>
+          </a:lnRef>
+          <a:fillRef idx="1">
+            <a:schemeClr val="lt1"/>
+          </a:fillRef>
+          <a:effectRef idx="0">
+            <a:schemeClr val="accent2"/>
+          </a:effectRef>
+          <a:fontRef idx="minor">
+            <a:schemeClr val="dk1"/>
+          </a:fontRef>
+        </p:style>
+        <p:txBody>
+          <a:bodyPr rot="0" spcFirstLastPara="0" vert="horz" wrap="square" lIns="91440" tIns="45720" rIns="91440" bIns="45720" numCol="1" spcCol="0" rtlCol="0" fromWordArt="0" anchor="ctr" anchorCtr="0" forceAA="0" compatLnSpc="1">
+            <a:prstTxWarp prst="textNoShape">
+              <a:avLst/>
+            </a:prstTxWarp>
+            <a:noAutofit/>
+          </a:bodyPr>
+          <a:lstStyle/>
+          <a:p>
+            <a:pPr algn="ctr">
+              <a:lnSpc>
+                <a:spcPct val="106000"/>
+              </a:lnSpc>
+            </a:pPr>
+            <a:r>
+              <a:rPr lang="en-GB" sz="1600">
+                <a:effectLst/>
+                <a:latin typeface="Arial" panose="020B0604020202020204" pitchFamily="34" charset="0"/>
+                <a:ea typeface="Dotum" panose="020B0600000101010101" pitchFamily="34" charset="-127"/>
+                <a:cs typeface="Arial" panose="020B0604020202020204" pitchFamily="34" charset="0"/>
+              </a:rPr>
+              <a:t>Vulnerability</a:t>
+            </a:r>
+            <a:endParaRPr lang="en-GB" sz="1600">
+              <a:effectLst/>
+              <a:latin typeface="Arial" panose="020B0604020202020204" pitchFamily="34" charset="0"/>
+              <a:ea typeface="Times New Roman" panose="02020603050405020304" pitchFamily="18" charset="0"/>
+              <a:cs typeface="Arial" panose="020B0604020202020204" pitchFamily="34" charset="0"/>
+            </a:endParaRPr>
+          </a:p>
+        </p:txBody>
+      </p:sp>
+      <p:sp>
+        <p:nvSpPr>
+          <p:cNvPr id="29" name="Down Arrow 28">
+            <a:extLst>
+              <a:ext uri="{FF2B5EF4-FFF2-40B4-BE49-F238E27FC236}">
+                <a16:creationId xmlns:a16="http://schemas.microsoft.com/office/drawing/2014/main" id="{79224989-A76C-93CD-FED6-1D0634BA799F}"/>
+              </a:ext>
+            </a:extLst>
+          </p:cNvPr>
+          <p:cNvSpPr/>
+          <p:nvPr/>
+        </p:nvSpPr>
+        <p:spPr>
+          <a:xfrm>
+            <a:off x="5417727" y="2202815"/>
+            <a:ext cx="247650" cy="273050"/>
+          </a:xfrm>
+          <a:prstGeom prst="downArrow">
+            <a:avLst/>
+          </a:prstGeom>
+        </p:spPr>
+        <p:style>
+          <a:lnRef idx="1">
+            <a:schemeClr val="accent2"/>
+          </a:lnRef>
+          <a:fillRef idx="2">
+            <a:schemeClr val="accent2"/>
+          </a:fillRef>
+          <a:effectRef idx="1">
+            <a:schemeClr val="accent2"/>
+          </a:effectRef>
+          <a:fontRef idx="minor">
+            <a:schemeClr val="dk1"/>
+          </a:fontRef>
+        </p:style>
+        <p:txBody>
+          <a:bodyPr rot="0" spcFirstLastPara="0" vert="horz" wrap="square" lIns="91440" tIns="45720" rIns="91440" bIns="45720" numCol="1" spcCol="0" rtlCol="0" fromWordArt="0" anchor="ctr" anchorCtr="0" forceAA="0" compatLnSpc="1">
+            <a:prstTxWarp prst="textNoShape">
+              <a:avLst/>
+            </a:prstTxWarp>
+            <a:noAutofit/>
+          </a:bodyPr>
+          <a:lstStyle/>
+          <a:p>
+            <a:endParaRPr lang="en-GB" sz="1600">
+              <a:latin typeface="Arial" panose="020B0604020202020204" pitchFamily="34" charset="0"/>
+              <a:cs typeface="Arial" panose="020B0604020202020204" pitchFamily="34" charset="0"/>
+            </a:endParaRPr>
+          </a:p>
+        </p:txBody>
+      </p:sp>
+      <p:sp>
+        <p:nvSpPr>
+          <p:cNvPr id="30" name="Down Arrow 29">
+            <a:extLst>
+              <a:ext uri="{FF2B5EF4-FFF2-40B4-BE49-F238E27FC236}">
+                <a16:creationId xmlns:a16="http://schemas.microsoft.com/office/drawing/2014/main" id="{F2EEE294-7B55-E0C4-FEBE-2DACA9B86EA8}"/>
+              </a:ext>
+            </a:extLst>
+          </p:cNvPr>
+          <p:cNvSpPr/>
+          <p:nvPr/>
+        </p:nvSpPr>
+        <p:spPr>
+          <a:xfrm>
+            <a:off x="5229132" y="2941320"/>
+            <a:ext cx="247650" cy="273050"/>
+          </a:xfrm>
+          <a:prstGeom prst="downArrow">
+            <a:avLst/>
+          </a:prstGeom>
+        </p:spPr>
+        <p:style>
+          <a:lnRef idx="1">
+            <a:schemeClr val="accent2"/>
+          </a:lnRef>
+          <a:fillRef idx="2">
+            <a:schemeClr val="accent2"/>
+          </a:fillRef>
+          <a:effectRef idx="1">
+            <a:schemeClr val="accent2"/>
+          </a:effectRef>
+          <a:fontRef idx="minor">
+            <a:schemeClr val="dk1"/>
+          </a:fontRef>
+        </p:style>
+        <p:txBody>
+          <a:bodyPr rot="0" spcFirstLastPara="0" vert="horz" wrap="square" lIns="91440" tIns="45720" rIns="91440" bIns="45720" numCol="1" spcCol="0" rtlCol="0" fromWordArt="0" anchor="ctr" anchorCtr="0" forceAA="0" compatLnSpc="1">
+            <a:prstTxWarp prst="textNoShape">
+              <a:avLst/>
+            </a:prstTxWarp>
+            <a:noAutofit/>
+          </a:bodyPr>
+          <a:lstStyle/>
+          <a:p>
+            <a:pPr algn="ctr">
+              <a:lnSpc>
+                <a:spcPct val="107000"/>
+              </a:lnSpc>
+              <a:spcAft>
+                <a:spcPts val="800"/>
+              </a:spcAft>
+            </a:pPr>
+            <a:r>
+              <a:rPr lang="en-GB" sz="1600">
+                <a:effectLst/>
+                <a:latin typeface="Arial" panose="020B0604020202020204" pitchFamily="34" charset="0"/>
+                <a:ea typeface="Calibri" panose="020F0502020204030204" pitchFamily="34" charset="0"/>
+                <a:cs typeface="Arial" panose="020B0604020202020204" pitchFamily="34" charset="0"/>
+              </a:rPr>
+              <a:t> </a:t>
+            </a:r>
+          </a:p>
+        </p:txBody>
+      </p:sp>
+      <p:sp>
+        <p:nvSpPr>
+          <p:cNvPr id="31" name="Down Arrow 30">
+            <a:extLst>
+              <a:ext uri="{FF2B5EF4-FFF2-40B4-BE49-F238E27FC236}">
+                <a16:creationId xmlns:a16="http://schemas.microsoft.com/office/drawing/2014/main" id="{F2382FD7-92D0-6D17-5513-0DCD300BC894}"/>
+              </a:ext>
+            </a:extLst>
+          </p:cNvPr>
+          <p:cNvSpPr/>
+          <p:nvPr/>
+        </p:nvSpPr>
+        <p:spPr>
+          <a:xfrm>
+            <a:off x="5044982" y="3671570"/>
+            <a:ext cx="247650" cy="273050"/>
+          </a:xfrm>
+          <a:prstGeom prst="downArrow">
+            <a:avLst/>
+          </a:prstGeom>
+        </p:spPr>
+        <p:style>
+          <a:lnRef idx="1">
+            <a:schemeClr val="accent2"/>
+          </a:lnRef>
+          <a:fillRef idx="2">
+            <a:schemeClr val="accent2"/>
+          </a:fillRef>
+          <a:effectRef idx="1">
+            <a:schemeClr val="accent2"/>
+          </a:effectRef>
+          <a:fontRef idx="minor">
+            <a:schemeClr val="dk1"/>
+          </a:fontRef>
+        </p:style>
+        <p:txBody>
+          <a:bodyPr rot="0" spcFirstLastPara="0" vert="horz" wrap="square" lIns="91440" tIns="45720" rIns="91440" bIns="45720" numCol="1" spcCol="0" rtlCol="0" fromWordArt="0" anchor="ctr" anchorCtr="0" forceAA="0" compatLnSpc="1">
+            <a:prstTxWarp prst="textNoShape">
+              <a:avLst/>
+            </a:prstTxWarp>
+            <a:noAutofit/>
+          </a:bodyPr>
+          <a:lstStyle/>
+          <a:p>
+            <a:endParaRPr lang="en-GB" sz="1600">
+              <a:latin typeface="Arial" panose="020B0604020202020204" pitchFamily="34" charset="0"/>
+              <a:cs typeface="Arial" panose="020B0604020202020204" pitchFamily="34" charset="0"/>
+            </a:endParaRPr>
+          </a:p>
+        </p:txBody>
+      </p:sp>
+      <p:sp>
+        <p:nvSpPr>
+          <p:cNvPr id="32" name="Text Box 8">
+            <a:extLst>
+              <a:ext uri="{FF2B5EF4-FFF2-40B4-BE49-F238E27FC236}">
+                <a16:creationId xmlns:a16="http://schemas.microsoft.com/office/drawing/2014/main" id="{3DBB94B9-3B8F-1B8D-BF65-562ECE7668D4}"/>
+              </a:ext>
+            </a:extLst>
+          </p:cNvPr>
+          <p:cNvSpPr txBox="1"/>
+          <p:nvPr/>
+        </p:nvSpPr>
+        <p:spPr>
+          <a:xfrm>
+            <a:off x="7110145" y="1765437"/>
+            <a:ext cx="2137470" cy="434838"/>
+          </a:xfrm>
+          <a:prstGeom prst="rect">
+            <a:avLst/>
+          </a:prstGeom>
+          <a:noFill/>
+          <a:ln w="6350">
+            <a:noFill/>
+          </a:ln>
+        </p:spPr>
+        <p:txBody>
+          <a:bodyPr rot="0" spcFirstLastPara="0" vert="horz" wrap="square" lIns="91440" tIns="45720" rIns="91440" bIns="45720" numCol="1" spcCol="0" rtlCol="0" fromWordArt="0" anchor="t" anchorCtr="0" forceAA="0" compatLnSpc="1">
+            <a:prstTxWarp prst="textNoShape">
+              <a:avLst/>
+            </a:prstTxWarp>
+            <a:noAutofit/>
+          </a:bodyPr>
+          <a:lstStyle/>
+          <a:p>
+            <a:pPr>
+              <a:lnSpc>
+                <a:spcPct val="107000"/>
+              </a:lnSpc>
+              <a:spcAft>
+                <a:spcPts val="800"/>
+              </a:spcAft>
+            </a:pPr>
+            <a:r>
+              <a:rPr lang="en-GB" sz="1600">
+                <a:effectLst/>
+                <a:latin typeface="Arial" panose="020B0604020202020204" pitchFamily="34" charset="0"/>
+                <a:ea typeface="Calibri" panose="020F0502020204030204" pitchFamily="34" charset="0"/>
+                <a:cs typeface="Arial" panose="020B0604020202020204" pitchFamily="34" charset="0"/>
+              </a:rPr>
+              <a:t>The exploit potential</a:t>
+            </a:r>
+          </a:p>
+        </p:txBody>
+      </p:sp>
+      <p:sp>
+        <p:nvSpPr>
+          <p:cNvPr id="33" name="Text Box 594">
+            <a:extLst>
+              <a:ext uri="{FF2B5EF4-FFF2-40B4-BE49-F238E27FC236}">
+                <a16:creationId xmlns:a16="http://schemas.microsoft.com/office/drawing/2014/main" id="{79EA2CD3-957B-020E-0B97-BA02538A9B9B}"/>
+              </a:ext>
+            </a:extLst>
+          </p:cNvPr>
+          <p:cNvSpPr txBox="1"/>
+          <p:nvPr/>
+        </p:nvSpPr>
+        <p:spPr>
+          <a:xfrm>
+            <a:off x="7015197" y="2487681"/>
+            <a:ext cx="3008983" cy="434838"/>
+          </a:xfrm>
+          <a:prstGeom prst="rect">
+            <a:avLst/>
+          </a:prstGeom>
+          <a:noFill/>
+          <a:ln w="6350">
+            <a:noFill/>
+          </a:ln>
+        </p:spPr>
+        <p:txBody>
+          <a:bodyPr rot="0" spcFirstLastPara="0" vert="horz" wrap="square" lIns="91440" tIns="45720" rIns="91440" bIns="45720" numCol="1" spcCol="0" rtlCol="0" fromWordArt="0" anchor="t" anchorCtr="0" forceAA="0" compatLnSpc="1">
+            <a:prstTxWarp prst="textNoShape">
+              <a:avLst/>
+            </a:prstTxWarp>
+            <a:noAutofit/>
+          </a:bodyPr>
+          <a:lstStyle/>
+          <a:p>
+            <a:pPr>
+              <a:lnSpc>
+                <a:spcPct val="106000"/>
+              </a:lnSpc>
+            </a:pPr>
+            <a:r>
+              <a:rPr lang="en-GB" sz="1600">
+                <a:effectLst/>
+                <a:latin typeface="Arial" panose="020B0604020202020204" pitchFamily="34" charset="0"/>
+                <a:ea typeface="Calibri" panose="020F0502020204030204" pitchFamily="34" charset="0"/>
+                <a:cs typeface="Arial" panose="020B0604020202020204" pitchFamily="34" charset="0"/>
+              </a:rPr>
+              <a:t>The weak spot to be exploited</a:t>
+            </a:r>
+            <a:endParaRPr lang="en-GB" sz="1600">
+              <a:effectLst/>
+              <a:latin typeface="Arial" panose="020B0604020202020204" pitchFamily="34" charset="0"/>
+              <a:ea typeface="Times New Roman" panose="02020603050405020304" pitchFamily="18" charset="0"/>
+              <a:cs typeface="Arial" panose="020B0604020202020204" pitchFamily="34" charset="0"/>
+            </a:endParaRPr>
+          </a:p>
+        </p:txBody>
+      </p:sp>
+      <p:sp>
+        <p:nvSpPr>
+          <p:cNvPr id="34" name="Text Box 594">
+            <a:extLst>
+              <a:ext uri="{FF2B5EF4-FFF2-40B4-BE49-F238E27FC236}">
+                <a16:creationId xmlns:a16="http://schemas.microsoft.com/office/drawing/2014/main" id="{9C882886-F65B-8E2A-3B7C-1AE73328E95D}"/>
+              </a:ext>
+            </a:extLst>
+          </p:cNvPr>
+          <p:cNvSpPr txBox="1"/>
+          <p:nvPr/>
+        </p:nvSpPr>
+        <p:spPr>
+          <a:xfrm>
+            <a:off x="6839000" y="3269408"/>
+            <a:ext cx="3091831" cy="319184"/>
+          </a:xfrm>
+          <a:prstGeom prst="rect">
+            <a:avLst/>
+          </a:prstGeom>
+          <a:noFill/>
+          <a:ln w="6350">
+            <a:noFill/>
+          </a:ln>
+        </p:spPr>
+        <p:txBody>
+          <a:bodyPr rot="0" spcFirstLastPara="0" vert="horz" wrap="square" lIns="91440" tIns="45720" rIns="91440" bIns="45720" numCol="1" spcCol="0" rtlCol="0" fromWordArt="0" anchor="t" anchorCtr="0" forceAA="0" compatLnSpc="1">
+            <a:prstTxWarp prst="textNoShape">
+              <a:avLst/>
+            </a:prstTxWarp>
+            <a:noAutofit/>
+          </a:bodyPr>
+          <a:lstStyle/>
+          <a:p>
+            <a:pPr>
+              <a:lnSpc>
+                <a:spcPct val="105000"/>
+              </a:lnSpc>
+            </a:pPr>
+            <a:r>
+              <a:rPr lang="en-GB" sz="1600">
+                <a:effectLst/>
+                <a:latin typeface="Arial" panose="020B0604020202020204" pitchFamily="34" charset="0"/>
+                <a:ea typeface="Calibri" panose="020F0502020204030204" pitchFamily="34" charset="0"/>
+                <a:cs typeface="Arial" panose="020B0604020202020204" pitchFamily="34" charset="0"/>
+              </a:rPr>
+              <a:t>The targeted exploit performed</a:t>
+            </a:r>
+            <a:endParaRPr lang="en-GB" sz="1600">
+              <a:effectLst/>
+              <a:latin typeface="Arial" panose="020B0604020202020204" pitchFamily="34" charset="0"/>
+              <a:ea typeface="Times New Roman" panose="02020603050405020304" pitchFamily="18" charset="0"/>
+              <a:cs typeface="Arial" panose="020B0604020202020204" pitchFamily="34" charset="0"/>
+            </a:endParaRPr>
+          </a:p>
+        </p:txBody>
+      </p:sp>
+      <p:sp>
+        <p:nvSpPr>
+          <p:cNvPr id="35" name="Text Box 594">
+            <a:extLst>
+              <a:ext uri="{FF2B5EF4-FFF2-40B4-BE49-F238E27FC236}">
+                <a16:creationId xmlns:a16="http://schemas.microsoft.com/office/drawing/2014/main" id="{26EB2BE3-6CBB-35FD-E62B-9398480E1371}"/>
+              </a:ext>
+            </a:extLst>
+          </p:cNvPr>
+          <p:cNvSpPr txBox="1"/>
+          <p:nvPr/>
+        </p:nvSpPr>
+        <p:spPr>
+          <a:xfrm>
+            <a:off x="6648500" y="3971924"/>
+            <a:ext cx="3967907" cy="400052"/>
+          </a:xfrm>
+          <a:prstGeom prst="rect">
+            <a:avLst/>
+          </a:prstGeom>
+          <a:noFill/>
+          <a:ln w="6350">
+            <a:noFill/>
+          </a:ln>
+        </p:spPr>
+        <p:txBody>
+          <a:bodyPr rot="0" spcFirstLastPara="0" vert="horz" wrap="square" lIns="91440" tIns="45720" rIns="91440" bIns="45720" numCol="1" spcCol="0" rtlCol="0" fromWordArt="0" anchor="t" anchorCtr="0" forceAA="0" compatLnSpc="1">
+            <a:prstTxWarp prst="textNoShape">
+              <a:avLst/>
+            </a:prstTxWarp>
+            <a:noAutofit/>
+          </a:bodyPr>
+          <a:lstStyle/>
+          <a:p>
+            <a:pPr>
+              <a:lnSpc>
+                <a:spcPct val="105000"/>
+              </a:lnSpc>
+            </a:pPr>
+            <a:r>
+              <a:rPr lang="en-GB" sz="1600">
+                <a:effectLst/>
+                <a:latin typeface="Arial" panose="020B0604020202020204" pitchFamily="34" charset="0"/>
+                <a:ea typeface="Calibri" panose="020F0502020204030204" pitchFamily="34" charset="0"/>
+                <a:cs typeface="Arial" panose="020B0604020202020204" pitchFamily="34" charset="0"/>
+              </a:rPr>
+              <a:t>The impact of the successful exploitation</a:t>
+            </a:r>
+            <a:endParaRPr lang="en-GB" sz="1600">
+              <a:effectLst/>
+              <a:latin typeface="Arial" panose="020B0604020202020204" pitchFamily="34" charset="0"/>
+              <a:ea typeface="Times New Roman" panose="02020603050405020304" pitchFamily="18" charset="0"/>
+              <a:cs typeface="Arial" panose="020B0604020202020204" pitchFamily="34" charset="0"/>
+            </a:endParaRPr>
+          </a:p>
+        </p:txBody>
+      </p:sp>
+      <p:pic>
+        <p:nvPicPr>
+          <p:cNvPr id="36" name="Picture 35">
+            <a:extLst>
+              <a:ext uri="{FF2B5EF4-FFF2-40B4-BE49-F238E27FC236}">
+                <a16:creationId xmlns:a16="http://schemas.microsoft.com/office/drawing/2014/main" id="{29999080-0940-C4E7-1527-50F446BFE1BD}"/>
+              </a:ext>
+            </a:extLst>
+          </p:cNvPr>
+          <p:cNvPicPr>
+            <a:picLocks noChangeAspect="1"/>
+          </p:cNvPicPr>
+          <p:nvPr/>
+        </p:nvPicPr>
+        <p:blipFill>
+          <a:blip r:embed="rId2">
+            <a:duotone>
+              <a:schemeClr val="accent2">
+                <a:shade val="45000"/>
+                <a:satMod val="135000"/>
+              </a:schemeClr>
+              <a:prstClr val="white"/>
+            </a:duotone>
+            <a:alphaModFix amt="85000"/>
+            <a:extLst>
+              <a:ext uri="{28A0092B-C50C-407E-A947-70E740481C1C}">
+                <a14:useLocalDpi xmlns:a14="http://schemas.microsoft.com/office/drawing/2010/main" val="0"/>
+              </a:ext>
+            </a:extLst>
+          </a:blip>
+          <a:stretch>
+            <a:fillRect/>
+          </a:stretch>
+        </p:blipFill>
+        <p:spPr>
+          <a:xfrm>
+            <a:off x="2370344" y="2545836"/>
+            <a:ext cx="1224315" cy="1224315"/>
+          </a:xfrm>
+          <a:prstGeom prst="rect">
+            <a:avLst/>
+          </a:prstGeom>
+        </p:spPr>
+      </p:pic>
+      <p:sp>
+        <p:nvSpPr>
+          <p:cNvPr id="46" name="Circular Arrow 45">
+            <a:extLst>
+              <a:ext uri="{FF2B5EF4-FFF2-40B4-BE49-F238E27FC236}">
+                <a16:creationId xmlns:a16="http://schemas.microsoft.com/office/drawing/2014/main" id="{EE6891D6-743B-FBD9-8E45-C8E2284BBCE7}"/>
+              </a:ext>
+            </a:extLst>
+          </p:cNvPr>
+          <p:cNvSpPr/>
+          <p:nvPr/>
+        </p:nvSpPr>
+        <p:spPr>
+          <a:xfrm rot="13870649">
+            <a:off x="1314135" y="1501905"/>
+            <a:ext cx="3354442" cy="3354442"/>
+          </a:xfrm>
+          <a:prstGeom prst="circularArrow">
+            <a:avLst>
+              <a:gd name="adj1" fmla="val 6160"/>
+              <a:gd name="adj2" fmla="val 1142319"/>
+              <a:gd name="adj3" fmla="val 20488459"/>
+              <a:gd name="adj4" fmla="val 265192"/>
+              <a:gd name="adj5" fmla="val 8373"/>
+            </a:avLst>
+          </a:prstGeom>
+        </p:spPr>
+        <p:style>
+          <a:lnRef idx="1">
+            <a:schemeClr val="accent2"/>
+          </a:lnRef>
+          <a:fillRef idx="2">
+            <a:schemeClr val="accent2"/>
+          </a:fillRef>
+          <a:effectRef idx="1">
+            <a:schemeClr val="accent2"/>
+          </a:effectRef>
+          <a:fontRef idx="minor">
+            <a:schemeClr val="dk1"/>
+          </a:fontRef>
+        </p:style>
+        <p:txBody>
+          <a:bodyPr rtlCol="0" anchor="ctr"/>
+          <a:lstStyle/>
+          <a:p>
+            <a:pPr algn="ctr"/>
+            <a:endParaRPr lang="en-US">
+              <a:solidFill>
+                <a:schemeClr val="tx1"/>
+              </a:solidFill>
+            </a:endParaRPr>
+          </a:p>
+        </p:txBody>
+      </p:sp>
+      <p:sp>
+        <p:nvSpPr>
+          <p:cNvPr id="47" name="Oval 46">
+            <a:extLst>
+              <a:ext uri="{FF2B5EF4-FFF2-40B4-BE49-F238E27FC236}">
+                <a16:creationId xmlns:a16="http://schemas.microsoft.com/office/drawing/2014/main" id="{0BB4DFA5-12ED-3248-23A7-4BCF92FFEC4C}"/>
+              </a:ext>
+            </a:extLst>
+          </p:cNvPr>
+          <p:cNvSpPr/>
+          <p:nvPr/>
+        </p:nvSpPr>
+        <p:spPr>
+          <a:xfrm>
+            <a:off x="2682557" y="1286961"/>
+            <a:ext cx="1054100" cy="1054100"/>
+          </a:xfrm>
+          <a:prstGeom prst="ellipse">
+            <a:avLst/>
+          </a:prstGeom>
+          <a:solidFill>
+            <a:schemeClr val="bg1"/>
+          </a:solidFill>
+          <a:ln w="28575">
+            <a:solidFill>
+              <a:schemeClr val="accent2"/>
+            </a:solidFill>
+          </a:ln>
+        </p:spPr>
+        <p:style>
+          <a:lnRef idx="2">
+            <a:schemeClr val="accent1">
+              <a:shade val="15000"/>
+            </a:schemeClr>
+          </a:lnRef>
+          <a:fillRef idx="1">
+            <a:schemeClr val="accent1"/>
+          </a:fillRef>
+          <a:effectRef idx="0">
+            <a:schemeClr val="accent1"/>
+          </a:effectRef>
+          <a:fontRef idx="minor">
+            <a:schemeClr val="lt1"/>
+          </a:fontRef>
+        </p:style>
+        <p:txBody>
+          <a:bodyPr lIns="0" tIns="0" rIns="0" bIns="0" rtlCol="0" anchor="ctr"/>
+          <a:lstStyle/>
+          <a:p>
+            <a:pPr algn="ctr"/>
+            <a:r>
+              <a:rPr lang="en-US">
+                <a:solidFill>
+                  <a:schemeClr val="tx1"/>
+                </a:solidFill>
+              </a:rPr>
+              <a:t>Plan</a:t>
+            </a:r>
+          </a:p>
+        </p:txBody>
+      </p:sp>
+      <p:sp>
+        <p:nvSpPr>
+          <p:cNvPr id="48" name="Oval 47">
+            <a:extLst>
+              <a:ext uri="{FF2B5EF4-FFF2-40B4-BE49-F238E27FC236}">
+                <a16:creationId xmlns:a16="http://schemas.microsoft.com/office/drawing/2014/main" id="{EBDFC2B3-0AB5-BE48-190C-ABC8B11E7907}"/>
+              </a:ext>
+            </a:extLst>
+          </p:cNvPr>
+          <p:cNvSpPr/>
+          <p:nvPr/>
+        </p:nvSpPr>
+        <p:spPr>
+          <a:xfrm>
+            <a:off x="3399269" y="3661548"/>
+            <a:ext cx="1054100" cy="1054100"/>
+          </a:xfrm>
+          <a:prstGeom prst="ellipse">
+            <a:avLst/>
+          </a:prstGeom>
+          <a:solidFill>
+            <a:schemeClr val="bg1"/>
+          </a:solidFill>
+          <a:ln w="28575">
+            <a:solidFill>
+              <a:schemeClr val="accent2"/>
+            </a:solidFill>
+          </a:ln>
+        </p:spPr>
+        <p:style>
+          <a:lnRef idx="2">
+            <a:schemeClr val="accent1">
+              <a:shade val="15000"/>
+            </a:schemeClr>
+          </a:lnRef>
+          <a:fillRef idx="1">
+            <a:schemeClr val="accent1"/>
+          </a:fillRef>
+          <a:effectRef idx="0">
+            <a:schemeClr val="accent1"/>
+          </a:effectRef>
+          <a:fontRef idx="minor">
+            <a:schemeClr val="lt1"/>
+          </a:fontRef>
+        </p:style>
+        <p:txBody>
+          <a:bodyPr lIns="0" tIns="0" rIns="0" bIns="0" rtlCol="0" anchor="ctr"/>
+          <a:lstStyle/>
+          <a:p>
+            <a:pPr algn="ctr"/>
+            <a:r>
+              <a:rPr lang="en-US">
+                <a:solidFill>
+                  <a:schemeClr val="tx1"/>
+                </a:solidFill>
+              </a:rPr>
+              <a:t>Execute</a:t>
+            </a:r>
+          </a:p>
+        </p:txBody>
+      </p:sp>
+      <p:sp>
+        <p:nvSpPr>
+          <p:cNvPr id="49" name="Oval 48">
+            <a:extLst>
+              <a:ext uri="{FF2B5EF4-FFF2-40B4-BE49-F238E27FC236}">
+                <a16:creationId xmlns:a16="http://schemas.microsoft.com/office/drawing/2014/main" id="{0E121D1D-DCF3-FBCC-4950-11D067965551}"/>
+              </a:ext>
+            </a:extLst>
+          </p:cNvPr>
+          <p:cNvSpPr/>
+          <p:nvPr/>
+        </p:nvSpPr>
+        <p:spPr>
+          <a:xfrm>
+            <a:off x="1215151" y="3317213"/>
+            <a:ext cx="1054100" cy="1054100"/>
+          </a:xfrm>
+          <a:prstGeom prst="ellipse">
+            <a:avLst/>
+          </a:prstGeom>
+          <a:solidFill>
+            <a:schemeClr val="bg1"/>
+          </a:solidFill>
+          <a:ln w="28575">
+            <a:solidFill>
+              <a:schemeClr val="accent2"/>
+            </a:solidFill>
+          </a:ln>
+        </p:spPr>
+        <p:style>
+          <a:lnRef idx="2">
+            <a:schemeClr val="accent1">
+              <a:shade val="15000"/>
+            </a:schemeClr>
+          </a:lnRef>
+          <a:fillRef idx="1">
+            <a:schemeClr val="accent1"/>
+          </a:fillRef>
+          <a:effectRef idx="0">
+            <a:schemeClr val="accent1"/>
+          </a:effectRef>
+          <a:fontRef idx="minor">
+            <a:schemeClr val="lt1"/>
+          </a:fontRef>
+        </p:style>
+        <p:txBody>
+          <a:bodyPr lIns="0" tIns="0" rIns="0" bIns="0" rtlCol="0" anchor="ctr"/>
+          <a:lstStyle/>
+          <a:p>
+            <a:pPr algn="ctr"/>
+            <a:r>
+              <a:rPr lang="en-US">
+                <a:solidFill>
+                  <a:schemeClr val="tx1"/>
+                </a:solidFill>
+              </a:rPr>
+              <a:t>Assess</a:t>
+            </a:r>
+          </a:p>
+        </p:txBody>
+      </p:sp>
+    </p:spTree>
+    <p:extLst>
+      <p:ext uri="{BB962C8B-B14F-4D97-AF65-F5344CB8AC3E}">
+        <p14:creationId xmlns:p14="http://schemas.microsoft.com/office/powerpoint/2010/main" val="630530576"/>
+      </p:ext>
+    </p:extLst>
+  </p:cSld>
+  <p:clrMapOvr>
+    <a:masterClrMapping/>
+  </p:clrMapOvr>
+</p:sld>
+</file>
+
+<file path=ppt/slides/slide18.xml><?xml version="1.0" encoding="utf-8"?>
+<p:sld xmlns:a="http://schemas.openxmlformats.org/drawingml/2006/main" xmlns:r="http://schemas.openxmlformats.org/officeDocument/2006/relationships" xmlns:p="http://schemas.openxmlformats.org/presentationml/2006/main">
+  <p:cSld>
+    <p:spTree>
+      <p:nvGrpSpPr>
+        <p:cNvPr id="1" name=""/>
+        <p:cNvGrpSpPr/>
+        <p:nvPr/>
+      </p:nvGrpSpPr>
+      <p:grpSpPr>
+        <a:xfrm>
+          <a:off x="0" y="0"/>
+          <a:ext cx="0" cy="0"/>
+          <a:chOff x="0" y="0"/>
+          <a:chExt cx="0" cy="0"/>
+        </a:xfrm>
+      </p:grpSpPr>
+      <p:sp>
+        <p:nvSpPr>
+          <p:cNvPr id="2" name="Triangle 1">
+            <a:extLst>
+              <a:ext uri="{FF2B5EF4-FFF2-40B4-BE49-F238E27FC236}">
+                <a16:creationId xmlns:a16="http://schemas.microsoft.com/office/drawing/2014/main" id="{3F7A95C9-E5CB-7D68-B2EA-3F2982E3DBA8}"/>
+              </a:ext>
+            </a:extLst>
+          </p:cNvPr>
+          <p:cNvSpPr/>
+          <p:nvPr/>
+        </p:nvSpPr>
+        <p:spPr>
+          <a:xfrm>
+            <a:off x="4409953" y="1365814"/>
+            <a:ext cx="2858947" cy="2349660"/>
+          </a:xfrm>
+          <a:prstGeom prst="triangle">
+            <a:avLst/>
+          </a:prstGeom>
+        </p:spPr>
+        <p:style>
+          <a:lnRef idx="1">
+            <a:schemeClr val="accent2"/>
+          </a:lnRef>
+          <a:fillRef idx="2">
+            <a:schemeClr val="accent2"/>
+          </a:fillRef>
+          <a:effectRef idx="1">
+            <a:schemeClr val="accent2"/>
+          </a:effectRef>
+          <a:fontRef idx="minor">
+            <a:schemeClr val="dk1"/>
+          </a:fontRef>
+        </p:style>
+        <p:txBody>
+          <a:bodyPr lIns="0" tIns="0" rIns="0" bIns="324000" rtlCol="0" anchor="b" anchorCtr="0">
+            <a:noAutofit/>
+          </a:bodyPr>
+          <a:lstStyle/>
+          <a:p>
+            <a:pPr algn="ctr"/>
+            <a:endParaRPr lang="en-US"/>
+          </a:p>
+          <a:p>
+            <a:pPr algn="ctr"/>
+            <a:r>
+              <a:rPr lang="en-US" sz="6000" b="1">
+                <a:solidFill>
+                  <a:schemeClr val="accent2">
+                    <a:lumMod val="75000"/>
+                  </a:schemeClr>
+                </a:solidFill>
+              </a:rPr>
+              <a:t>C</a:t>
+            </a:r>
+          </a:p>
+          <a:p>
+            <a:pPr algn="ctr"/>
+            <a:r>
+              <a:rPr lang="en-US"/>
+              <a:t>Confidentiality</a:t>
+            </a:r>
+          </a:p>
+        </p:txBody>
+      </p:sp>
+      <p:sp>
+        <p:nvSpPr>
+          <p:cNvPr id="3" name="Triangle 2">
+            <a:extLst>
+              <a:ext uri="{FF2B5EF4-FFF2-40B4-BE49-F238E27FC236}">
+                <a16:creationId xmlns:a16="http://schemas.microsoft.com/office/drawing/2014/main" id="{682D39CE-2DE9-F5F5-C515-16EAF568536F}"/>
+              </a:ext>
+            </a:extLst>
+          </p:cNvPr>
+          <p:cNvSpPr/>
+          <p:nvPr/>
+        </p:nvSpPr>
+        <p:spPr>
+          <a:xfrm>
+            <a:off x="2980479" y="3715474"/>
+            <a:ext cx="2858947" cy="2349660"/>
+          </a:xfrm>
+          <a:prstGeom prst="triangle">
+            <a:avLst/>
+          </a:prstGeom>
+        </p:spPr>
+        <p:style>
+          <a:lnRef idx="1">
+            <a:schemeClr val="accent1"/>
+          </a:lnRef>
+          <a:fillRef idx="2">
+            <a:schemeClr val="accent1"/>
+          </a:fillRef>
+          <a:effectRef idx="1">
+            <a:schemeClr val="accent1"/>
+          </a:effectRef>
+          <a:fontRef idx="minor">
+            <a:schemeClr val="dk1"/>
+          </a:fontRef>
+        </p:style>
+        <p:txBody>
+          <a:bodyPr lIns="0" tIns="0" rIns="0" bIns="324000" rtlCol="0" anchor="b" anchorCtr="0"/>
+          <a:lstStyle/>
+          <a:p>
+            <a:pPr algn="ctr"/>
+            <a:r>
+              <a:rPr lang="en-US" sz="6000" b="1">
+                <a:solidFill>
+                  <a:schemeClr val="accent1">
+                    <a:lumMod val="75000"/>
+                  </a:schemeClr>
+                </a:solidFill>
+              </a:rPr>
+              <a:t>I</a:t>
+            </a:r>
+          </a:p>
+          <a:p>
+            <a:pPr algn="ctr"/>
+            <a:r>
+              <a:rPr lang="en-US"/>
+              <a:t>Integrity</a:t>
+            </a:r>
+          </a:p>
+        </p:txBody>
+      </p:sp>
+      <p:sp>
+        <p:nvSpPr>
+          <p:cNvPr id="4" name="Triangle 3">
+            <a:extLst>
+              <a:ext uri="{FF2B5EF4-FFF2-40B4-BE49-F238E27FC236}">
+                <a16:creationId xmlns:a16="http://schemas.microsoft.com/office/drawing/2014/main" id="{5EAEF10D-2D8D-47C9-2C42-6737198DFFB1}"/>
+              </a:ext>
+            </a:extLst>
+          </p:cNvPr>
+          <p:cNvSpPr/>
+          <p:nvPr/>
+        </p:nvSpPr>
+        <p:spPr>
+          <a:xfrm>
+            <a:off x="5839426" y="3715474"/>
+            <a:ext cx="2858947" cy="2349660"/>
+          </a:xfrm>
+          <a:prstGeom prst="triangle">
+            <a:avLst/>
+          </a:prstGeom>
+        </p:spPr>
+        <p:style>
+          <a:lnRef idx="1">
+            <a:schemeClr val="accent6"/>
+          </a:lnRef>
+          <a:fillRef idx="2">
+            <a:schemeClr val="accent6"/>
+          </a:fillRef>
+          <a:effectRef idx="1">
+            <a:schemeClr val="accent6"/>
+          </a:effectRef>
+          <a:fontRef idx="minor">
+            <a:schemeClr val="dk1"/>
+          </a:fontRef>
+        </p:style>
+        <p:txBody>
+          <a:bodyPr lIns="0" tIns="0" rIns="0" bIns="324000" rtlCol="0" anchor="b" anchorCtr="0"/>
+          <a:lstStyle/>
+          <a:p>
+            <a:pPr algn="ctr"/>
+            <a:r>
+              <a:rPr lang="en-US" sz="6000" b="1">
+                <a:solidFill>
+                  <a:schemeClr val="accent6">
+                    <a:lumMod val="75000"/>
+                  </a:schemeClr>
+                </a:solidFill>
+              </a:rPr>
+              <a:t>A</a:t>
+            </a:r>
+          </a:p>
+          <a:p>
+            <a:pPr algn="ctr"/>
+            <a:r>
+              <a:rPr lang="en-US"/>
+              <a:t>Availability</a:t>
+            </a:r>
+          </a:p>
+        </p:txBody>
+      </p:sp>
+      <p:sp>
+        <p:nvSpPr>
+          <p:cNvPr id="5" name="TextBox 4">
+            <a:extLst>
+              <a:ext uri="{FF2B5EF4-FFF2-40B4-BE49-F238E27FC236}">
+                <a16:creationId xmlns:a16="http://schemas.microsoft.com/office/drawing/2014/main" id="{DF8C27C9-C8F3-23B3-0929-340A9AAD7B83}"/>
+              </a:ext>
+            </a:extLst>
+          </p:cNvPr>
+          <p:cNvSpPr txBox="1"/>
+          <p:nvPr/>
+        </p:nvSpPr>
+        <p:spPr>
+          <a:xfrm>
+            <a:off x="5225969" y="3943956"/>
+            <a:ext cx="1226914" cy="1077218"/>
+          </a:xfrm>
+          <a:prstGeom prst="rect">
+            <a:avLst/>
+          </a:prstGeom>
+          <a:noFill/>
+        </p:spPr>
+        <p:txBody>
+          <a:bodyPr wrap="square" rtlCol="0">
+            <a:spAutoFit/>
+          </a:bodyPr>
+          <a:lstStyle/>
+          <a:p>
+            <a:pPr algn="ctr"/>
+            <a:r>
+              <a:rPr lang="en-US" sz="3200" b="1"/>
+              <a:t>CIA triad</a:t>
+            </a:r>
+          </a:p>
+        </p:txBody>
+      </p:sp>
+    </p:spTree>
+    <p:extLst>
+      <p:ext uri="{BB962C8B-B14F-4D97-AF65-F5344CB8AC3E}">
+        <p14:creationId xmlns:p14="http://schemas.microsoft.com/office/powerpoint/2010/main" val="2802488351"/>
+      </p:ext>
+    </p:extLst>
+  </p:cSld>
+  <p:clrMapOvr>
+    <a:masterClrMapping/>
+  </p:clrMapOvr>
+</p:sld>
+</file>
+
+<file path=ppt/slides/slide19.xml><?xml version="1.0" encoding="utf-8"?>
+<p:sld xmlns:a="http://schemas.openxmlformats.org/drawingml/2006/main" xmlns:r="http://schemas.openxmlformats.org/officeDocument/2006/relationships" xmlns:p="http://schemas.openxmlformats.org/presentationml/2006/main">
+  <p:cSld>
+    <p:spTree>
+      <p:nvGrpSpPr>
+        <p:cNvPr id="1" name=""/>
+        <p:cNvGrpSpPr/>
+        <p:nvPr/>
+      </p:nvGrpSpPr>
+      <p:grpSpPr>
+        <a:xfrm>
+          <a:off x="0" y="0"/>
+          <a:ext cx="0" cy="0"/>
+          <a:chOff x="0" y="0"/>
+          <a:chExt cx="0" cy="0"/>
+        </a:xfrm>
+      </p:grpSpPr>
+      <p:sp>
+        <p:nvSpPr>
+          <p:cNvPr id="2" name="TextBox 1">
+            <a:extLst>
+              <a:ext uri="{FF2B5EF4-FFF2-40B4-BE49-F238E27FC236}">
+                <a16:creationId xmlns:a16="http://schemas.microsoft.com/office/drawing/2014/main" id="{FBBD9122-AB39-D985-EE59-962CB9D4EBF5}"/>
+              </a:ext>
+            </a:extLst>
+          </p:cNvPr>
+          <p:cNvSpPr txBox="1"/>
+          <p:nvPr/>
+        </p:nvSpPr>
+        <p:spPr>
+          <a:xfrm>
+            <a:off x="1918252" y="1391478"/>
+            <a:ext cx="4939748" cy="3416320"/>
+          </a:xfrm>
+          <a:prstGeom prst="rect">
+            <a:avLst/>
+          </a:prstGeom>
+          <a:noFill/>
+        </p:spPr>
+        <p:txBody>
+          <a:bodyPr wrap="square" rtlCol="0">
+            <a:spAutoFit/>
+          </a:bodyPr>
+          <a:lstStyle/>
+          <a:p>
+            <a:pPr marL="342900" indent="-342900">
+              <a:buAutoNum type="arabicPeriod"/>
+            </a:pPr>
+            <a:r>
+              <a:rPr lang="en-US"/>
+              <a:t>Weaknesses in the source code</a:t>
+            </a:r>
+          </a:p>
+          <a:p>
+            <a:pPr marL="342900" indent="-342900">
+              <a:buAutoNum type="arabicPeriod"/>
+            </a:pPr>
+            <a:r>
+              <a:rPr lang="en-US"/>
+              <a:t>Misconfigured system components</a:t>
+            </a:r>
+          </a:p>
+          <a:p>
+            <a:pPr marL="342900" indent="-342900">
+              <a:buAutoNum type="arabicPeriod"/>
+            </a:pPr>
+            <a:r>
+              <a:rPr lang="en-US"/>
+              <a:t>Trust configurations</a:t>
+            </a:r>
+          </a:p>
+          <a:p>
+            <a:pPr marL="342900" indent="-342900">
+              <a:buAutoNum type="arabicPeriod"/>
+            </a:pPr>
+            <a:r>
+              <a:rPr lang="en-US"/>
+              <a:t>Weak credentialling practices</a:t>
+            </a:r>
+          </a:p>
+          <a:p>
+            <a:pPr marL="342900" indent="-342900">
+              <a:buAutoNum type="arabicPeriod"/>
+            </a:pPr>
+            <a:r>
+              <a:rPr lang="en-US"/>
+              <a:t>Lack of (strong) encryption</a:t>
+            </a:r>
+          </a:p>
+          <a:p>
+            <a:pPr marL="342900" indent="-342900">
+              <a:buAutoNum type="arabicPeriod"/>
+            </a:pPr>
+            <a:r>
+              <a:rPr lang="en-US"/>
+              <a:t>Insider threat</a:t>
+            </a:r>
+          </a:p>
+          <a:p>
+            <a:pPr marL="342900" indent="-342900">
+              <a:buAutoNum type="arabicPeriod"/>
+            </a:pPr>
+            <a:r>
+              <a:rPr lang="en-US"/>
+              <a:t>Psychological vulnerability</a:t>
+            </a:r>
+          </a:p>
+          <a:p>
+            <a:pPr marL="342900" indent="-342900">
+              <a:buAutoNum type="arabicPeriod"/>
+            </a:pPr>
+            <a:r>
+              <a:rPr lang="en-US"/>
+              <a:t>Inadequate authentication</a:t>
+            </a:r>
+          </a:p>
+          <a:p>
+            <a:pPr marL="342900" indent="-342900">
+              <a:buAutoNum type="arabicPeriod"/>
+            </a:pPr>
+            <a:r>
+              <a:rPr lang="en-US"/>
+              <a:t>Injection flaws</a:t>
+            </a:r>
+          </a:p>
+          <a:p>
+            <a:pPr marL="342900" indent="-342900">
+              <a:buAutoNum type="arabicPeriod"/>
+            </a:pPr>
+            <a:r>
+              <a:rPr lang="en-US"/>
+              <a:t>Sensitive data exposure</a:t>
+            </a:r>
+          </a:p>
+          <a:p>
+            <a:pPr marL="342900" indent="-342900">
+              <a:buAutoNum type="arabicPeriod"/>
+            </a:pPr>
+            <a:r>
+              <a:rPr lang="en-US"/>
+              <a:t>Insufficient monitoring and logging</a:t>
+            </a:r>
+          </a:p>
+          <a:p>
+            <a:pPr marL="342900" indent="-342900">
+              <a:buAutoNum type="arabicPeriod"/>
+            </a:pPr>
+            <a:r>
+              <a:rPr lang="en-US"/>
+              <a:t>Shared tenancy vulnerabilities</a:t>
+            </a:r>
+          </a:p>
+        </p:txBody>
+      </p:sp>
+      <p:sp>
+        <p:nvSpPr>
+          <p:cNvPr id="3" name="TextBox 2">
+            <a:extLst>
+              <a:ext uri="{FF2B5EF4-FFF2-40B4-BE49-F238E27FC236}">
+                <a16:creationId xmlns:a16="http://schemas.microsoft.com/office/drawing/2014/main" id="{14941761-5E6C-67E0-EEC7-B5D8231044AC}"/>
+              </a:ext>
+            </a:extLst>
+          </p:cNvPr>
+          <p:cNvSpPr txBox="1"/>
+          <p:nvPr/>
+        </p:nvSpPr>
+        <p:spPr>
+          <a:xfrm>
+            <a:off x="5706319" y="1480930"/>
+            <a:ext cx="5475203" cy="8125301"/>
+          </a:xfrm>
+          <a:prstGeom prst="rect">
+            <a:avLst/>
+          </a:prstGeom>
+          <a:noFill/>
+        </p:spPr>
+        <p:txBody>
+          <a:bodyPr wrap="square" rtlCol="0">
+            <a:spAutoFit/>
+          </a:bodyPr>
+          <a:lstStyle/>
+          <a:p>
+            <a:r>
+              <a:rPr lang="en-US"/>
+              <a:t>Network Vulnerabilities </a:t>
+            </a:r>
+          </a:p>
+          <a:p>
+            <a:r>
+              <a:rPr lang="en-US"/>
+              <a:t>These are issues with a network’s hardware or software that can expose it to possible intrusion by an outside party. Examples may include insecure Wi-Fi access points and poorly configured firewalls.</a:t>
+            </a:r>
+            <a:br>
+              <a:rPr lang="en-US"/>
+            </a:br>
+            <a:endParaRPr lang="en-US"/>
+          </a:p>
+          <a:p>
+            <a:r>
+              <a:rPr lang="en-US"/>
+              <a:t>System Vulnerabilities </a:t>
+            </a:r>
+          </a:p>
+          <a:p>
+            <a:r>
+              <a:rPr lang="en-US"/>
+              <a:t>These are vulnerabilities within a particular operating system (OS) that hackers may exploit. They use this type of vulnerability to access or damage an asset where the OS is installed. Examples include default superuser accounts that may exist in some OS installations and hidden backdoor programs. </a:t>
+            </a:r>
+          </a:p>
+          <a:p>
+            <a:r>
+              <a:rPr lang="en-US"/>
+              <a:t>Human Vulnerabilities </a:t>
+            </a:r>
+          </a:p>
+          <a:p>
+            <a:r>
+              <a:rPr lang="en-US"/>
+              <a:t>The weakest link in many cybersecurity architectures is the team members. And while it’s understandable for humans to make mistakes, these errors can easily expose sensitive data, create exploitable access points for attackers, or disrupt systems.</a:t>
+            </a:r>
+            <a:br>
+              <a:rPr lang="en-US"/>
+            </a:br>
+            <a:endParaRPr lang="en-US"/>
+          </a:p>
+          <a:p>
+            <a:r>
+              <a:rPr lang="en-US"/>
+              <a:t>Process Vulnerabilities </a:t>
+            </a:r>
+          </a:p>
+          <a:p>
+            <a:r>
+              <a:rPr lang="en-US"/>
+              <a:t>Some vulnerabilities can be created by specific process controls (or a lack thereof). One example would be the use of weak passwords, which may also fall under human vulnerabilities. </a:t>
+            </a:r>
+          </a:p>
+          <a:p>
+            <a:r>
+              <a:rPr lang="en-US"/>
+              <a:t>However, Farr says that knowing the types isn’t the main concern; you should care more about handling the most critical vulnerability first.  </a:t>
+            </a:r>
+          </a:p>
+          <a:p>
+            <a:endParaRPr lang="en-US"/>
+          </a:p>
+        </p:txBody>
+      </p:sp>
+    </p:spTree>
+    <p:extLst>
+      <p:ext uri="{BB962C8B-B14F-4D97-AF65-F5344CB8AC3E}">
+        <p14:creationId xmlns:p14="http://schemas.microsoft.com/office/powerpoint/2010/main" val="1576826554"/>
+      </p:ext>
+    </p:extLst>
+  </p:cSld>
+  <p:clrMapOvr>
+    <a:masterClrMapping/>
+  </p:clrMapOvr>
+</p:sld>
+</file>
+
 <file path=ppt/slides/slide2.xml><?xml version="1.0" encoding="utf-8"?>
 <p:sld xmlns:a="http://schemas.openxmlformats.org/drawingml/2006/main" xmlns:r="http://schemas.openxmlformats.org/officeDocument/2006/relationships" xmlns:p="http://schemas.openxmlformats.org/presentationml/2006/main">
   <p:cSld>
@@ -12015,6 +16589,298 @@
     <p:extLst>
       <p:ext uri="{BB962C8B-B14F-4D97-AF65-F5344CB8AC3E}">
         <p14:creationId xmlns:p14="http://schemas.microsoft.com/office/powerpoint/2010/main" val="1988274331"/>
+      </p:ext>
+    </p:extLst>
+  </p:cSld>
+  <p:clrMapOvr>
+    <a:masterClrMapping/>
+  </p:clrMapOvr>
+</p:sld>
+</file>
+
+<file path=ppt/slides/slide20.xml><?xml version="1.0" encoding="utf-8"?>
+<p:sld xmlns:a="http://schemas.openxmlformats.org/drawingml/2006/main" xmlns:r="http://schemas.openxmlformats.org/officeDocument/2006/relationships" xmlns:p="http://schemas.openxmlformats.org/presentationml/2006/main">
+  <p:cSld>
+    <p:spTree>
+      <p:nvGrpSpPr>
+        <p:cNvPr id="1" name=""/>
+        <p:cNvGrpSpPr/>
+        <p:nvPr/>
+      </p:nvGrpSpPr>
+      <p:grpSpPr>
+        <a:xfrm>
+          <a:off x="0" y="0"/>
+          <a:ext cx="0" cy="0"/>
+          <a:chOff x="0" y="0"/>
+          <a:chExt cx="0" cy="0"/>
+        </a:xfrm>
+      </p:grpSpPr>
+      <p:graphicFrame>
+        <p:nvGraphicFramePr>
+          <p:cNvPr id="2" name="Diagram 1">
+            <a:extLst>
+              <a:ext uri="{FF2B5EF4-FFF2-40B4-BE49-F238E27FC236}">
+                <a16:creationId xmlns:a16="http://schemas.microsoft.com/office/drawing/2014/main" id="{2B830A1F-A9AD-BC9D-0404-D9F6E2CF4AA4}"/>
+              </a:ext>
+            </a:extLst>
+          </p:cNvPr>
+          <p:cNvGraphicFramePr/>
+          <p:nvPr>
+            <p:extLst>
+              <p:ext uri="{D42A27DB-BD31-4B8C-83A1-F6EECF244321}">
+                <p14:modId xmlns:p14="http://schemas.microsoft.com/office/powerpoint/2010/main" val="1009889732"/>
+              </p:ext>
+            </p:extLst>
+          </p:nvPr>
+        </p:nvGraphicFramePr>
+        <p:xfrm>
+          <a:off x="868101" y="719666"/>
+          <a:ext cx="9291899" cy="5418667"/>
+        </p:xfrm>
+        <a:graphic>
+          <a:graphicData uri="http://schemas.openxmlformats.org/drawingml/2006/diagram">
+            <dgm:relIds xmlns:dgm="http://schemas.openxmlformats.org/drawingml/2006/diagram" xmlns:r="http://schemas.openxmlformats.org/officeDocument/2006/relationships" r:dm="rId2" r:lo="rId3" r:qs="rId4" r:cs="rId5"/>
+          </a:graphicData>
+        </a:graphic>
+      </p:graphicFrame>
+    </p:spTree>
+    <p:extLst>
+      <p:ext uri="{BB962C8B-B14F-4D97-AF65-F5344CB8AC3E}">
+        <p14:creationId xmlns:p14="http://schemas.microsoft.com/office/powerpoint/2010/main" val="540746188"/>
+      </p:ext>
+    </p:extLst>
+  </p:cSld>
+  <p:clrMapOvr>
+    <a:masterClrMapping/>
+  </p:clrMapOvr>
+</p:sld>
+</file>
+
+<file path=ppt/slides/slide21.xml><?xml version="1.0" encoding="utf-8"?>
+<p:sld xmlns:a="http://schemas.openxmlformats.org/drawingml/2006/main" xmlns:r="http://schemas.openxmlformats.org/officeDocument/2006/relationships" xmlns:p="http://schemas.openxmlformats.org/presentationml/2006/main">
+  <p:cSld>
+    <p:spTree>
+      <p:nvGrpSpPr>
+        <p:cNvPr id="1" name=""/>
+        <p:cNvGrpSpPr/>
+        <p:nvPr/>
+      </p:nvGrpSpPr>
+      <p:grpSpPr>
+        <a:xfrm>
+          <a:off x="0" y="0"/>
+          <a:ext cx="0" cy="0"/>
+          <a:chOff x="0" y="0"/>
+          <a:chExt cx="0" cy="0"/>
+        </a:xfrm>
+      </p:grpSpPr>
+      <p:pic>
+        <p:nvPicPr>
+          <p:cNvPr id="3" name="Picture 2" descr="A computer screen shot of a computer&#10;&#10;Description automatically generated">
+            <a:extLst>
+              <a:ext uri="{FF2B5EF4-FFF2-40B4-BE49-F238E27FC236}">
+                <a16:creationId xmlns:a16="http://schemas.microsoft.com/office/drawing/2014/main" id="{C3C91EE3-E683-E4D9-D5EA-F90DAB03BD07}"/>
+              </a:ext>
+            </a:extLst>
+          </p:cNvPr>
+          <p:cNvPicPr>
+            <a:picLocks noChangeAspect="1"/>
+          </p:cNvPicPr>
+          <p:nvPr/>
+        </p:nvPicPr>
+        <p:blipFill>
+          <a:blip r:embed="rId2"/>
+          <a:stretch>
+            <a:fillRect/>
+          </a:stretch>
+        </p:blipFill>
+        <p:spPr>
+          <a:xfrm>
+            <a:off x="553877" y="590178"/>
+            <a:ext cx="11084246" cy="5677644"/>
+          </a:xfrm>
+          <a:prstGeom prst="rect">
+            <a:avLst/>
+          </a:prstGeom>
+        </p:spPr>
+      </p:pic>
+      <p:sp>
+        <p:nvSpPr>
+          <p:cNvPr id="5" name="Oval 4">
+            <a:extLst>
+              <a:ext uri="{FF2B5EF4-FFF2-40B4-BE49-F238E27FC236}">
+                <a16:creationId xmlns:a16="http://schemas.microsoft.com/office/drawing/2014/main" id="{52F5208B-395A-6FA4-D4F8-4BC7AA5DB210}"/>
+              </a:ext>
+            </a:extLst>
+          </p:cNvPr>
+          <p:cNvSpPr/>
+          <p:nvPr/>
+        </p:nvSpPr>
+        <p:spPr>
+          <a:xfrm>
+            <a:off x="2023862" y="1464329"/>
+            <a:ext cx="601883" cy="601883"/>
+          </a:xfrm>
+          <a:prstGeom prst="ellipse">
+            <a:avLst/>
+          </a:prstGeom>
+          <a:ln w="28575"/>
+        </p:spPr>
+        <p:style>
+          <a:lnRef idx="2">
+            <a:schemeClr val="accent2"/>
+          </a:lnRef>
+          <a:fillRef idx="1">
+            <a:schemeClr val="lt1"/>
+          </a:fillRef>
+          <a:effectRef idx="0">
+            <a:schemeClr val="accent2"/>
+          </a:effectRef>
+          <a:fontRef idx="minor">
+            <a:schemeClr val="dk1"/>
+          </a:fontRef>
+        </p:style>
+        <p:txBody>
+          <a:bodyPr rtlCol="0" anchor="ctr"/>
+          <a:lstStyle/>
+          <a:p>
+            <a:pPr algn="ctr"/>
+            <a:r>
+              <a:rPr lang="en-US" b="1"/>
+              <a:t>1</a:t>
+            </a:r>
+          </a:p>
+        </p:txBody>
+      </p:sp>
+      <p:sp>
+        <p:nvSpPr>
+          <p:cNvPr id="6" name="Oval 5">
+            <a:extLst>
+              <a:ext uri="{FF2B5EF4-FFF2-40B4-BE49-F238E27FC236}">
+                <a16:creationId xmlns:a16="http://schemas.microsoft.com/office/drawing/2014/main" id="{94D6E3C3-3185-A1E7-BD25-CB9B12AEC167}"/>
+              </a:ext>
+            </a:extLst>
+          </p:cNvPr>
+          <p:cNvSpPr/>
+          <p:nvPr/>
+        </p:nvSpPr>
+        <p:spPr>
+          <a:xfrm>
+            <a:off x="3900890" y="4521974"/>
+            <a:ext cx="601883" cy="601883"/>
+          </a:xfrm>
+          <a:prstGeom prst="ellipse">
+            <a:avLst/>
+          </a:prstGeom>
+          <a:ln w="28575"/>
+        </p:spPr>
+        <p:style>
+          <a:lnRef idx="2">
+            <a:schemeClr val="accent2"/>
+          </a:lnRef>
+          <a:fillRef idx="1">
+            <a:schemeClr val="lt1"/>
+          </a:fillRef>
+          <a:effectRef idx="0">
+            <a:schemeClr val="accent2"/>
+          </a:effectRef>
+          <a:fontRef idx="minor">
+            <a:schemeClr val="dk1"/>
+          </a:fontRef>
+        </p:style>
+        <p:txBody>
+          <a:bodyPr rtlCol="0" anchor="ctr"/>
+          <a:lstStyle/>
+          <a:p>
+            <a:pPr algn="ctr"/>
+            <a:r>
+              <a:rPr lang="en-US" b="1"/>
+              <a:t>2</a:t>
+            </a:r>
+          </a:p>
+        </p:txBody>
+      </p:sp>
+      <p:sp>
+        <p:nvSpPr>
+          <p:cNvPr id="7" name="Oval 6">
+            <a:extLst>
+              <a:ext uri="{FF2B5EF4-FFF2-40B4-BE49-F238E27FC236}">
+                <a16:creationId xmlns:a16="http://schemas.microsoft.com/office/drawing/2014/main" id="{667C713F-CE5B-2973-E2CD-BD7519C322F1}"/>
+              </a:ext>
+            </a:extLst>
+          </p:cNvPr>
+          <p:cNvSpPr/>
+          <p:nvPr/>
+        </p:nvSpPr>
+        <p:spPr>
+          <a:xfrm>
+            <a:off x="8081280" y="2394162"/>
+            <a:ext cx="601883" cy="601883"/>
+          </a:xfrm>
+          <a:prstGeom prst="ellipse">
+            <a:avLst/>
+          </a:prstGeom>
+          <a:ln w="28575"/>
+        </p:spPr>
+        <p:style>
+          <a:lnRef idx="2">
+            <a:schemeClr val="accent2"/>
+          </a:lnRef>
+          <a:fillRef idx="1">
+            <a:schemeClr val="lt1"/>
+          </a:fillRef>
+          <a:effectRef idx="0">
+            <a:schemeClr val="accent2"/>
+          </a:effectRef>
+          <a:fontRef idx="minor">
+            <a:schemeClr val="dk1"/>
+          </a:fontRef>
+        </p:style>
+        <p:txBody>
+          <a:bodyPr rtlCol="0" anchor="ctr"/>
+          <a:lstStyle/>
+          <a:p>
+            <a:pPr algn="ctr"/>
+            <a:r>
+              <a:rPr lang="en-US" b="1"/>
+              <a:t>3</a:t>
+            </a:r>
+          </a:p>
+        </p:txBody>
+      </p:sp>
+    </p:spTree>
+    <p:extLst>
+      <p:ext uri="{BB962C8B-B14F-4D97-AF65-F5344CB8AC3E}">
+        <p14:creationId xmlns:p14="http://schemas.microsoft.com/office/powerpoint/2010/main" val="2000592057"/>
+      </p:ext>
+    </p:extLst>
+  </p:cSld>
+  <p:clrMapOvr>
+    <a:masterClrMapping/>
+  </p:clrMapOvr>
+</p:sld>
+</file>
+
+<file path=ppt/slides/slide22.xml><?xml version="1.0" encoding="utf-8"?>
+<p:sld xmlns:a="http://schemas.openxmlformats.org/drawingml/2006/main" xmlns:r="http://schemas.openxmlformats.org/officeDocument/2006/relationships" xmlns:p="http://schemas.openxmlformats.org/presentationml/2006/main">
+  <p:cSld>
+    <p:spTree>
+      <p:nvGrpSpPr>
+        <p:cNvPr id="1" name=""/>
+        <p:cNvGrpSpPr/>
+        <p:nvPr/>
+      </p:nvGrpSpPr>
+      <p:grpSpPr>
+        <a:xfrm>
+          <a:off x="0" y="0"/>
+          <a:ext cx="0" cy="0"/>
+          <a:chOff x="0" y="0"/>
+          <a:chExt cx="0" cy="0"/>
+        </a:xfrm>
+      </p:grpSpPr>
+    </p:spTree>
+    <p:extLst>
+      <p:ext uri="{BB962C8B-B14F-4D97-AF65-F5344CB8AC3E}">
+        <p14:creationId xmlns:p14="http://schemas.microsoft.com/office/powerpoint/2010/main" val="751390124"/>
       </p:ext>
     </p:extLst>
   </p:cSld>
